--- a/Simulation Acceleration tutoria.pptx
+++ b/Simulation Acceleration tutoria.pptx
@@ -331,7 +331,7 @@
             <a:pPr>
               <a:defRPr/>
             </a:pPr>
-            <a:fld id="{719C8662-1B30-45F8-A05D-9384E2AC4F13}" type="datetimeFigureOut">
+            <a:fld id="{74F539D0-F09F-4E57-BD0A-2871ABE9996E}" type="datetimeFigureOut">
               <a:rPr lang="en-US"/>
               <a:pPr>
                 <a:defRPr/>
@@ -390,7 +390,7 @@
             <a:pPr>
               <a:defRPr/>
             </a:pPr>
-            <a:fld id="{BFB85F0C-1A2B-4BAC-841D-8D732B66049C}" type="slidenum">
+            <a:fld id="{665B0DBD-7E62-4E57-AD55-B348102C3102}" type="slidenum">
               <a:rPr lang="he-IL"/>
               <a:pPr>
                 <a:defRPr/>
@@ -523,7 +523,7 @@
             <a:pPr>
               <a:defRPr/>
             </a:pPr>
-            <a:fld id="{31E12686-DC48-4D2D-8F02-E2BF8BA085A0}" type="datetimeFigureOut">
+            <a:fld id="{5C350878-5964-4CF9-A2FA-F7F5DA451A45}" type="datetimeFigureOut">
               <a:rPr lang="en-US"/>
               <a:pPr>
                 <a:defRPr/>
@@ -582,7 +582,7 @@
             <a:pPr>
               <a:defRPr/>
             </a:pPr>
-            <a:fld id="{A68C88F9-BF40-4DF3-BA6B-80D130ABD23E}" type="slidenum">
+            <a:fld id="{83140BAF-9839-4B19-B22E-F920DBEDE341}" type="slidenum">
               <a:rPr lang="he-IL"/>
               <a:pPr>
                 <a:defRPr/>
@@ -725,7 +725,7 @@
             <a:pPr>
               <a:defRPr/>
             </a:pPr>
-            <a:fld id="{7826CD47-9B01-4D36-9E4A-4852B0B5B9DE}" type="datetimeFigureOut">
+            <a:fld id="{12D4040C-0A55-4A85-B9B1-34F06D2AE9AD}" type="datetimeFigureOut">
               <a:rPr lang="en-US"/>
               <a:pPr>
                 <a:defRPr/>
@@ -784,7 +784,7 @@
             <a:pPr>
               <a:defRPr/>
             </a:pPr>
-            <a:fld id="{724C946B-7D6E-4EA2-9802-9F1E0A90704C}" type="slidenum">
+            <a:fld id="{F3B3EFBE-CBFE-4BEF-8E01-6796F22C7DA5}" type="slidenum">
               <a:rPr lang="he-IL"/>
               <a:pPr>
                 <a:defRPr/>
@@ -917,7 +917,7 @@
             <a:pPr>
               <a:defRPr/>
             </a:pPr>
-            <a:fld id="{C68B20D7-AE74-40A1-9F49-999A04256726}" type="datetimeFigureOut">
+            <a:fld id="{91B3B96D-6691-4D42-BA2E-E70E3DC7413D}" type="datetimeFigureOut">
               <a:rPr lang="en-US"/>
               <a:pPr>
                 <a:defRPr/>
@@ -976,7 +976,7 @@
             <a:pPr>
               <a:defRPr/>
             </a:pPr>
-            <a:fld id="{5FA978EE-4C3F-43F0-8246-1F10D588B66F}" type="slidenum">
+            <a:fld id="{3A85E364-039A-4396-AEEE-ABED807C2AB0}" type="slidenum">
               <a:rPr lang="he-IL"/>
               <a:pPr>
                 <a:defRPr/>
@@ -1185,7 +1185,7 @@
             <a:pPr>
               <a:defRPr/>
             </a:pPr>
-            <a:fld id="{E2C2ABDC-87B9-46F9-A1DC-2CC28DBA6A56}" type="datetimeFigureOut">
+            <a:fld id="{3BBCBC5D-15B2-49CC-A863-B3C3FB8CE320}" type="datetimeFigureOut">
               <a:rPr lang="en-US"/>
               <a:pPr>
                 <a:defRPr/>
@@ -1244,7 +1244,7 @@
             <a:pPr>
               <a:defRPr/>
             </a:pPr>
-            <a:fld id="{521C43F1-2373-420C-845C-4ACDD2666BE8}" type="slidenum">
+            <a:fld id="{A94D8FC4-2772-4544-8E67-F7BE8E1584DE}" type="slidenum">
               <a:rPr lang="he-IL"/>
               <a:pPr>
                 <a:defRPr/>
@@ -1495,7 +1495,7 @@
             <a:pPr>
               <a:defRPr/>
             </a:pPr>
-            <a:fld id="{D42E3FF3-1AE0-4C35-9DEF-87FF9C9CA358}" type="datetimeFigureOut">
+            <a:fld id="{507613AD-92F0-4EA3-8D36-2F338EF23B0C}" type="datetimeFigureOut">
               <a:rPr lang="en-US"/>
               <a:pPr>
                 <a:defRPr/>
@@ -1554,7 +1554,7 @@
             <a:pPr>
               <a:defRPr/>
             </a:pPr>
-            <a:fld id="{016FDFCA-D17D-43D4-B7C6-857AC32EBB55}" type="slidenum">
+            <a:fld id="{668D4026-B131-4C4B-8C61-44CD0EE117C6}" type="slidenum">
               <a:rPr lang="he-IL"/>
               <a:pPr>
                 <a:defRPr/>
@@ -1939,7 +1939,7 @@
             <a:pPr>
               <a:defRPr/>
             </a:pPr>
-            <a:fld id="{9ED021AE-3B9B-4CCD-9D95-42338F58EB70}" type="datetimeFigureOut">
+            <a:fld id="{36500A29-DD4E-44F3-8549-DD23A160F6F9}" type="datetimeFigureOut">
               <a:rPr lang="en-US"/>
               <a:pPr>
                 <a:defRPr/>
@@ -1998,7 +1998,7 @@
             <a:pPr>
               <a:defRPr/>
             </a:pPr>
-            <a:fld id="{6D23647B-15E4-4EC8-A77C-9CFEFAE5F739}" type="slidenum">
+            <a:fld id="{0C6AFE15-AE7B-4140-9D7E-8D362E604F05}" type="slidenum">
               <a:rPr lang="he-IL"/>
               <a:pPr>
                 <a:defRPr/>
@@ -2079,7 +2079,7 @@
             <a:pPr>
               <a:defRPr/>
             </a:pPr>
-            <a:fld id="{3BA75143-7922-4B76-85D2-91547658EE7B}" type="datetimeFigureOut">
+            <a:fld id="{231C9681-11B3-4FE6-BC73-5A2416B1B487}" type="datetimeFigureOut">
               <a:rPr lang="en-US"/>
               <a:pPr>
                 <a:defRPr/>
@@ -2138,7 +2138,7 @@
             <a:pPr>
               <a:defRPr/>
             </a:pPr>
-            <a:fld id="{63016508-B599-49F5-9920-DF29487A35EA}" type="slidenum">
+            <a:fld id="{D1CE6987-5667-47F3-B7DB-872645175F42}" type="slidenum">
               <a:rPr lang="he-IL"/>
               <a:pPr>
                 <a:defRPr/>
@@ -2196,7 +2196,7 @@
             <a:pPr>
               <a:defRPr/>
             </a:pPr>
-            <a:fld id="{6DBB49BF-AD74-4E9D-A28D-8C33D7413289}" type="datetimeFigureOut">
+            <a:fld id="{56577614-F791-48A2-9F3F-CE24EE54340B}" type="datetimeFigureOut">
               <a:rPr lang="en-US"/>
               <a:pPr>
                 <a:defRPr/>
@@ -2255,7 +2255,7 @@
             <a:pPr>
               <a:defRPr/>
             </a:pPr>
-            <a:fld id="{03F1FAB7-4EB6-4743-8F07-2E09CBD0D803}" type="slidenum">
+            <a:fld id="{7B73BFC3-B85D-4857-82F9-D94BDE3EBF49}" type="slidenum">
               <a:rPr lang="he-IL"/>
               <a:pPr>
                 <a:defRPr/>
@@ -2495,7 +2495,7 @@
             <a:pPr>
               <a:defRPr/>
             </a:pPr>
-            <a:fld id="{1C9DB475-E8CF-49D4-9FF9-8A851DE59275}" type="datetimeFigureOut">
+            <a:fld id="{67C70324-3AC9-42DB-8532-BFB6ED61B9E8}" type="datetimeFigureOut">
               <a:rPr lang="en-US"/>
               <a:pPr>
                 <a:defRPr/>
@@ -2554,7 +2554,7 @@
             <a:pPr>
               <a:defRPr/>
             </a:pPr>
-            <a:fld id="{EA86E95D-BFBE-42C9-9ABE-A2EB56A46E05}" type="slidenum">
+            <a:fld id="{CBF85B01-D25F-4508-9507-589354FEAC66}" type="slidenum">
               <a:rPr lang="he-IL"/>
               <a:pPr>
                 <a:defRPr/>
@@ -2773,7 +2773,7 @@
             <a:pPr>
               <a:defRPr/>
             </a:pPr>
-            <a:fld id="{FD72900F-0C28-437F-8C9F-3F36D87C945F}" type="datetimeFigureOut">
+            <a:fld id="{E1FD2551-34FC-4EBA-8B6A-E3EE45952FAF}" type="datetimeFigureOut">
               <a:rPr lang="en-US"/>
               <a:pPr>
                 <a:defRPr/>
@@ -2832,7 +2832,7 @@
             <a:pPr>
               <a:defRPr/>
             </a:pPr>
-            <a:fld id="{331AD16F-227D-4036-BE6D-C094BEB59517}" type="slidenum">
+            <a:fld id="{B978A510-CDAA-46F4-9809-9B1544AD2AF3}" type="slidenum">
               <a:rPr lang="he-IL"/>
               <a:pPr>
                 <a:defRPr/>
@@ -3029,7 +3029,7 @@
             <a:pPr>
               <a:defRPr/>
             </a:pPr>
-            <a:fld id="{1F8C55C2-2106-4AB9-B032-4C633F773214}" type="datetimeFigureOut">
+            <a:fld id="{058E127A-74CA-45F4-9E94-33006044B47E}" type="datetimeFigureOut">
               <a:rPr lang="en-US"/>
               <a:pPr>
                 <a:defRPr/>
@@ -3127,7 +3127,7 @@
             <a:pPr>
               <a:defRPr/>
             </a:pPr>
-            <a:fld id="{93B92819-7DE3-42B4-B6C7-D22A15C12A37}" type="slidenum">
+            <a:fld id="{8EA56DE6-A8A7-4973-A60E-65DF6CD41C1E}" type="slidenum">
               <a:rPr lang="he-IL"/>
               <a:pPr>
                 <a:defRPr/>
@@ -3902,7 +3902,7 @@
         </p:nvSpPr>
         <p:spPr>
           <a:xfrm>
-            <a:off x="457200" y="304800"/>
+            <a:off x="457200" y="76200"/>
             <a:ext cx="8229600" cy="1143000"/>
           </a:xfrm>
         </p:spPr>
@@ -3937,8 +3937,8 @@
         </p:nvSpPr>
         <p:spPr>
           <a:xfrm>
-            <a:off x="381000" y="1600200"/>
-            <a:ext cx="8229600" cy="5257800"/>
+            <a:off x="381000" y="1143000"/>
+            <a:ext cx="8229600" cy="5562600"/>
           </a:xfrm>
         </p:spPr>
         <p:txBody>
@@ -3955,36 +3955,28 @@
             <a:pPr eaLnBrk="1" hangingPunct="1"/>
             <a:r>
               <a:rPr lang="en-US" sz="2000" smtClean="0"/>
-              <a:t>To make the transaction from regular simulation to Palladium Simulation Acceleration faster, we need to have full knowledge on the design &amp; details of the way this chip preform its function.</a:t>
-            </a:r>
-            <a:endParaRPr lang="en-US" sz="1600" smtClean="0"/>
+              <a:t>The main changes need to by done on the Specman envirnonmen are:</a:t>
+            </a:r>
           </a:p>
           <a:p>
             <a:pPr lvl="1" eaLnBrk="1" hangingPunct="1"/>
             <a:r>
-              <a:rPr lang="en-US" sz="1600" smtClean="0"/>
-              <a:t>Specman</a:t>
-            </a:r>
-          </a:p>
-          <a:p>
-            <a:pPr lvl="2" eaLnBrk="1" hangingPunct="1"/>
-            <a:r>
-              <a:rPr lang="en-US" sz="1200" smtClean="0"/>
-              <a:t>Signals from Specman to Palladium; in simulation we can read &amp; write each signal in the design. In Palladium we have a limit (per board or domain) on those signal so we needs to consider each signal.</a:t>
-            </a:r>
-          </a:p>
-          <a:p>
-            <a:pPr lvl="2" eaLnBrk="1" hangingPunct="1"/>
-            <a:r>
-              <a:rPr lang="en-US" sz="1200" smtClean="0"/>
-              <a:t>events;The Specman environment works from event to event. In regular simulation we can have as many event as we like, and as often as we like(clocks). When Palladium trigger an event it stop the fast simulation move to the control UNIX for the Specman method and back. If the event are to close this will reduce the speed to ineffective speed. We have to use only major events and may need a Verilog module in the Palladium environment to gather the data and send it to the Specman on one event.</a:t>
-            </a:r>
-          </a:p>
-          <a:p>
-            <a:pPr lvl="2" eaLnBrk="1" hangingPunct="1"/>
-            <a:r>
-              <a:rPr lang="en-US" sz="1200" smtClean="0"/>
-              <a:t>Memories; memories can’t be written or read. We’ll need to do this some other way.</a:t>
+              <a:rPr lang="en-US" sz="1800" smtClean="0"/>
+              <a:t>Events: Specman environment are working from an event to event. In regular Specman environment we can use as much events as we like and as often as we like. So we some time us event even on the clock signal. In the Palladium the Palladium have to stop for each event transfer control to the UNIX for the Specman method and start running again. This will make the simulation very slow almost the speed of regular simulation. So in Palladium SA we need to consider every event we use and use only the major ones.</a:t>
+            </a:r>
+          </a:p>
+          <a:p>
+            <a:pPr lvl="1" eaLnBrk="1" hangingPunct="1"/>
+            <a:r>
+              <a:rPr lang="en-US" sz="1800" smtClean="0"/>
+              <a:t>Signals: In regular Specman environment we have no limitation on signals we can use or read in the design. In Palladium every domain have only a number of signal that can be used for this we again need to consider which ones we can us and which we can do without. But we can use a Verilog module in the Palladium to replace the signals we can’t use in the environment.</a:t>
+            </a:r>
+          </a:p>
+          <a:p>
+            <a:pPr lvl="1" eaLnBrk="1" hangingPunct="1"/>
+            <a:r>
+              <a:rPr lang="en-US" sz="1800" smtClean="0"/>
+              <a:t>Memories: we can’t read or write memories in the design with the specman at all (not enough signals). So reading &amp; writing form the Palladium by the Specman must be done through the UNIX environment. </a:t>
             </a:r>
           </a:p>
         </p:txBody>

--- a/Simulation Acceleration tutoria.pptx
+++ b/Simulation Acceleration tutoria.pptx
@@ -336,7 +336,7 @@
               <a:pPr>
                 <a:defRPr/>
               </a:pPr>
-              <a:t>1/3/2015</a:t>
+              <a:t>1/4/2015</a:t>
             </a:fld>
             <a:endParaRPr lang="en-US"/>
           </a:p>
@@ -528,7 +528,7 @@
               <a:pPr>
                 <a:defRPr/>
               </a:pPr>
-              <a:t>1/3/2015</a:t>
+              <a:t>1/4/2015</a:t>
             </a:fld>
             <a:endParaRPr lang="en-US"/>
           </a:p>
@@ -730,7 +730,7 @@
               <a:pPr>
                 <a:defRPr/>
               </a:pPr>
-              <a:t>1/3/2015</a:t>
+              <a:t>1/4/2015</a:t>
             </a:fld>
             <a:endParaRPr lang="en-US"/>
           </a:p>
@@ -922,7 +922,7 @@
               <a:pPr>
                 <a:defRPr/>
               </a:pPr>
-              <a:t>1/3/2015</a:t>
+              <a:t>1/4/2015</a:t>
             </a:fld>
             <a:endParaRPr lang="en-US"/>
           </a:p>
@@ -1190,7 +1190,7 @@
               <a:pPr>
                 <a:defRPr/>
               </a:pPr>
-              <a:t>1/3/2015</a:t>
+              <a:t>1/4/2015</a:t>
             </a:fld>
             <a:endParaRPr lang="en-US"/>
           </a:p>
@@ -1500,7 +1500,7 @@
               <a:pPr>
                 <a:defRPr/>
               </a:pPr>
-              <a:t>1/3/2015</a:t>
+              <a:t>1/4/2015</a:t>
             </a:fld>
             <a:endParaRPr lang="en-US"/>
           </a:p>
@@ -1944,7 +1944,7 @@
               <a:pPr>
                 <a:defRPr/>
               </a:pPr>
-              <a:t>1/3/2015</a:t>
+              <a:t>1/4/2015</a:t>
             </a:fld>
             <a:endParaRPr lang="en-US"/>
           </a:p>
@@ -2084,7 +2084,7 @@
               <a:pPr>
                 <a:defRPr/>
               </a:pPr>
-              <a:t>1/3/2015</a:t>
+              <a:t>1/4/2015</a:t>
             </a:fld>
             <a:endParaRPr lang="en-US"/>
           </a:p>
@@ -2201,7 +2201,7 @@
               <a:pPr>
                 <a:defRPr/>
               </a:pPr>
-              <a:t>1/3/2015</a:t>
+              <a:t>1/4/2015</a:t>
             </a:fld>
             <a:endParaRPr lang="en-US"/>
           </a:p>
@@ -2500,7 +2500,7 @@
               <a:pPr>
                 <a:defRPr/>
               </a:pPr>
-              <a:t>1/3/2015</a:t>
+              <a:t>1/4/2015</a:t>
             </a:fld>
             <a:endParaRPr lang="en-US"/>
           </a:p>
@@ -2778,7 +2778,7 @@
               <a:pPr>
                 <a:defRPr/>
               </a:pPr>
-              <a:t>1/3/2015</a:t>
+              <a:t>1/4/2015</a:t>
             </a:fld>
             <a:endParaRPr lang="en-US"/>
           </a:p>
@@ -3034,7 +3034,7 @@
               <a:pPr>
                 <a:defRPr/>
               </a:pPr>
-              <a:t>1/3/2015</a:t>
+              <a:t>1/4/2015</a:t>
             </a:fld>
             <a:endParaRPr lang="en-US"/>
           </a:p>
@@ -3809,51 +3809,67 @@
           <a:p>
             <a:pPr eaLnBrk="1" hangingPunct="1"/>
             <a:r>
-              <a:rPr lang="en-US" sz="2000" smtClean="0"/>
+              <a:rPr lang="en-US" sz="2000" dirty="0" smtClean="0"/>
               <a:t>A module that we want to run on the Palladium have to first work on regular simulation. Also we need to have this simulation so we’ll knew how this module supposed to work, so when it doesn’t work this way the problem can only come from the difference between the simulation and the Palladium.</a:t>
             </a:r>
           </a:p>
           <a:p>
             <a:pPr eaLnBrk="1" hangingPunct="1"/>
             <a:r>
-              <a:rPr lang="en-US" sz="2000" smtClean="0"/>
+              <a:rPr lang="en-US" sz="2000" dirty="0" smtClean="0"/>
               <a:t>The main problems expected are: </a:t>
             </a:r>
           </a:p>
           <a:p>
             <a:pPr lvl="1" eaLnBrk="1" hangingPunct="1"/>
             <a:r>
-              <a:rPr lang="en-US" sz="1800" smtClean="0"/>
-              <a:t>Clocks: the clocks in the Palladium are generated by special clock generators. We have to knew how many clocks we have in the design, what are their frequencies, and how they are running in the design. </a:t>
+              <a:rPr lang="en-US" sz="1800" b="1" u="sng" dirty="0" smtClean="0"/>
+              <a:t>Clocks:</a:t>
+            </a:r>
+            <a:r>
+              <a:rPr lang="en-US" sz="1800" dirty="0" smtClean="0"/>
+              <a:t> the clocks in the Palladium are generated by special clock generators. We have to knew how many clocks we have in the design, what are their frequencies, and how they are running in the design. </a:t>
             </a:r>
           </a:p>
           <a:p>
             <a:pPr lvl="1" eaLnBrk="1" hangingPunct="1"/>
             <a:r>
-              <a:rPr lang="en-US" sz="1800" smtClean="0"/>
-              <a:t>Clock gates: some times we have clock gates in the design. Sometimes we get those block from the FUB and they are not synthesizable. We need to check them, and if needed replace them with a synthesizable module.</a:t>
+              <a:rPr lang="en-US" sz="1800" b="1" u="sng" dirty="0" smtClean="0"/>
+              <a:t>Clock gates: </a:t>
+            </a:r>
+            <a:r>
+              <a:rPr lang="en-US" sz="1800" dirty="0" smtClean="0"/>
+              <a:t>some times we have clock gates in the design. Sometimes we get those block from the FUB and they are not synthesizable. We need to check them, and if needed replace them with a synthesizable module.</a:t>
             </a:r>
           </a:p>
           <a:p>
             <a:pPr lvl="1" eaLnBrk="1" hangingPunct="1"/>
             <a:r>
-              <a:rPr lang="en-US" sz="1800" smtClean="0"/>
-              <a:t>RAM’s : The RAM’s module used in simulation are Verilog modules provided by the FUB </a:t>
-            </a:r>
-            <a:r>
-              <a:rPr lang="en-US" sz="1800" b="1" u="sng" smtClean="0"/>
+              <a:rPr lang="en-US" sz="1800" b="1" u="sng" dirty="0" smtClean="0"/>
+              <a:t>RAM’s :</a:t>
+            </a:r>
+            <a:r>
+              <a:rPr lang="en-US" sz="1800" dirty="0" smtClean="0"/>
+              <a:t> The RAM’s module used in simulation are Verilog modules provided by the FUB </a:t>
+            </a:r>
+            <a:r>
+              <a:rPr lang="en-US" sz="1800" b="1" u="sng" dirty="0" smtClean="0"/>
               <a:t>they are not synthesizable! </a:t>
             </a:r>
             <a:r>
-              <a:rPr lang="en-US" sz="1800" smtClean="0"/>
+              <a:rPr lang="en-US" sz="1800" dirty="0" smtClean="0"/>
               <a:t>We need to replace them with synthesizable module. </a:t>
             </a:r>
           </a:p>
           <a:p>
             <a:pPr lvl="1" eaLnBrk="1" hangingPunct="1"/>
             <a:r>
-              <a:rPr lang="en-US" sz="1800" smtClean="0"/>
-              <a:t>Analog modules: most of the times those are behavioral modules that again can’t by synthesize. We need to replace them with synthesizable modules or bypass them. </a:t>
+              <a:rPr lang="en-US" sz="1800" b="1" u="sng" dirty="0" smtClean="0"/>
+              <a:t>Analog modules: </a:t>
+            </a:r>
+            <a:r>
+              <a:rPr lang="en-US" sz="1800" dirty="0" smtClean="0"/>
+              <a:t>most of the times those are behavioral modules that again can’t by synthesize. We need to replace them with synthesizable modules or bypass them. </a:t>
             </a:r>
           </a:p>
         </p:txBody>
@@ -3947,36 +3963,124 @@
           <a:p>
             <a:pPr eaLnBrk="1" hangingPunct="1"/>
             <a:r>
-              <a:rPr lang="en-US" sz="2000" smtClean="0"/>
-              <a:t>The Specman environment will need to get some changes to run on the Palladium. But the top level must stay the same so the test running on the Palladium will be identical to the tests running on the ‘official’ simulation.</a:t>
+              <a:rPr lang="en-US" sz="2000" dirty="0" smtClean="0"/>
+              <a:t>The </a:t>
+            </a:r>
+            <a:r>
+              <a:rPr lang="en-US" sz="2000" dirty="0" err="1" smtClean="0"/>
+              <a:t>Specman</a:t>
+            </a:r>
+            <a:r>
+              <a:rPr lang="en-US" sz="2000" dirty="0" smtClean="0"/>
+              <a:t> environment will need to get some changes to run on the Palladium. But the top level must stay the same so the test running on the Palladium will be identical to the tests running on the ‘official’ simulation.</a:t>
             </a:r>
           </a:p>
           <a:p>
             <a:pPr eaLnBrk="1" hangingPunct="1"/>
             <a:r>
-              <a:rPr lang="en-US" sz="2000" smtClean="0"/>
-              <a:t>The main changes need to by done on the Specman envirnonmen are:</a:t>
+              <a:rPr lang="en-US" sz="2000" dirty="0" smtClean="0"/>
+              <a:t>The main changes need to by done on the </a:t>
+            </a:r>
+            <a:r>
+              <a:rPr lang="en-US" sz="2000" dirty="0" err="1" smtClean="0"/>
+              <a:t>Specman</a:t>
+            </a:r>
+            <a:r>
+              <a:rPr lang="en-US" sz="2000" dirty="0" smtClean="0"/>
+              <a:t> </a:t>
+            </a:r>
+            <a:r>
+              <a:rPr lang="en-US" sz="2000" dirty="0" err="1" smtClean="0"/>
+              <a:t>environmen</a:t>
+            </a:r>
+            <a:r>
+              <a:rPr lang="en-US" sz="2000" dirty="0" smtClean="0"/>
+              <a:t> </a:t>
+            </a:r>
+            <a:r>
+              <a:rPr lang="en-US" sz="2000" dirty="0" smtClean="0"/>
+              <a:t>are:</a:t>
             </a:r>
           </a:p>
           <a:p>
             <a:pPr lvl="1" eaLnBrk="1" hangingPunct="1"/>
             <a:r>
-              <a:rPr lang="en-US" sz="1800" smtClean="0"/>
-              <a:t>Events: Specman environment are working from an event to event. In regular Specman environment we can use as much events as we like and as often as we like. So we some time us event even on the clock signal. In the Palladium the Palladium have to stop for each event transfer control to the UNIX for the Specman method and start running again. This will make the simulation very slow almost the speed of regular simulation. So in Palladium SA we need to consider every event we use and use only the major ones.</a:t>
+              <a:rPr lang="en-US" sz="1800" b="1" u="sng" dirty="0" smtClean="0"/>
+              <a:t>Events:</a:t>
+            </a:r>
+            <a:r>
+              <a:rPr lang="en-US" sz="1800" dirty="0" smtClean="0"/>
+              <a:t> </a:t>
+            </a:r>
+            <a:r>
+              <a:rPr lang="en-US" sz="1800" dirty="0" err="1" smtClean="0"/>
+              <a:t>Specman</a:t>
+            </a:r>
+            <a:r>
+              <a:rPr lang="en-US" sz="1800" dirty="0" smtClean="0"/>
+              <a:t> environment are working from an event to event. In regular </a:t>
+            </a:r>
+            <a:r>
+              <a:rPr lang="en-US" sz="1800" dirty="0" err="1" smtClean="0"/>
+              <a:t>Specman</a:t>
+            </a:r>
+            <a:r>
+              <a:rPr lang="en-US" sz="1800" dirty="0" smtClean="0"/>
+              <a:t> environment we can use as much events as we like and as often as we like. So we some time us event even on the clock signal. In the Palladium the Palladium have to stop for each event transfer control to the UNIX for the </a:t>
+            </a:r>
+            <a:r>
+              <a:rPr lang="en-US" sz="1800" dirty="0" err="1" smtClean="0"/>
+              <a:t>Specman</a:t>
+            </a:r>
+            <a:r>
+              <a:rPr lang="en-US" sz="1800" dirty="0" smtClean="0"/>
+              <a:t> method and start running again. This will make the simulation very slow almost the speed of regular simulation. So in Palladium SA we need to consider every event we use and use only the major ones.</a:t>
             </a:r>
           </a:p>
           <a:p>
             <a:pPr lvl="1" eaLnBrk="1" hangingPunct="1"/>
             <a:r>
-              <a:rPr lang="en-US" sz="1800" smtClean="0"/>
-              <a:t>Signals: In regular Specman environment we have no limitation on signals we can use or read in the design. In Palladium every domain have only a number of signal that can be used for this we again need to consider which ones we can us and which we can do without. But we can use a Verilog module in the Palladium to replace the signals we can’t use in the environment.</a:t>
+              <a:rPr lang="en-US" sz="1800" b="1" u="sng" dirty="0" smtClean="0"/>
+              <a:t>Signals:</a:t>
+            </a:r>
+            <a:r>
+              <a:rPr lang="en-US" sz="1800" dirty="0" smtClean="0"/>
+              <a:t> In regular </a:t>
+            </a:r>
+            <a:r>
+              <a:rPr lang="en-US" sz="1800" dirty="0" err="1" smtClean="0"/>
+              <a:t>Specman</a:t>
+            </a:r>
+            <a:r>
+              <a:rPr lang="en-US" sz="1800" dirty="0" smtClean="0"/>
+              <a:t> environment we have no limitation on signals we can use or read in the design. In Palladium every domain have only a number of signal that can be used for this we again need to consider which ones we can us and which we can do without. But we can use a Verilog module in the Palladium to replace the signals we can’t use in the environment.</a:t>
             </a:r>
           </a:p>
           <a:p>
             <a:pPr lvl="1" eaLnBrk="1" hangingPunct="1"/>
             <a:r>
-              <a:rPr lang="en-US" sz="1800" smtClean="0"/>
-              <a:t>Memories: we can’t read or write memories in the design with the specman at all (not enough signals). So reading &amp; writing form the Palladium by the Specman must be done through the UNIX environment. </a:t>
+              <a:rPr lang="en-US" sz="1800" b="1" u="sng" dirty="0" smtClean="0"/>
+              <a:t>Memories: </a:t>
+            </a:r>
+            <a:r>
+              <a:rPr lang="en-US" sz="1800" dirty="0" smtClean="0"/>
+              <a:t>we can’t read or write memories in the design with the </a:t>
+            </a:r>
+            <a:r>
+              <a:rPr lang="en-US" sz="1800" dirty="0" err="1" smtClean="0"/>
+              <a:t>specman</a:t>
+            </a:r>
+            <a:r>
+              <a:rPr lang="en-US" sz="1800" dirty="0" smtClean="0"/>
+              <a:t> at all (not enough signals). So reading &amp; writing form the Palladium by the </a:t>
+            </a:r>
+            <a:r>
+              <a:rPr lang="en-US" sz="1800" dirty="0" err="1" smtClean="0"/>
+              <a:t>Specman</a:t>
+            </a:r>
+            <a:r>
+              <a:rPr lang="en-US" sz="1800" dirty="0" smtClean="0"/>
+              <a:t> must be done through the UNIX environment. </a:t>
             </a:r>
           </a:p>
         </p:txBody>

--- a/Simulation Acceleration tutoria.pptx
+++ b/Simulation Acceleration tutoria.pptx
@@ -9,11 +9,16 @@
     <p:sldId id="263" r:id="rId3"/>
     <p:sldId id="257" r:id="rId4"/>
     <p:sldId id="264" r:id="rId5"/>
-    <p:sldId id="259" r:id="rId6"/>
-    <p:sldId id="258" r:id="rId7"/>
-    <p:sldId id="261" r:id="rId8"/>
-    <p:sldId id="262" r:id="rId9"/>
-    <p:sldId id="260" r:id="rId10"/>
+    <p:sldId id="265" r:id="rId6"/>
+    <p:sldId id="266" r:id="rId7"/>
+    <p:sldId id="267" r:id="rId8"/>
+    <p:sldId id="268" r:id="rId9"/>
+    <p:sldId id="269" r:id="rId10"/>
+    <p:sldId id="259" r:id="rId11"/>
+    <p:sldId id="258" r:id="rId12"/>
+    <p:sldId id="261" r:id="rId13"/>
+    <p:sldId id="262" r:id="rId14"/>
+    <p:sldId id="260" r:id="rId15"/>
   </p:sldIdLst>
   <p:sldSz cx="9144000" cy="6858000" type="screen4x3"/>
   <p:notesSz cx="6858000" cy="9144000"/>
@@ -336,7 +341,7 @@
               <a:pPr>
                 <a:defRPr/>
               </a:pPr>
-              <a:t>1/4/2015</a:t>
+              <a:t>1/11/2015</a:t>
             </a:fld>
             <a:endParaRPr lang="en-US"/>
           </a:p>
@@ -528,7 +533,7 @@
               <a:pPr>
                 <a:defRPr/>
               </a:pPr>
-              <a:t>1/4/2015</a:t>
+              <a:t>1/11/2015</a:t>
             </a:fld>
             <a:endParaRPr lang="en-US"/>
           </a:p>
@@ -730,7 +735,7 @@
               <a:pPr>
                 <a:defRPr/>
               </a:pPr>
-              <a:t>1/4/2015</a:t>
+              <a:t>1/11/2015</a:t>
             </a:fld>
             <a:endParaRPr lang="en-US"/>
           </a:p>
@@ -922,7 +927,7 @@
               <a:pPr>
                 <a:defRPr/>
               </a:pPr>
-              <a:t>1/4/2015</a:t>
+              <a:t>1/11/2015</a:t>
             </a:fld>
             <a:endParaRPr lang="en-US"/>
           </a:p>
@@ -1190,7 +1195,7 @@
               <a:pPr>
                 <a:defRPr/>
               </a:pPr>
-              <a:t>1/4/2015</a:t>
+              <a:t>1/11/2015</a:t>
             </a:fld>
             <a:endParaRPr lang="en-US"/>
           </a:p>
@@ -1500,7 +1505,7 @@
               <a:pPr>
                 <a:defRPr/>
               </a:pPr>
-              <a:t>1/4/2015</a:t>
+              <a:t>1/11/2015</a:t>
             </a:fld>
             <a:endParaRPr lang="en-US"/>
           </a:p>
@@ -1944,7 +1949,7 @@
               <a:pPr>
                 <a:defRPr/>
               </a:pPr>
-              <a:t>1/4/2015</a:t>
+              <a:t>1/11/2015</a:t>
             </a:fld>
             <a:endParaRPr lang="en-US"/>
           </a:p>
@@ -2084,7 +2089,7 @@
               <a:pPr>
                 <a:defRPr/>
               </a:pPr>
-              <a:t>1/4/2015</a:t>
+              <a:t>1/11/2015</a:t>
             </a:fld>
             <a:endParaRPr lang="en-US"/>
           </a:p>
@@ -2201,7 +2206,7 @@
               <a:pPr>
                 <a:defRPr/>
               </a:pPr>
-              <a:t>1/4/2015</a:t>
+              <a:t>1/11/2015</a:t>
             </a:fld>
             <a:endParaRPr lang="en-US"/>
           </a:p>
@@ -2500,7 +2505,7 @@
               <a:pPr>
                 <a:defRPr/>
               </a:pPr>
-              <a:t>1/4/2015</a:t>
+              <a:t>1/11/2015</a:t>
             </a:fld>
             <a:endParaRPr lang="en-US"/>
           </a:p>
@@ -2778,7 +2783,7 @@
               <a:pPr>
                 <a:defRPr/>
               </a:pPr>
-              <a:t>1/4/2015</a:t>
+              <a:t>1/11/2015</a:t>
             </a:fld>
             <a:endParaRPr lang="en-US"/>
           </a:p>
@@ -3034,7 +3039,7 @@
               <a:pPr>
                 <a:defRPr/>
               </a:pPr>
-              <a:t>1/4/2015</a:t>
+              <a:t>1/11/2015</a:t>
             </a:fld>
             <a:endParaRPr lang="en-US"/>
           </a:p>
@@ -3642,6 +3647,1708 @@
 </p:sld>
 </file>
 
+<file path=ppt/slides/slide10.xml><?xml version="1.0" encoding="utf-8"?>
+<p:sld xmlns:a="http://schemas.openxmlformats.org/drawingml/2006/main" xmlns:r="http://schemas.openxmlformats.org/officeDocument/2006/relationships" xmlns:p="http://schemas.openxmlformats.org/presentationml/2006/main">
+  <p:cSld>
+    <p:spTree>
+      <p:nvGrpSpPr>
+        <p:cNvPr id="1" name=""/>
+        <p:cNvGrpSpPr/>
+        <p:nvPr/>
+      </p:nvGrpSpPr>
+      <p:grpSpPr>
+        <a:xfrm>
+          <a:off x="0" y="0"/>
+          <a:ext cx="0" cy="0"/>
+          <a:chOff x="0" y="0"/>
+          <a:chExt cx="0" cy="0"/>
+        </a:xfrm>
+      </p:grpSpPr>
+      <p:sp>
+        <p:nvSpPr>
+          <p:cNvPr id="17409" name="Title 1"/>
+          <p:cNvSpPr>
+            <a:spLocks noGrp="1"/>
+          </p:cNvSpPr>
+          <p:nvPr>
+            <p:ph type="title"/>
+          </p:nvPr>
+        </p:nvSpPr>
+        <p:spPr>
+          <a:xfrm>
+            <a:off x="457200" y="274638"/>
+            <a:ext cx="8229600" cy="868362"/>
+          </a:xfrm>
+        </p:spPr>
+        <p:txBody>
+          <a:bodyPr/>
+          <a:lstStyle/>
+          <a:p>
+            <a:pPr eaLnBrk="1" hangingPunct="1"/>
+            <a:r>
+              <a:rPr lang="en-US" smtClean="0"/>
+              <a:t>Make_Saenv.csh</a:t>
+            </a:r>
+          </a:p>
+        </p:txBody>
+      </p:sp>
+      <p:sp>
+        <p:nvSpPr>
+          <p:cNvPr id="3" name="Content Placeholder 2"/>
+          <p:cNvSpPr>
+            <a:spLocks noGrp="1"/>
+          </p:cNvSpPr>
+          <p:nvPr>
+            <p:ph idx="1"/>
+          </p:nvPr>
+        </p:nvSpPr>
+        <p:spPr/>
+        <p:txBody>
+          <a:bodyPr rtlCol="0">
+            <a:normAutofit fontScale="40000" lnSpcReduction="20000"/>
+          </a:bodyPr>
+          <a:lstStyle/>
+          <a:p>
+            <a:pPr marL="0" indent="0" eaLnBrk="1" fontAlgn="auto" hangingPunct="1">
+              <a:spcAft>
+                <a:spcPts val="0"/>
+              </a:spcAft>
+              <a:buFont typeface="Arial" panose="020B0604020202020204" pitchFamily="34" charset="0"/>
+              <a:buNone/>
+              <a:defRPr/>
+            </a:pPr>
+            <a:r>
+              <a:rPr lang="en-US" dirty="0" smtClean="0"/>
+              <a:t>##!/</a:t>
+            </a:r>
+            <a:r>
+              <a:rPr lang="en-US" dirty="0" err="1" smtClean="0"/>
+              <a:t>usr</a:t>
+            </a:r>
+            <a:r>
+              <a:rPr lang="en-US" dirty="0" smtClean="0"/>
+              <a:t>/local/bin/</a:t>
+            </a:r>
+            <a:r>
+              <a:rPr lang="en-US" dirty="0" err="1" smtClean="0"/>
+              <a:t>csh</a:t>
+            </a:r>
+            <a:endParaRPr lang="en-US" dirty="0" smtClean="0"/>
+          </a:p>
+          <a:p>
+            <a:pPr marL="0" indent="0" eaLnBrk="1" fontAlgn="auto" hangingPunct="1">
+              <a:spcAft>
+                <a:spcPts val="0"/>
+              </a:spcAft>
+              <a:buFont typeface="Arial" panose="020B0604020202020204" pitchFamily="34" charset="0"/>
+              <a:buNone/>
+              <a:defRPr/>
+            </a:pPr>
+            <a:r>
+              <a:rPr lang="en-US" dirty="0" smtClean="0"/>
+              <a:t>source </a:t>
+            </a:r>
+            <a:r>
+              <a:rPr lang="en-US" dirty="0" err="1" smtClean="0"/>
+              <a:t>synthScripts</a:t>
+            </a:r>
+            <a:r>
+              <a:rPr lang="en-US" dirty="0" smtClean="0"/>
+              <a:t>/setup</a:t>
+            </a:r>
+          </a:p>
+          <a:p>
+            <a:pPr marL="0" indent="0" eaLnBrk="1" fontAlgn="auto" hangingPunct="1">
+              <a:spcAft>
+                <a:spcPts val="0"/>
+              </a:spcAft>
+              <a:buFont typeface="Arial" panose="020B0604020202020204" pitchFamily="34" charset="0"/>
+              <a:buNone/>
+              <a:defRPr/>
+            </a:pPr>
+            <a:r>
+              <a:rPr lang="en-US" dirty="0" smtClean="0"/>
+              <a:t>if ($#</a:t>
+            </a:r>
+            <a:r>
+              <a:rPr lang="en-US" dirty="0" err="1" smtClean="0"/>
+              <a:t>argv</a:t>
+            </a:r>
+            <a:r>
+              <a:rPr lang="en-US" dirty="0" smtClean="0"/>
+              <a:t> &lt; 1) then </a:t>
+            </a:r>
+          </a:p>
+          <a:p>
+            <a:pPr marL="0" indent="0" eaLnBrk="1" fontAlgn="auto" hangingPunct="1">
+              <a:spcAft>
+                <a:spcPts val="0"/>
+              </a:spcAft>
+              <a:buFont typeface="Arial" panose="020B0604020202020204" pitchFamily="34" charset="0"/>
+              <a:buNone/>
+              <a:defRPr/>
+            </a:pPr>
+            <a:r>
+              <a:rPr lang="en-US" dirty="0" smtClean="0"/>
+              <a:t>	echo "Please add directory name"</a:t>
+            </a:r>
+          </a:p>
+          <a:p>
+            <a:pPr marL="0" indent="0" eaLnBrk="1" fontAlgn="auto" hangingPunct="1">
+              <a:spcAft>
+                <a:spcPts val="0"/>
+              </a:spcAft>
+              <a:buFont typeface="Arial" panose="020B0604020202020204" pitchFamily="34" charset="0"/>
+              <a:buNone/>
+              <a:defRPr/>
+            </a:pPr>
+            <a:r>
+              <a:rPr lang="en-US" dirty="0" smtClean="0"/>
+              <a:t>else </a:t>
+            </a:r>
+          </a:p>
+          <a:p>
+            <a:pPr marL="0" indent="0" eaLnBrk="1" fontAlgn="auto" hangingPunct="1">
+              <a:spcAft>
+                <a:spcPts val="0"/>
+              </a:spcAft>
+              <a:buFont typeface="Arial" panose="020B0604020202020204" pitchFamily="34" charset="0"/>
+              <a:buNone/>
+              <a:defRPr/>
+            </a:pPr>
+            <a:r>
+              <a:rPr lang="en-US" dirty="0" smtClean="0"/>
+              <a:t>echo "new compilation directory $1"</a:t>
+            </a:r>
+          </a:p>
+          <a:p>
+            <a:pPr marL="0" indent="0" eaLnBrk="1" fontAlgn="auto" hangingPunct="1">
+              <a:spcAft>
+                <a:spcPts val="0"/>
+              </a:spcAft>
+              <a:buFont typeface="Arial" panose="020B0604020202020204" pitchFamily="34" charset="0"/>
+              <a:buNone/>
+              <a:defRPr/>
+            </a:pPr>
+            <a:r>
+              <a:rPr lang="en-US" dirty="0" smtClean="0"/>
+              <a:t>\</a:t>
+            </a:r>
+            <a:r>
+              <a:rPr lang="en-US" dirty="0" err="1" smtClean="0"/>
+              <a:t>rm</a:t>
+            </a:r>
+            <a:r>
+              <a:rPr lang="en-US" dirty="0" smtClean="0"/>
+              <a:t> -</a:t>
+            </a:r>
+            <a:r>
+              <a:rPr lang="en-US" dirty="0" err="1" smtClean="0"/>
+              <a:t>rf</a:t>
+            </a:r>
+            <a:r>
+              <a:rPr lang="en-US" dirty="0" smtClean="0"/>
+              <a:t> $1</a:t>
+            </a:r>
+          </a:p>
+          <a:p>
+            <a:pPr marL="0" indent="0" eaLnBrk="1" fontAlgn="auto" hangingPunct="1">
+              <a:spcAft>
+                <a:spcPts val="0"/>
+              </a:spcAft>
+              <a:buFont typeface="Arial" panose="020B0604020202020204" pitchFamily="34" charset="0"/>
+              <a:buNone/>
+              <a:defRPr/>
+            </a:pPr>
+            <a:r>
+              <a:rPr lang="en-US" dirty="0" err="1" smtClean="0"/>
+              <a:t>mkdir</a:t>
+            </a:r>
+            <a:r>
+              <a:rPr lang="en-US" dirty="0" smtClean="0"/>
+              <a:t> $1</a:t>
+            </a:r>
+          </a:p>
+          <a:p>
+            <a:pPr marL="0" indent="0" eaLnBrk="1" fontAlgn="auto" hangingPunct="1">
+              <a:spcAft>
+                <a:spcPts val="0"/>
+              </a:spcAft>
+              <a:buFont typeface="Arial" panose="020B0604020202020204" pitchFamily="34" charset="0"/>
+              <a:buNone/>
+              <a:defRPr/>
+            </a:pPr>
+            <a:r>
+              <a:rPr lang="en-US" dirty="0" err="1" smtClean="0"/>
+              <a:t>cp</a:t>
+            </a:r>
+            <a:r>
+              <a:rPr lang="en-US" dirty="0" smtClean="0"/>
+              <a:t> </a:t>
+            </a:r>
+            <a:r>
+              <a:rPr lang="en-US" dirty="0" err="1" smtClean="0"/>
+              <a:t>synthScripts</a:t>
+            </a:r>
+            <a:r>
+              <a:rPr lang="en-US" dirty="0" smtClean="0"/>
+              <a:t>/* $1/.</a:t>
+            </a:r>
+          </a:p>
+          <a:p>
+            <a:pPr marL="0" indent="0" eaLnBrk="1" fontAlgn="auto" hangingPunct="1">
+              <a:spcAft>
+                <a:spcPts val="0"/>
+              </a:spcAft>
+              <a:buFont typeface="Arial" panose="020B0604020202020204" pitchFamily="34" charset="0"/>
+              <a:buNone/>
+              <a:defRPr/>
+            </a:pPr>
+            <a:r>
+              <a:rPr lang="en-US" dirty="0" smtClean="0"/>
+              <a:t>cd $1</a:t>
+            </a:r>
+          </a:p>
+          <a:p>
+            <a:pPr marL="0" indent="0" eaLnBrk="1" fontAlgn="auto" hangingPunct="1">
+              <a:spcAft>
+                <a:spcPts val="0"/>
+              </a:spcAft>
+              <a:buFont typeface="Arial" panose="020B0604020202020204" pitchFamily="34" charset="0"/>
+              <a:buNone/>
+              <a:defRPr/>
+            </a:pPr>
+            <a:r>
+              <a:rPr lang="en-US" dirty="0" smtClean="0"/>
+              <a:t>date</a:t>
+            </a:r>
+          </a:p>
+          <a:p>
+            <a:pPr marL="0" indent="0" eaLnBrk="1" fontAlgn="auto" hangingPunct="1">
+              <a:spcAft>
+                <a:spcPts val="0"/>
+              </a:spcAft>
+              <a:buFont typeface="Arial" panose="020B0604020202020204" pitchFamily="34" charset="0"/>
+              <a:buNone/>
+              <a:defRPr/>
+            </a:pPr>
+            <a:r>
+              <a:rPr lang="en-US" dirty="0" smtClean="0"/>
+              <a:t>source setup</a:t>
+            </a:r>
+          </a:p>
+          <a:p>
+            <a:pPr marL="0" indent="0" eaLnBrk="1" fontAlgn="auto" hangingPunct="1">
+              <a:spcAft>
+                <a:spcPts val="0"/>
+              </a:spcAft>
+              <a:buFont typeface="Arial" panose="020B0604020202020204" pitchFamily="34" charset="0"/>
+              <a:buNone/>
+              <a:defRPr/>
+            </a:pPr>
+            <a:r>
+              <a:rPr lang="en-US" dirty="0" smtClean="0"/>
+              <a:t>source </a:t>
+            </a:r>
+            <a:r>
+              <a:rPr lang="en-US" dirty="0" err="1" smtClean="0"/>
+              <a:t>make_SA_model.csh</a:t>
+            </a:r>
+            <a:r>
+              <a:rPr lang="en-US" dirty="0" smtClean="0"/>
+              <a:t> |tee make_SA_model.log</a:t>
+            </a:r>
+          </a:p>
+          <a:p>
+            <a:pPr marL="0" indent="0" eaLnBrk="1" fontAlgn="auto" hangingPunct="1">
+              <a:spcAft>
+                <a:spcPts val="0"/>
+              </a:spcAft>
+              <a:buFont typeface="Arial" panose="020B0604020202020204" pitchFamily="34" charset="0"/>
+              <a:buNone/>
+              <a:defRPr/>
+            </a:pPr>
+            <a:r>
+              <a:rPr lang="en-US" dirty="0" smtClean="0"/>
+              <a:t>if($?) then </a:t>
+            </a:r>
+          </a:p>
+          <a:p>
+            <a:pPr marL="0" indent="0" eaLnBrk="1" fontAlgn="auto" hangingPunct="1">
+              <a:spcAft>
+                <a:spcPts val="0"/>
+              </a:spcAft>
+              <a:buFont typeface="Arial" panose="020B0604020202020204" pitchFamily="34" charset="0"/>
+              <a:buNone/>
+              <a:defRPr/>
+            </a:pPr>
+            <a:r>
+              <a:rPr lang="en-US" dirty="0" smtClean="0"/>
+              <a:t>	echo Error on compilation</a:t>
+            </a:r>
+          </a:p>
+          <a:p>
+            <a:pPr marL="0" indent="0" eaLnBrk="1" fontAlgn="auto" hangingPunct="1">
+              <a:spcAft>
+                <a:spcPts val="0"/>
+              </a:spcAft>
+              <a:buFont typeface="Arial" panose="020B0604020202020204" pitchFamily="34" charset="0"/>
+              <a:buNone/>
+              <a:defRPr/>
+            </a:pPr>
+            <a:r>
+              <a:rPr lang="en-US" dirty="0" smtClean="0"/>
+              <a:t>	exit 1</a:t>
+            </a:r>
+          </a:p>
+          <a:p>
+            <a:pPr marL="0" indent="0" eaLnBrk="1" fontAlgn="auto" hangingPunct="1">
+              <a:spcAft>
+                <a:spcPts val="0"/>
+              </a:spcAft>
+              <a:buFont typeface="Arial" panose="020B0604020202020204" pitchFamily="34" charset="0"/>
+              <a:buNone/>
+              <a:defRPr/>
+            </a:pPr>
+            <a:r>
+              <a:rPr lang="en-US" dirty="0" err="1" smtClean="0"/>
+              <a:t>endif</a:t>
+            </a:r>
+            <a:endParaRPr lang="en-US" dirty="0" smtClean="0"/>
+          </a:p>
+          <a:p>
+            <a:pPr marL="0" indent="0" eaLnBrk="1" fontAlgn="auto" hangingPunct="1">
+              <a:spcAft>
+                <a:spcPts val="0"/>
+              </a:spcAft>
+              <a:buFont typeface="Arial" panose="020B0604020202020204" pitchFamily="34" charset="0"/>
+              <a:buNone/>
+              <a:defRPr/>
+            </a:pPr>
+            <a:r>
+              <a:rPr lang="en-US" dirty="0" smtClean="0"/>
+              <a:t>source ../</a:t>
+            </a:r>
+            <a:r>
+              <a:rPr lang="en-US" dirty="0" err="1" smtClean="0"/>
+              <a:t>workFiles</a:t>
+            </a:r>
+            <a:r>
+              <a:rPr lang="en-US" dirty="0" smtClean="0"/>
+              <a:t>/</a:t>
+            </a:r>
+            <a:r>
+              <a:rPr lang="en-US" dirty="0" err="1" smtClean="0"/>
+              <a:t>make_run_dir.csh</a:t>
+            </a:r>
+            <a:endParaRPr lang="en-US" dirty="0" smtClean="0"/>
+          </a:p>
+          <a:p>
+            <a:pPr marL="0" indent="0" eaLnBrk="1" fontAlgn="auto" hangingPunct="1">
+              <a:spcAft>
+                <a:spcPts val="0"/>
+              </a:spcAft>
+              <a:buFont typeface="Arial" panose="020B0604020202020204" pitchFamily="34" charset="0"/>
+              <a:buNone/>
+              <a:defRPr/>
+            </a:pPr>
+            <a:r>
+              <a:rPr lang="en-US" dirty="0" smtClean="0"/>
+              <a:t>date  </a:t>
+            </a:r>
+          </a:p>
+          <a:p>
+            <a:pPr marL="0" indent="0" eaLnBrk="1" fontAlgn="auto" hangingPunct="1">
+              <a:spcAft>
+                <a:spcPts val="0"/>
+              </a:spcAft>
+              <a:buFont typeface="Arial" panose="020B0604020202020204" pitchFamily="34" charset="0"/>
+              <a:buNone/>
+              <a:defRPr/>
+            </a:pPr>
+            <a:r>
+              <a:rPr lang="en-US" dirty="0" smtClean="0"/>
+              <a:t>echo </a:t>
+            </a:r>
+            <a:r>
+              <a:rPr lang="en-US" dirty="0" err="1" smtClean="0"/>
+              <a:t>MELLANOX_STAGE_End</a:t>
+            </a:r>
+            <a:r>
+              <a:rPr lang="en-US" dirty="0" smtClean="0"/>
+              <a:t>  </a:t>
+            </a:r>
+          </a:p>
+          <a:p>
+            <a:pPr marL="0" indent="0" eaLnBrk="1" fontAlgn="auto" hangingPunct="1">
+              <a:spcAft>
+                <a:spcPts val="0"/>
+              </a:spcAft>
+              <a:buFont typeface="Arial" panose="020B0604020202020204" pitchFamily="34" charset="0"/>
+              <a:buNone/>
+              <a:defRPr/>
+            </a:pPr>
+            <a:r>
+              <a:rPr lang="en-US" dirty="0" smtClean="0"/>
+              <a:t>echo "coffee |_P ?"</a:t>
+            </a:r>
+          </a:p>
+          <a:p>
+            <a:pPr marL="0" indent="0" eaLnBrk="1" fontAlgn="auto" hangingPunct="1">
+              <a:spcAft>
+                <a:spcPts val="0"/>
+              </a:spcAft>
+              <a:buFont typeface="Arial" panose="020B0604020202020204" pitchFamily="34" charset="0"/>
+              <a:buNone/>
+              <a:defRPr/>
+            </a:pPr>
+            <a:r>
+              <a:rPr lang="en-US" dirty="0" err="1" smtClean="0"/>
+              <a:t>endif</a:t>
+            </a:r>
+            <a:endParaRPr lang="en-US" dirty="0" smtClean="0"/>
+          </a:p>
+          <a:p>
+            <a:pPr marL="0" indent="0" eaLnBrk="1" fontAlgn="auto" hangingPunct="1">
+              <a:spcAft>
+                <a:spcPts val="0"/>
+              </a:spcAft>
+              <a:buFont typeface="Arial" panose="020B0604020202020204" pitchFamily="34" charset="0"/>
+              <a:buNone/>
+              <a:defRPr/>
+            </a:pPr>
+            <a:endParaRPr lang="en-US" dirty="0"/>
+          </a:p>
+        </p:txBody>
+      </p:sp>
+    </p:spTree>
+  </p:cSld>
+  <p:clrMapOvr>
+    <a:masterClrMapping/>
+  </p:clrMapOvr>
+  <p:timing>
+    <p:tnLst>
+      <p:par>
+        <p:cTn id="1" dur="indefinite" restart="never" nodeType="tmRoot"/>
+      </p:par>
+    </p:tnLst>
+  </p:timing>
+</p:sld>
+</file>
+
+<file path=ppt/slides/slide11.xml><?xml version="1.0" encoding="utf-8"?>
+<p:sld xmlns:a="http://schemas.openxmlformats.org/drawingml/2006/main" xmlns:r="http://schemas.openxmlformats.org/officeDocument/2006/relationships" xmlns:p="http://schemas.openxmlformats.org/presentationml/2006/main">
+  <p:cSld>
+    <p:spTree>
+      <p:nvGrpSpPr>
+        <p:cNvPr id="1" name=""/>
+        <p:cNvGrpSpPr/>
+        <p:nvPr/>
+      </p:nvGrpSpPr>
+      <p:grpSpPr>
+        <a:xfrm>
+          <a:off x="0" y="0"/>
+          <a:ext cx="0" cy="0"/>
+          <a:chOff x="0" y="0"/>
+          <a:chExt cx="0" cy="0"/>
+        </a:xfrm>
+      </p:grpSpPr>
+      <p:sp>
+        <p:nvSpPr>
+          <p:cNvPr id="18433" name="Title 1"/>
+          <p:cNvSpPr>
+            <a:spLocks noGrp="1"/>
+          </p:cNvSpPr>
+          <p:nvPr>
+            <p:ph type="title"/>
+          </p:nvPr>
+        </p:nvSpPr>
+        <p:spPr>
+          <a:xfrm>
+            <a:off x="457200" y="152400"/>
+            <a:ext cx="8229600" cy="762000"/>
+          </a:xfrm>
+        </p:spPr>
+        <p:txBody>
+          <a:bodyPr/>
+          <a:lstStyle/>
+          <a:p>
+            <a:pPr eaLnBrk="1" hangingPunct="1"/>
+            <a:r>
+              <a:rPr lang="en-US" sz="3200" smtClean="0"/>
+              <a:t>Make_SA_model.csh </a:t>
+            </a:r>
+            <a:br>
+              <a:rPr lang="en-US" sz="3200" smtClean="0"/>
+            </a:br>
+            <a:r>
+              <a:rPr lang="en-US" sz="2400" smtClean="0"/>
+              <a:t>(load files - vlan)</a:t>
+            </a:r>
+            <a:endParaRPr lang="en-US" sz="3200" smtClean="0"/>
+          </a:p>
+        </p:txBody>
+      </p:sp>
+      <p:sp>
+        <p:nvSpPr>
+          <p:cNvPr id="18434" name="Content Placeholder 2"/>
+          <p:cNvSpPr>
+            <a:spLocks noGrp="1"/>
+          </p:cNvSpPr>
+          <p:nvPr>
+            <p:ph idx="1"/>
+          </p:nvPr>
+        </p:nvSpPr>
+        <p:spPr>
+          <a:xfrm>
+            <a:off x="457200" y="1219200"/>
+            <a:ext cx="8229600" cy="4038600"/>
+          </a:xfrm>
+        </p:spPr>
+        <p:txBody>
+          <a:bodyPr/>
+          <a:lstStyle/>
+          <a:p>
+            <a:pPr marL="0" indent="0" eaLnBrk="1" hangingPunct="1">
+              <a:buFont typeface="Arial" charset="0"/>
+              <a:buNone/>
+            </a:pPr>
+            <a:r>
+              <a:rPr lang="en-US" sz="1200" smtClean="0"/>
+              <a:t>##!/usr/local/bin/csh</a:t>
+            </a:r>
+          </a:p>
+          <a:p>
+            <a:pPr marL="0" indent="0" eaLnBrk="1" hangingPunct="1">
+              <a:buFont typeface="Arial" charset="0"/>
+              <a:buNone/>
+            </a:pPr>
+            <a:r>
+              <a:rPr lang="en-US" sz="1200" smtClean="0"/>
+              <a:t>date</a:t>
+            </a:r>
+          </a:p>
+          <a:p>
+            <a:pPr marL="0" indent="0" eaLnBrk="1" hangingPunct="1">
+              <a:buFont typeface="Arial" charset="0"/>
+              <a:buNone/>
+            </a:pPr>
+            <a:r>
+              <a:rPr lang="en-US" sz="1200" smtClean="0"/>
+              <a:t>cp synthScripts/* $1/.</a:t>
+            </a:r>
+          </a:p>
+          <a:p>
+            <a:pPr marL="0" indent="0" eaLnBrk="1" hangingPunct="1">
+              <a:buFont typeface="Arial" charset="0"/>
+              <a:buNone/>
+            </a:pPr>
+            <a:r>
+              <a:rPr lang="en-US" sz="1200" smtClean="0"/>
+              <a:t>echo MELLANOX_STAGE I Yaron environment vlan  </a:t>
+            </a:r>
+          </a:p>
+          <a:p>
+            <a:pPr marL="0" indent="0" eaLnBrk="1" hangingPunct="1">
+              <a:buFont typeface="Arial" charset="0"/>
+              <a:buNone/>
+            </a:pPr>
+            <a:r>
+              <a:rPr lang="en-US" sz="1200" smtClean="0"/>
+              <a:t>vlan -sv -f compile_inputs.tcl +rtlCommentPragma +tran_relax</a:t>
+            </a:r>
+          </a:p>
+          <a:p>
+            <a:pPr marL="0" indent="0" eaLnBrk="1" hangingPunct="1">
+              <a:buFont typeface="Arial" charset="0"/>
+              <a:buNone/>
+            </a:pPr>
+            <a:r>
+              <a:rPr lang="en-US" sz="1200" smtClean="0"/>
+              <a:t>if($?) then </a:t>
+            </a:r>
+          </a:p>
+          <a:p>
+            <a:pPr marL="0" indent="0" eaLnBrk="1" hangingPunct="1">
+              <a:buFont typeface="Arial" charset="0"/>
+              <a:buNone/>
+            </a:pPr>
+            <a:r>
+              <a:rPr lang="en-US" sz="1200" smtClean="0"/>
+              <a:t>	echo Error on Vlan</a:t>
+            </a:r>
+          </a:p>
+          <a:p>
+            <a:pPr marL="0" indent="0" eaLnBrk="1" hangingPunct="1">
+              <a:buFont typeface="Arial" charset="0"/>
+              <a:buNone/>
+            </a:pPr>
+            <a:r>
+              <a:rPr lang="en-US" sz="1200" smtClean="0"/>
+              <a:t>	exit 1</a:t>
+            </a:r>
+          </a:p>
+          <a:p>
+            <a:pPr marL="0" indent="0" eaLnBrk="1" hangingPunct="1">
+              <a:buFont typeface="Arial" charset="0"/>
+              <a:buNone/>
+            </a:pPr>
+            <a:r>
+              <a:rPr lang="en-US" sz="1200" smtClean="0"/>
+              <a:t>endif</a:t>
+            </a:r>
+          </a:p>
+          <a:p>
+            <a:pPr marL="0" indent="0" eaLnBrk="1" hangingPunct="1">
+              <a:buFont typeface="Arial" charset="0"/>
+              <a:buNone/>
+            </a:pPr>
+            <a:r>
+              <a:rPr lang="en-US" sz="1200" smtClean="0"/>
+              <a:t>date  </a:t>
+            </a:r>
+          </a:p>
+          <a:p>
+            <a:pPr marL="0" indent="0" eaLnBrk="1" hangingPunct="1">
+              <a:buFont typeface="Arial" charset="0"/>
+              <a:buNone/>
+            </a:pPr>
+            <a:r>
+              <a:rPr lang="en-US" sz="1200" smtClean="0"/>
+              <a:t>echo MELLANOX_STAGE II new environment vlan  </a:t>
+            </a:r>
+          </a:p>
+          <a:p>
+            <a:pPr marL="0" indent="0" eaLnBrk="1" hangingPunct="1">
+              <a:buFont typeface="Arial" charset="0"/>
+              <a:buNone/>
+            </a:pPr>
+            <a:r>
+              <a:rPr lang="en-US" sz="1200" smtClean="0"/>
+              <a:t>vlan -sv -f verilog_inputs.tcl +rtlCommentPragma +tran_relax</a:t>
+            </a:r>
+          </a:p>
+          <a:p>
+            <a:pPr marL="0" indent="0" eaLnBrk="1" hangingPunct="1">
+              <a:buFont typeface="Arial" charset="0"/>
+              <a:buNone/>
+            </a:pPr>
+            <a:r>
+              <a:rPr lang="en-US" sz="1200" smtClean="0"/>
+              <a:t>if($?) then </a:t>
+            </a:r>
+          </a:p>
+          <a:p>
+            <a:pPr marL="0" indent="0" eaLnBrk="1" hangingPunct="1">
+              <a:buFont typeface="Arial" charset="0"/>
+              <a:buNone/>
+            </a:pPr>
+            <a:r>
+              <a:rPr lang="en-US" sz="1200" smtClean="0"/>
+              <a:t>	echo Error in new environment </a:t>
+            </a:r>
+          </a:p>
+          <a:p>
+            <a:pPr marL="0" indent="0" eaLnBrk="1" hangingPunct="1">
+              <a:buFont typeface="Arial" charset="0"/>
+              <a:buNone/>
+            </a:pPr>
+            <a:r>
+              <a:rPr lang="en-US" sz="1200" smtClean="0"/>
+              <a:t>	exit 1</a:t>
+            </a:r>
+          </a:p>
+          <a:p>
+            <a:pPr marL="0" indent="0" eaLnBrk="1" hangingPunct="1">
+              <a:buFont typeface="Arial" charset="0"/>
+              <a:buNone/>
+            </a:pPr>
+            <a:r>
+              <a:rPr lang="en-US" sz="1200" smtClean="0"/>
+              <a:t>Endif</a:t>
+            </a:r>
+          </a:p>
+          <a:p>
+            <a:pPr marL="0" indent="0" eaLnBrk="1" hangingPunct="1">
+              <a:buFont typeface="Arial" charset="0"/>
+              <a:buNone/>
+            </a:pPr>
+            <a:endParaRPr lang="en-US" sz="1200" smtClean="0"/>
+          </a:p>
+        </p:txBody>
+      </p:sp>
+    </p:spTree>
+  </p:cSld>
+  <p:clrMapOvr>
+    <a:masterClrMapping/>
+  </p:clrMapOvr>
+  <p:timing>
+    <p:tnLst>
+      <p:par>
+        <p:cTn id="1" dur="indefinite" restart="never" nodeType="tmRoot"/>
+      </p:par>
+    </p:tnLst>
+  </p:timing>
+</p:sld>
+</file>
+
+<file path=ppt/slides/slide12.xml><?xml version="1.0" encoding="utf-8"?>
+<p:sld xmlns:a="http://schemas.openxmlformats.org/drawingml/2006/main" xmlns:r="http://schemas.openxmlformats.org/officeDocument/2006/relationships" xmlns:p="http://schemas.openxmlformats.org/presentationml/2006/main">
+  <p:cSld>
+    <p:spTree>
+      <p:nvGrpSpPr>
+        <p:cNvPr id="1" name=""/>
+        <p:cNvGrpSpPr/>
+        <p:nvPr/>
+      </p:nvGrpSpPr>
+      <p:grpSpPr>
+        <a:xfrm>
+          <a:off x="0" y="0"/>
+          <a:ext cx="0" cy="0"/>
+          <a:chOff x="0" y="0"/>
+          <a:chExt cx="0" cy="0"/>
+        </a:xfrm>
+      </p:grpSpPr>
+      <p:sp>
+        <p:nvSpPr>
+          <p:cNvPr id="19457" name="Title 1"/>
+          <p:cNvSpPr>
+            <a:spLocks noGrp="1"/>
+          </p:cNvSpPr>
+          <p:nvPr>
+            <p:ph type="title"/>
+          </p:nvPr>
+        </p:nvSpPr>
+        <p:spPr>
+          <a:xfrm>
+            <a:off x="457200" y="152400"/>
+            <a:ext cx="8229600" cy="563563"/>
+          </a:xfrm>
+        </p:spPr>
+        <p:txBody>
+          <a:bodyPr/>
+          <a:lstStyle/>
+          <a:p>
+            <a:pPr eaLnBrk="1" hangingPunct="1"/>
+            <a:r>
+              <a:rPr lang="en-US" sz="3200" smtClean="0"/>
+              <a:t>Make_SA_model.csh </a:t>
+            </a:r>
+            <a:r>
+              <a:rPr lang="en-US" sz="2400" smtClean="0"/>
+              <a:t>(cont)</a:t>
+            </a:r>
+            <a:r>
+              <a:rPr lang="en-US" sz="3200" smtClean="0"/>
+              <a:t/>
+            </a:r>
+            <a:br>
+              <a:rPr lang="en-US" sz="3200" smtClean="0"/>
+            </a:br>
+            <a:r>
+              <a:rPr lang="en-US" sz="2400" smtClean="0"/>
+              <a:t>(synthesis &amp; module compilation – IXCOM)</a:t>
+            </a:r>
+            <a:endParaRPr lang="en-US" sz="3200" smtClean="0"/>
+          </a:p>
+        </p:txBody>
+      </p:sp>
+      <p:sp>
+        <p:nvSpPr>
+          <p:cNvPr id="19458" name="Content Placeholder 2"/>
+          <p:cNvSpPr>
+            <a:spLocks noGrp="1"/>
+          </p:cNvSpPr>
+          <p:nvPr>
+            <p:ph idx="1"/>
+          </p:nvPr>
+        </p:nvSpPr>
+        <p:spPr>
+          <a:xfrm>
+            <a:off x="457200" y="838200"/>
+            <a:ext cx="8229600" cy="5791200"/>
+          </a:xfrm>
+        </p:spPr>
+        <p:txBody>
+          <a:bodyPr/>
+          <a:lstStyle/>
+          <a:p>
+            <a:pPr marL="0" indent="0" eaLnBrk="1" hangingPunct="1">
+              <a:buFont typeface="Arial" charset="0"/>
+              <a:buNone/>
+            </a:pPr>
+            <a:endParaRPr lang="en-US" sz="1200" smtClean="0"/>
+          </a:p>
+          <a:p>
+            <a:pPr marL="0" indent="0" eaLnBrk="1" hangingPunct="1">
+              <a:buFont typeface="Arial" charset="0"/>
+              <a:buNone/>
+            </a:pPr>
+            <a:r>
+              <a:rPr lang="en-US" sz="1200" smtClean="0"/>
+              <a:t>date  </a:t>
+            </a:r>
+          </a:p>
+          <a:p>
+            <a:pPr marL="0" indent="0" eaLnBrk="1" hangingPunct="1">
+              <a:buFont typeface="Arial" charset="0"/>
+              <a:buNone/>
+            </a:pPr>
+            <a:r>
+              <a:rPr lang="en-US" sz="1200" smtClean="0"/>
+              <a:t>echo MELLANOX_STAGE III ixcom synthsis </a:t>
+            </a:r>
+          </a:p>
+          <a:p>
+            <a:pPr marL="0" indent="0" eaLnBrk="1" hangingPunct="1">
+              <a:buFont typeface="Arial" charset="0"/>
+              <a:buNone/>
+            </a:pPr>
+            <a:r>
+              <a:rPr lang="en-US" sz="1200" smtClean="0"/>
+              <a:t>ixcom -top external_bfms -top specman_hdl_ref -ua +dut+external_bfms+specman_hdl_ref +xcDesignTop+top.dut=external_bfms +ignoreNCVerCheck -timescale 100ps/100ps -target hdlice -log ixcom_synt.log +tran_relax +targetTop+external_bfms +1xua</a:t>
+            </a:r>
+          </a:p>
+          <a:p>
+            <a:pPr marL="0" indent="0" eaLnBrk="1" hangingPunct="1">
+              <a:buFont typeface="Arial" charset="0"/>
+              <a:buNone/>
+            </a:pPr>
+            <a:r>
+              <a:rPr lang="en-US" sz="1200" smtClean="0"/>
+              <a:t>if($?) then </a:t>
+            </a:r>
+          </a:p>
+          <a:p>
+            <a:pPr marL="0" indent="0" eaLnBrk="1" hangingPunct="1">
+              <a:buFont typeface="Arial" charset="0"/>
+              <a:buNone/>
+            </a:pPr>
+            <a:r>
+              <a:rPr lang="en-US" sz="1200" smtClean="0"/>
+              <a:t>       echo Error on Ixcom synthsis</a:t>
+            </a:r>
+          </a:p>
+          <a:p>
+            <a:pPr marL="0" indent="0" eaLnBrk="1" hangingPunct="1">
+              <a:buFont typeface="Arial" charset="0"/>
+              <a:buNone/>
+            </a:pPr>
+            <a:r>
+              <a:rPr lang="en-US" sz="1200" smtClean="0"/>
+              <a:t>       exit 1</a:t>
+            </a:r>
+          </a:p>
+          <a:p>
+            <a:pPr marL="0" indent="0" eaLnBrk="1" hangingPunct="1">
+              <a:buFont typeface="Arial" charset="0"/>
+              <a:buNone/>
+            </a:pPr>
+            <a:r>
+              <a:rPr lang="en-US" sz="1200" smtClean="0"/>
+              <a:t>endif</a:t>
+            </a:r>
+          </a:p>
+          <a:p>
+            <a:pPr marL="0" indent="0" eaLnBrk="1" hangingPunct="1">
+              <a:buFont typeface="Arial" charset="0"/>
+              <a:buNone/>
+            </a:pPr>
+            <a:r>
+              <a:rPr lang="en-US" sz="1200" smtClean="0"/>
+              <a:t>date  </a:t>
+            </a:r>
+          </a:p>
+          <a:p>
+            <a:pPr marL="0" indent="0" eaLnBrk="1" hangingPunct="1">
+              <a:buFont typeface="Arial" charset="0"/>
+              <a:buNone/>
+            </a:pPr>
+            <a:r>
+              <a:rPr lang="en-US" sz="1200" smtClean="0"/>
+              <a:t>echo MELLANOX_STAGE III ixcom compilation  </a:t>
+            </a:r>
+          </a:p>
+          <a:p>
+            <a:pPr marL="0" indent="0" eaLnBrk="1" hangingPunct="1">
+              <a:buFont typeface="Arial" charset="0"/>
+              <a:buNone/>
+            </a:pPr>
+            <a:r>
+              <a:rPr lang="en-US" sz="1200" smtClean="0"/>
+              <a:t>ixcom -xecompile compilerOptions=compilerOptions.qel +targetTop+external_bfms -log ixcom_comp.log +ignoreNCVerCheck -target xecompile</a:t>
+            </a:r>
+          </a:p>
+          <a:p>
+            <a:pPr marL="0" indent="0" eaLnBrk="1" hangingPunct="1">
+              <a:buFont typeface="Arial" charset="0"/>
+              <a:buNone/>
+            </a:pPr>
+            <a:r>
+              <a:rPr lang="en-US" sz="1200" smtClean="0"/>
+              <a:t>if($?) then </a:t>
+            </a:r>
+          </a:p>
+          <a:p>
+            <a:pPr marL="0" indent="0" eaLnBrk="1" hangingPunct="1">
+              <a:buFont typeface="Arial" charset="0"/>
+              <a:buNone/>
+            </a:pPr>
+            <a:r>
+              <a:rPr lang="en-US" sz="1200" smtClean="0"/>
+              <a:t>       echo Error on Ixcom compilation </a:t>
+            </a:r>
+          </a:p>
+          <a:p>
+            <a:pPr marL="0" indent="0" eaLnBrk="1" hangingPunct="1">
+              <a:buFont typeface="Arial" charset="0"/>
+              <a:buNone/>
+            </a:pPr>
+            <a:r>
+              <a:rPr lang="en-US" sz="1200" smtClean="0"/>
+              <a:t>       exit 1</a:t>
+            </a:r>
+          </a:p>
+          <a:p>
+            <a:pPr marL="0" indent="0" eaLnBrk="1" hangingPunct="1">
+              <a:buFont typeface="Arial" charset="0"/>
+              <a:buNone/>
+            </a:pPr>
+            <a:r>
+              <a:rPr lang="en-US" sz="1200" smtClean="0"/>
+              <a:t>endif</a:t>
+            </a:r>
+          </a:p>
+          <a:p>
+            <a:pPr marL="0" indent="0" eaLnBrk="1" hangingPunct="1">
+              <a:buFont typeface="Arial" charset="0"/>
+              <a:buNone/>
+            </a:pPr>
+            <a:endParaRPr lang="en-US" sz="1200" smtClean="0"/>
+          </a:p>
+          <a:p>
+            <a:pPr marL="0" indent="0" eaLnBrk="1" hangingPunct="1">
+              <a:buFont typeface="Arial" charset="0"/>
+              <a:buNone/>
+            </a:pPr>
+            <a:endParaRPr lang="en-US" sz="1200" smtClean="0"/>
+          </a:p>
+        </p:txBody>
+      </p:sp>
+    </p:spTree>
+  </p:cSld>
+  <p:clrMapOvr>
+    <a:masterClrMapping/>
+  </p:clrMapOvr>
+  <p:timing>
+    <p:tnLst>
+      <p:par>
+        <p:cTn id="1" dur="indefinite" restart="never" nodeType="tmRoot"/>
+      </p:par>
+    </p:tnLst>
+  </p:timing>
+</p:sld>
+</file>
+
+<file path=ppt/slides/slide13.xml><?xml version="1.0" encoding="utf-8"?>
+<p:sld xmlns:a="http://schemas.openxmlformats.org/drawingml/2006/main" xmlns:r="http://schemas.openxmlformats.org/officeDocument/2006/relationships" xmlns:p="http://schemas.openxmlformats.org/presentationml/2006/main">
+  <p:cSld>
+    <p:spTree>
+      <p:nvGrpSpPr>
+        <p:cNvPr id="1" name=""/>
+        <p:cNvGrpSpPr/>
+        <p:nvPr/>
+      </p:nvGrpSpPr>
+      <p:grpSpPr>
+        <a:xfrm>
+          <a:off x="0" y="0"/>
+          <a:ext cx="0" cy="0"/>
+          <a:chOff x="0" y="0"/>
+          <a:chExt cx="0" cy="0"/>
+        </a:xfrm>
+      </p:grpSpPr>
+      <p:sp>
+        <p:nvSpPr>
+          <p:cNvPr id="20481" name="Title 1"/>
+          <p:cNvSpPr>
+            <a:spLocks noGrp="1"/>
+          </p:cNvSpPr>
+          <p:nvPr>
+            <p:ph type="title"/>
+          </p:nvPr>
+        </p:nvSpPr>
+        <p:spPr>
+          <a:xfrm>
+            <a:off x="457200" y="152400"/>
+            <a:ext cx="8229600" cy="838200"/>
+          </a:xfrm>
+        </p:spPr>
+        <p:txBody>
+          <a:bodyPr/>
+          <a:lstStyle/>
+          <a:p>
+            <a:pPr eaLnBrk="1" hangingPunct="1"/>
+            <a:r>
+              <a:rPr lang="en-US" sz="3200" smtClean="0"/>
+              <a:t>Make_SA_model.csh </a:t>
+            </a:r>
+            <a:r>
+              <a:rPr lang="en-US" sz="2400" smtClean="0"/>
+              <a:t>(cont)</a:t>
+            </a:r>
+            <a:r>
+              <a:rPr lang="en-US" sz="3200" smtClean="0"/>
+              <a:t> </a:t>
+            </a:r>
+            <a:br>
+              <a:rPr lang="en-US" sz="3200" smtClean="0"/>
+            </a:br>
+            <a:r>
+              <a:rPr lang="en-US" sz="2400" smtClean="0"/>
+              <a:t>(adding external files – irun)</a:t>
+            </a:r>
+            <a:endParaRPr lang="en-US" sz="3200" smtClean="0"/>
+          </a:p>
+        </p:txBody>
+      </p:sp>
+      <p:sp>
+        <p:nvSpPr>
+          <p:cNvPr id="20482" name="Content Placeholder 2"/>
+          <p:cNvSpPr>
+            <a:spLocks noGrp="1"/>
+          </p:cNvSpPr>
+          <p:nvPr>
+            <p:ph idx="1"/>
+          </p:nvPr>
+        </p:nvSpPr>
+        <p:spPr>
+          <a:xfrm>
+            <a:off x="457200" y="1219200"/>
+            <a:ext cx="8229600" cy="5410200"/>
+          </a:xfrm>
+        </p:spPr>
+        <p:txBody>
+          <a:bodyPr/>
+          <a:lstStyle/>
+          <a:p>
+            <a:pPr marL="0" indent="0" eaLnBrk="1" hangingPunct="1">
+              <a:buFont typeface="Arial" charset="0"/>
+              <a:buNone/>
+            </a:pPr>
+            <a:endParaRPr lang="en-US" sz="1200" smtClean="0"/>
+          </a:p>
+          <a:p>
+            <a:pPr marL="0" indent="0" eaLnBrk="1" hangingPunct="1">
+              <a:buFont typeface="Arial" charset="0"/>
+              <a:buNone/>
+            </a:pPr>
+            <a:endParaRPr lang="en-US" sz="1200" smtClean="0"/>
+          </a:p>
+          <a:p>
+            <a:pPr marL="0" indent="0" eaLnBrk="1" hangingPunct="1">
+              <a:buFont typeface="Arial" charset="0"/>
+              <a:buNone/>
+            </a:pPr>
+            <a:endParaRPr lang="en-US" sz="1200" smtClean="0"/>
+          </a:p>
+          <a:p>
+            <a:pPr marL="0" indent="0" eaLnBrk="1" hangingPunct="1">
+              <a:buFont typeface="Arial" charset="0"/>
+              <a:buNone/>
+            </a:pPr>
+            <a:r>
+              <a:rPr lang="en-US" sz="1200" smtClean="0"/>
+              <a:t>date  </a:t>
+            </a:r>
+          </a:p>
+          <a:p>
+            <a:pPr marL="0" indent="0" eaLnBrk="1" hangingPunct="1">
+              <a:buFont typeface="Arial" charset="0"/>
+              <a:buNone/>
+            </a:pPr>
+            <a:r>
+              <a:rPr lang="en-US" sz="1200" smtClean="0"/>
+              <a:t>echo MELLANOX_STAGE IV irun  </a:t>
+            </a:r>
+          </a:p>
+          <a:p>
+            <a:pPr marL="0" indent="0" eaLnBrk="1" hangingPunct="1">
+              <a:buFont typeface="Arial" charset="0"/>
+              <a:buNone/>
+            </a:pPr>
+            <a:r>
+              <a:rPr lang="en-US" sz="1200" smtClean="0"/>
+              <a:t>irun -c ${ORGDIR}/verilog/top.v patch.e -f xc_work/irun.f -sntimescale 100ps/100ps -timescale 100ps/100ps -top top -sv -clean</a:t>
+            </a:r>
+          </a:p>
+          <a:p>
+            <a:pPr marL="0" indent="0" eaLnBrk="1" hangingPunct="1">
+              <a:buFont typeface="Arial" charset="0"/>
+              <a:buNone/>
+            </a:pPr>
+            <a:r>
+              <a:rPr lang="en-US" sz="1200" smtClean="0"/>
+              <a:t>if($?) then </a:t>
+            </a:r>
+          </a:p>
+          <a:p>
+            <a:pPr marL="0" indent="0" eaLnBrk="1" hangingPunct="1">
+              <a:buFont typeface="Arial" charset="0"/>
+              <a:buNone/>
+            </a:pPr>
+            <a:r>
+              <a:rPr lang="en-US" sz="1200" smtClean="0"/>
+              <a:t>	echo Error on irun</a:t>
+            </a:r>
+          </a:p>
+          <a:p>
+            <a:pPr marL="0" indent="0" eaLnBrk="1" hangingPunct="1">
+              <a:buFont typeface="Arial" charset="0"/>
+              <a:buNone/>
+            </a:pPr>
+            <a:r>
+              <a:rPr lang="en-US" sz="1200" smtClean="0"/>
+              <a:t>	exit 1</a:t>
+            </a:r>
+          </a:p>
+          <a:p>
+            <a:pPr marL="0" indent="0" eaLnBrk="1" hangingPunct="1">
+              <a:buFont typeface="Arial" charset="0"/>
+              <a:buNone/>
+            </a:pPr>
+            <a:r>
+              <a:rPr lang="en-US" sz="1200" smtClean="0"/>
+              <a:t>endif</a:t>
+            </a:r>
+          </a:p>
+          <a:p>
+            <a:pPr marL="0" indent="0" eaLnBrk="1" hangingPunct="1">
+              <a:buFont typeface="Arial" charset="0"/>
+              <a:buNone/>
+            </a:pPr>
+            <a:endParaRPr lang="en-US" sz="1200" smtClean="0"/>
+          </a:p>
+        </p:txBody>
+      </p:sp>
+    </p:spTree>
+  </p:cSld>
+  <p:clrMapOvr>
+    <a:masterClrMapping/>
+  </p:clrMapOvr>
+  <p:timing>
+    <p:tnLst>
+      <p:par>
+        <p:cTn id="1" dur="indefinite" restart="never" nodeType="tmRoot"/>
+      </p:par>
+    </p:tnLst>
+  </p:timing>
+</p:sld>
+</file>
+
+<file path=ppt/slides/slide14.xml><?xml version="1.0" encoding="utf-8"?>
+<p:sld xmlns:a="http://schemas.openxmlformats.org/drawingml/2006/main" xmlns:r="http://schemas.openxmlformats.org/officeDocument/2006/relationships" xmlns:p="http://schemas.openxmlformats.org/presentationml/2006/main">
+  <p:cSld>
+    <p:spTree>
+      <p:nvGrpSpPr>
+        <p:cNvPr id="1" name=""/>
+        <p:cNvGrpSpPr/>
+        <p:nvPr/>
+      </p:nvGrpSpPr>
+      <p:grpSpPr>
+        <a:xfrm>
+          <a:off x="0" y="0"/>
+          <a:ext cx="0" cy="0"/>
+          <a:chOff x="0" y="0"/>
+          <a:chExt cx="0" cy="0"/>
+        </a:xfrm>
+      </p:grpSpPr>
+      <p:sp>
+        <p:nvSpPr>
+          <p:cNvPr id="2" name="Title 1"/>
+          <p:cNvSpPr>
+            <a:spLocks noGrp="1"/>
+          </p:cNvSpPr>
+          <p:nvPr>
+            <p:ph type="title"/>
+          </p:nvPr>
+        </p:nvSpPr>
+        <p:spPr>
+          <a:xfrm>
+            <a:off x="457200" y="274638"/>
+            <a:ext cx="8229600" cy="715962"/>
+          </a:xfrm>
+        </p:spPr>
+        <p:txBody>
+          <a:bodyPr rtlCol="0">
+            <a:normAutofit fontScale="90000"/>
+          </a:bodyPr>
+          <a:lstStyle/>
+          <a:p>
+            <a:pPr eaLnBrk="1" fontAlgn="auto" hangingPunct="1">
+              <a:spcAft>
+                <a:spcPts val="0"/>
+              </a:spcAft>
+              <a:defRPr/>
+            </a:pPr>
+            <a:r>
+              <a:rPr lang="en-US" dirty="0" err="1" smtClean="0"/>
+              <a:t>Make_run_env.csh</a:t>
+            </a:r>
+            <a:endParaRPr lang="en-US" dirty="0"/>
+          </a:p>
+        </p:txBody>
+      </p:sp>
+      <p:sp>
+        <p:nvSpPr>
+          <p:cNvPr id="3" name="Content Placeholder 2"/>
+          <p:cNvSpPr>
+            <a:spLocks noGrp="1"/>
+          </p:cNvSpPr>
+          <p:nvPr>
+            <p:ph idx="1"/>
+          </p:nvPr>
+        </p:nvSpPr>
+        <p:spPr/>
+        <p:txBody>
+          <a:bodyPr rtlCol="0">
+            <a:normAutofit fontScale="40000" lnSpcReduction="20000"/>
+          </a:bodyPr>
+          <a:lstStyle/>
+          <a:p>
+            <a:pPr marL="0" indent="0" eaLnBrk="1" fontAlgn="auto" hangingPunct="1">
+              <a:spcAft>
+                <a:spcPts val="0"/>
+              </a:spcAft>
+              <a:buFont typeface="Arial" panose="020B0604020202020204" pitchFamily="34" charset="0"/>
+              <a:buNone/>
+              <a:defRPr/>
+            </a:pPr>
+            <a:r>
+              <a:rPr lang="en-US" dirty="0" smtClean="0"/>
+              <a:t>##!/</a:t>
+            </a:r>
+            <a:r>
+              <a:rPr lang="en-US" dirty="0" err="1" smtClean="0"/>
+              <a:t>usr</a:t>
+            </a:r>
+            <a:r>
+              <a:rPr lang="en-US" dirty="0" smtClean="0"/>
+              <a:t>/local/bin/</a:t>
+            </a:r>
+            <a:r>
+              <a:rPr lang="en-US" dirty="0" err="1" smtClean="0"/>
+              <a:t>csh</a:t>
+            </a:r>
+            <a:endParaRPr lang="en-US" dirty="0" smtClean="0"/>
+          </a:p>
+          <a:p>
+            <a:pPr marL="0" indent="0" eaLnBrk="1" fontAlgn="auto" hangingPunct="1">
+              <a:spcAft>
+                <a:spcPts val="0"/>
+              </a:spcAft>
+              <a:buFont typeface="Arial" panose="020B0604020202020204" pitchFamily="34" charset="0"/>
+              <a:buNone/>
+              <a:defRPr/>
+            </a:pPr>
+            <a:r>
+              <a:rPr lang="en-US" dirty="0" smtClean="0"/>
+              <a:t>\</a:t>
+            </a:r>
+            <a:r>
+              <a:rPr lang="en-US" dirty="0" err="1" smtClean="0"/>
+              <a:t>rm</a:t>
+            </a:r>
+            <a:r>
+              <a:rPr lang="en-US" dirty="0" smtClean="0"/>
+              <a:t> -</a:t>
+            </a:r>
+            <a:r>
+              <a:rPr lang="en-US" dirty="0" err="1" smtClean="0"/>
+              <a:t>rf</a:t>
+            </a:r>
+            <a:r>
+              <a:rPr lang="en-US" dirty="0" smtClean="0"/>
+              <a:t> </a:t>
+            </a:r>
+            <a:r>
+              <a:rPr lang="en-US" dirty="0" err="1" smtClean="0"/>
+              <a:t>run_SA_dir</a:t>
+            </a:r>
+            <a:endParaRPr lang="en-US" dirty="0" smtClean="0"/>
+          </a:p>
+          <a:p>
+            <a:pPr marL="0" indent="0" eaLnBrk="1" fontAlgn="auto" hangingPunct="1">
+              <a:spcAft>
+                <a:spcPts val="0"/>
+              </a:spcAft>
+              <a:buFont typeface="Arial" panose="020B0604020202020204" pitchFamily="34" charset="0"/>
+              <a:buNone/>
+              <a:defRPr/>
+            </a:pPr>
+            <a:r>
+              <a:rPr lang="en-US" dirty="0" err="1" smtClean="0"/>
+              <a:t>mkdir</a:t>
+            </a:r>
+            <a:r>
+              <a:rPr lang="en-US" dirty="0" smtClean="0"/>
+              <a:t> </a:t>
+            </a:r>
+            <a:r>
+              <a:rPr lang="en-US" dirty="0" err="1" smtClean="0"/>
+              <a:t>run_SA_dir</a:t>
+            </a:r>
+            <a:endParaRPr lang="en-US" dirty="0" smtClean="0"/>
+          </a:p>
+          <a:p>
+            <a:pPr marL="0" indent="0" eaLnBrk="1" fontAlgn="auto" hangingPunct="1">
+              <a:spcAft>
+                <a:spcPts val="0"/>
+              </a:spcAft>
+              <a:buFont typeface="Arial" panose="020B0604020202020204" pitchFamily="34" charset="0"/>
+              <a:buNone/>
+              <a:defRPr/>
+            </a:pPr>
+            <a:r>
+              <a:rPr lang="en-US" dirty="0" smtClean="0"/>
+              <a:t>cd </a:t>
+            </a:r>
+            <a:r>
+              <a:rPr lang="en-US" dirty="0" err="1" smtClean="0"/>
+              <a:t>run_SA_dir</a:t>
+            </a:r>
+            <a:endParaRPr lang="en-US" dirty="0" smtClean="0"/>
+          </a:p>
+          <a:p>
+            <a:pPr marL="0" indent="0" eaLnBrk="1" fontAlgn="auto" hangingPunct="1">
+              <a:spcAft>
+                <a:spcPts val="0"/>
+              </a:spcAft>
+              <a:buFont typeface="Arial" panose="020B0604020202020204" pitchFamily="34" charset="0"/>
+              <a:buNone/>
+              <a:defRPr/>
+            </a:pPr>
+            <a:endParaRPr lang="en-US" dirty="0" smtClean="0"/>
+          </a:p>
+          <a:p>
+            <a:pPr marL="0" indent="0" eaLnBrk="1" fontAlgn="auto" hangingPunct="1">
+              <a:spcAft>
+                <a:spcPts val="0"/>
+              </a:spcAft>
+              <a:buFont typeface="Arial" panose="020B0604020202020204" pitchFamily="34" charset="0"/>
+              <a:buNone/>
+              <a:defRPr/>
+            </a:pPr>
+            <a:r>
+              <a:rPr lang="en-US" dirty="0" smtClean="0"/>
+              <a:t>ln -s ../.design</a:t>
+            </a:r>
+          </a:p>
+          <a:p>
+            <a:pPr marL="0" indent="0" eaLnBrk="1" fontAlgn="auto" hangingPunct="1">
+              <a:spcAft>
+                <a:spcPts val="0"/>
+              </a:spcAft>
+              <a:buFont typeface="Arial" panose="020B0604020202020204" pitchFamily="34" charset="0"/>
+              <a:buNone/>
+              <a:defRPr/>
+            </a:pPr>
+            <a:r>
+              <a:rPr lang="en-US" dirty="0" smtClean="0"/>
+              <a:t>ln -s ../PLU</a:t>
+            </a:r>
+          </a:p>
+          <a:p>
+            <a:pPr marL="0" indent="0" eaLnBrk="1" fontAlgn="auto" hangingPunct="1">
+              <a:spcAft>
+                <a:spcPts val="0"/>
+              </a:spcAft>
+              <a:buFont typeface="Arial" panose="020B0604020202020204" pitchFamily="34" charset="0"/>
+              <a:buNone/>
+              <a:defRPr/>
+            </a:pPr>
+            <a:r>
+              <a:rPr lang="en-US" dirty="0" smtClean="0"/>
+              <a:t>ln -s ../CONDOR</a:t>
+            </a:r>
+          </a:p>
+          <a:p>
+            <a:pPr marL="0" indent="0" eaLnBrk="1" fontAlgn="auto" hangingPunct="1">
+              <a:spcAft>
+                <a:spcPts val="0"/>
+              </a:spcAft>
+              <a:buFont typeface="Arial" panose="020B0604020202020204" pitchFamily="34" charset="0"/>
+              <a:buNone/>
+              <a:defRPr/>
+            </a:pPr>
+            <a:r>
+              <a:rPr lang="en-US" dirty="0" smtClean="0"/>
+              <a:t>ln -s ../WORK</a:t>
+            </a:r>
+          </a:p>
+          <a:p>
+            <a:pPr marL="0" indent="0" eaLnBrk="1" fontAlgn="auto" hangingPunct="1">
+              <a:spcAft>
+                <a:spcPts val="0"/>
+              </a:spcAft>
+              <a:buFont typeface="Arial" panose="020B0604020202020204" pitchFamily="34" charset="0"/>
+              <a:buNone/>
+              <a:defRPr/>
+            </a:pPr>
+            <a:r>
+              <a:rPr lang="en-US" dirty="0" smtClean="0"/>
+              <a:t>ln -s ../QTDB</a:t>
+            </a:r>
+          </a:p>
+          <a:p>
+            <a:pPr marL="0" indent="0" eaLnBrk="1" fontAlgn="auto" hangingPunct="1">
+              <a:spcAft>
+                <a:spcPts val="0"/>
+              </a:spcAft>
+              <a:buFont typeface="Arial" panose="020B0604020202020204" pitchFamily="34" charset="0"/>
+              <a:buNone/>
+              <a:defRPr/>
+            </a:pPr>
+            <a:r>
+              <a:rPr lang="en-US" dirty="0" smtClean="0"/>
+              <a:t>ln -s ../PDB</a:t>
+            </a:r>
+          </a:p>
+          <a:p>
+            <a:pPr marL="0" indent="0" eaLnBrk="1" fontAlgn="auto" hangingPunct="1">
+              <a:spcAft>
+                <a:spcPts val="0"/>
+              </a:spcAft>
+              <a:buFont typeface="Arial" panose="020B0604020202020204" pitchFamily="34" charset="0"/>
+              <a:buNone/>
+              <a:defRPr/>
+            </a:pPr>
+            <a:r>
+              <a:rPr lang="en-US" dirty="0" smtClean="0"/>
+              <a:t>ln -s ../</a:t>
+            </a:r>
+            <a:r>
+              <a:rPr lang="en-US" dirty="0" err="1" smtClean="0"/>
+              <a:t>tmp</a:t>
+            </a:r>
+            <a:endParaRPr lang="en-US" dirty="0" smtClean="0"/>
+          </a:p>
+          <a:p>
+            <a:pPr marL="0" indent="0" eaLnBrk="1" fontAlgn="auto" hangingPunct="1">
+              <a:spcAft>
+                <a:spcPts val="0"/>
+              </a:spcAft>
+              <a:buFont typeface="Arial" panose="020B0604020202020204" pitchFamily="34" charset="0"/>
+              <a:buNone/>
+              <a:defRPr/>
+            </a:pPr>
+            <a:r>
+              <a:rPr lang="en-US" dirty="0" smtClean="0"/>
+              <a:t>ln -s ../</a:t>
+            </a:r>
+            <a:r>
+              <a:rPr lang="en-US" dirty="0" err="1" smtClean="0"/>
+              <a:t>cellList</a:t>
+            </a:r>
+            <a:endParaRPr lang="en-US" dirty="0" smtClean="0"/>
+          </a:p>
+          <a:p>
+            <a:pPr marL="0" indent="0" eaLnBrk="1" fontAlgn="auto" hangingPunct="1">
+              <a:spcAft>
+                <a:spcPts val="0"/>
+              </a:spcAft>
+              <a:buFont typeface="Arial" panose="020B0604020202020204" pitchFamily="34" charset="0"/>
+              <a:buNone/>
+              <a:defRPr/>
+            </a:pPr>
+            <a:r>
+              <a:rPr lang="en-US" dirty="0" smtClean="0"/>
+              <a:t>ln -s ../</a:t>
+            </a:r>
+            <a:r>
+              <a:rPr lang="en-US" dirty="0" err="1" smtClean="0"/>
+              <a:t>dbFiles</a:t>
+            </a:r>
+            <a:endParaRPr lang="en-US" dirty="0" smtClean="0"/>
+          </a:p>
+          <a:p>
+            <a:pPr marL="0" indent="0" eaLnBrk="1" fontAlgn="auto" hangingPunct="1">
+              <a:spcAft>
+                <a:spcPts val="0"/>
+              </a:spcAft>
+              <a:buFont typeface="Arial" panose="020B0604020202020204" pitchFamily="34" charset="0"/>
+              <a:buNone/>
+              <a:defRPr/>
+            </a:pPr>
+            <a:r>
+              <a:rPr lang="en-US" dirty="0" smtClean="0"/>
+              <a:t>ln -s ../</a:t>
+            </a:r>
+            <a:r>
+              <a:rPr lang="en-US" dirty="0" err="1" smtClean="0"/>
+              <a:t>xc_work</a:t>
+            </a:r>
+            <a:endParaRPr lang="en-US" dirty="0" smtClean="0"/>
+          </a:p>
+          <a:p>
+            <a:pPr marL="0" indent="0" eaLnBrk="1" fontAlgn="auto" hangingPunct="1">
+              <a:spcAft>
+                <a:spcPts val="0"/>
+              </a:spcAft>
+              <a:buFont typeface="Arial" panose="020B0604020202020204" pitchFamily="34" charset="0"/>
+              <a:buNone/>
+              <a:defRPr/>
+            </a:pPr>
+            <a:r>
+              <a:rPr lang="en-US" dirty="0" smtClean="0"/>
+              <a:t>ln -s ../</a:t>
+            </a:r>
+            <a:r>
+              <a:rPr lang="en-US" dirty="0" err="1" smtClean="0"/>
+              <a:t>AxisWork</a:t>
+            </a:r>
+            <a:endParaRPr lang="en-US" dirty="0" smtClean="0"/>
+          </a:p>
+          <a:p>
+            <a:pPr marL="0" indent="0" eaLnBrk="1" fontAlgn="auto" hangingPunct="1">
+              <a:spcAft>
+                <a:spcPts val="0"/>
+              </a:spcAft>
+              <a:buFont typeface="Arial" panose="020B0604020202020204" pitchFamily="34" charset="0"/>
+              <a:buNone/>
+              <a:defRPr/>
+            </a:pPr>
+            <a:r>
+              <a:rPr lang="en-US" dirty="0" smtClean="0"/>
+              <a:t>ln -s ../</a:t>
+            </a:r>
+            <a:r>
+              <a:rPr lang="en-US" dirty="0" err="1" smtClean="0"/>
+              <a:t>INCA_libs</a:t>
+            </a:r>
+            <a:endParaRPr lang="en-US" dirty="0" smtClean="0"/>
+          </a:p>
+          <a:p>
+            <a:pPr marL="0" indent="0" eaLnBrk="1" fontAlgn="auto" hangingPunct="1">
+              <a:spcAft>
+                <a:spcPts val="0"/>
+              </a:spcAft>
+              <a:buFont typeface="Arial" panose="020B0604020202020204" pitchFamily="34" charset="0"/>
+              <a:buNone/>
+              <a:defRPr/>
+            </a:pPr>
+            <a:endParaRPr lang="en-US" dirty="0" smtClean="0"/>
+          </a:p>
+          <a:p>
+            <a:pPr marL="0" indent="0" eaLnBrk="1" fontAlgn="auto" hangingPunct="1">
+              <a:spcAft>
+                <a:spcPts val="0"/>
+              </a:spcAft>
+              <a:buFont typeface="Arial" panose="020B0604020202020204" pitchFamily="34" charset="0"/>
+              <a:buNone/>
+              <a:defRPr/>
+            </a:pPr>
+            <a:r>
+              <a:rPr lang="en-US" dirty="0" err="1" smtClean="0"/>
+              <a:t>cp</a:t>
+            </a:r>
+            <a:r>
+              <a:rPr lang="en-US" dirty="0" smtClean="0"/>
+              <a:t> ../../</a:t>
+            </a:r>
+            <a:r>
+              <a:rPr lang="en-US" dirty="0" err="1" smtClean="0"/>
+              <a:t>runFiles</a:t>
+            </a:r>
+            <a:r>
+              <a:rPr lang="en-US" dirty="0" smtClean="0"/>
+              <a:t>/* .</a:t>
+            </a:r>
+          </a:p>
+          <a:p>
+            <a:pPr marL="0" indent="0" eaLnBrk="1" fontAlgn="auto" hangingPunct="1">
+              <a:spcAft>
+                <a:spcPts val="0"/>
+              </a:spcAft>
+              <a:buFont typeface="Arial" panose="020B0604020202020204" pitchFamily="34" charset="0"/>
+              <a:buNone/>
+              <a:defRPr/>
+            </a:pPr>
+            <a:endParaRPr lang="en-US" dirty="0" smtClean="0"/>
+          </a:p>
+          <a:p>
+            <a:pPr marL="0" indent="0" eaLnBrk="1" fontAlgn="auto" hangingPunct="1">
+              <a:spcAft>
+                <a:spcPts val="0"/>
+              </a:spcAft>
+              <a:buFont typeface="Arial" panose="020B0604020202020204" pitchFamily="34" charset="0"/>
+              <a:buNone/>
+              <a:defRPr/>
+            </a:pPr>
+            <a:r>
+              <a:rPr lang="en-US" dirty="0" smtClean="0"/>
+              <a:t>echo "To run Palladium use: </a:t>
+            </a:r>
+            <a:r>
+              <a:rPr lang="en-US" dirty="0" err="1" smtClean="0"/>
+              <a:t>irun</a:t>
+            </a:r>
+            <a:r>
+              <a:rPr lang="en-US" dirty="0" smtClean="0"/>
+              <a:t> -R -</a:t>
+            </a:r>
+            <a:r>
+              <a:rPr lang="en-US" dirty="0" err="1" smtClean="0"/>
+              <a:t>xedebug</a:t>
+            </a:r>
+            <a:r>
+              <a:rPr lang="en-US" dirty="0" smtClean="0"/>
+              <a:t> -</a:t>
+            </a:r>
+            <a:r>
+              <a:rPr lang="en-US" dirty="0" err="1" smtClean="0"/>
+              <a:t>gui</a:t>
+            </a:r>
+            <a:r>
+              <a:rPr lang="en-US" dirty="0" smtClean="0"/>
+              <a:t> -64 -input </a:t>
+            </a:r>
+            <a:r>
+              <a:rPr lang="en-US" dirty="0" err="1" smtClean="0"/>
+              <a:t>run_inputs.tcl</a:t>
+            </a:r>
+            <a:r>
+              <a:rPr lang="en-US" dirty="0" smtClean="0"/>
+              <a:t>"</a:t>
+            </a:r>
+          </a:p>
+          <a:p>
+            <a:pPr marL="0" indent="0" eaLnBrk="1" fontAlgn="auto" hangingPunct="1">
+              <a:spcAft>
+                <a:spcPts val="0"/>
+              </a:spcAft>
+              <a:buFont typeface="Arial" panose="020B0604020202020204" pitchFamily="34" charset="0"/>
+              <a:buNone/>
+              <a:defRPr/>
+            </a:pPr>
+            <a:endParaRPr lang="en-US" dirty="0"/>
+          </a:p>
+        </p:txBody>
+      </p:sp>
+    </p:spTree>
+  </p:cSld>
+  <p:clrMapOvr>
+    <a:masterClrMapping/>
+  </p:clrMapOvr>
+  <p:timing>
+    <p:tnLst>
+      <p:par>
+        <p:cTn id="1" dur="indefinite" restart="never" nodeType="tmRoot"/>
+      </p:par>
+    </p:tnLst>
+  </p:timing>
+</p:sld>
+</file>
+
 <file path=ppt/slides/slide2.xml><?xml version="1.0" encoding="utf-8"?>
 <p:sld xmlns:a="http://schemas.openxmlformats.org/drawingml/2006/main" xmlns:r="http://schemas.openxmlformats.org/officeDocument/2006/relationships" xmlns:p="http://schemas.openxmlformats.org/presentationml/2006/main">
   <p:cSld>
@@ -3928,14 +5635,22 @@
           <a:p>
             <a:pPr eaLnBrk="1" hangingPunct="1"/>
             <a:r>
-              <a:rPr lang="en-US" sz="4000" smtClean="0"/>
-              <a:t>Adding Specman to get </a:t>
+              <a:rPr lang="en-US" sz="4000" dirty="0" smtClean="0"/>
+              <a:t>Adding </a:t>
+            </a:r>
+            <a:r>
+              <a:rPr lang="en-US" sz="4000" dirty="0" err="1" smtClean="0"/>
+              <a:t>Specman</a:t>
+            </a:r>
+            <a:r>
+              <a:rPr lang="en-US" sz="4000" dirty="0" smtClean="0"/>
+              <a:t> to get </a:t>
             </a:r>
             <a:br>
-              <a:rPr lang="en-US" sz="4000" smtClean="0"/>
+              <a:rPr lang="en-US" sz="4000" dirty="0" smtClean="0"/>
             </a:br>
             <a:r>
-              <a:rPr lang="en-US" sz="4000" smtClean="0"/>
+              <a:rPr lang="en-US" sz="4000" dirty="0" smtClean="0"/>
               <a:t>Simulation Acceleration  </a:t>
             </a:r>
           </a:p>
@@ -3995,11 +5710,7 @@
             </a:r>
             <a:r>
               <a:rPr lang="en-US" sz="2000" dirty="0" smtClean="0"/>
-              <a:t> </a:t>
-            </a:r>
-            <a:r>
-              <a:rPr lang="en-US" sz="2000" dirty="0" smtClean="0"/>
-              <a:t>are:</a:t>
+              <a:t> are:</a:t>
             </a:r>
           </a:p>
           <a:p>
@@ -4119,7 +5830,7 @@
       </p:grpSpPr>
       <p:sp>
         <p:nvSpPr>
-          <p:cNvPr id="17409" name="Title 1"/>
+          <p:cNvPr id="2" name="Title 1"/>
           <p:cNvSpPr>
             <a:spLocks noGrp="1"/>
           </p:cNvSpPr>
@@ -4129,19 +5840,26 @@
         </p:nvSpPr>
         <p:spPr>
           <a:xfrm>
-            <a:off x="457200" y="274638"/>
-            <a:ext cx="8229600" cy="868362"/>
+            <a:off x="457200" y="76200"/>
+            <a:ext cx="8229600" cy="1143000"/>
           </a:xfrm>
         </p:spPr>
         <p:txBody>
           <a:bodyPr/>
           <a:lstStyle/>
           <a:p>
-            <a:pPr eaLnBrk="1" hangingPunct="1"/>
-            <a:r>
-              <a:rPr lang="en-US" smtClean="0"/>
-              <a:t>Make_Saenv.csh</a:t>
-            </a:r>
+            <a:r>
+              <a:rPr lang="en-US" dirty="0" smtClean="0"/>
+              <a:t>The palladium compile stages</a:t>
+            </a:r>
+            <a:br>
+              <a:rPr lang="en-US" dirty="0" smtClean="0"/>
+            </a:br>
+            <a:r>
+              <a:rPr lang="en-US" dirty="0" smtClean="0"/>
+              <a:t>compilation </a:t>
+            </a:r>
+            <a:endParaRPr lang="en-US" dirty="0"/>
           </a:p>
         </p:txBody>
       </p:sp>
@@ -4155,437 +5873,136 @@
             <p:ph idx="1"/>
           </p:nvPr>
         </p:nvSpPr>
-        <p:spPr/>
-        <p:txBody>
-          <a:bodyPr rtlCol="0">
-            <a:normAutofit fontScale="40000" lnSpcReduction="20000"/>
-          </a:bodyPr>
+        <p:spPr>
+          <a:xfrm>
+            <a:off x="533400" y="1295400"/>
+            <a:ext cx="8229600" cy="4800600"/>
+          </a:xfrm>
+        </p:spPr>
+        <p:txBody>
+          <a:bodyPr/>
           <a:lstStyle/>
           <a:p>
-            <a:pPr marL="0" indent="0" eaLnBrk="1" fontAlgn="auto" hangingPunct="1">
-              <a:spcAft>
-                <a:spcPts val="0"/>
-              </a:spcAft>
-              <a:buFont typeface="Arial" panose="020B0604020202020204" pitchFamily="34" charset="0"/>
-              <a:buNone/>
-              <a:defRPr/>
-            </a:pPr>
-            <a:r>
-              <a:rPr lang="en-US" dirty="0" smtClean="0"/>
-              <a:t>##!/</a:t>
-            </a:r>
-            <a:r>
-              <a:rPr lang="en-US" dirty="0" err="1" smtClean="0"/>
-              <a:t>usr</a:t>
-            </a:r>
-            <a:r>
-              <a:rPr lang="en-US" dirty="0" smtClean="0"/>
-              <a:t>/local/bin/</a:t>
-            </a:r>
-            <a:r>
-              <a:rPr lang="en-US" dirty="0" err="1" smtClean="0"/>
-              <a:t>csh</a:t>
-            </a:r>
-            <a:endParaRPr lang="en-US" dirty="0" smtClean="0"/>
-          </a:p>
-          <a:p>
-            <a:pPr marL="0" indent="0" eaLnBrk="1" fontAlgn="auto" hangingPunct="1">
-              <a:spcAft>
-                <a:spcPts val="0"/>
-              </a:spcAft>
-              <a:buFont typeface="Arial" panose="020B0604020202020204" pitchFamily="34" charset="0"/>
-              <a:buNone/>
-              <a:defRPr/>
-            </a:pPr>
-            <a:r>
-              <a:rPr lang="en-US" dirty="0" smtClean="0"/>
-              <a:t>source </a:t>
-            </a:r>
-            <a:r>
-              <a:rPr lang="en-US" dirty="0" err="1" smtClean="0"/>
-              <a:t>synthScripts</a:t>
-            </a:r>
-            <a:r>
-              <a:rPr lang="en-US" dirty="0" smtClean="0"/>
-              <a:t>/setup</a:t>
-            </a:r>
-          </a:p>
-          <a:p>
-            <a:pPr marL="0" indent="0" eaLnBrk="1" fontAlgn="auto" hangingPunct="1">
-              <a:spcAft>
-                <a:spcPts val="0"/>
-              </a:spcAft>
-              <a:buFont typeface="Arial" panose="020B0604020202020204" pitchFamily="34" charset="0"/>
-              <a:buNone/>
-              <a:defRPr/>
-            </a:pPr>
-            <a:r>
-              <a:rPr lang="en-US" dirty="0" smtClean="0"/>
-              <a:t>if ($#</a:t>
-            </a:r>
-            <a:r>
-              <a:rPr lang="en-US" dirty="0" err="1" smtClean="0"/>
-              <a:t>argv</a:t>
-            </a:r>
-            <a:r>
-              <a:rPr lang="en-US" dirty="0" smtClean="0"/>
-              <a:t> &lt; 1) then </a:t>
-            </a:r>
-          </a:p>
-          <a:p>
-            <a:pPr marL="0" indent="0" eaLnBrk="1" fontAlgn="auto" hangingPunct="1">
-              <a:spcAft>
-                <a:spcPts val="0"/>
-              </a:spcAft>
-              <a:buFont typeface="Arial" panose="020B0604020202020204" pitchFamily="34" charset="0"/>
-              <a:buNone/>
-              <a:defRPr/>
-            </a:pPr>
-            <a:r>
-              <a:rPr lang="en-US" dirty="0" smtClean="0"/>
-              <a:t>	echo "Please add directory name"</a:t>
-            </a:r>
-          </a:p>
-          <a:p>
-            <a:pPr marL="0" indent="0" eaLnBrk="1" fontAlgn="auto" hangingPunct="1">
-              <a:spcAft>
-                <a:spcPts val="0"/>
-              </a:spcAft>
-              <a:buFont typeface="Arial" panose="020B0604020202020204" pitchFamily="34" charset="0"/>
-              <a:buNone/>
-              <a:defRPr/>
-            </a:pPr>
-            <a:r>
-              <a:rPr lang="en-US" dirty="0" smtClean="0"/>
-              <a:t>else </a:t>
-            </a:r>
-          </a:p>
-          <a:p>
-            <a:pPr marL="0" indent="0" eaLnBrk="1" fontAlgn="auto" hangingPunct="1">
-              <a:spcAft>
-                <a:spcPts val="0"/>
-              </a:spcAft>
-              <a:buFont typeface="Arial" panose="020B0604020202020204" pitchFamily="34" charset="0"/>
-              <a:buNone/>
-              <a:defRPr/>
-            </a:pPr>
-            <a:r>
-              <a:rPr lang="en-US" dirty="0" smtClean="0"/>
-              <a:t>echo "new compilation directory $1"</a:t>
-            </a:r>
-          </a:p>
-          <a:p>
-            <a:pPr marL="0" indent="0" eaLnBrk="1" fontAlgn="auto" hangingPunct="1">
-              <a:spcAft>
-                <a:spcPts val="0"/>
-              </a:spcAft>
-              <a:buFont typeface="Arial" panose="020B0604020202020204" pitchFamily="34" charset="0"/>
-              <a:buNone/>
-              <a:defRPr/>
-            </a:pPr>
-            <a:r>
-              <a:rPr lang="en-US" dirty="0" smtClean="0"/>
-              <a:t>\</a:t>
-            </a:r>
-            <a:r>
-              <a:rPr lang="en-US" dirty="0" err="1" smtClean="0"/>
-              <a:t>rm</a:t>
-            </a:r>
-            <a:r>
-              <a:rPr lang="en-US" dirty="0" smtClean="0"/>
-              <a:t> -</a:t>
-            </a:r>
-            <a:r>
-              <a:rPr lang="en-US" dirty="0" err="1" smtClean="0"/>
-              <a:t>rf</a:t>
-            </a:r>
-            <a:r>
-              <a:rPr lang="en-US" dirty="0" smtClean="0"/>
-              <a:t> $1</a:t>
-            </a:r>
-          </a:p>
-          <a:p>
-            <a:pPr marL="0" indent="0" eaLnBrk="1" fontAlgn="auto" hangingPunct="1">
-              <a:spcAft>
-                <a:spcPts val="0"/>
-              </a:spcAft>
-              <a:buFont typeface="Arial" panose="020B0604020202020204" pitchFamily="34" charset="0"/>
-              <a:buNone/>
-              <a:defRPr/>
-            </a:pPr>
-            <a:r>
-              <a:rPr lang="en-US" dirty="0" err="1" smtClean="0"/>
-              <a:t>mkdir</a:t>
-            </a:r>
-            <a:r>
-              <a:rPr lang="en-US" dirty="0" smtClean="0"/>
-              <a:t> $1</a:t>
-            </a:r>
-          </a:p>
-          <a:p>
-            <a:pPr marL="0" indent="0" eaLnBrk="1" fontAlgn="auto" hangingPunct="1">
-              <a:spcAft>
-                <a:spcPts val="0"/>
-              </a:spcAft>
-              <a:buFont typeface="Arial" panose="020B0604020202020204" pitchFamily="34" charset="0"/>
-              <a:buNone/>
-              <a:defRPr/>
-            </a:pPr>
-            <a:r>
-              <a:rPr lang="en-US" dirty="0" err="1" smtClean="0"/>
-              <a:t>cp</a:t>
-            </a:r>
-            <a:r>
-              <a:rPr lang="en-US" dirty="0" smtClean="0"/>
+            <a:pPr marL="0" indent="0">
+              <a:buNone/>
+            </a:pPr>
+            <a:r>
+              <a:rPr lang="en-US" sz="2400" dirty="0" smtClean="0"/>
+              <a:t>The first stage is compiling the Verilog code into the Palladium emulator. This is not as easy as it sounds because:</a:t>
+            </a:r>
+          </a:p>
+          <a:p>
+            <a:r>
+              <a:rPr lang="en-US" sz="2000" dirty="0" smtClean="0"/>
+              <a:t>This is the first time the Verilog code is being transfer to an elements net-list. </a:t>
+            </a:r>
+          </a:p>
+          <a:p>
+            <a:pPr lvl="1"/>
+            <a:r>
+              <a:rPr lang="en-US" sz="1600" dirty="0" smtClean="0"/>
+              <a:t>Modules written not according to the methodology - the synthesis can’t find logic elements to translate it.</a:t>
+            </a:r>
+          </a:p>
+          <a:p>
+            <a:pPr lvl="1"/>
+            <a:r>
+              <a:rPr lang="en-US" sz="1600" dirty="0" smtClean="0"/>
+              <a:t>Code with simulations instructions (assertions, #, $time, $display </a:t>
+            </a:r>
+            <a:r>
+              <a:rPr lang="en-US" sz="1600" dirty="0" err="1" smtClean="0"/>
+              <a:t>et’c</a:t>
+            </a:r>
+            <a:r>
+              <a:rPr lang="en-US" sz="1600" dirty="0" smtClean="0"/>
+              <a:t>)</a:t>
+            </a:r>
+          </a:p>
+          <a:p>
+            <a:r>
+              <a:rPr lang="en-US" sz="2000" dirty="0" smtClean="0"/>
+              <a:t>Some of the modules are behavioral modules of analog blocks.</a:t>
+            </a:r>
+          </a:p>
+          <a:p>
+            <a:pPr lvl="1"/>
+            <a:r>
+              <a:rPr lang="en-US" sz="1600" dirty="0" smtClean="0"/>
+              <a:t>Need to be replace with synthesizable code or empty and generate the outputs from the simulation part of the Palladium design. (memory's, PLL, </a:t>
+            </a:r>
+            <a:r>
+              <a:rPr lang="en-US" sz="1600" dirty="0" err="1" smtClean="0"/>
+              <a:t>Serdes</a:t>
+            </a:r>
+            <a:r>
+              <a:rPr lang="en-US" sz="1600" dirty="0" smtClean="0"/>
+              <a:t>, </a:t>
+            </a:r>
+            <a:r>
+              <a:rPr lang="en-US" sz="1600" dirty="0" err="1" smtClean="0"/>
+              <a:t>etc</a:t>
+            </a:r>
+            <a:r>
+              <a:rPr lang="en-US" sz="1600" dirty="0" smtClean="0"/>
+              <a:t>’).</a:t>
+            </a:r>
+          </a:p>
+          <a:p>
+            <a:r>
+              <a:rPr lang="en-US" sz="2000" dirty="0" smtClean="0"/>
+              <a:t>Test Bench; we need a complete new Test Bench.</a:t>
+            </a:r>
+            <a:r>
+              <a:rPr lang="en-US" sz="1600" dirty="0" smtClean="0"/>
               <a:t> </a:t>
             </a:r>
-            <a:r>
-              <a:rPr lang="en-US" dirty="0" err="1" smtClean="0"/>
-              <a:t>synthScripts</a:t>
-            </a:r>
-            <a:r>
-              <a:rPr lang="en-US" dirty="0" smtClean="0"/>
-              <a:t>/* $1/.</a:t>
-            </a:r>
-          </a:p>
-          <a:p>
-            <a:pPr marL="0" indent="0" eaLnBrk="1" fontAlgn="auto" hangingPunct="1">
-              <a:spcAft>
-                <a:spcPts val="0"/>
-              </a:spcAft>
-              <a:buFont typeface="Arial" panose="020B0604020202020204" pitchFamily="34" charset="0"/>
-              <a:buNone/>
-              <a:defRPr/>
-            </a:pPr>
-            <a:r>
-              <a:rPr lang="en-US" dirty="0" smtClean="0"/>
-              <a:t>cd $1</a:t>
-            </a:r>
-          </a:p>
-          <a:p>
-            <a:pPr marL="0" indent="0" eaLnBrk="1" fontAlgn="auto" hangingPunct="1">
-              <a:spcAft>
-                <a:spcPts val="0"/>
-              </a:spcAft>
-              <a:buFont typeface="Arial" panose="020B0604020202020204" pitchFamily="34" charset="0"/>
-              <a:buNone/>
-              <a:defRPr/>
-            </a:pPr>
-            <a:r>
-              <a:rPr lang="en-US" dirty="0" smtClean="0"/>
-              <a:t>date</a:t>
-            </a:r>
-          </a:p>
-          <a:p>
-            <a:pPr marL="0" indent="0" eaLnBrk="1" fontAlgn="auto" hangingPunct="1">
-              <a:spcAft>
-                <a:spcPts val="0"/>
-              </a:spcAft>
-              <a:buFont typeface="Arial" panose="020B0604020202020204" pitchFamily="34" charset="0"/>
-              <a:buNone/>
-              <a:defRPr/>
-            </a:pPr>
-            <a:r>
-              <a:rPr lang="en-US" dirty="0" smtClean="0"/>
-              <a:t>source setup</a:t>
-            </a:r>
-          </a:p>
-          <a:p>
-            <a:pPr marL="0" indent="0" eaLnBrk="1" fontAlgn="auto" hangingPunct="1">
-              <a:spcAft>
-                <a:spcPts val="0"/>
-              </a:spcAft>
-              <a:buFont typeface="Arial" panose="020B0604020202020204" pitchFamily="34" charset="0"/>
-              <a:buNone/>
-              <a:defRPr/>
-            </a:pPr>
-            <a:r>
-              <a:rPr lang="en-US" dirty="0" smtClean="0"/>
-              <a:t>source </a:t>
-            </a:r>
-            <a:r>
-              <a:rPr lang="en-US" dirty="0" err="1" smtClean="0"/>
-              <a:t>make_SA_model.csh</a:t>
-            </a:r>
-            <a:r>
-              <a:rPr lang="en-US" dirty="0" smtClean="0"/>
-              <a:t> |tee make_SA_model.log</a:t>
-            </a:r>
-          </a:p>
-          <a:p>
-            <a:pPr marL="0" indent="0" eaLnBrk="1" fontAlgn="auto" hangingPunct="1">
-              <a:spcAft>
-                <a:spcPts val="0"/>
-              </a:spcAft>
-              <a:buFont typeface="Arial" panose="020B0604020202020204" pitchFamily="34" charset="0"/>
-              <a:buNone/>
-              <a:defRPr/>
-            </a:pPr>
-            <a:r>
-              <a:rPr lang="en-US" dirty="0" smtClean="0"/>
-              <a:t>if($?) then </a:t>
-            </a:r>
-          </a:p>
-          <a:p>
-            <a:pPr marL="0" indent="0" eaLnBrk="1" fontAlgn="auto" hangingPunct="1">
-              <a:spcAft>
-                <a:spcPts val="0"/>
-              </a:spcAft>
-              <a:buFont typeface="Arial" panose="020B0604020202020204" pitchFamily="34" charset="0"/>
-              <a:buNone/>
-              <a:defRPr/>
-            </a:pPr>
-            <a:r>
-              <a:rPr lang="en-US" dirty="0" smtClean="0"/>
-              <a:t>	echo Error on compilation</a:t>
-            </a:r>
-          </a:p>
-          <a:p>
-            <a:pPr marL="0" indent="0" eaLnBrk="1" fontAlgn="auto" hangingPunct="1">
-              <a:spcAft>
-                <a:spcPts val="0"/>
-              </a:spcAft>
-              <a:buFont typeface="Arial" panose="020B0604020202020204" pitchFamily="34" charset="0"/>
-              <a:buNone/>
-              <a:defRPr/>
-            </a:pPr>
-            <a:r>
-              <a:rPr lang="en-US" dirty="0" smtClean="0"/>
-              <a:t>	exit 1</a:t>
-            </a:r>
-          </a:p>
-          <a:p>
-            <a:pPr marL="0" indent="0" eaLnBrk="1" fontAlgn="auto" hangingPunct="1">
-              <a:spcAft>
-                <a:spcPts val="0"/>
-              </a:spcAft>
-              <a:buFont typeface="Arial" panose="020B0604020202020204" pitchFamily="34" charset="0"/>
-              <a:buNone/>
-              <a:defRPr/>
-            </a:pPr>
-            <a:r>
-              <a:rPr lang="en-US" dirty="0" err="1" smtClean="0"/>
-              <a:t>endif</a:t>
-            </a:r>
-            <a:endParaRPr lang="en-US" dirty="0" smtClean="0"/>
-          </a:p>
-          <a:p>
-            <a:pPr marL="0" indent="0" eaLnBrk="1" fontAlgn="auto" hangingPunct="1">
-              <a:spcAft>
-                <a:spcPts val="0"/>
-              </a:spcAft>
-              <a:buFont typeface="Arial" panose="020B0604020202020204" pitchFamily="34" charset="0"/>
-              <a:buNone/>
-              <a:defRPr/>
-            </a:pPr>
-            <a:r>
-              <a:rPr lang="en-US" dirty="0" smtClean="0"/>
-              <a:t>source ../</a:t>
-            </a:r>
-            <a:r>
-              <a:rPr lang="en-US" dirty="0" err="1" smtClean="0"/>
-              <a:t>workFiles</a:t>
-            </a:r>
-            <a:r>
-              <a:rPr lang="en-US" dirty="0" smtClean="0"/>
-              <a:t>/</a:t>
-            </a:r>
-            <a:r>
-              <a:rPr lang="en-US" dirty="0" err="1" smtClean="0"/>
-              <a:t>make_run_dir.csh</a:t>
-            </a:r>
-            <a:endParaRPr lang="en-US" dirty="0" smtClean="0"/>
-          </a:p>
-          <a:p>
-            <a:pPr marL="0" indent="0" eaLnBrk="1" fontAlgn="auto" hangingPunct="1">
-              <a:spcAft>
-                <a:spcPts val="0"/>
-              </a:spcAft>
-              <a:buFont typeface="Arial" panose="020B0604020202020204" pitchFamily="34" charset="0"/>
-              <a:buNone/>
-              <a:defRPr/>
-            </a:pPr>
-            <a:r>
-              <a:rPr lang="en-US" dirty="0" smtClean="0"/>
-              <a:t>date  </a:t>
-            </a:r>
-          </a:p>
-          <a:p>
-            <a:pPr marL="0" indent="0" eaLnBrk="1" fontAlgn="auto" hangingPunct="1">
-              <a:spcAft>
-                <a:spcPts val="0"/>
-              </a:spcAft>
-              <a:buFont typeface="Arial" panose="020B0604020202020204" pitchFamily="34" charset="0"/>
-              <a:buNone/>
-              <a:defRPr/>
-            </a:pPr>
-            <a:r>
-              <a:rPr lang="en-US" dirty="0" smtClean="0"/>
-              <a:t>echo </a:t>
-            </a:r>
-            <a:r>
-              <a:rPr lang="en-US" dirty="0" err="1" smtClean="0"/>
-              <a:t>MELLANOX_STAGE_End</a:t>
-            </a:r>
-            <a:r>
-              <a:rPr lang="en-US" dirty="0" smtClean="0"/>
-              <a:t>  </a:t>
-            </a:r>
-          </a:p>
-          <a:p>
-            <a:pPr marL="0" indent="0" eaLnBrk="1" fontAlgn="auto" hangingPunct="1">
-              <a:spcAft>
-                <a:spcPts val="0"/>
-              </a:spcAft>
-              <a:buFont typeface="Arial" panose="020B0604020202020204" pitchFamily="34" charset="0"/>
-              <a:buNone/>
-              <a:defRPr/>
-            </a:pPr>
-            <a:r>
-              <a:rPr lang="en-US" dirty="0" smtClean="0"/>
-              <a:t>echo "coffee |_P ?"</a:t>
-            </a:r>
-          </a:p>
-          <a:p>
-            <a:pPr marL="0" indent="0" eaLnBrk="1" fontAlgn="auto" hangingPunct="1">
-              <a:spcAft>
-                <a:spcPts val="0"/>
-              </a:spcAft>
-              <a:buFont typeface="Arial" panose="020B0604020202020204" pitchFamily="34" charset="0"/>
-              <a:buNone/>
-              <a:defRPr/>
-            </a:pPr>
-            <a:r>
-              <a:rPr lang="en-US" dirty="0" err="1" smtClean="0"/>
-              <a:t>endif</a:t>
-            </a:r>
-            <a:endParaRPr lang="en-US" dirty="0" smtClean="0"/>
-          </a:p>
-          <a:p>
-            <a:pPr marL="0" indent="0" eaLnBrk="1" fontAlgn="auto" hangingPunct="1">
-              <a:spcAft>
-                <a:spcPts val="0"/>
-              </a:spcAft>
-              <a:buFont typeface="Arial" panose="020B0604020202020204" pitchFamily="34" charset="0"/>
-              <a:buNone/>
-              <a:defRPr/>
-            </a:pPr>
-            <a:endParaRPr lang="en-US" dirty="0"/>
+          </a:p>
+          <a:p>
+            <a:pPr lvl="1"/>
+            <a:r>
+              <a:rPr lang="en-US" sz="1600" dirty="0" smtClean="0"/>
+              <a:t>Connecting &amp; controlling internal signals from the TB.</a:t>
+            </a:r>
+          </a:p>
+          <a:p>
+            <a:pPr lvl="1"/>
+            <a:r>
+              <a:rPr lang="en-US" sz="1600" dirty="0" smtClean="0"/>
+              <a:t>Defining external modules to support the design (FLASH memory, DDR, </a:t>
+            </a:r>
+            <a:r>
+              <a:rPr lang="en-US" sz="1600" dirty="0" err="1" smtClean="0"/>
+              <a:t>etc</a:t>
+            </a:r>
+            <a:r>
+              <a:rPr lang="en-US" sz="1600" dirty="0" smtClean="0"/>
+              <a:t>’)</a:t>
+            </a:r>
+          </a:p>
+          <a:p>
+            <a:pPr lvl="1"/>
+            <a:r>
+              <a:rPr lang="en-US" sz="1600" dirty="0" smtClean="0"/>
+              <a:t>Making connections to the outside world.</a:t>
+            </a:r>
+          </a:p>
+          <a:p>
+            <a:pPr lvl="1"/>
+            <a:endParaRPr lang="en-US" sz="1600" dirty="0" smtClean="0"/>
           </a:p>
         </p:txBody>
       </p:sp>
     </p:spTree>
+    <p:extLst>
+      <p:ext uri="{BB962C8B-B14F-4D97-AF65-F5344CB8AC3E}">
+        <p14:creationId xmlns:p14="http://schemas.microsoft.com/office/powerpoint/2010/main" val="1438748130"/>
+      </p:ext>
+    </p:extLst>
   </p:cSld>
   <p:clrMapOvr>
     <a:masterClrMapping/>
   </p:clrMapOvr>
-  <p:timing>
-    <p:tnLst>
-      <p:par>
-        <p:cTn id="1" dur="indefinite" restart="never" nodeType="tmRoot"/>
-      </p:par>
-    </p:tnLst>
-  </p:timing>
 </p:sld>
 </file>
 
@@ -4608,7 +6025,7 @@
       </p:grpSpPr>
       <p:sp>
         <p:nvSpPr>
-          <p:cNvPr id="18433" name="Title 1"/>
+          <p:cNvPr id="2" name="Title 1"/>
           <p:cNvSpPr>
             <a:spLocks noGrp="1"/>
           </p:cNvSpPr>
@@ -4618,33 +6035,36 @@
         </p:nvSpPr>
         <p:spPr>
           <a:xfrm>
-            <a:off x="457200" y="152400"/>
-            <a:ext cx="8229600" cy="762000"/>
+            <a:off x="457200" y="228600"/>
+            <a:ext cx="8229600" cy="1143000"/>
           </a:xfrm>
         </p:spPr>
         <p:txBody>
           <a:bodyPr/>
           <a:lstStyle/>
           <a:p>
-            <a:pPr eaLnBrk="1" hangingPunct="1"/>
-            <a:r>
-              <a:rPr lang="en-US" sz="3200" smtClean="0"/>
-              <a:t>Make_SA_model.csh </a:t>
+            <a:r>
+              <a:rPr lang="en-US" dirty="0" smtClean="0"/>
+              <a:t>The palladium compile stages</a:t>
             </a:r>
             <a:br>
-              <a:rPr lang="en-US" sz="3200" smtClean="0"/>
+              <a:rPr lang="en-US" dirty="0" smtClean="0"/>
             </a:br>
             <a:r>
-              <a:rPr lang="en-US" sz="2400" smtClean="0"/>
-              <a:t>(load files - vlan)</a:t>
-            </a:r>
-            <a:endParaRPr lang="en-US" sz="3200" smtClean="0"/>
-          </a:p>
-        </p:txBody>
-      </p:sp>
-      <p:sp>
-        <p:nvSpPr>
-          <p:cNvPr id="18434" name="Content Placeholder 2"/>
+              <a:rPr lang="en-US" dirty="0" err="1" smtClean="0"/>
+              <a:t>Specman</a:t>
+            </a:r>
+            <a:r>
+              <a:rPr lang="en-US" dirty="0" smtClean="0"/>
+              <a:t> Compilation </a:t>
+            </a:r>
+            <a:endParaRPr lang="en-US" dirty="0"/>
+          </a:p>
+        </p:txBody>
+      </p:sp>
+      <p:sp>
+        <p:nvSpPr>
+          <p:cNvPr id="3" name="Content Placeholder 2"/>
           <p:cNvSpPr>
             <a:spLocks noGrp="1"/>
           </p:cNvSpPr>
@@ -4654,194 +6074,91 @@
         </p:nvSpPr>
         <p:spPr>
           <a:xfrm>
-            <a:off x="457200" y="1219200"/>
-            <a:ext cx="8229600" cy="4038600"/>
+            <a:off x="533400" y="1447800"/>
+            <a:ext cx="8229600" cy="5105400"/>
           </a:xfrm>
         </p:spPr>
         <p:txBody>
           <a:bodyPr/>
           <a:lstStyle/>
           <a:p>
-            <a:pPr marL="0" indent="0" eaLnBrk="1" hangingPunct="1">
-              <a:buFont typeface="Arial" charset="0"/>
-              <a:buNone/>
-            </a:pPr>
-            <a:r>
-              <a:rPr lang="en-US" sz="1200" smtClean="0"/>
-              <a:t>##!/usr/local/bin/csh</a:t>
-            </a:r>
-          </a:p>
-          <a:p>
-            <a:pPr marL="0" indent="0" eaLnBrk="1" hangingPunct="1">
-              <a:buFont typeface="Arial" charset="0"/>
-              <a:buNone/>
-            </a:pPr>
-            <a:r>
-              <a:rPr lang="en-US" sz="1200" smtClean="0"/>
-              <a:t>date</a:t>
-            </a:r>
-          </a:p>
-          <a:p>
-            <a:pPr marL="0" indent="0" eaLnBrk="1" hangingPunct="1">
-              <a:buFont typeface="Arial" charset="0"/>
-              <a:buNone/>
-            </a:pPr>
-            <a:r>
-              <a:rPr lang="en-US" sz="1200" smtClean="0"/>
-              <a:t>cp synthScripts/* $1/.</a:t>
-            </a:r>
-          </a:p>
-          <a:p>
-            <a:pPr marL="0" indent="0" eaLnBrk="1" hangingPunct="1">
-              <a:buFont typeface="Arial" charset="0"/>
-              <a:buNone/>
-            </a:pPr>
-            <a:r>
-              <a:rPr lang="en-US" sz="1200" smtClean="0"/>
-              <a:t>echo MELLANOX_STAGE I Yaron environment vlan  </a:t>
-            </a:r>
-          </a:p>
-          <a:p>
-            <a:pPr marL="0" indent="0" eaLnBrk="1" hangingPunct="1">
-              <a:buFont typeface="Arial" charset="0"/>
-              <a:buNone/>
-            </a:pPr>
-            <a:r>
-              <a:rPr lang="en-US" sz="1200" smtClean="0"/>
-              <a:t>vlan -sv -f compile_inputs.tcl +rtlCommentPragma +tran_relax</a:t>
-            </a:r>
-          </a:p>
-          <a:p>
-            <a:pPr marL="0" indent="0" eaLnBrk="1" hangingPunct="1">
-              <a:buFont typeface="Arial" charset="0"/>
-              <a:buNone/>
-            </a:pPr>
-            <a:r>
-              <a:rPr lang="en-US" sz="1200" smtClean="0"/>
-              <a:t>if($?) then </a:t>
-            </a:r>
-          </a:p>
-          <a:p>
-            <a:pPr marL="0" indent="0" eaLnBrk="1" hangingPunct="1">
-              <a:buFont typeface="Arial" charset="0"/>
-              <a:buNone/>
-            </a:pPr>
-            <a:r>
-              <a:rPr lang="en-US" sz="1200" smtClean="0"/>
-              <a:t>	echo Error on Vlan</a:t>
-            </a:r>
-          </a:p>
-          <a:p>
-            <a:pPr marL="0" indent="0" eaLnBrk="1" hangingPunct="1">
-              <a:buFont typeface="Arial" charset="0"/>
-              <a:buNone/>
-            </a:pPr>
-            <a:r>
-              <a:rPr lang="en-US" sz="1200" smtClean="0"/>
-              <a:t>	exit 1</a:t>
-            </a:r>
-          </a:p>
-          <a:p>
-            <a:pPr marL="0" indent="0" eaLnBrk="1" hangingPunct="1">
-              <a:buFont typeface="Arial" charset="0"/>
-              <a:buNone/>
-            </a:pPr>
-            <a:r>
-              <a:rPr lang="en-US" sz="1200" smtClean="0"/>
-              <a:t>endif</a:t>
-            </a:r>
-          </a:p>
-          <a:p>
-            <a:pPr marL="0" indent="0" eaLnBrk="1" hangingPunct="1">
-              <a:buFont typeface="Arial" charset="0"/>
-              <a:buNone/>
-            </a:pPr>
-            <a:r>
-              <a:rPr lang="en-US" sz="1200" smtClean="0"/>
-              <a:t>date  </a:t>
-            </a:r>
-          </a:p>
-          <a:p>
-            <a:pPr marL="0" indent="0" eaLnBrk="1" hangingPunct="1">
-              <a:buFont typeface="Arial" charset="0"/>
-              <a:buNone/>
-            </a:pPr>
-            <a:r>
-              <a:rPr lang="en-US" sz="1200" smtClean="0"/>
-              <a:t>echo MELLANOX_STAGE II new environment vlan  </a:t>
-            </a:r>
-          </a:p>
-          <a:p>
-            <a:pPr marL="0" indent="0" eaLnBrk="1" hangingPunct="1">
-              <a:buFont typeface="Arial" charset="0"/>
-              <a:buNone/>
-            </a:pPr>
-            <a:r>
-              <a:rPr lang="en-US" sz="1200" smtClean="0"/>
-              <a:t>vlan -sv -f verilog_inputs.tcl +rtlCommentPragma +tran_relax</a:t>
-            </a:r>
-          </a:p>
-          <a:p>
-            <a:pPr marL="0" indent="0" eaLnBrk="1" hangingPunct="1">
-              <a:buFont typeface="Arial" charset="0"/>
-              <a:buNone/>
-            </a:pPr>
-            <a:r>
-              <a:rPr lang="en-US" sz="1200" smtClean="0"/>
-              <a:t>if($?) then </a:t>
-            </a:r>
-          </a:p>
-          <a:p>
-            <a:pPr marL="0" indent="0" eaLnBrk="1" hangingPunct="1">
-              <a:buFont typeface="Arial" charset="0"/>
-              <a:buNone/>
-            </a:pPr>
-            <a:r>
-              <a:rPr lang="en-US" sz="1200" smtClean="0"/>
-              <a:t>	echo Error in new environment </a:t>
-            </a:r>
-          </a:p>
-          <a:p>
-            <a:pPr marL="0" indent="0" eaLnBrk="1" hangingPunct="1">
-              <a:buFont typeface="Arial" charset="0"/>
-              <a:buNone/>
-            </a:pPr>
-            <a:r>
-              <a:rPr lang="en-US" sz="1200" smtClean="0"/>
-              <a:t>	exit 1</a:t>
-            </a:r>
-          </a:p>
-          <a:p>
-            <a:pPr marL="0" indent="0" eaLnBrk="1" hangingPunct="1">
-              <a:buFont typeface="Arial" charset="0"/>
-              <a:buNone/>
-            </a:pPr>
-            <a:r>
-              <a:rPr lang="en-US" sz="1200" smtClean="0"/>
-              <a:t>Endif</a:t>
-            </a:r>
-          </a:p>
-          <a:p>
-            <a:pPr marL="0" indent="0" eaLnBrk="1" hangingPunct="1">
-              <a:buFont typeface="Arial" charset="0"/>
-              <a:buNone/>
-            </a:pPr>
-            <a:endParaRPr lang="en-US" sz="1200" smtClean="0"/>
+            <a:pPr marL="0" indent="0">
+              <a:buNone/>
+            </a:pPr>
+            <a:r>
+              <a:rPr lang="en-US" sz="2400" dirty="0" smtClean="0"/>
+              <a:t>If the in the code part there was a chance of things work on compilation. The </a:t>
+            </a:r>
+            <a:r>
+              <a:rPr lang="en-US" sz="2400" dirty="0" err="1" smtClean="0"/>
+              <a:t>Specman</a:t>
+            </a:r>
+            <a:r>
+              <a:rPr lang="en-US" sz="2400" dirty="0" smtClean="0"/>
+              <a:t> part will probably compile faster but will work much slower. </a:t>
+            </a:r>
+          </a:p>
+          <a:p>
+            <a:pPr marL="0" indent="0">
+              <a:buNone/>
+            </a:pPr>
+            <a:endParaRPr lang="en-US" sz="2800" dirty="0" smtClean="0"/>
+          </a:p>
+          <a:p>
+            <a:pPr marL="0" indent="0">
+              <a:buNone/>
+            </a:pPr>
+            <a:endParaRPr lang="en-US" sz="2800" dirty="0" smtClean="0"/>
+          </a:p>
+          <a:p>
+            <a:pPr marL="0" indent="0">
+              <a:buNone/>
+            </a:pPr>
+            <a:endParaRPr lang="en-US" sz="2800" dirty="0"/>
+          </a:p>
+          <a:p>
+            <a:pPr marL="0" indent="0">
+              <a:buNone/>
+            </a:pPr>
+            <a:r>
+              <a:rPr lang="en-US" sz="2800" dirty="0" smtClean="0"/>
+              <a:t>At </a:t>
+            </a:r>
+            <a:r>
+              <a:rPr lang="en-US" sz="2800" dirty="0"/>
+              <a:t>this stage we don’t stop for this our main objective now is to get </a:t>
+            </a:r>
+            <a:r>
+              <a:rPr lang="en-US" sz="2800" b="1" dirty="0">
+                <a:solidFill>
+                  <a:srgbClr val="FF0000"/>
+                </a:solidFill>
+              </a:rPr>
+              <a:t>ALL</a:t>
+            </a:r>
+            <a:r>
+              <a:rPr lang="en-US" sz="2800" dirty="0"/>
+              <a:t> the design in to ‘feel’ the size. So each module we have problems with will be empty, marked and we’ll deal with it later when we start working the design.</a:t>
+            </a:r>
+          </a:p>
+          <a:p>
+            <a:pPr marL="0" indent="0">
+              <a:buNone/>
+            </a:pPr>
+            <a:endParaRPr lang="en-US" sz="2800" dirty="0" smtClean="0"/>
           </a:p>
         </p:txBody>
       </p:sp>
     </p:spTree>
+    <p:extLst>
+      <p:ext uri="{BB962C8B-B14F-4D97-AF65-F5344CB8AC3E}">
+        <p14:creationId xmlns:p14="http://schemas.microsoft.com/office/powerpoint/2010/main" val="1924023081"/>
+      </p:ext>
+    </p:extLst>
   </p:cSld>
   <p:clrMapOvr>
     <a:masterClrMapping/>
   </p:clrMapOvr>
-  <p:timing>
-    <p:tnLst>
-      <p:par>
-        <p:cTn id="1" dur="indefinite" restart="never" nodeType="tmRoot"/>
-      </p:par>
-    </p:tnLst>
-  </p:timing>
 </p:sld>
 </file>
 
@@ -4864,7 +6181,7 @@
       </p:grpSpPr>
       <p:sp>
         <p:nvSpPr>
-          <p:cNvPr id="19457" name="Title 1"/>
+          <p:cNvPr id="2" name="Title 1"/>
           <p:cNvSpPr>
             <a:spLocks noGrp="1"/>
           </p:cNvSpPr>
@@ -4874,41 +6191,32 @@
         </p:nvSpPr>
         <p:spPr>
           <a:xfrm>
-            <a:off x="457200" y="152400"/>
-            <a:ext cx="8229600" cy="563563"/>
+            <a:off x="457200" y="228600"/>
+            <a:ext cx="8229600" cy="1143000"/>
           </a:xfrm>
         </p:spPr>
         <p:txBody>
           <a:bodyPr/>
           <a:lstStyle/>
           <a:p>
-            <a:pPr eaLnBrk="1" hangingPunct="1"/>
-            <a:r>
-              <a:rPr lang="en-US" sz="3200" smtClean="0"/>
-              <a:t>Make_SA_model.csh </a:t>
-            </a:r>
-            <a:r>
-              <a:rPr lang="en-US" sz="2400" smtClean="0"/>
-              <a:t>(cont)</a:t>
-            </a:r>
-            <a:r>
-              <a:rPr lang="en-US" sz="3200" smtClean="0"/>
-              <a:t/>
+            <a:r>
+              <a:rPr lang="en-US" dirty="0" smtClean="0"/>
+              <a:t>The palladium compile stages</a:t>
             </a:r>
             <a:br>
-              <a:rPr lang="en-US" sz="3200" smtClean="0"/>
+              <a:rPr lang="en-US" dirty="0" smtClean="0"/>
             </a:br>
             <a:r>
-              <a:rPr lang="en-US" sz="2400" smtClean="0"/>
-              <a:t>(synthesis &amp; module compilation – IXCOM)</a:t>
-            </a:r>
-            <a:endParaRPr lang="en-US" sz="3200" smtClean="0"/>
-          </a:p>
-        </p:txBody>
-      </p:sp>
-      <p:sp>
-        <p:nvSpPr>
-          <p:cNvPr id="19458" name="Content Placeholder 2"/>
+              <a:rPr lang="en-US" dirty="0" smtClean="0"/>
+              <a:t>the compiled design </a:t>
+            </a:r>
+            <a:endParaRPr lang="en-US" dirty="0"/>
+          </a:p>
+        </p:txBody>
+      </p:sp>
+      <p:sp>
+        <p:nvSpPr>
+          <p:cNvPr id="3" name="Content Placeholder 2"/>
           <p:cNvSpPr>
             <a:spLocks noGrp="1"/>
           </p:cNvSpPr>
@@ -4918,177 +6226,335 @@
         </p:nvSpPr>
         <p:spPr>
           <a:xfrm>
-            <a:off x="457200" y="838200"/>
-            <a:ext cx="8229600" cy="5791200"/>
+            <a:off x="533400" y="1676400"/>
+            <a:ext cx="8229600" cy="4953000"/>
           </a:xfrm>
         </p:spPr>
         <p:txBody>
           <a:bodyPr/>
           <a:lstStyle/>
           <a:p>
-            <a:pPr marL="0" indent="0" eaLnBrk="1" hangingPunct="1">
-              <a:buFont typeface="Arial" charset="0"/>
-              <a:buNone/>
-            </a:pPr>
-            <a:endParaRPr lang="en-US" sz="1200" smtClean="0"/>
-          </a:p>
-          <a:p>
-            <a:pPr marL="0" indent="0" eaLnBrk="1" hangingPunct="1">
-              <a:buFont typeface="Arial" charset="0"/>
-              <a:buNone/>
-            </a:pPr>
-            <a:r>
-              <a:rPr lang="en-US" sz="1200" smtClean="0"/>
-              <a:t>date  </a:t>
-            </a:r>
-          </a:p>
-          <a:p>
-            <a:pPr marL="0" indent="0" eaLnBrk="1" hangingPunct="1">
-              <a:buFont typeface="Arial" charset="0"/>
-              <a:buNone/>
-            </a:pPr>
-            <a:r>
-              <a:rPr lang="en-US" sz="1200" smtClean="0"/>
-              <a:t>echo MELLANOX_STAGE III ixcom synthsis </a:t>
-            </a:r>
-          </a:p>
-          <a:p>
-            <a:pPr marL="0" indent="0" eaLnBrk="1" hangingPunct="1">
-              <a:buFont typeface="Arial" charset="0"/>
-              <a:buNone/>
-            </a:pPr>
-            <a:r>
-              <a:rPr lang="en-US" sz="1200" smtClean="0"/>
-              <a:t>ixcom -top external_bfms -top specman_hdl_ref -ua +dut+external_bfms+specman_hdl_ref +xcDesignTop+top.dut=external_bfms +ignoreNCVerCheck -timescale 100ps/100ps -target hdlice -log ixcom_synt.log +tran_relax +targetTop+external_bfms +1xua</a:t>
-            </a:r>
-          </a:p>
-          <a:p>
-            <a:pPr marL="0" indent="0" eaLnBrk="1" hangingPunct="1">
-              <a:buFont typeface="Arial" charset="0"/>
-              <a:buNone/>
-            </a:pPr>
-            <a:r>
-              <a:rPr lang="en-US" sz="1200" smtClean="0"/>
-              <a:t>if($?) then </a:t>
-            </a:r>
-          </a:p>
-          <a:p>
-            <a:pPr marL="0" indent="0" eaLnBrk="1" hangingPunct="1">
-              <a:buFont typeface="Arial" charset="0"/>
-              <a:buNone/>
-            </a:pPr>
-            <a:r>
-              <a:rPr lang="en-US" sz="1200" smtClean="0"/>
-              <a:t>       echo Error on Ixcom synthsis</a:t>
-            </a:r>
-          </a:p>
-          <a:p>
-            <a:pPr marL="0" indent="0" eaLnBrk="1" hangingPunct="1">
-              <a:buFont typeface="Arial" charset="0"/>
-              <a:buNone/>
-            </a:pPr>
-            <a:r>
-              <a:rPr lang="en-US" sz="1200" smtClean="0"/>
-              <a:t>       exit 1</a:t>
-            </a:r>
-          </a:p>
-          <a:p>
-            <a:pPr marL="0" indent="0" eaLnBrk="1" hangingPunct="1">
-              <a:buFont typeface="Arial" charset="0"/>
-              <a:buNone/>
-            </a:pPr>
-            <a:r>
-              <a:rPr lang="en-US" sz="1200" smtClean="0"/>
-              <a:t>endif</a:t>
-            </a:r>
-          </a:p>
-          <a:p>
-            <a:pPr marL="0" indent="0" eaLnBrk="1" hangingPunct="1">
-              <a:buFont typeface="Arial" charset="0"/>
-              <a:buNone/>
-            </a:pPr>
-            <a:r>
-              <a:rPr lang="en-US" sz="1200" smtClean="0"/>
-              <a:t>date  </a:t>
-            </a:r>
-          </a:p>
-          <a:p>
-            <a:pPr marL="0" indent="0" eaLnBrk="1" hangingPunct="1">
-              <a:buFont typeface="Arial" charset="0"/>
-              <a:buNone/>
-            </a:pPr>
-            <a:r>
-              <a:rPr lang="en-US" sz="1200" smtClean="0"/>
-              <a:t>echo MELLANOX_STAGE III ixcom compilation  </a:t>
-            </a:r>
-          </a:p>
-          <a:p>
-            <a:pPr marL="0" indent="0" eaLnBrk="1" hangingPunct="1">
-              <a:buFont typeface="Arial" charset="0"/>
-              <a:buNone/>
-            </a:pPr>
-            <a:r>
-              <a:rPr lang="en-US" sz="1200" smtClean="0"/>
-              <a:t>ixcom -xecompile compilerOptions=compilerOptions.qel +targetTop+external_bfms -log ixcom_comp.log +ignoreNCVerCheck -target xecompile</a:t>
-            </a:r>
-          </a:p>
-          <a:p>
-            <a:pPr marL="0" indent="0" eaLnBrk="1" hangingPunct="1">
-              <a:buFont typeface="Arial" charset="0"/>
-              <a:buNone/>
-            </a:pPr>
-            <a:r>
-              <a:rPr lang="en-US" sz="1200" smtClean="0"/>
-              <a:t>if($?) then </a:t>
-            </a:r>
-          </a:p>
-          <a:p>
-            <a:pPr marL="0" indent="0" eaLnBrk="1" hangingPunct="1">
-              <a:buFont typeface="Arial" charset="0"/>
-              <a:buNone/>
-            </a:pPr>
-            <a:r>
-              <a:rPr lang="en-US" sz="1200" smtClean="0"/>
-              <a:t>       echo Error on Ixcom compilation </a:t>
-            </a:r>
-          </a:p>
-          <a:p>
-            <a:pPr marL="0" indent="0" eaLnBrk="1" hangingPunct="1">
-              <a:buFont typeface="Arial" charset="0"/>
-              <a:buNone/>
-            </a:pPr>
-            <a:r>
-              <a:rPr lang="en-US" sz="1200" smtClean="0"/>
-              <a:t>       exit 1</a:t>
-            </a:r>
-          </a:p>
-          <a:p>
-            <a:pPr marL="0" indent="0" eaLnBrk="1" hangingPunct="1">
-              <a:buFont typeface="Arial" charset="0"/>
-              <a:buNone/>
-            </a:pPr>
-            <a:r>
-              <a:rPr lang="en-US" sz="1200" smtClean="0"/>
-              <a:t>endif</a:t>
-            </a:r>
-          </a:p>
-          <a:p>
-            <a:pPr marL="0" indent="0" eaLnBrk="1" hangingPunct="1">
-              <a:buFont typeface="Arial" charset="0"/>
-              <a:buNone/>
-            </a:pPr>
-            <a:endParaRPr lang="en-US" sz="1200" smtClean="0"/>
-          </a:p>
-          <a:p>
-            <a:pPr marL="0" indent="0" eaLnBrk="1" hangingPunct="1">
-              <a:buFont typeface="Arial" charset="0"/>
-              <a:buNone/>
-            </a:pPr>
-            <a:endParaRPr lang="en-US" sz="1200" smtClean="0"/>
+            <a:pPr marL="0" indent="0">
+              <a:buNone/>
+            </a:pPr>
+            <a:r>
+              <a:rPr lang="en-US" sz="2800" dirty="0" smtClean="0"/>
+              <a:t>Now we have two ‘clouds’ that still doesn’t work. We have to find data paths and follow them to see that the design is functional. </a:t>
+            </a:r>
+          </a:p>
+        </p:txBody>
+      </p:sp>
+      <p:sp>
+        <p:nvSpPr>
+          <p:cNvPr id="4" name="Rectangle 3"/>
+          <p:cNvSpPr/>
+          <p:nvPr/>
+        </p:nvSpPr>
+        <p:spPr>
+          <a:xfrm>
+            <a:off x="3429000" y="5105400"/>
+            <a:ext cx="2438400" cy="1143000"/>
+          </a:xfrm>
+          <a:prstGeom prst="rect">
+            <a:avLst/>
+          </a:prstGeom>
+          <a:noFill/>
+          <a:ln>
+            <a:solidFill>
+              <a:schemeClr val="tx1"/>
+            </a:solidFill>
+          </a:ln>
+        </p:spPr>
+        <p:style>
+          <a:lnRef idx="2">
+            <a:schemeClr val="accent1">
+              <a:shade val="50000"/>
+            </a:schemeClr>
+          </a:lnRef>
+          <a:fillRef idx="1">
+            <a:schemeClr val="accent1"/>
+          </a:fillRef>
+          <a:effectRef idx="0">
+            <a:schemeClr val="accent1"/>
+          </a:effectRef>
+          <a:fontRef idx="minor">
+            <a:schemeClr val="lt1"/>
+          </a:fontRef>
+        </p:style>
+        <p:txBody>
+          <a:bodyPr rtlCol="0" anchor="ctr"/>
+          <a:lstStyle/>
+          <a:p>
+            <a:pPr algn="ctr"/>
+            <a:endParaRPr lang="en-US"/>
+          </a:p>
+        </p:txBody>
+      </p:sp>
+      <p:sp>
+        <p:nvSpPr>
+          <p:cNvPr id="7" name="Rectangle 6"/>
+          <p:cNvSpPr/>
+          <p:nvPr/>
+        </p:nvSpPr>
+        <p:spPr>
+          <a:xfrm>
+            <a:off x="2133600" y="3657600"/>
+            <a:ext cx="4876800" cy="2743200"/>
+          </a:xfrm>
+          <a:prstGeom prst="rect">
+            <a:avLst/>
+          </a:prstGeom>
+          <a:noFill/>
+        </p:spPr>
+        <p:style>
+          <a:lnRef idx="2">
+            <a:schemeClr val="accent1">
+              <a:shade val="50000"/>
+            </a:schemeClr>
+          </a:lnRef>
+          <a:fillRef idx="1">
+            <a:schemeClr val="accent1"/>
+          </a:fillRef>
+          <a:effectRef idx="0">
+            <a:schemeClr val="accent1"/>
+          </a:effectRef>
+          <a:fontRef idx="minor">
+            <a:schemeClr val="lt1"/>
+          </a:fontRef>
+        </p:style>
+        <p:txBody>
+          <a:bodyPr rtlCol="0" anchor="ctr"/>
+          <a:lstStyle/>
+          <a:p>
+            <a:pPr algn="ctr"/>
+            <a:endParaRPr lang="en-US"/>
+          </a:p>
+        </p:txBody>
+      </p:sp>
+      <p:sp>
+        <p:nvSpPr>
+          <p:cNvPr id="5" name="Cloud 4"/>
+          <p:cNvSpPr/>
+          <p:nvPr/>
+        </p:nvSpPr>
+        <p:spPr>
+          <a:xfrm>
+            <a:off x="3505200" y="5105400"/>
+            <a:ext cx="2286000" cy="1143000"/>
+          </a:xfrm>
+          <a:prstGeom prst="cloud">
+            <a:avLst/>
+          </a:prstGeom>
+          <a:solidFill>
+            <a:schemeClr val="bg1">
+              <a:lumMod val="75000"/>
+            </a:schemeClr>
+          </a:solidFill>
+          <a:ln>
+            <a:solidFill>
+              <a:schemeClr val="bg1">
+                <a:lumMod val="85000"/>
+              </a:schemeClr>
+            </a:solidFill>
+          </a:ln>
+        </p:spPr>
+        <p:style>
+          <a:lnRef idx="2">
+            <a:schemeClr val="accent1">
+              <a:shade val="50000"/>
+            </a:schemeClr>
+          </a:lnRef>
+          <a:fillRef idx="1">
+            <a:schemeClr val="accent1"/>
+          </a:fillRef>
+          <a:effectRef idx="0">
+            <a:schemeClr val="accent1"/>
+          </a:effectRef>
+          <a:fontRef idx="minor">
+            <a:schemeClr val="lt1"/>
+          </a:fontRef>
+        </p:style>
+        <p:txBody>
+          <a:bodyPr rtlCol="0" anchor="ctr"/>
+          <a:lstStyle/>
+          <a:p>
+            <a:pPr algn="ctr"/>
+            <a:r>
+              <a:rPr lang="en-US" dirty="0" smtClean="0">
+                <a:solidFill>
+                  <a:schemeClr val="tx1"/>
+                </a:solidFill>
+              </a:rPr>
+              <a:t>DUT</a:t>
+            </a:r>
+            <a:endParaRPr lang="en-US" dirty="0">
+              <a:solidFill>
+                <a:schemeClr val="tx1"/>
+              </a:solidFill>
+            </a:endParaRPr>
+          </a:p>
+        </p:txBody>
+      </p:sp>
+      <p:sp>
+        <p:nvSpPr>
+          <p:cNvPr id="8" name="Cloud 7"/>
+          <p:cNvSpPr/>
+          <p:nvPr/>
+        </p:nvSpPr>
+        <p:spPr>
+          <a:xfrm>
+            <a:off x="2362200" y="3962400"/>
+            <a:ext cx="838200" cy="2133600"/>
+          </a:xfrm>
+          <a:prstGeom prst="cloud">
+            <a:avLst/>
+          </a:prstGeom>
+        </p:spPr>
+        <p:style>
+          <a:lnRef idx="2">
+            <a:schemeClr val="accent1">
+              <a:shade val="50000"/>
+            </a:schemeClr>
+          </a:lnRef>
+          <a:fillRef idx="1">
+            <a:schemeClr val="accent1"/>
+          </a:fillRef>
+          <a:effectRef idx="0">
+            <a:schemeClr val="accent1"/>
+          </a:effectRef>
+          <a:fontRef idx="minor">
+            <a:schemeClr val="lt1"/>
+          </a:fontRef>
+        </p:style>
+        <p:txBody>
+          <a:bodyPr rtlCol="0" anchor="ctr"/>
+          <a:lstStyle/>
+          <a:p>
+            <a:pPr algn="ctr"/>
+            <a:endParaRPr lang="en-US"/>
+          </a:p>
+        </p:txBody>
+      </p:sp>
+      <p:sp>
+        <p:nvSpPr>
+          <p:cNvPr id="9" name="Cloud 8"/>
+          <p:cNvSpPr/>
+          <p:nvPr/>
+        </p:nvSpPr>
+        <p:spPr>
+          <a:xfrm>
+            <a:off x="3505200" y="3886200"/>
+            <a:ext cx="2209800" cy="1143000"/>
+          </a:xfrm>
+          <a:prstGeom prst="cloud">
+            <a:avLst/>
+          </a:prstGeom>
+        </p:spPr>
+        <p:style>
+          <a:lnRef idx="2">
+            <a:schemeClr val="accent1">
+              <a:shade val="50000"/>
+            </a:schemeClr>
+          </a:lnRef>
+          <a:fillRef idx="1">
+            <a:schemeClr val="accent1"/>
+          </a:fillRef>
+          <a:effectRef idx="0">
+            <a:schemeClr val="accent1"/>
+          </a:effectRef>
+          <a:fontRef idx="minor">
+            <a:schemeClr val="lt1"/>
+          </a:fontRef>
+        </p:style>
+        <p:txBody>
+          <a:bodyPr rtlCol="0" anchor="ctr"/>
+          <a:lstStyle/>
+          <a:p>
+            <a:pPr algn="ctr"/>
+            <a:endParaRPr lang="en-US"/>
+          </a:p>
+        </p:txBody>
+      </p:sp>
+      <p:sp>
+        <p:nvSpPr>
+          <p:cNvPr id="10" name="Cloud 9"/>
+          <p:cNvSpPr/>
+          <p:nvPr/>
+        </p:nvSpPr>
+        <p:spPr>
+          <a:xfrm>
+            <a:off x="6019800" y="3962400"/>
+            <a:ext cx="838200" cy="2286000"/>
+          </a:xfrm>
+          <a:prstGeom prst="cloud">
+            <a:avLst/>
+          </a:prstGeom>
+        </p:spPr>
+        <p:style>
+          <a:lnRef idx="2">
+            <a:schemeClr val="accent1">
+              <a:shade val="50000"/>
+            </a:schemeClr>
+          </a:lnRef>
+          <a:fillRef idx="1">
+            <a:schemeClr val="accent1"/>
+          </a:fillRef>
+          <a:effectRef idx="0">
+            <a:schemeClr val="accent1"/>
+          </a:effectRef>
+          <a:fontRef idx="minor">
+            <a:schemeClr val="lt1"/>
+          </a:fontRef>
+        </p:style>
+        <p:txBody>
+          <a:bodyPr rtlCol="0" anchor="ctr"/>
+          <a:lstStyle/>
+          <a:p>
+            <a:pPr algn="ctr"/>
+            <a:endParaRPr lang="en-US">
+              <a:solidFill>
+                <a:schemeClr val="accent1"/>
+              </a:solidFill>
+            </a:endParaRPr>
+          </a:p>
+        </p:txBody>
+      </p:sp>
+      <p:sp>
+        <p:nvSpPr>
+          <p:cNvPr id="11" name="TextBox 10"/>
+          <p:cNvSpPr txBox="1"/>
+          <p:nvPr/>
+        </p:nvSpPr>
+        <p:spPr>
+          <a:xfrm>
+            <a:off x="4038109" y="3288268"/>
+            <a:ext cx="838691" cy="369332"/>
+          </a:xfrm>
+          <a:prstGeom prst="rect">
+            <a:avLst/>
+          </a:prstGeom>
+          <a:noFill/>
+        </p:spPr>
+        <p:txBody>
+          <a:bodyPr wrap="none" rtlCol="0">
+            <a:spAutoFit/>
+          </a:bodyPr>
+          <a:lstStyle/>
+          <a:p>
+            <a:r>
+              <a:rPr lang="en-US" dirty="0" err="1" smtClean="0"/>
+              <a:t>SYS.e</a:t>
+            </a:r>
+            <a:endParaRPr lang="en-US" dirty="0"/>
           </a:p>
         </p:txBody>
       </p:sp>
     </p:spTree>
+    <p:extLst>
+      <p:ext uri="{BB962C8B-B14F-4D97-AF65-F5344CB8AC3E}">
+        <p14:creationId xmlns:p14="http://schemas.microsoft.com/office/powerpoint/2010/main" val="1461030021"/>
+      </p:ext>
+    </p:extLst>
   </p:cSld>
   <p:clrMapOvr>
     <a:masterClrMapping/>
@@ -5122,7 +6588,7 @@
       </p:grpSpPr>
       <p:sp>
         <p:nvSpPr>
-          <p:cNvPr id="20481" name="Title 1"/>
+          <p:cNvPr id="2" name="Title 1"/>
           <p:cNvSpPr>
             <a:spLocks noGrp="1"/>
           </p:cNvSpPr>
@@ -5132,41 +6598,32 @@
         </p:nvSpPr>
         <p:spPr>
           <a:xfrm>
-            <a:off x="457200" y="152400"/>
-            <a:ext cx="8229600" cy="838200"/>
+            <a:off x="457200" y="228600"/>
+            <a:ext cx="8229600" cy="1143000"/>
           </a:xfrm>
         </p:spPr>
         <p:txBody>
           <a:bodyPr/>
           <a:lstStyle/>
           <a:p>
-            <a:pPr eaLnBrk="1" hangingPunct="1"/>
-            <a:r>
-              <a:rPr lang="en-US" sz="3200" smtClean="0"/>
-              <a:t>Make_SA_model.csh </a:t>
-            </a:r>
-            <a:r>
-              <a:rPr lang="en-US" sz="2400" smtClean="0"/>
-              <a:t>(cont)</a:t>
-            </a:r>
-            <a:r>
-              <a:rPr lang="en-US" sz="3200" smtClean="0"/>
-              <a:t> </a:t>
+            <a:r>
+              <a:rPr lang="en-US" dirty="0" smtClean="0"/>
+              <a:t>The palladium compile stages</a:t>
             </a:r>
             <a:br>
-              <a:rPr lang="en-US" sz="3200" smtClean="0"/>
+              <a:rPr lang="en-US" dirty="0" smtClean="0"/>
             </a:br>
             <a:r>
-              <a:rPr lang="en-US" sz="2400" smtClean="0"/>
-              <a:t>(adding external files – irun)</a:t>
-            </a:r>
-            <a:endParaRPr lang="en-US" sz="3200" smtClean="0"/>
-          </a:p>
-        </p:txBody>
-      </p:sp>
-      <p:sp>
-        <p:nvSpPr>
-          <p:cNvPr id="20482" name="Content Placeholder 2"/>
+              <a:rPr lang="en-US" dirty="0" smtClean="0"/>
+              <a:t>the clocks in the design </a:t>
+            </a:r>
+            <a:endParaRPr lang="en-US" dirty="0"/>
+          </a:p>
+        </p:txBody>
+      </p:sp>
+      <p:sp>
+        <p:nvSpPr>
+          <p:cNvPr id="3" name="Content Placeholder 2"/>
           <p:cNvSpPr>
             <a:spLocks noGrp="1"/>
           </p:cNvSpPr>
@@ -5176,124 +6633,1673 @@
         </p:nvSpPr>
         <p:spPr>
           <a:xfrm>
-            <a:off x="457200" y="1219200"/>
-            <a:ext cx="8229600" cy="5410200"/>
+            <a:off x="533400" y="1524000"/>
+            <a:ext cx="8229600" cy="4953000"/>
           </a:xfrm>
         </p:spPr>
         <p:txBody>
           <a:bodyPr/>
           <a:lstStyle/>
           <a:p>
-            <a:pPr marL="0" indent="0" eaLnBrk="1" hangingPunct="1">
-              <a:buFont typeface="Arial" charset="0"/>
-              <a:buNone/>
-            </a:pPr>
-            <a:endParaRPr lang="en-US" sz="1200" smtClean="0"/>
-          </a:p>
-          <a:p>
-            <a:pPr marL="0" indent="0" eaLnBrk="1" hangingPunct="1">
-              <a:buFont typeface="Arial" charset="0"/>
-              <a:buNone/>
-            </a:pPr>
-            <a:endParaRPr lang="en-US" sz="1200" smtClean="0"/>
-          </a:p>
-          <a:p>
-            <a:pPr marL="0" indent="0" eaLnBrk="1" hangingPunct="1">
-              <a:buFont typeface="Arial" charset="0"/>
-              <a:buNone/>
-            </a:pPr>
-            <a:endParaRPr lang="en-US" sz="1200" smtClean="0"/>
-          </a:p>
-          <a:p>
-            <a:pPr marL="0" indent="0" eaLnBrk="1" hangingPunct="1">
-              <a:buFont typeface="Arial" charset="0"/>
-              <a:buNone/>
-            </a:pPr>
-            <a:r>
-              <a:rPr lang="en-US" sz="1200" smtClean="0"/>
-              <a:t>date  </a:t>
-            </a:r>
-          </a:p>
-          <a:p>
-            <a:pPr marL="0" indent="0" eaLnBrk="1" hangingPunct="1">
-              <a:buFont typeface="Arial" charset="0"/>
-              <a:buNone/>
-            </a:pPr>
-            <a:r>
-              <a:rPr lang="en-US" sz="1200" smtClean="0"/>
-              <a:t>echo MELLANOX_STAGE IV irun  </a:t>
-            </a:r>
-          </a:p>
-          <a:p>
-            <a:pPr marL="0" indent="0" eaLnBrk="1" hangingPunct="1">
-              <a:buFont typeface="Arial" charset="0"/>
-              <a:buNone/>
-            </a:pPr>
-            <a:r>
-              <a:rPr lang="en-US" sz="1200" smtClean="0"/>
-              <a:t>irun -c ${ORGDIR}/verilog/top.v patch.e -f xc_work/irun.f -sntimescale 100ps/100ps -timescale 100ps/100ps -top top -sv -clean</a:t>
-            </a:r>
-          </a:p>
-          <a:p>
-            <a:pPr marL="0" indent="0" eaLnBrk="1" hangingPunct="1">
-              <a:buFont typeface="Arial" charset="0"/>
-              <a:buNone/>
-            </a:pPr>
-            <a:r>
-              <a:rPr lang="en-US" sz="1200" smtClean="0"/>
-              <a:t>if($?) then </a:t>
-            </a:r>
-          </a:p>
-          <a:p>
-            <a:pPr marL="0" indent="0" eaLnBrk="1" hangingPunct="1">
-              <a:buFont typeface="Arial" charset="0"/>
-              <a:buNone/>
-            </a:pPr>
-            <a:r>
-              <a:rPr lang="en-US" sz="1200" smtClean="0"/>
-              <a:t>	echo Error on irun</a:t>
-            </a:r>
-          </a:p>
-          <a:p>
-            <a:pPr marL="0" indent="0" eaLnBrk="1" hangingPunct="1">
-              <a:buFont typeface="Arial" charset="0"/>
-              <a:buNone/>
-            </a:pPr>
-            <a:r>
-              <a:rPr lang="en-US" sz="1200" smtClean="0"/>
-              <a:t>	exit 1</a:t>
-            </a:r>
-          </a:p>
-          <a:p>
-            <a:pPr marL="0" indent="0" eaLnBrk="1" hangingPunct="1">
-              <a:buFont typeface="Arial" charset="0"/>
-              <a:buNone/>
-            </a:pPr>
-            <a:r>
-              <a:rPr lang="en-US" sz="1200" smtClean="0"/>
-              <a:t>endif</a:t>
-            </a:r>
-          </a:p>
-          <a:p>
-            <a:pPr marL="0" indent="0" eaLnBrk="1" hangingPunct="1">
-              <a:buFont typeface="Arial" charset="0"/>
-              <a:buNone/>
-            </a:pPr>
-            <a:endParaRPr lang="en-US" sz="1200" smtClean="0"/>
-          </a:p>
-        </p:txBody>
-      </p:sp>
+            <a:pPr marL="0" indent="0">
+              <a:buNone/>
+            </a:pPr>
+            <a:r>
+              <a:rPr lang="en-US" sz="2800" dirty="0" smtClean="0"/>
+              <a:t>All clocks in the Palladium emulator are generated by the Palladium system in the Test Bench. </a:t>
+            </a:r>
+          </a:p>
+          <a:p>
+            <a:r>
+              <a:rPr lang="en-US" sz="2000" dirty="0" smtClean="0"/>
+              <a:t>The external (slow) clocks will be generated in the TB and connected to external chips pins.</a:t>
+            </a:r>
+          </a:p>
+          <a:p>
+            <a:r>
+              <a:rPr lang="en-US" sz="2000" dirty="0"/>
+              <a:t>The internal (fast) clocks will also be generated in the TB but they will be connected to the PLL outputs inside the design.</a:t>
+            </a:r>
+          </a:p>
+          <a:p>
+            <a:endParaRPr lang="en-US" sz="2000" dirty="0" smtClean="0"/>
+          </a:p>
+        </p:txBody>
+      </p:sp>
+      <p:sp>
+        <p:nvSpPr>
+          <p:cNvPr id="4" name="Rectangle 3"/>
+          <p:cNvSpPr/>
+          <p:nvPr/>
+        </p:nvSpPr>
+        <p:spPr>
+          <a:xfrm>
+            <a:off x="3733800" y="4430487"/>
+            <a:ext cx="4038600" cy="2050596"/>
+          </a:xfrm>
+          <a:prstGeom prst="rect">
+            <a:avLst/>
+          </a:prstGeom>
+          <a:noFill/>
+          <a:ln>
+            <a:solidFill>
+              <a:schemeClr val="tx1"/>
+            </a:solidFill>
+          </a:ln>
+        </p:spPr>
+        <p:style>
+          <a:lnRef idx="2">
+            <a:schemeClr val="accent1">
+              <a:shade val="50000"/>
+            </a:schemeClr>
+          </a:lnRef>
+          <a:fillRef idx="1">
+            <a:schemeClr val="accent1"/>
+          </a:fillRef>
+          <a:effectRef idx="0">
+            <a:schemeClr val="accent1"/>
+          </a:effectRef>
+          <a:fontRef idx="minor">
+            <a:schemeClr val="lt1"/>
+          </a:fontRef>
+        </p:style>
+        <p:txBody>
+          <a:bodyPr rtlCol="0" anchor="ctr"/>
+          <a:lstStyle/>
+          <a:p>
+            <a:pPr algn="ctr"/>
+            <a:endParaRPr lang="en-US"/>
+          </a:p>
+        </p:txBody>
+      </p:sp>
+      <p:sp>
+        <p:nvSpPr>
+          <p:cNvPr id="5" name="Cloud 4"/>
+          <p:cNvSpPr/>
+          <p:nvPr/>
+        </p:nvSpPr>
+        <p:spPr>
+          <a:xfrm>
+            <a:off x="5181600" y="4724400"/>
+            <a:ext cx="2438400" cy="1600200"/>
+          </a:xfrm>
+          <a:prstGeom prst="cloud">
+            <a:avLst/>
+          </a:prstGeom>
+          <a:solidFill>
+            <a:schemeClr val="bg1">
+              <a:lumMod val="75000"/>
+            </a:schemeClr>
+          </a:solidFill>
+          <a:ln>
+            <a:solidFill>
+              <a:schemeClr val="bg1">
+                <a:lumMod val="85000"/>
+              </a:schemeClr>
+            </a:solidFill>
+          </a:ln>
+        </p:spPr>
+        <p:style>
+          <a:lnRef idx="2">
+            <a:schemeClr val="accent1">
+              <a:shade val="50000"/>
+            </a:schemeClr>
+          </a:lnRef>
+          <a:fillRef idx="1">
+            <a:schemeClr val="accent1"/>
+          </a:fillRef>
+          <a:effectRef idx="0">
+            <a:schemeClr val="accent1"/>
+          </a:effectRef>
+          <a:fontRef idx="minor">
+            <a:schemeClr val="lt1"/>
+          </a:fontRef>
+        </p:style>
+        <p:txBody>
+          <a:bodyPr rtlCol="0" anchor="ctr"/>
+          <a:lstStyle/>
+          <a:p>
+            <a:pPr algn="ctr"/>
+            <a:r>
+              <a:rPr lang="en-US" dirty="0" smtClean="0">
+                <a:solidFill>
+                  <a:schemeClr val="tx1"/>
+                </a:solidFill>
+              </a:rPr>
+              <a:t>DUT</a:t>
+            </a:r>
+            <a:endParaRPr lang="en-US" dirty="0">
+              <a:solidFill>
+                <a:schemeClr val="tx1"/>
+              </a:solidFill>
+            </a:endParaRPr>
+          </a:p>
+        </p:txBody>
+      </p:sp>
+      <p:sp>
+        <p:nvSpPr>
+          <p:cNvPr id="12" name="Rectangle 11"/>
+          <p:cNvSpPr/>
+          <p:nvPr/>
+        </p:nvSpPr>
+        <p:spPr>
+          <a:xfrm>
+            <a:off x="5029200" y="4655004"/>
+            <a:ext cx="2590800" cy="1745796"/>
+          </a:xfrm>
+          <a:prstGeom prst="rect">
+            <a:avLst/>
+          </a:prstGeom>
+          <a:noFill/>
+          <a:ln>
+            <a:solidFill>
+              <a:schemeClr val="tx1"/>
+            </a:solidFill>
+          </a:ln>
+        </p:spPr>
+        <p:style>
+          <a:lnRef idx="2">
+            <a:schemeClr val="accent1">
+              <a:shade val="50000"/>
+            </a:schemeClr>
+          </a:lnRef>
+          <a:fillRef idx="1">
+            <a:schemeClr val="accent1"/>
+          </a:fillRef>
+          <a:effectRef idx="0">
+            <a:schemeClr val="accent1"/>
+          </a:effectRef>
+          <a:fontRef idx="minor">
+            <a:schemeClr val="lt1"/>
+          </a:fontRef>
+        </p:style>
+        <p:txBody>
+          <a:bodyPr rtlCol="0" anchor="ctr"/>
+          <a:lstStyle/>
+          <a:p>
+            <a:pPr algn="ctr"/>
+            <a:endParaRPr lang="en-US"/>
+          </a:p>
+        </p:txBody>
+      </p:sp>
+      <p:grpSp>
+        <p:nvGrpSpPr>
+          <p:cNvPr id="33" name="Group 32"/>
+          <p:cNvGrpSpPr/>
+          <p:nvPr/>
+        </p:nvGrpSpPr>
+        <p:grpSpPr>
+          <a:xfrm>
+            <a:off x="4038600" y="4869996"/>
+            <a:ext cx="457200" cy="464004"/>
+            <a:chOff x="533400" y="4191000"/>
+            <a:chExt cx="457200" cy="464004"/>
+          </a:xfrm>
+        </p:grpSpPr>
+        <p:sp>
+          <p:nvSpPr>
+            <p:cNvPr id="30" name="Oval 29"/>
+            <p:cNvSpPr/>
+            <p:nvPr/>
+          </p:nvSpPr>
+          <p:spPr>
+            <a:xfrm>
+              <a:off x="533400" y="4191000"/>
+              <a:ext cx="457200" cy="464004"/>
+            </a:xfrm>
+            <a:prstGeom prst="ellipse">
+              <a:avLst/>
+            </a:prstGeom>
+            <a:noFill/>
+            <a:ln>
+              <a:solidFill>
+                <a:srgbClr val="FF0000"/>
+              </a:solidFill>
+            </a:ln>
+          </p:spPr>
+          <p:style>
+            <a:lnRef idx="2">
+              <a:schemeClr val="accent1">
+                <a:shade val="50000"/>
+              </a:schemeClr>
+            </a:lnRef>
+            <a:fillRef idx="1">
+              <a:schemeClr val="accent1"/>
+            </a:fillRef>
+            <a:effectRef idx="0">
+              <a:schemeClr val="accent1"/>
+            </a:effectRef>
+            <a:fontRef idx="minor">
+              <a:schemeClr val="lt1"/>
+            </a:fontRef>
+          </p:style>
+          <p:txBody>
+            <a:bodyPr rtlCol="0" anchor="ctr"/>
+            <a:lstStyle/>
+            <a:p>
+              <a:pPr algn="ctr"/>
+              <a:endParaRPr lang="en-US"/>
+            </a:p>
+          </p:txBody>
+        </p:sp>
+        <p:sp>
+          <p:nvSpPr>
+            <p:cNvPr id="31" name="Arc 30"/>
+            <p:cNvSpPr/>
+            <p:nvPr/>
+          </p:nvSpPr>
+          <p:spPr>
+            <a:xfrm>
+              <a:off x="609600" y="4253592"/>
+              <a:ext cx="152400" cy="318408"/>
+            </a:xfrm>
+            <a:prstGeom prst="arc">
+              <a:avLst>
+                <a:gd name="adj1" fmla="val 10530894"/>
+                <a:gd name="adj2" fmla="val 0"/>
+              </a:avLst>
+            </a:prstGeom>
+            <a:ln>
+              <a:solidFill>
+                <a:srgbClr val="FF0000"/>
+              </a:solidFill>
+            </a:ln>
+          </p:spPr>
+          <p:style>
+            <a:lnRef idx="1">
+              <a:schemeClr val="accent1"/>
+            </a:lnRef>
+            <a:fillRef idx="0">
+              <a:schemeClr val="accent1"/>
+            </a:fillRef>
+            <a:effectRef idx="0">
+              <a:schemeClr val="accent1"/>
+            </a:effectRef>
+            <a:fontRef idx="minor">
+              <a:schemeClr val="tx1"/>
+            </a:fontRef>
+          </p:style>
+          <p:txBody>
+            <a:bodyPr rtlCol="0" anchor="ctr"/>
+            <a:lstStyle/>
+            <a:p>
+              <a:pPr algn="ctr"/>
+              <a:endParaRPr lang="en-US"/>
+            </a:p>
+          </p:txBody>
+        </p:sp>
+        <p:sp>
+          <p:nvSpPr>
+            <p:cNvPr id="32" name="Arc 31"/>
+            <p:cNvSpPr/>
+            <p:nvPr/>
+          </p:nvSpPr>
+          <p:spPr>
+            <a:xfrm rot="10800000">
+              <a:off x="762000" y="4267200"/>
+              <a:ext cx="152400" cy="318408"/>
+            </a:xfrm>
+            <a:prstGeom prst="arc">
+              <a:avLst>
+                <a:gd name="adj1" fmla="val 10530894"/>
+                <a:gd name="adj2" fmla="val 0"/>
+              </a:avLst>
+            </a:prstGeom>
+            <a:ln>
+              <a:solidFill>
+                <a:srgbClr val="FF0000"/>
+              </a:solidFill>
+            </a:ln>
+          </p:spPr>
+          <p:style>
+            <a:lnRef idx="1">
+              <a:schemeClr val="accent1"/>
+            </a:lnRef>
+            <a:fillRef idx="0">
+              <a:schemeClr val="accent1"/>
+            </a:fillRef>
+            <a:effectRef idx="0">
+              <a:schemeClr val="accent1"/>
+            </a:effectRef>
+            <a:fontRef idx="minor">
+              <a:schemeClr val="tx1"/>
+            </a:fontRef>
+          </p:style>
+          <p:txBody>
+            <a:bodyPr rtlCol="0" anchor="ctr"/>
+            <a:lstStyle/>
+            <a:p>
+              <a:pPr algn="ctr"/>
+              <a:endParaRPr lang="en-US"/>
+            </a:p>
+          </p:txBody>
+        </p:sp>
+      </p:grpSp>
+      <p:cxnSp>
+        <p:nvCxnSpPr>
+          <p:cNvPr id="35" name="Straight Connector 34"/>
+          <p:cNvCxnSpPr/>
+          <p:nvPr/>
+        </p:nvCxnSpPr>
+        <p:spPr>
+          <a:xfrm>
+            <a:off x="4648200" y="5295900"/>
+            <a:ext cx="533400" cy="0"/>
+          </a:xfrm>
+          <a:prstGeom prst="line">
+            <a:avLst/>
+          </a:prstGeom>
+          <a:ln w="38100">
+            <a:solidFill>
+              <a:schemeClr val="tx1"/>
+            </a:solidFill>
+          </a:ln>
+        </p:spPr>
+        <p:style>
+          <a:lnRef idx="1">
+            <a:schemeClr val="accent1"/>
+          </a:lnRef>
+          <a:fillRef idx="0">
+            <a:schemeClr val="accent1"/>
+          </a:fillRef>
+          <a:effectRef idx="0">
+            <a:schemeClr val="accent1"/>
+          </a:effectRef>
+          <a:fontRef idx="minor">
+            <a:schemeClr val="tx1"/>
+          </a:fontRef>
+        </p:style>
+      </p:cxnSp>
+      <p:sp>
+        <p:nvSpPr>
+          <p:cNvPr id="37" name="Rectangle 36"/>
+          <p:cNvSpPr/>
+          <p:nvPr/>
+        </p:nvSpPr>
+        <p:spPr>
+          <a:xfrm>
+            <a:off x="5181600" y="5185002"/>
+            <a:ext cx="571500" cy="529998"/>
+          </a:xfrm>
+          <a:prstGeom prst="rect">
+            <a:avLst/>
+          </a:prstGeom>
+          <a:noFill/>
+          <a:ln>
+            <a:solidFill>
+              <a:schemeClr val="tx1"/>
+            </a:solidFill>
+          </a:ln>
+        </p:spPr>
+        <p:style>
+          <a:lnRef idx="2">
+            <a:schemeClr val="accent1">
+              <a:shade val="50000"/>
+            </a:schemeClr>
+          </a:lnRef>
+          <a:fillRef idx="1">
+            <a:schemeClr val="accent1"/>
+          </a:fillRef>
+          <a:effectRef idx="0">
+            <a:schemeClr val="accent1"/>
+          </a:effectRef>
+          <a:fontRef idx="minor">
+            <a:schemeClr val="lt1"/>
+          </a:fontRef>
+        </p:style>
+        <p:txBody>
+          <a:bodyPr rtlCol="0" anchor="ctr"/>
+          <a:lstStyle/>
+          <a:p>
+            <a:pPr algn="ctr"/>
+            <a:r>
+              <a:rPr lang="en-US" dirty="0" smtClean="0">
+                <a:solidFill>
+                  <a:schemeClr val="tx1"/>
+                </a:solidFill>
+              </a:rPr>
+              <a:t>PLL</a:t>
+            </a:r>
+            <a:endParaRPr lang="en-US" dirty="0">
+              <a:solidFill>
+                <a:schemeClr val="tx1"/>
+              </a:solidFill>
+            </a:endParaRPr>
+          </a:p>
+        </p:txBody>
+      </p:sp>
+      <p:cxnSp>
+        <p:nvCxnSpPr>
+          <p:cNvPr id="40" name="Straight Connector 39"/>
+          <p:cNvCxnSpPr/>
+          <p:nvPr/>
+        </p:nvCxnSpPr>
+        <p:spPr>
+          <a:xfrm>
+            <a:off x="5638800" y="5562600"/>
+            <a:ext cx="266700" cy="0"/>
+          </a:xfrm>
+          <a:prstGeom prst="line">
+            <a:avLst/>
+          </a:prstGeom>
+          <a:ln w="38100">
+            <a:solidFill>
+              <a:schemeClr val="tx1"/>
+            </a:solidFill>
+          </a:ln>
+        </p:spPr>
+        <p:style>
+          <a:lnRef idx="1">
+            <a:schemeClr val="accent1"/>
+          </a:lnRef>
+          <a:fillRef idx="0">
+            <a:schemeClr val="accent1"/>
+          </a:fillRef>
+          <a:effectRef idx="0">
+            <a:schemeClr val="accent1"/>
+          </a:effectRef>
+          <a:fontRef idx="minor">
+            <a:schemeClr val="tx1"/>
+          </a:fontRef>
+        </p:style>
+      </p:cxnSp>
+      <p:grpSp>
+        <p:nvGrpSpPr>
+          <p:cNvPr id="42" name="Group 41"/>
+          <p:cNvGrpSpPr/>
+          <p:nvPr/>
+        </p:nvGrpSpPr>
+        <p:grpSpPr>
+          <a:xfrm>
+            <a:off x="4038600" y="5555796"/>
+            <a:ext cx="457200" cy="464004"/>
+            <a:chOff x="533400" y="4191000"/>
+            <a:chExt cx="457200" cy="464004"/>
+          </a:xfrm>
+        </p:grpSpPr>
+        <p:sp>
+          <p:nvSpPr>
+            <p:cNvPr id="43" name="Oval 42"/>
+            <p:cNvSpPr/>
+            <p:nvPr/>
+          </p:nvSpPr>
+          <p:spPr>
+            <a:xfrm>
+              <a:off x="533400" y="4191000"/>
+              <a:ext cx="457200" cy="464004"/>
+            </a:xfrm>
+            <a:prstGeom prst="ellipse">
+              <a:avLst/>
+            </a:prstGeom>
+            <a:noFill/>
+            <a:ln>
+              <a:solidFill>
+                <a:srgbClr val="FF0000"/>
+              </a:solidFill>
+            </a:ln>
+          </p:spPr>
+          <p:style>
+            <a:lnRef idx="2">
+              <a:schemeClr val="accent1">
+                <a:shade val="50000"/>
+              </a:schemeClr>
+            </a:lnRef>
+            <a:fillRef idx="1">
+              <a:schemeClr val="accent1"/>
+            </a:fillRef>
+            <a:effectRef idx="0">
+              <a:schemeClr val="accent1"/>
+            </a:effectRef>
+            <a:fontRef idx="minor">
+              <a:schemeClr val="lt1"/>
+            </a:fontRef>
+          </p:style>
+          <p:txBody>
+            <a:bodyPr rtlCol="0" anchor="ctr"/>
+            <a:lstStyle/>
+            <a:p>
+              <a:pPr algn="ctr"/>
+              <a:endParaRPr lang="en-US"/>
+            </a:p>
+          </p:txBody>
+        </p:sp>
+        <p:sp>
+          <p:nvSpPr>
+            <p:cNvPr id="44" name="Arc 43"/>
+            <p:cNvSpPr/>
+            <p:nvPr/>
+          </p:nvSpPr>
+          <p:spPr>
+            <a:xfrm>
+              <a:off x="609600" y="4253592"/>
+              <a:ext cx="152400" cy="318408"/>
+            </a:xfrm>
+            <a:prstGeom prst="arc">
+              <a:avLst>
+                <a:gd name="adj1" fmla="val 10530894"/>
+                <a:gd name="adj2" fmla="val 0"/>
+              </a:avLst>
+            </a:prstGeom>
+            <a:ln>
+              <a:solidFill>
+                <a:srgbClr val="FF0000"/>
+              </a:solidFill>
+            </a:ln>
+          </p:spPr>
+          <p:style>
+            <a:lnRef idx="1">
+              <a:schemeClr val="accent1"/>
+            </a:lnRef>
+            <a:fillRef idx="0">
+              <a:schemeClr val="accent1"/>
+            </a:fillRef>
+            <a:effectRef idx="0">
+              <a:schemeClr val="accent1"/>
+            </a:effectRef>
+            <a:fontRef idx="minor">
+              <a:schemeClr val="tx1"/>
+            </a:fontRef>
+          </p:style>
+          <p:txBody>
+            <a:bodyPr rtlCol="0" anchor="ctr"/>
+            <a:lstStyle/>
+            <a:p>
+              <a:pPr algn="ctr"/>
+              <a:endParaRPr lang="en-US"/>
+            </a:p>
+          </p:txBody>
+        </p:sp>
+        <p:sp>
+          <p:nvSpPr>
+            <p:cNvPr id="45" name="Arc 44"/>
+            <p:cNvSpPr/>
+            <p:nvPr/>
+          </p:nvSpPr>
+          <p:spPr>
+            <a:xfrm rot="10800000">
+              <a:off x="762000" y="4267200"/>
+              <a:ext cx="152400" cy="318408"/>
+            </a:xfrm>
+            <a:prstGeom prst="arc">
+              <a:avLst>
+                <a:gd name="adj1" fmla="val 10530894"/>
+                <a:gd name="adj2" fmla="val 0"/>
+              </a:avLst>
+            </a:prstGeom>
+            <a:ln>
+              <a:solidFill>
+                <a:srgbClr val="FF0000"/>
+              </a:solidFill>
+            </a:ln>
+          </p:spPr>
+          <p:style>
+            <a:lnRef idx="1">
+              <a:schemeClr val="accent1"/>
+            </a:lnRef>
+            <a:fillRef idx="0">
+              <a:schemeClr val="accent1"/>
+            </a:fillRef>
+            <a:effectRef idx="0">
+              <a:schemeClr val="accent1"/>
+            </a:effectRef>
+            <a:fontRef idx="minor">
+              <a:schemeClr val="tx1"/>
+            </a:fontRef>
+          </p:style>
+          <p:txBody>
+            <a:bodyPr rtlCol="0" anchor="ctr"/>
+            <a:lstStyle/>
+            <a:p>
+              <a:pPr algn="ctr"/>
+              <a:endParaRPr lang="en-US"/>
+            </a:p>
+          </p:txBody>
+        </p:sp>
+      </p:grpSp>
+      <p:sp>
+        <p:nvSpPr>
+          <p:cNvPr id="46" name="TextBox 45"/>
+          <p:cNvSpPr txBox="1"/>
+          <p:nvPr/>
+        </p:nvSpPr>
+        <p:spPr>
+          <a:xfrm>
+            <a:off x="3767946" y="4572000"/>
+            <a:ext cx="1032654" cy="307777"/>
+          </a:xfrm>
+          <a:prstGeom prst="rect">
+            <a:avLst/>
+          </a:prstGeom>
+          <a:noFill/>
+        </p:spPr>
+        <p:txBody>
+          <a:bodyPr wrap="none" rtlCol="0">
+            <a:spAutoFit/>
+          </a:bodyPr>
+          <a:lstStyle/>
+          <a:p>
+            <a:r>
+              <a:rPr lang="en-US" sz="1400" dirty="0" smtClean="0">
+                <a:solidFill>
+                  <a:srgbClr val="FF0000"/>
+                </a:solidFill>
+              </a:rPr>
+              <a:t>Slow clock</a:t>
+            </a:r>
+            <a:endParaRPr lang="en-US" sz="1400" dirty="0">
+              <a:solidFill>
+                <a:srgbClr val="FF0000"/>
+              </a:solidFill>
+            </a:endParaRPr>
+          </a:p>
+        </p:txBody>
+      </p:sp>
+      <p:sp>
+        <p:nvSpPr>
+          <p:cNvPr id="47" name="TextBox 46"/>
+          <p:cNvSpPr txBox="1"/>
+          <p:nvPr/>
+        </p:nvSpPr>
+        <p:spPr>
+          <a:xfrm>
+            <a:off x="3809623" y="5940623"/>
+            <a:ext cx="990977" cy="307777"/>
+          </a:xfrm>
+          <a:prstGeom prst="rect">
+            <a:avLst/>
+          </a:prstGeom>
+          <a:noFill/>
+        </p:spPr>
+        <p:txBody>
+          <a:bodyPr wrap="none" rtlCol="0">
+            <a:spAutoFit/>
+          </a:bodyPr>
+          <a:lstStyle/>
+          <a:p>
+            <a:r>
+              <a:rPr lang="en-US" sz="1400" dirty="0" smtClean="0">
+                <a:solidFill>
+                  <a:srgbClr val="FF0000"/>
+                </a:solidFill>
+              </a:rPr>
+              <a:t>Fast clock</a:t>
+            </a:r>
+            <a:endParaRPr lang="en-US" sz="1400" dirty="0">
+              <a:solidFill>
+                <a:srgbClr val="FF0000"/>
+              </a:solidFill>
+            </a:endParaRPr>
+          </a:p>
+        </p:txBody>
+      </p:sp>
+      <p:cxnSp>
+        <p:nvCxnSpPr>
+          <p:cNvPr id="50" name="Curved Connector 49"/>
+          <p:cNvCxnSpPr>
+            <a:stCxn id="43" idx="6"/>
+          </p:cNvCxnSpPr>
+          <p:nvPr/>
+        </p:nvCxnSpPr>
+        <p:spPr>
+          <a:xfrm flipV="1">
+            <a:off x="4495800" y="5555796"/>
+            <a:ext cx="1143000" cy="232002"/>
+          </a:xfrm>
+          <a:prstGeom prst="curvedConnector3">
+            <a:avLst/>
+          </a:prstGeom>
+          <a:ln w="38100">
+            <a:prstDash val="dash"/>
+          </a:ln>
+        </p:spPr>
+        <p:style>
+          <a:lnRef idx="1">
+            <a:schemeClr val="accent1"/>
+          </a:lnRef>
+          <a:fillRef idx="0">
+            <a:schemeClr val="accent1"/>
+          </a:fillRef>
+          <a:effectRef idx="0">
+            <a:schemeClr val="accent1"/>
+          </a:effectRef>
+          <a:fontRef idx="minor">
+            <a:schemeClr val="tx1"/>
+          </a:fontRef>
+        </p:style>
+      </p:cxnSp>
     </p:spTree>
+    <p:extLst>
+      <p:ext uri="{BB962C8B-B14F-4D97-AF65-F5344CB8AC3E}">
+        <p14:creationId xmlns:p14="http://schemas.microsoft.com/office/powerpoint/2010/main" val="2456088282"/>
+      </p:ext>
+    </p:extLst>
   </p:cSld>
   <p:clrMapOvr>
     <a:masterClrMapping/>
   </p:clrMapOvr>
+  <p:transition spd="slow">
+    <p:push dir="u"/>
+  </p:transition>
   <p:timing>
     <p:tnLst>
       <p:par>
-        <p:cTn id="1" dur="indefinite" restart="never" nodeType="tmRoot"/>
+        <p:cTn id="1" dur="indefinite" restart="never" nodeType="tmRoot">
+          <p:childTnLst>
+            <p:seq concurrent="1" nextAc="seek">
+              <p:cTn id="2" dur="indefinite" nodeType="mainSeq">
+                <p:childTnLst>
+                  <p:par>
+                    <p:cTn id="3" fill="hold">
+                      <p:stCondLst>
+                        <p:cond delay="indefinite"/>
+                      </p:stCondLst>
+                      <p:childTnLst>
+                        <p:par>
+                          <p:cTn id="4" fill="hold">
+                            <p:stCondLst>
+                              <p:cond delay="0"/>
+                            </p:stCondLst>
+                            <p:childTnLst>
+                              <p:par>
+                                <p:cTn id="5" presetID="2" presetClass="entr" presetSubtype="4" fill="hold" nodeType="clickEffect">
+                                  <p:stCondLst>
+                                    <p:cond delay="0"/>
+                                  </p:stCondLst>
+                                  <p:childTnLst>
+                                    <p:set>
+                                      <p:cBhvr>
+                                        <p:cTn id="6" dur="1" fill="hold">
+                                          <p:stCondLst>
+                                            <p:cond delay="0"/>
+                                          </p:stCondLst>
+                                        </p:cTn>
+                                        <p:tgtEl>
+                                          <p:spTgt spid="3">
+                                            <p:txEl>
+                                              <p:pRg st="1" end="1"/>
+                                            </p:txEl>
+                                          </p:spTgt>
+                                        </p:tgtEl>
+                                        <p:attrNameLst>
+                                          <p:attrName>style.visibility</p:attrName>
+                                        </p:attrNameLst>
+                                      </p:cBhvr>
+                                      <p:to>
+                                        <p:strVal val="visible"/>
+                                      </p:to>
+                                    </p:set>
+                                    <p:anim calcmode="lin" valueType="num">
+                                      <p:cBhvr additive="base">
+                                        <p:cTn id="7" dur="500" fill="hold"/>
+                                        <p:tgtEl>
+                                          <p:spTgt spid="3">
+                                            <p:txEl>
+                                              <p:pRg st="1" end="1"/>
+                                            </p:txEl>
+                                          </p:spTgt>
+                                        </p:tgtEl>
+                                        <p:attrNameLst>
+                                          <p:attrName>ppt_x</p:attrName>
+                                        </p:attrNameLst>
+                                      </p:cBhvr>
+                                      <p:tavLst>
+                                        <p:tav tm="0">
+                                          <p:val>
+                                            <p:strVal val="#ppt_x"/>
+                                          </p:val>
+                                        </p:tav>
+                                        <p:tav tm="100000">
+                                          <p:val>
+                                            <p:strVal val="#ppt_x"/>
+                                          </p:val>
+                                        </p:tav>
+                                      </p:tavLst>
+                                    </p:anim>
+                                    <p:anim calcmode="lin" valueType="num">
+                                      <p:cBhvr additive="base">
+                                        <p:cTn id="8" dur="500" fill="hold"/>
+                                        <p:tgtEl>
+                                          <p:spTgt spid="3">
+                                            <p:txEl>
+                                              <p:pRg st="1" end="1"/>
+                                            </p:txEl>
+                                          </p:spTgt>
+                                        </p:tgtEl>
+                                        <p:attrNameLst>
+                                          <p:attrName>ppt_y</p:attrName>
+                                        </p:attrNameLst>
+                                      </p:cBhvr>
+                                      <p:tavLst>
+                                        <p:tav tm="0">
+                                          <p:val>
+                                            <p:strVal val="1+#ppt_h/2"/>
+                                          </p:val>
+                                        </p:tav>
+                                        <p:tav tm="100000">
+                                          <p:val>
+                                            <p:strVal val="#ppt_y"/>
+                                          </p:val>
+                                        </p:tav>
+                                      </p:tavLst>
+                                    </p:anim>
+                                  </p:childTnLst>
+                                </p:cTn>
+                              </p:par>
+                            </p:childTnLst>
+                          </p:cTn>
+                        </p:par>
+                      </p:childTnLst>
+                    </p:cTn>
+                  </p:par>
+                  <p:par>
+                    <p:cTn id="9" fill="hold">
+                      <p:stCondLst>
+                        <p:cond delay="indefinite"/>
+                      </p:stCondLst>
+                      <p:childTnLst>
+                        <p:par>
+                          <p:cTn id="10" fill="hold">
+                            <p:stCondLst>
+                              <p:cond delay="0"/>
+                            </p:stCondLst>
+                            <p:childTnLst>
+                              <p:par>
+                                <p:cTn id="11" presetID="2" presetClass="entr" presetSubtype="4" fill="hold" nodeType="clickEffect">
+                                  <p:stCondLst>
+                                    <p:cond delay="0"/>
+                                  </p:stCondLst>
+                                  <p:childTnLst>
+                                    <p:set>
+                                      <p:cBhvr>
+                                        <p:cTn id="12" dur="1" fill="hold">
+                                          <p:stCondLst>
+                                            <p:cond delay="0"/>
+                                          </p:stCondLst>
+                                        </p:cTn>
+                                        <p:tgtEl>
+                                          <p:spTgt spid="33"/>
+                                        </p:tgtEl>
+                                        <p:attrNameLst>
+                                          <p:attrName>style.visibility</p:attrName>
+                                        </p:attrNameLst>
+                                      </p:cBhvr>
+                                      <p:to>
+                                        <p:strVal val="visible"/>
+                                      </p:to>
+                                    </p:set>
+                                    <p:anim calcmode="lin" valueType="num">
+                                      <p:cBhvr additive="base">
+                                        <p:cTn id="13" dur="500" fill="hold"/>
+                                        <p:tgtEl>
+                                          <p:spTgt spid="33"/>
+                                        </p:tgtEl>
+                                        <p:attrNameLst>
+                                          <p:attrName>ppt_x</p:attrName>
+                                        </p:attrNameLst>
+                                      </p:cBhvr>
+                                      <p:tavLst>
+                                        <p:tav tm="0">
+                                          <p:val>
+                                            <p:strVal val="#ppt_x"/>
+                                          </p:val>
+                                        </p:tav>
+                                        <p:tav tm="100000">
+                                          <p:val>
+                                            <p:strVal val="#ppt_x"/>
+                                          </p:val>
+                                        </p:tav>
+                                      </p:tavLst>
+                                    </p:anim>
+                                    <p:anim calcmode="lin" valueType="num">
+                                      <p:cBhvr additive="base">
+                                        <p:cTn id="14" dur="500" fill="hold"/>
+                                        <p:tgtEl>
+                                          <p:spTgt spid="33"/>
+                                        </p:tgtEl>
+                                        <p:attrNameLst>
+                                          <p:attrName>ppt_y</p:attrName>
+                                        </p:attrNameLst>
+                                      </p:cBhvr>
+                                      <p:tavLst>
+                                        <p:tav tm="0">
+                                          <p:val>
+                                            <p:strVal val="1+#ppt_h/2"/>
+                                          </p:val>
+                                        </p:tav>
+                                        <p:tav tm="100000">
+                                          <p:val>
+                                            <p:strVal val="#ppt_y"/>
+                                          </p:val>
+                                        </p:tav>
+                                      </p:tavLst>
+                                    </p:anim>
+                                  </p:childTnLst>
+                                </p:cTn>
+                              </p:par>
+                              <p:par>
+                                <p:cTn id="15" presetID="2" presetClass="entr" presetSubtype="4" fill="hold" nodeType="withEffect">
+                                  <p:stCondLst>
+                                    <p:cond delay="0"/>
+                                  </p:stCondLst>
+                                  <p:childTnLst>
+                                    <p:set>
+                                      <p:cBhvr>
+                                        <p:cTn id="16" dur="1" fill="hold">
+                                          <p:stCondLst>
+                                            <p:cond delay="0"/>
+                                          </p:stCondLst>
+                                        </p:cTn>
+                                        <p:tgtEl>
+                                          <p:spTgt spid="35"/>
+                                        </p:tgtEl>
+                                        <p:attrNameLst>
+                                          <p:attrName>style.visibility</p:attrName>
+                                        </p:attrNameLst>
+                                      </p:cBhvr>
+                                      <p:to>
+                                        <p:strVal val="visible"/>
+                                      </p:to>
+                                    </p:set>
+                                    <p:anim calcmode="lin" valueType="num">
+                                      <p:cBhvr additive="base">
+                                        <p:cTn id="17" dur="500" fill="hold"/>
+                                        <p:tgtEl>
+                                          <p:spTgt spid="35"/>
+                                        </p:tgtEl>
+                                        <p:attrNameLst>
+                                          <p:attrName>ppt_x</p:attrName>
+                                        </p:attrNameLst>
+                                      </p:cBhvr>
+                                      <p:tavLst>
+                                        <p:tav tm="0">
+                                          <p:val>
+                                            <p:strVal val="#ppt_x"/>
+                                          </p:val>
+                                        </p:tav>
+                                        <p:tav tm="100000">
+                                          <p:val>
+                                            <p:strVal val="#ppt_x"/>
+                                          </p:val>
+                                        </p:tav>
+                                      </p:tavLst>
+                                    </p:anim>
+                                    <p:anim calcmode="lin" valueType="num">
+                                      <p:cBhvr additive="base">
+                                        <p:cTn id="18" dur="500" fill="hold"/>
+                                        <p:tgtEl>
+                                          <p:spTgt spid="35"/>
+                                        </p:tgtEl>
+                                        <p:attrNameLst>
+                                          <p:attrName>ppt_y</p:attrName>
+                                        </p:attrNameLst>
+                                      </p:cBhvr>
+                                      <p:tavLst>
+                                        <p:tav tm="0">
+                                          <p:val>
+                                            <p:strVal val="1+#ppt_h/2"/>
+                                          </p:val>
+                                        </p:tav>
+                                        <p:tav tm="100000">
+                                          <p:val>
+                                            <p:strVal val="#ppt_y"/>
+                                          </p:val>
+                                        </p:tav>
+                                      </p:tavLst>
+                                    </p:anim>
+                                  </p:childTnLst>
+                                </p:cTn>
+                              </p:par>
+                              <p:par>
+                                <p:cTn id="19" presetID="2" presetClass="entr" presetSubtype="4" fill="hold" grpId="0" nodeType="withEffect">
+                                  <p:stCondLst>
+                                    <p:cond delay="0"/>
+                                  </p:stCondLst>
+                                  <p:childTnLst>
+                                    <p:set>
+                                      <p:cBhvr>
+                                        <p:cTn id="20" dur="1" fill="hold">
+                                          <p:stCondLst>
+                                            <p:cond delay="0"/>
+                                          </p:stCondLst>
+                                        </p:cTn>
+                                        <p:tgtEl>
+                                          <p:spTgt spid="46"/>
+                                        </p:tgtEl>
+                                        <p:attrNameLst>
+                                          <p:attrName>style.visibility</p:attrName>
+                                        </p:attrNameLst>
+                                      </p:cBhvr>
+                                      <p:to>
+                                        <p:strVal val="visible"/>
+                                      </p:to>
+                                    </p:set>
+                                    <p:anim calcmode="lin" valueType="num">
+                                      <p:cBhvr additive="base">
+                                        <p:cTn id="21" dur="500" fill="hold"/>
+                                        <p:tgtEl>
+                                          <p:spTgt spid="46"/>
+                                        </p:tgtEl>
+                                        <p:attrNameLst>
+                                          <p:attrName>ppt_x</p:attrName>
+                                        </p:attrNameLst>
+                                      </p:cBhvr>
+                                      <p:tavLst>
+                                        <p:tav tm="0">
+                                          <p:val>
+                                            <p:strVal val="#ppt_x"/>
+                                          </p:val>
+                                        </p:tav>
+                                        <p:tav tm="100000">
+                                          <p:val>
+                                            <p:strVal val="#ppt_x"/>
+                                          </p:val>
+                                        </p:tav>
+                                      </p:tavLst>
+                                    </p:anim>
+                                    <p:anim calcmode="lin" valueType="num">
+                                      <p:cBhvr additive="base">
+                                        <p:cTn id="22" dur="500" fill="hold"/>
+                                        <p:tgtEl>
+                                          <p:spTgt spid="46"/>
+                                        </p:tgtEl>
+                                        <p:attrNameLst>
+                                          <p:attrName>ppt_y</p:attrName>
+                                        </p:attrNameLst>
+                                      </p:cBhvr>
+                                      <p:tavLst>
+                                        <p:tav tm="0">
+                                          <p:val>
+                                            <p:strVal val="1+#ppt_h/2"/>
+                                          </p:val>
+                                        </p:tav>
+                                        <p:tav tm="100000">
+                                          <p:val>
+                                            <p:strVal val="#ppt_y"/>
+                                          </p:val>
+                                        </p:tav>
+                                      </p:tavLst>
+                                    </p:anim>
+                                  </p:childTnLst>
+                                </p:cTn>
+                              </p:par>
+                            </p:childTnLst>
+                          </p:cTn>
+                        </p:par>
+                      </p:childTnLst>
+                    </p:cTn>
+                  </p:par>
+                  <p:par>
+                    <p:cTn id="23" fill="hold">
+                      <p:stCondLst>
+                        <p:cond delay="indefinite"/>
+                      </p:stCondLst>
+                      <p:childTnLst>
+                        <p:par>
+                          <p:cTn id="24" fill="hold">
+                            <p:stCondLst>
+                              <p:cond delay="0"/>
+                            </p:stCondLst>
+                            <p:childTnLst>
+                              <p:par>
+                                <p:cTn id="25" presetID="42" presetClass="entr" presetSubtype="0" fill="hold" grpId="0" nodeType="clickEffect">
+                                  <p:stCondLst>
+                                    <p:cond delay="0"/>
+                                  </p:stCondLst>
+                                  <p:childTnLst>
+                                    <p:set>
+                                      <p:cBhvr>
+                                        <p:cTn id="26" dur="1" fill="hold">
+                                          <p:stCondLst>
+                                            <p:cond delay="0"/>
+                                          </p:stCondLst>
+                                        </p:cTn>
+                                        <p:tgtEl>
+                                          <p:spTgt spid="37"/>
+                                        </p:tgtEl>
+                                        <p:attrNameLst>
+                                          <p:attrName>style.visibility</p:attrName>
+                                        </p:attrNameLst>
+                                      </p:cBhvr>
+                                      <p:to>
+                                        <p:strVal val="visible"/>
+                                      </p:to>
+                                    </p:set>
+                                    <p:animEffect transition="in" filter="fade">
+                                      <p:cBhvr>
+                                        <p:cTn id="27" dur="1000"/>
+                                        <p:tgtEl>
+                                          <p:spTgt spid="37"/>
+                                        </p:tgtEl>
+                                      </p:cBhvr>
+                                    </p:animEffect>
+                                    <p:anim calcmode="lin" valueType="num">
+                                      <p:cBhvr>
+                                        <p:cTn id="28" dur="1000" fill="hold"/>
+                                        <p:tgtEl>
+                                          <p:spTgt spid="37"/>
+                                        </p:tgtEl>
+                                        <p:attrNameLst>
+                                          <p:attrName>ppt_x</p:attrName>
+                                        </p:attrNameLst>
+                                      </p:cBhvr>
+                                      <p:tavLst>
+                                        <p:tav tm="0">
+                                          <p:val>
+                                            <p:strVal val="#ppt_x"/>
+                                          </p:val>
+                                        </p:tav>
+                                        <p:tav tm="100000">
+                                          <p:val>
+                                            <p:strVal val="#ppt_x"/>
+                                          </p:val>
+                                        </p:tav>
+                                      </p:tavLst>
+                                    </p:anim>
+                                    <p:anim calcmode="lin" valueType="num">
+                                      <p:cBhvr>
+                                        <p:cTn id="29" dur="1000" fill="hold"/>
+                                        <p:tgtEl>
+                                          <p:spTgt spid="37"/>
+                                        </p:tgtEl>
+                                        <p:attrNameLst>
+                                          <p:attrName>ppt_y</p:attrName>
+                                        </p:attrNameLst>
+                                      </p:cBhvr>
+                                      <p:tavLst>
+                                        <p:tav tm="0">
+                                          <p:val>
+                                            <p:strVal val="#ppt_y+.1"/>
+                                          </p:val>
+                                        </p:tav>
+                                        <p:tav tm="100000">
+                                          <p:val>
+                                            <p:strVal val="#ppt_y"/>
+                                          </p:val>
+                                        </p:tav>
+                                      </p:tavLst>
+                                    </p:anim>
+                                  </p:childTnLst>
+                                </p:cTn>
+                              </p:par>
+                              <p:par>
+                                <p:cTn id="30" presetID="42" presetClass="entr" presetSubtype="0" fill="hold" nodeType="withEffect">
+                                  <p:stCondLst>
+                                    <p:cond delay="0"/>
+                                  </p:stCondLst>
+                                  <p:childTnLst>
+                                    <p:set>
+                                      <p:cBhvr>
+                                        <p:cTn id="31" dur="1" fill="hold">
+                                          <p:stCondLst>
+                                            <p:cond delay="0"/>
+                                          </p:stCondLst>
+                                        </p:cTn>
+                                        <p:tgtEl>
+                                          <p:spTgt spid="40"/>
+                                        </p:tgtEl>
+                                        <p:attrNameLst>
+                                          <p:attrName>style.visibility</p:attrName>
+                                        </p:attrNameLst>
+                                      </p:cBhvr>
+                                      <p:to>
+                                        <p:strVal val="visible"/>
+                                      </p:to>
+                                    </p:set>
+                                    <p:animEffect transition="in" filter="fade">
+                                      <p:cBhvr>
+                                        <p:cTn id="32" dur="1000"/>
+                                        <p:tgtEl>
+                                          <p:spTgt spid="40"/>
+                                        </p:tgtEl>
+                                      </p:cBhvr>
+                                    </p:animEffect>
+                                    <p:anim calcmode="lin" valueType="num">
+                                      <p:cBhvr>
+                                        <p:cTn id="33" dur="1000" fill="hold"/>
+                                        <p:tgtEl>
+                                          <p:spTgt spid="40"/>
+                                        </p:tgtEl>
+                                        <p:attrNameLst>
+                                          <p:attrName>ppt_x</p:attrName>
+                                        </p:attrNameLst>
+                                      </p:cBhvr>
+                                      <p:tavLst>
+                                        <p:tav tm="0">
+                                          <p:val>
+                                            <p:strVal val="#ppt_x"/>
+                                          </p:val>
+                                        </p:tav>
+                                        <p:tav tm="100000">
+                                          <p:val>
+                                            <p:strVal val="#ppt_x"/>
+                                          </p:val>
+                                        </p:tav>
+                                      </p:tavLst>
+                                    </p:anim>
+                                    <p:anim calcmode="lin" valueType="num">
+                                      <p:cBhvr>
+                                        <p:cTn id="34" dur="1000" fill="hold"/>
+                                        <p:tgtEl>
+                                          <p:spTgt spid="40"/>
+                                        </p:tgtEl>
+                                        <p:attrNameLst>
+                                          <p:attrName>ppt_y</p:attrName>
+                                        </p:attrNameLst>
+                                      </p:cBhvr>
+                                      <p:tavLst>
+                                        <p:tav tm="0">
+                                          <p:val>
+                                            <p:strVal val="#ppt_y+.1"/>
+                                          </p:val>
+                                        </p:tav>
+                                        <p:tav tm="100000">
+                                          <p:val>
+                                            <p:strVal val="#ppt_y"/>
+                                          </p:val>
+                                        </p:tav>
+                                      </p:tavLst>
+                                    </p:anim>
+                                  </p:childTnLst>
+                                </p:cTn>
+                              </p:par>
+                            </p:childTnLst>
+                          </p:cTn>
+                        </p:par>
+                      </p:childTnLst>
+                    </p:cTn>
+                  </p:par>
+                  <p:par>
+                    <p:cTn id="35" fill="hold">
+                      <p:stCondLst>
+                        <p:cond delay="indefinite"/>
+                      </p:stCondLst>
+                      <p:childTnLst>
+                        <p:par>
+                          <p:cTn id="36" fill="hold">
+                            <p:stCondLst>
+                              <p:cond delay="0"/>
+                            </p:stCondLst>
+                            <p:childTnLst>
+                              <p:par>
+                                <p:cTn id="37" presetID="2" presetClass="entr" presetSubtype="4" fill="hold" nodeType="clickEffect">
+                                  <p:stCondLst>
+                                    <p:cond delay="0"/>
+                                  </p:stCondLst>
+                                  <p:childTnLst>
+                                    <p:set>
+                                      <p:cBhvr>
+                                        <p:cTn id="38" dur="1" fill="hold">
+                                          <p:stCondLst>
+                                            <p:cond delay="0"/>
+                                          </p:stCondLst>
+                                        </p:cTn>
+                                        <p:tgtEl>
+                                          <p:spTgt spid="3">
+                                            <p:txEl>
+                                              <p:pRg st="2" end="2"/>
+                                            </p:txEl>
+                                          </p:spTgt>
+                                        </p:tgtEl>
+                                        <p:attrNameLst>
+                                          <p:attrName>style.visibility</p:attrName>
+                                        </p:attrNameLst>
+                                      </p:cBhvr>
+                                      <p:to>
+                                        <p:strVal val="visible"/>
+                                      </p:to>
+                                    </p:set>
+                                    <p:anim calcmode="lin" valueType="num">
+                                      <p:cBhvr additive="base">
+                                        <p:cTn id="39" dur="500" fill="hold"/>
+                                        <p:tgtEl>
+                                          <p:spTgt spid="3">
+                                            <p:txEl>
+                                              <p:pRg st="2" end="2"/>
+                                            </p:txEl>
+                                          </p:spTgt>
+                                        </p:tgtEl>
+                                        <p:attrNameLst>
+                                          <p:attrName>ppt_x</p:attrName>
+                                        </p:attrNameLst>
+                                      </p:cBhvr>
+                                      <p:tavLst>
+                                        <p:tav tm="0">
+                                          <p:val>
+                                            <p:strVal val="#ppt_x"/>
+                                          </p:val>
+                                        </p:tav>
+                                        <p:tav tm="100000">
+                                          <p:val>
+                                            <p:strVal val="#ppt_x"/>
+                                          </p:val>
+                                        </p:tav>
+                                      </p:tavLst>
+                                    </p:anim>
+                                    <p:anim calcmode="lin" valueType="num">
+                                      <p:cBhvr additive="base">
+                                        <p:cTn id="40" dur="500" fill="hold"/>
+                                        <p:tgtEl>
+                                          <p:spTgt spid="3">
+                                            <p:txEl>
+                                              <p:pRg st="2" end="2"/>
+                                            </p:txEl>
+                                          </p:spTgt>
+                                        </p:tgtEl>
+                                        <p:attrNameLst>
+                                          <p:attrName>ppt_y</p:attrName>
+                                        </p:attrNameLst>
+                                      </p:cBhvr>
+                                      <p:tavLst>
+                                        <p:tav tm="0">
+                                          <p:val>
+                                            <p:strVal val="1+#ppt_h/2"/>
+                                          </p:val>
+                                        </p:tav>
+                                        <p:tav tm="100000">
+                                          <p:val>
+                                            <p:strVal val="#ppt_y"/>
+                                          </p:val>
+                                        </p:tav>
+                                      </p:tavLst>
+                                    </p:anim>
+                                  </p:childTnLst>
+                                </p:cTn>
+                              </p:par>
+                            </p:childTnLst>
+                          </p:cTn>
+                        </p:par>
+                      </p:childTnLst>
+                    </p:cTn>
+                  </p:par>
+                  <p:par>
+                    <p:cTn id="41" fill="hold">
+                      <p:stCondLst>
+                        <p:cond delay="indefinite"/>
+                      </p:stCondLst>
+                      <p:childTnLst>
+                        <p:par>
+                          <p:cTn id="42" fill="hold">
+                            <p:stCondLst>
+                              <p:cond delay="0"/>
+                            </p:stCondLst>
+                            <p:childTnLst>
+                              <p:par>
+                                <p:cTn id="43" presetID="2" presetClass="entr" presetSubtype="4" fill="hold" nodeType="clickEffect">
+                                  <p:stCondLst>
+                                    <p:cond delay="0"/>
+                                  </p:stCondLst>
+                                  <p:childTnLst>
+                                    <p:set>
+                                      <p:cBhvr>
+                                        <p:cTn id="44" dur="1" fill="hold">
+                                          <p:stCondLst>
+                                            <p:cond delay="0"/>
+                                          </p:stCondLst>
+                                        </p:cTn>
+                                        <p:tgtEl>
+                                          <p:spTgt spid="42"/>
+                                        </p:tgtEl>
+                                        <p:attrNameLst>
+                                          <p:attrName>style.visibility</p:attrName>
+                                        </p:attrNameLst>
+                                      </p:cBhvr>
+                                      <p:to>
+                                        <p:strVal val="visible"/>
+                                      </p:to>
+                                    </p:set>
+                                    <p:anim calcmode="lin" valueType="num">
+                                      <p:cBhvr additive="base">
+                                        <p:cTn id="45" dur="500" fill="hold"/>
+                                        <p:tgtEl>
+                                          <p:spTgt spid="42"/>
+                                        </p:tgtEl>
+                                        <p:attrNameLst>
+                                          <p:attrName>ppt_x</p:attrName>
+                                        </p:attrNameLst>
+                                      </p:cBhvr>
+                                      <p:tavLst>
+                                        <p:tav tm="0">
+                                          <p:val>
+                                            <p:strVal val="#ppt_x"/>
+                                          </p:val>
+                                        </p:tav>
+                                        <p:tav tm="100000">
+                                          <p:val>
+                                            <p:strVal val="#ppt_x"/>
+                                          </p:val>
+                                        </p:tav>
+                                      </p:tavLst>
+                                    </p:anim>
+                                    <p:anim calcmode="lin" valueType="num">
+                                      <p:cBhvr additive="base">
+                                        <p:cTn id="46" dur="500" fill="hold"/>
+                                        <p:tgtEl>
+                                          <p:spTgt spid="42"/>
+                                        </p:tgtEl>
+                                        <p:attrNameLst>
+                                          <p:attrName>ppt_y</p:attrName>
+                                        </p:attrNameLst>
+                                      </p:cBhvr>
+                                      <p:tavLst>
+                                        <p:tav tm="0">
+                                          <p:val>
+                                            <p:strVal val="1+#ppt_h/2"/>
+                                          </p:val>
+                                        </p:tav>
+                                        <p:tav tm="100000">
+                                          <p:val>
+                                            <p:strVal val="#ppt_y"/>
+                                          </p:val>
+                                        </p:tav>
+                                      </p:tavLst>
+                                    </p:anim>
+                                  </p:childTnLst>
+                                </p:cTn>
+                              </p:par>
+                              <p:par>
+                                <p:cTn id="47" presetID="2" presetClass="entr" presetSubtype="4" fill="hold" grpId="0" nodeType="withEffect">
+                                  <p:stCondLst>
+                                    <p:cond delay="0"/>
+                                  </p:stCondLst>
+                                  <p:childTnLst>
+                                    <p:set>
+                                      <p:cBhvr>
+                                        <p:cTn id="48" dur="1" fill="hold">
+                                          <p:stCondLst>
+                                            <p:cond delay="0"/>
+                                          </p:stCondLst>
+                                        </p:cTn>
+                                        <p:tgtEl>
+                                          <p:spTgt spid="47"/>
+                                        </p:tgtEl>
+                                        <p:attrNameLst>
+                                          <p:attrName>style.visibility</p:attrName>
+                                        </p:attrNameLst>
+                                      </p:cBhvr>
+                                      <p:to>
+                                        <p:strVal val="visible"/>
+                                      </p:to>
+                                    </p:set>
+                                    <p:anim calcmode="lin" valueType="num">
+                                      <p:cBhvr additive="base">
+                                        <p:cTn id="49" dur="500" fill="hold"/>
+                                        <p:tgtEl>
+                                          <p:spTgt spid="47"/>
+                                        </p:tgtEl>
+                                        <p:attrNameLst>
+                                          <p:attrName>ppt_x</p:attrName>
+                                        </p:attrNameLst>
+                                      </p:cBhvr>
+                                      <p:tavLst>
+                                        <p:tav tm="0">
+                                          <p:val>
+                                            <p:strVal val="#ppt_x"/>
+                                          </p:val>
+                                        </p:tav>
+                                        <p:tav tm="100000">
+                                          <p:val>
+                                            <p:strVal val="#ppt_x"/>
+                                          </p:val>
+                                        </p:tav>
+                                      </p:tavLst>
+                                    </p:anim>
+                                    <p:anim calcmode="lin" valueType="num">
+                                      <p:cBhvr additive="base">
+                                        <p:cTn id="50" dur="500" fill="hold"/>
+                                        <p:tgtEl>
+                                          <p:spTgt spid="47"/>
+                                        </p:tgtEl>
+                                        <p:attrNameLst>
+                                          <p:attrName>ppt_y</p:attrName>
+                                        </p:attrNameLst>
+                                      </p:cBhvr>
+                                      <p:tavLst>
+                                        <p:tav tm="0">
+                                          <p:val>
+                                            <p:strVal val="1+#ppt_h/2"/>
+                                          </p:val>
+                                        </p:tav>
+                                        <p:tav tm="100000">
+                                          <p:val>
+                                            <p:strVal val="#ppt_y"/>
+                                          </p:val>
+                                        </p:tav>
+                                      </p:tavLst>
+                                    </p:anim>
+                                  </p:childTnLst>
+                                </p:cTn>
+                              </p:par>
+                            </p:childTnLst>
+                          </p:cTn>
+                        </p:par>
+                      </p:childTnLst>
+                    </p:cTn>
+                  </p:par>
+                  <p:par>
+                    <p:cTn id="51" fill="hold">
+                      <p:stCondLst>
+                        <p:cond delay="indefinite"/>
+                      </p:stCondLst>
+                      <p:childTnLst>
+                        <p:par>
+                          <p:cTn id="52" fill="hold">
+                            <p:stCondLst>
+                              <p:cond delay="0"/>
+                            </p:stCondLst>
+                            <p:childTnLst>
+                              <p:par>
+                                <p:cTn id="53" presetID="42" presetClass="entr" presetSubtype="0" fill="hold" nodeType="clickEffect">
+                                  <p:stCondLst>
+                                    <p:cond delay="0"/>
+                                  </p:stCondLst>
+                                  <p:childTnLst>
+                                    <p:set>
+                                      <p:cBhvr>
+                                        <p:cTn id="54" dur="1" fill="hold">
+                                          <p:stCondLst>
+                                            <p:cond delay="0"/>
+                                          </p:stCondLst>
+                                        </p:cTn>
+                                        <p:tgtEl>
+                                          <p:spTgt spid="50"/>
+                                        </p:tgtEl>
+                                        <p:attrNameLst>
+                                          <p:attrName>style.visibility</p:attrName>
+                                        </p:attrNameLst>
+                                      </p:cBhvr>
+                                      <p:to>
+                                        <p:strVal val="visible"/>
+                                      </p:to>
+                                    </p:set>
+                                    <p:animEffect transition="in" filter="fade">
+                                      <p:cBhvr>
+                                        <p:cTn id="55" dur="1000"/>
+                                        <p:tgtEl>
+                                          <p:spTgt spid="50"/>
+                                        </p:tgtEl>
+                                      </p:cBhvr>
+                                    </p:animEffect>
+                                    <p:anim calcmode="lin" valueType="num">
+                                      <p:cBhvr>
+                                        <p:cTn id="56" dur="1000" fill="hold"/>
+                                        <p:tgtEl>
+                                          <p:spTgt spid="50"/>
+                                        </p:tgtEl>
+                                        <p:attrNameLst>
+                                          <p:attrName>ppt_x</p:attrName>
+                                        </p:attrNameLst>
+                                      </p:cBhvr>
+                                      <p:tavLst>
+                                        <p:tav tm="0">
+                                          <p:val>
+                                            <p:strVal val="#ppt_x"/>
+                                          </p:val>
+                                        </p:tav>
+                                        <p:tav tm="100000">
+                                          <p:val>
+                                            <p:strVal val="#ppt_x"/>
+                                          </p:val>
+                                        </p:tav>
+                                      </p:tavLst>
+                                    </p:anim>
+                                    <p:anim calcmode="lin" valueType="num">
+                                      <p:cBhvr>
+                                        <p:cTn id="57" dur="1000" fill="hold"/>
+                                        <p:tgtEl>
+                                          <p:spTgt spid="50"/>
+                                        </p:tgtEl>
+                                        <p:attrNameLst>
+                                          <p:attrName>ppt_y</p:attrName>
+                                        </p:attrNameLst>
+                                      </p:cBhvr>
+                                      <p:tavLst>
+                                        <p:tav tm="0">
+                                          <p:val>
+                                            <p:strVal val="#ppt_y+.1"/>
+                                          </p:val>
+                                        </p:tav>
+                                        <p:tav tm="100000">
+                                          <p:val>
+                                            <p:strVal val="#ppt_y"/>
+                                          </p:val>
+                                        </p:tav>
+                                      </p:tavLst>
+                                    </p:anim>
+                                  </p:childTnLst>
+                                </p:cTn>
+                              </p:par>
+                            </p:childTnLst>
+                          </p:cTn>
+                        </p:par>
+                      </p:childTnLst>
+                    </p:cTn>
+                  </p:par>
+                </p:childTnLst>
+              </p:cTn>
+              <p:prevCondLst>
+                <p:cond evt="onPrev" delay="0">
+                  <p:tgtEl>
+                    <p:sldTgt/>
+                  </p:tgtEl>
+                </p:cond>
+              </p:prevCondLst>
+              <p:nextCondLst>
+                <p:cond evt="onNext" delay="0">
+                  <p:tgtEl>
+                    <p:sldTgt/>
+                  </p:tgtEl>
+                </p:cond>
+              </p:nextCondLst>
+            </p:seq>
+          </p:childTnLst>
+        </p:cTn>
       </p:par>
     </p:tnLst>
+    <p:bldLst>
+      <p:bldP spid="37" grpId="0" animBg="1"/>
+      <p:bldP spid="46" grpId="0"/>
+      <p:bldP spid="47" grpId="0"/>
+    </p:bldLst>
   </p:timing>
 </p:sld>
 </file>
@@ -5327,25 +8333,24 @@
         </p:nvSpPr>
         <p:spPr>
           <a:xfrm>
-            <a:off x="457200" y="274638"/>
-            <a:ext cx="8229600" cy="715962"/>
+            <a:off x="457200" y="76200"/>
+            <a:ext cx="8229600" cy="1143000"/>
           </a:xfrm>
         </p:spPr>
         <p:txBody>
-          <a:bodyPr rtlCol="0">
-            <a:normAutofit fontScale="90000"/>
-          </a:bodyPr>
+          <a:bodyPr/>
           <a:lstStyle/>
           <a:p>
-            <a:pPr eaLnBrk="1" fontAlgn="auto" hangingPunct="1">
-              <a:spcAft>
-                <a:spcPts val="0"/>
-              </a:spcAft>
-              <a:defRPr/>
-            </a:pPr>
-            <a:r>
-              <a:rPr lang="en-US" dirty="0" err="1" smtClean="0"/>
-              <a:t>Make_run_env.csh</a:t>
+            <a:r>
+              <a:rPr lang="en-US" dirty="0" smtClean="0"/>
+              <a:t>The palladium compile stages</a:t>
+            </a:r>
+            <a:br>
+              <a:rPr lang="en-US" dirty="0" smtClean="0"/>
+            </a:br>
+            <a:r>
+              <a:rPr lang="en-US" dirty="0" smtClean="0"/>
+              <a:t>the reset machine</a:t>
             </a:r>
             <a:endParaRPr lang="en-US" dirty="0"/>
           </a:p>
@@ -5361,437 +8366,1013 @@
             <p:ph idx="1"/>
           </p:nvPr>
         </p:nvSpPr>
-        <p:spPr/>
-        <p:txBody>
-          <a:bodyPr rtlCol="0">
-            <a:normAutofit fontScale="40000" lnSpcReduction="20000"/>
+        <p:spPr>
+          <a:xfrm>
+            <a:off x="533400" y="1295400"/>
+            <a:ext cx="8229600" cy="5410200"/>
+          </a:xfrm>
+        </p:spPr>
+        <p:txBody>
+          <a:bodyPr/>
+          <a:lstStyle/>
+          <a:p>
+            <a:pPr marL="0" indent="0">
+              <a:buNone/>
+            </a:pPr>
+            <a:r>
+              <a:rPr lang="en-US" sz="2000" dirty="0" smtClean="0"/>
+              <a:t>The reset machine is the first RTL code that we work. There is no apparent reason why this would work like in the simulation but:</a:t>
+            </a:r>
+          </a:p>
+          <a:p>
+            <a:r>
+              <a:rPr lang="en-US" sz="2000" dirty="0" smtClean="0"/>
+              <a:t>Some time we have clock gates in the design that are analog and may not work in the Palladium so we can check the signals going in and out to see that they match the simulation. If we found a clock gate and fix it, it will be fixed to the rest of the design.</a:t>
+            </a:r>
+            <a:endParaRPr lang="en-US" sz="2000" dirty="0"/>
+          </a:p>
+          <a:p>
+            <a:r>
+              <a:rPr lang="en-US" sz="2000" dirty="0" smtClean="0"/>
+              <a:t>The times in the Palladium will be different from the simulation so we have to check the design behavior and not relay on time measure. </a:t>
+            </a:r>
+            <a:endParaRPr lang="en-US" sz="2000" dirty="0"/>
+          </a:p>
+          <a:p>
+            <a:r>
+              <a:rPr lang="en-US" sz="2000" dirty="0" smtClean="0"/>
+              <a:t>It has no software and very few controls from the TB (if any). So this will be an easy place to start using </a:t>
+            </a:r>
+            <a:r>
+              <a:rPr lang="en-US" sz="2000" dirty="0" err="1" smtClean="0"/>
+              <a:t>specman</a:t>
+            </a:r>
+            <a:r>
+              <a:rPr lang="en-US" sz="2000" dirty="0" smtClean="0"/>
+              <a:t> </a:t>
+            </a:r>
+            <a:r>
+              <a:rPr lang="en-US" sz="2000" dirty="0" err="1" smtClean="0"/>
+              <a:t>event_port</a:t>
+            </a:r>
+            <a:r>
+              <a:rPr lang="en-US" sz="2000" dirty="0" smtClean="0"/>
+              <a:t>. But they are not mandatories in this stage.</a:t>
+            </a:r>
+            <a:endParaRPr lang="en-US" sz="2000" dirty="0"/>
+          </a:p>
+          <a:p>
+            <a:endParaRPr lang="en-US" sz="2000" dirty="0" smtClean="0"/>
+          </a:p>
+        </p:txBody>
+      </p:sp>
+      <p:sp>
+        <p:nvSpPr>
+          <p:cNvPr id="4" name="Rectangle 3"/>
+          <p:cNvSpPr/>
+          <p:nvPr/>
+        </p:nvSpPr>
+        <p:spPr>
+          <a:xfrm>
+            <a:off x="3733800" y="4582887"/>
+            <a:ext cx="5029200" cy="2050596"/>
+          </a:xfrm>
+          <a:prstGeom prst="rect">
+            <a:avLst/>
+          </a:prstGeom>
+          <a:noFill/>
+          <a:ln>
+            <a:solidFill>
+              <a:schemeClr val="tx1"/>
+            </a:solidFill>
+          </a:ln>
+        </p:spPr>
+        <p:style>
+          <a:lnRef idx="2">
+            <a:schemeClr val="accent1">
+              <a:shade val="50000"/>
+            </a:schemeClr>
+          </a:lnRef>
+          <a:fillRef idx="1">
+            <a:schemeClr val="accent1"/>
+          </a:fillRef>
+          <a:effectRef idx="0">
+            <a:schemeClr val="accent1"/>
+          </a:effectRef>
+          <a:fontRef idx="minor">
+            <a:schemeClr val="lt1"/>
+          </a:fontRef>
+        </p:style>
+        <p:txBody>
+          <a:bodyPr rtlCol="0" anchor="ctr"/>
+          <a:lstStyle/>
+          <a:p>
+            <a:pPr algn="ctr"/>
+            <a:endParaRPr lang="en-US"/>
+          </a:p>
+        </p:txBody>
+      </p:sp>
+      <p:sp>
+        <p:nvSpPr>
+          <p:cNvPr id="5" name="Cloud 4"/>
+          <p:cNvSpPr/>
+          <p:nvPr/>
+        </p:nvSpPr>
+        <p:spPr>
+          <a:xfrm>
+            <a:off x="5105400" y="5029200"/>
+            <a:ext cx="1143000" cy="800100"/>
+          </a:xfrm>
+          <a:prstGeom prst="cloud">
+            <a:avLst/>
+          </a:prstGeom>
+          <a:solidFill>
+            <a:schemeClr val="bg1">
+              <a:lumMod val="75000"/>
+            </a:schemeClr>
+          </a:solidFill>
+          <a:ln>
+            <a:solidFill>
+              <a:schemeClr val="bg1">
+                <a:lumMod val="85000"/>
+              </a:schemeClr>
+            </a:solidFill>
+          </a:ln>
+        </p:spPr>
+        <p:style>
+          <a:lnRef idx="2">
+            <a:schemeClr val="accent1">
+              <a:shade val="50000"/>
+            </a:schemeClr>
+          </a:lnRef>
+          <a:fillRef idx="1">
+            <a:schemeClr val="accent1"/>
+          </a:fillRef>
+          <a:effectRef idx="0">
+            <a:schemeClr val="accent1"/>
+          </a:effectRef>
+          <a:fontRef idx="minor">
+            <a:schemeClr val="lt1"/>
+          </a:fontRef>
+        </p:style>
+        <p:txBody>
+          <a:bodyPr rtlCol="0" anchor="ctr"/>
+          <a:lstStyle/>
+          <a:p>
+            <a:pPr algn="ctr"/>
+            <a:r>
+              <a:rPr lang="en-US" dirty="0" smtClean="0">
+                <a:solidFill>
+                  <a:schemeClr val="tx1"/>
+                </a:solidFill>
+              </a:rPr>
+              <a:t>reset</a:t>
+            </a:r>
+            <a:endParaRPr lang="en-US" dirty="0">
+              <a:solidFill>
+                <a:schemeClr val="tx1"/>
+              </a:solidFill>
+            </a:endParaRPr>
+          </a:p>
+        </p:txBody>
+      </p:sp>
+      <p:sp>
+        <p:nvSpPr>
+          <p:cNvPr id="12" name="Rectangle 11"/>
+          <p:cNvSpPr/>
+          <p:nvPr/>
+        </p:nvSpPr>
+        <p:spPr>
+          <a:xfrm>
+            <a:off x="5029200" y="4807404"/>
+            <a:ext cx="3505200" cy="1745796"/>
+          </a:xfrm>
+          <a:prstGeom prst="rect">
+            <a:avLst/>
+          </a:prstGeom>
+          <a:noFill/>
+          <a:ln>
+            <a:solidFill>
+              <a:schemeClr val="tx1"/>
+            </a:solidFill>
+          </a:ln>
+        </p:spPr>
+        <p:style>
+          <a:lnRef idx="2">
+            <a:schemeClr val="accent1">
+              <a:shade val="50000"/>
+            </a:schemeClr>
+          </a:lnRef>
+          <a:fillRef idx="1">
+            <a:schemeClr val="accent1"/>
+          </a:fillRef>
+          <a:effectRef idx="0">
+            <a:schemeClr val="accent1"/>
+          </a:effectRef>
+          <a:fontRef idx="minor">
+            <a:schemeClr val="lt1"/>
+          </a:fontRef>
+        </p:style>
+        <p:txBody>
+          <a:bodyPr rtlCol="0" anchor="ctr"/>
+          <a:lstStyle/>
+          <a:p>
+            <a:pPr algn="ctr"/>
+            <a:endParaRPr lang="en-US"/>
+          </a:p>
+        </p:txBody>
+      </p:sp>
+      <p:cxnSp>
+        <p:nvCxnSpPr>
+          <p:cNvPr id="35" name="Straight Connector 34"/>
+          <p:cNvCxnSpPr/>
+          <p:nvPr/>
+        </p:nvCxnSpPr>
+        <p:spPr>
+          <a:xfrm>
+            <a:off x="4800600" y="5448300"/>
+            <a:ext cx="381000" cy="0"/>
+          </a:xfrm>
+          <a:prstGeom prst="line">
+            <a:avLst/>
+          </a:prstGeom>
+          <a:ln w="38100">
+            <a:solidFill>
+              <a:schemeClr val="tx1"/>
+            </a:solidFill>
+          </a:ln>
+        </p:spPr>
+        <p:style>
+          <a:lnRef idx="1">
+            <a:schemeClr val="accent1"/>
+          </a:lnRef>
+          <a:fillRef idx="0">
+            <a:schemeClr val="accent1"/>
+          </a:fillRef>
+          <a:effectRef idx="0">
+            <a:schemeClr val="accent1"/>
+          </a:effectRef>
+          <a:fontRef idx="minor">
+            <a:schemeClr val="tx1"/>
+          </a:fontRef>
+        </p:style>
+      </p:cxnSp>
+      <p:sp>
+        <p:nvSpPr>
+          <p:cNvPr id="6" name="Rectangle 5"/>
+          <p:cNvSpPr/>
+          <p:nvPr/>
+        </p:nvSpPr>
+        <p:spPr>
+          <a:xfrm>
+            <a:off x="3810000" y="5295900"/>
+            <a:ext cx="990600" cy="495300"/>
+          </a:xfrm>
+          <a:prstGeom prst="rect">
+            <a:avLst/>
+          </a:prstGeom>
+          <a:noFill/>
+          <a:ln>
+            <a:solidFill>
+              <a:schemeClr val="tx1"/>
+            </a:solidFill>
+          </a:ln>
+        </p:spPr>
+        <p:style>
+          <a:lnRef idx="2">
+            <a:schemeClr val="accent1">
+              <a:shade val="50000"/>
+            </a:schemeClr>
+          </a:lnRef>
+          <a:fillRef idx="1">
+            <a:schemeClr val="accent1"/>
+          </a:fillRef>
+          <a:effectRef idx="0">
+            <a:schemeClr val="accent1"/>
+          </a:effectRef>
+          <a:fontRef idx="minor">
+            <a:schemeClr val="lt1"/>
+          </a:fontRef>
+        </p:style>
+        <p:txBody>
+          <a:bodyPr rtlCol="0" anchor="ctr"/>
+          <a:lstStyle/>
+          <a:p>
+            <a:pPr algn="ctr"/>
+            <a:endParaRPr lang="en-US"/>
+          </a:p>
+        </p:txBody>
+      </p:sp>
+      <p:cxnSp>
+        <p:nvCxnSpPr>
+          <p:cNvPr id="8" name="Straight Connector 7"/>
+          <p:cNvCxnSpPr/>
+          <p:nvPr/>
+        </p:nvCxnSpPr>
+        <p:spPr>
+          <a:xfrm>
+            <a:off x="3810000" y="5467350"/>
+            <a:ext cx="152400" cy="0"/>
+          </a:xfrm>
+          <a:prstGeom prst="line">
+            <a:avLst/>
+          </a:prstGeom>
+          <a:ln w="38100">
+            <a:solidFill>
+              <a:schemeClr val="tx1"/>
+            </a:solidFill>
+          </a:ln>
+        </p:spPr>
+        <p:style>
+          <a:lnRef idx="1">
+            <a:schemeClr val="accent1"/>
+          </a:lnRef>
+          <a:fillRef idx="0">
+            <a:schemeClr val="accent1"/>
+          </a:fillRef>
+          <a:effectRef idx="0">
+            <a:schemeClr val="accent1"/>
+          </a:effectRef>
+          <a:fontRef idx="minor">
+            <a:schemeClr val="tx1"/>
+          </a:fontRef>
+        </p:style>
+      </p:cxnSp>
+      <p:cxnSp>
+        <p:nvCxnSpPr>
+          <p:cNvPr id="24" name="Straight Connector 23"/>
+          <p:cNvCxnSpPr/>
+          <p:nvPr/>
+        </p:nvCxnSpPr>
+        <p:spPr>
+          <a:xfrm>
+            <a:off x="3962400" y="5715000"/>
+            <a:ext cx="381000" cy="0"/>
+          </a:xfrm>
+          <a:prstGeom prst="line">
+            <a:avLst/>
+          </a:prstGeom>
+          <a:ln w="38100">
+            <a:solidFill>
+              <a:schemeClr val="tx1"/>
+            </a:solidFill>
+          </a:ln>
+        </p:spPr>
+        <p:style>
+          <a:lnRef idx="1">
+            <a:schemeClr val="accent1"/>
+          </a:lnRef>
+          <a:fillRef idx="0">
+            <a:schemeClr val="accent1"/>
+          </a:fillRef>
+          <a:effectRef idx="0">
+            <a:schemeClr val="accent1"/>
+          </a:effectRef>
+          <a:fontRef idx="minor">
+            <a:schemeClr val="tx1"/>
+          </a:fontRef>
+        </p:style>
+      </p:cxnSp>
+      <p:cxnSp>
+        <p:nvCxnSpPr>
+          <p:cNvPr id="25" name="Straight Connector 24"/>
+          <p:cNvCxnSpPr/>
+          <p:nvPr/>
+        </p:nvCxnSpPr>
+        <p:spPr>
+          <a:xfrm>
+            <a:off x="4343400" y="5486400"/>
+            <a:ext cx="381000" cy="0"/>
+          </a:xfrm>
+          <a:prstGeom prst="line">
+            <a:avLst/>
+          </a:prstGeom>
+          <a:ln w="38100">
+            <a:solidFill>
+              <a:schemeClr val="tx1"/>
+            </a:solidFill>
+          </a:ln>
+        </p:spPr>
+        <p:style>
+          <a:lnRef idx="1">
+            <a:schemeClr val="accent1"/>
+          </a:lnRef>
+          <a:fillRef idx="0">
+            <a:schemeClr val="accent1"/>
+          </a:fillRef>
+          <a:effectRef idx="0">
+            <a:schemeClr val="accent1"/>
+          </a:effectRef>
+          <a:fontRef idx="minor">
+            <a:schemeClr val="tx1"/>
+          </a:fontRef>
+        </p:style>
+      </p:cxnSp>
+      <p:cxnSp>
+        <p:nvCxnSpPr>
+          <p:cNvPr id="26" name="Straight Connector 25"/>
+          <p:cNvCxnSpPr/>
+          <p:nvPr/>
+        </p:nvCxnSpPr>
+        <p:spPr>
+          <a:xfrm>
+            <a:off x="3962400" y="5467350"/>
+            <a:ext cx="0" cy="247650"/>
+          </a:xfrm>
+          <a:prstGeom prst="line">
+            <a:avLst/>
+          </a:prstGeom>
+          <a:ln w="38100">
+            <a:solidFill>
+              <a:schemeClr val="tx1"/>
+            </a:solidFill>
+          </a:ln>
+        </p:spPr>
+        <p:style>
+          <a:lnRef idx="1">
+            <a:schemeClr val="accent1"/>
+          </a:lnRef>
+          <a:fillRef idx="0">
+            <a:schemeClr val="accent1"/>
+          </a:fillRef>
+          <a:effectRef idx="0">
+            <a:schemeClr val="accent1"/>
+          </a:effectRef>
+          <a:fontRef idx="minor">
+            <a:schemeClr val="tx1"/>
+          </a:fontRef>
+        </p:style>
+      </p:cxnSp>
+      <p:cxnSp>
+        <p:nvCxnSpPr>
+          <p:cNvPr id="29" name="Straight Connector 28"/>
+          <p:cNvCxnSpPr/>
+          <p:nvPr/>
+        </p:nvCxnSpPr>
+        <p:spPr>
+          <a:xfrm>
+            <a:off x="4343400" y="5467350"/>
+            <a:ext cx="0" cy="247650"/>
+          </a:xfrm>
+          <a:prstGeom prst="line">
+            <a:avLst/>
+          </a:prstGeom>
+          <a:ln w="38100">
+            <a:solidFill>
+              <a:schemeClr val="tx1"/>
+            </a:solidFill>
+          </a:ln>
+        </p:spPr>
+        <p:style>
+          <a:lnRef idx="1">
+            <a:schemeClr val="accent1"/>
+          </a:lnRef>
+          <a:fillRef idx="0">
+            <a:schemeClr val="accent1"/>
+          </a:fillRef>
+          <a:effectRef idx="0">
+            <a:schemeClr val="accent1"/>
+          </a:effectRef>
+          <a:fontRef idx="minor">
+            <a:schemeClr val="tx1"/>
+          </a:fontRef>
+        </p:style>
+      </p:cxnSp>
+      <p:sp>
+        <p:nvSpPr>
+          <p:cNvPr id="36" name="Cloud 35"/>
+          <p:cNvSpPr/>
+          <p:nvPr/>
+        </p:nvSpPr>
+        <p:spPr>
+          <a:xfrm>
+            <a:off x="6096000" y="4876800"/>
+            <a:ext cx="2438400" cy="1600200"/>
+          </a:xfrm>
+          <a:prstGeom prst="cloud">
+            <a:avLst/>
+          </a:prstGeom>
+          <a:solidFill>
+            <a:schemeClr val="bg1">
+              <a:lumMod val="75000"/>
+            </a:schemeClr>
+          </a:solidFill>
+          <a:ln>
+            <a:solidFill>
+              <a:schemeClr val="bg1">
+                <a:lumMod val="85000"/>
+              </a:schemeClr>
+            </a:solidFill>
+          </a:ln>
+        </p:spPr>
+        <p:style>
+          <a:lnRef idx="2">
+            <a:schemeClr val="accent1">
+              <a:shade val="50000"/>
+            </a:schemeClr>
+          </a:lnRef>
+          <a:fillRef idx="1">
+            <a:schemeClr val="accent1"/>
+          </a:fillRef>
+          <a:effectRef idx="0">
+            <a:schemeClr val="accent1"/>
+          </a:effectRef>
+          <a:fontRef idx="minor">
+            <a:schemeClr val="lt1"/>
+          </a:fontRef>
+        </p:style>
+        <p:txBody>
+          <a:bodyPr rtlCol="0" anchor="ctr"/>
+          <a:lstStyle/>
+          <a:p>
+            <a:pPr algn="ctr"/>
+            <a:r>
+              <a:rPr lang="en-US" dirty="0" smtClean="0">
+                <a:solidFill>
+                  <a:schemeClr val="tx1"/>
+                </a:solidFill>
+              </a:rPr>
+              <a:t>DUT</a:t>
+            </a:r>
+            <a:endParaRPr lang="en-US" dirty="0">
+              <a:solidFill>
+                <a:schemeClr val="tx1"/>
+              </a:solidFill>
+            </a:endParaRPr>
+          </a:p>
+        </p:txBody>
+      </p:sp>
+      <p:grpSp>
+        <p:nvGrpSpPr>
+          <p:cNvPr id="38" name="Group 37"/>
+          <p:cNvGrpSpPr/>
+          <p:nvPr/>
+        </p:nvGrpSpPr>
+        <p:grpSpPr>
+          <a:xfrm>
+            <a:off x="4038600" y="4724400"/>
+            <a:ext cx="457200" cy="464004"/>
+            <a:chOff x="533400" y="4191000"/>
+            <a:chExt cx="457200" cy="464004"/>
+          </a:xfrm>
+        </p:grpSpPr>
+        <p:sp>
+          <p:nvSpPr>
+            <p:cNvPr id="39" name="Oval 38"/>
+            <p:cNvSpPr/>
+            <p:nvPr/>
+          </p:nvSpPr>
+          <p:spPr>
+            <a:xfrm>
+              <a:off x="533400" y="4191000"/>
+              <a:ext cx="457200" cy="464004"/>
+            </a:xfrm>
+            <a:prstGeom prst="ellipse">
+              <a:avLst/>
+            </a:prstGeom>
+            <a:noFill/>
+            <a:ln>
+              <a:solidFill>
+                <a:srgbClr val="FF0000"/>
+              </a:solidFill>
+            </a:ln>
+          </p:spPr>
+          <p:style>
+            <a:lnRef idx="2">
+              <a:schemeClr val="accent1">
+                <a:shade val="50000"/>
+              </a:schemeClr>
+            </a:lnRef>
+            <a:fillRef idx="1">
+              <a:schemeClr val="accent1"/>
+            </a:fillRef>
+            <a:effectRef idx="0">
+              <a:schemeClr val="accent1"/>
+            </a:effectRef>
+            <a:fontRef idx="minor">
+              <a:schemeClr val="lt1"/>
+            </a:fontRef>
+          </p:style>
+          <p:txBody>
+            <a:bodyPr rtlCol="0" anchor="ctr"/>
+            <a:lstStyle/>
+            <a:p>
+              <a:pPr algn="ctr"/>
+              <a:endParaRPr lang="en-US"/>
+            </a:p>
+          </p:txBody>
+        </p:sp>
+        <p:sp>
+          <p:nvSpPr>
+            <p:cNvPr id="41" name="Arc 40"/>
+            <p:cNvSpPr/>
+            <p:nvPr/>
+          </p:nvSpPr>
+          <p:spPr>
+            <a:xfrm>
+              <a:off x="609600" y="4253592"/>
+              <a:ext cx="152400" cy="318408"/>
+            </a:xfrm>
+            <a:prstGeom prst="arc">
+              <a:avLst>
+                <a:gd name="adj1" fmla="val 10530894"/>
+                <a:gd name="adj2" fmla="val 0"/>
+              </a:avLst>
+            </a:prstGeom>
+            <a:ln>
+              <a:solidFill>
+                <a:srgbClr val="FF0000"/>
+              </a:solidFill>
+            </a:ln>
+          </p:spPr>
+          <p:style>
+            <a:lnRef idx="1">
+              <a:schemeClr val="accent1"/>
+            </a:lnRef>
+            <a:fillRef idx="0">
+              <a:schemeClr val="accent1"/>
+            </a:fillRef>
+            <a:effectRef idx="0">
+              <a:schemeClr val="accent1"/>
+            </a:effectRef>
+            <a:fontRef idx="minor">
+              <a:schemeClr val="tx1"/>
+            </a:fontRef>
+          </p:style>
+          <p:txBody>
+            <a:bodyPr rtlCol="0" anchor="ctr"/>
+            <a:lstStyle/>
+            <a:p>
+              <a:pPr algn="ctr"/>
+              <a:endParaRPr lang="en-US"/>
+            </a:p>
+          </p:txBody>
+        </p:sp>
+        <p:sp>
+          <p:nvSpPr>
+            <p:cNvPr id="48" name="Arc 47"/>
+            <p:cNvSpPr/>
+            <p:nvPr/>
+          </p:nvSpPr>
+          <p:spPr>
+            <a:xfrm rot="10800000">
+              <a:off x="762000" y="4267200"/>
+              <a:ext cx="152400" cy="318408"/>
+            </a:xfrm>
+            <a:prstGeom prst="arc">
+              <a:avLst>
+                <a:gd name="adj1" fmla="val 10530894"/>
+                <a:gd name="adj2" fmla="val 0"/>
+              </a:avLst>
+            </a:prstGeom>
+            <a:ln>
+              <a:solidFill>
+                <a:srgbClr val="FF0000"/>
+              </a:solidFill>
+            </a:ln>
+          </p:spPr>
+          <p:style>
+            <a:lnRef idx="1">
+              <a:schemeClr val="accent1"/>
+            </a:lnRef>
+            <a:fillRef idx="0">
+              <a:schemeClr val="accent1"/>
+            </a:fillRef>
+            <a:effectRef idx="0">
+              <a:schemeClr val="accent1"/>
+            </a:effectRef>
+            <a:fontRef idx="minor">
+              <a:schemeClr val="tx1"/>
+            </a:fontRef>
+          </p:style>
+          <p:txBody>
+            <a:bodyPr rtlCol="0" anchor="ctr"/>
+            <a:lstStyle/>
+            <a:p>
+              <a:pPr algn="ctr"/>
+              <a:endParaRPr lang="en-US"/>
+            </a:p>
+          </p:txBody>
+        </p:sp>
+      </p:grpSp>
+      <p:grpSp>
+        <p:nvGrpSpPr>
+          <p:cNvPr id="49" name="Group 48"/>
+          <p:cNvGrpSpPr/>
+          <p:nvPr/>
+        </p:nvGrpSpPr>
+        <p:grpSpPr>
+          <a:xfrm>
+            <a:off x="4038600" y="5936796"/>
+            <a:ext cx="457200" cy="464004"/>
+            <a:chOff x="533400" y="4191000"/>
+            <a:chExt cx="457200" cy="464004"/>
+          </a:xfrm>
+        </p:grpSpPr>
+        <p:sp>
+          <p:nvSpPr>
+            <p:cNvPr id="51" name="Oval 50"/>
+            <p:cNvSpPr/>
+            <p:nvPr/>
+          </p:nvSpPr>
+          <p:spPr>
+            <a:xfrm>
+              <a:off x="533400" y="4191000"/>
+              <a:ext cx="457200" cy="464004"/>
+            </a:xfrm>
+            <a:prstGeom prst="ellipse">
+              <a:avLst/>
+            </a:prstGeom>
+            <a:noFill/>
+            <a:ln>
+              <a:solidFill>
+                <a:srgbClr val="FF0000"/>
+              </a:solidFill>
+            </a:ln>
+          </p:spPr>
+          <p:style>
+            <a:lnRef idx="2">
+              <a:schemeClr val="accent1">
+                <a:shade val="50000"/>
+              </a:schemeClr>
+            </a:lnRef>
+            <a:fillRef idx="1">
+              <a:schemeClr val="accent1"/>
+            </a:fillRef>
+            <a:effectRef idx="0">
+              <a:schemeClr val="accent1"/>
+            </a:effectRef>
+            <a:fontRef idx="minor">
+              <a:schemeClr val="lt1"/>
+            </a:fontRef>
+          </p:style>
+          <p:txBody>
+            <a:bodyPr rtlCol="0" anchor="ctr"/>
+            <a:lstStyle/>
+            <a:p>
+              <a:pPr algn="ctr"/>
+              <a:endParaRPr lang="en-US"/>
+            </a:p>
+          </p:txBody>
+        </p:sp>
+        <p:sp>
+          <p:nvSpPr>
+            <p:cNvPr id="52" name="Arc 51"/>
+            <p:cNvSpPr/>
+            <p:nvPr/>
+          </p:nvSpPr>
+          <p:spPr>
+            <a:xfrm>
+              <a:off x="609600" y="4253592"/>
+              <a:ext cx="152400" cy="318408"/>
+            </a:xfrm>
+            <a:prstGeom prst="arc">
+              <a:avLst>
+                <a:gd name="adj1" fmla="val 10530894"/>
+                <a:gd name="adj2" fmla="val 0"/>
+              </a:avLst>
+            </a:prstGeom>
+            <a:ln>
+              <a:solidFill>
+                <a:srgbClr val="FF0000"/>
+              </a:solidFill>
+            </a:ln>
+          </p:spPr>
+          <p:style>
+            <a:lnRef idx="1">
+              <a:schemeClr val="accent1"/>
+            </a:lnRef>
+            <a:fillRef idx="0">
+              <a:schemeClr val="accent1"/>
+            </a:fillRef>
+            <a:effectRef idx="0">
+              <a:schemeClr val="accent1"/>
+            </a:effectRef>
+            <a:fontRef idx="minor">
+              <a:schemeClr val="tx1"/>
+            </a:fontRef>
+          </p:style>
+          <p:txBody>
+            <a:bodyPr rtlCol="0" anchor="ctr"/>
+            <a:lstStyle/>
+            <a:p>
+              <a:pPr algn="ctr"/>
+              <a:endParaRPr lang="en-US"/>
+            </a:p>
+          </p:txBody>
+        </p:sp>
+        <p:sp>
+          <p:nvSpPr>
+            <p:cNvPr id="53" name="Arc 52"/>
+            <p:cNvSpPr/>
+            <p:nvPr/>
+          </p:nvSpPr>
+          <p:spPr>
+            <a:xfrm rot="10800000">
+              <a:off x="762000" y="4267200"/>
+              <a:ext cx="152400" cy="318408"/>
+            </a:xfrm>
+            <a:prstGeom prst="arc">
+              <a:avLst>
+                <a:gd name="adj1" fmla="val 10530894"/>
+                <a:gd name="adj2" fmla="val 0"/>
+              </a:avLst>
+            </a:prstGeom>
+            <a:ln>
+              <a:solidFill>
+                <a:srgbClr val="FF0000"/>
+              </a:solidFill>
+            </a:ln>
+          </p:spPr>
+          <p:style>
+            <a:lnRef idx="1">
+              <a:schemeClr val="accent1"/>
+            </a:lnRef>
+            <a:fillRef idx="0">
+              <a:schemeClr val="accent1"/>
+            </a:fillRef>
+            <a:effectRef idx="0">
+              <a:schemeClr val="accent1"/>
+            </a:effectRef>
+            <a:fontRef idx="minor">
+              <a:schemeClr val="tx1"/>
+            </a:fontRef>
+          </p:style>
+          <p:txBody>
+            <a:bodyPr rtlCol="0" anchor="ctr"/>
+            <a:lstStyle/>
+            <a:p>
+              <a:pPr algn="ctr"/>
+              <a:endParaRPr lang="en-US"/>
+            </a:p>
+          </p:txBody>
+        </p:sp>
+      </p:grpSp>
+      <p:sp>
+        <p:nvSpPr>
+          <p:cNvPr id="54" name="TextBox 53"/>
+          <p:cNvSpPr txBox="1"/>
+          <p:nvPr/>
+        </p:nvSpPr>
+        <p:spPr>
+          <a:xfrm>
+            <a:off x="3767946" y="4495800"/>
+            <a:ext cx="1032654" cy="307777"/>
+          </a:xfrm>
+          <a:prstGeom prst="rect">
+            <a:avLst/>
+          </a:prstGeom>
+          <a:noFill/>
+        </p:spPr>
+        <p:txBody>
+          <a:bodyPr wrap="none" rtlCol="0">
+            <a:spAutoFit/>
           </a:bodyPr>
           <a:lstStyle/>
           <a:p>
-            <a:pPr marL="0" indent="0" eaLnBrk="1" fontAlgn="auto" hangingPunct="1">
-              <a:spcAft>
-                <a:spcPts val="0"/>
-              </a:spcAft>
-              <a:buFont typeface="Arial" panose="020B0604020202020204" pitchFamily="34" charset="0"/>
-              <a:buNone/>
-              <a:defRPr/>
-            </a:pPr>
-            <a:r>
-              <a:rPr lang="en-US" dirty="0" smtClean="0"/>
-              <a:t>##!/</a:t>
-            </a:r>
-            <a:r>
-              <a:rPr lang="en-US" dirty="0" err="1" smtClean="0"/>
-              <a:t>usr</a:t>
-            </a:r>
-            <a:r>
-              <a:rPr lang="en-US" dirty="0" smtClean="0"/>
-              <a:t>/local/bin/</a:t>
-            </a:r>
-            <a:r>
-              <a:rPr lang="en-US" dirty="0" err="1" smtClean="0"/>
-              <a:t>csh</a:t>
-            </a:r>
-            <a:endParaRPr lang="en-US" dirty="0" smtClean="0"/>
-          </a:p>
-          <a:p>
-            <a:pPr marL="0" indent="0" eaLnBrk="1" fontAlgn="auto" hangingPunct="1">
-              <a:spcAft>
-                <a:spcPts val="0"/>
-              </a:spcAft>
-              <a:buFont typeface="Arial" panose="020B0604020202020204" pitchFamily="34" charset="0"/>
-              <a:buNone/>
-              <a:defRPr/>
-            </a:pPr>
-            <a:r>
-              <a:rPr lang="en-US" dirty="0" smtClean="0"/>
-              <a:t>\</a:t>
-            </a:r>
-            <a:r>
-              <a:rPr lang="en-US" dirty="0" err="1" smtClean="0"/>
-              <a:t>rm</a:t>
-            </a:r>
-            <a:r>
-              <a:rPr lang="en-US" dirty="0" smtClean="0"/>
-              <a:t> -</a:t>
-            </a:r>
-            <a:r>
-              <a:rPr lang="en-US" dirty="0" err="1" smtClean="0"/>
-              <a:t>rf</a:t>
-            </a:r>
-            <a:r>
-              <a:rPr lang="en-US" dirty="0" smtClean="0"/>
-              <a:t> </a:t>
-            </a:r>
-            <a:r>
-              <a:rPr lang="en-US" dirty="0" err="1" smtClean="0"/>
-              <a:t>run_SA_dir</a:t>
-            </a:r>
-            <a:endParaRPr lang="en-US" dirty="0" smtClean="0"/>
-          </a:p>
-          <a:p>
-            <a:pPr marL="0" indent="0" eaLnBrk="1" fontAlgn="auto" hangingPunct="1">
-              <a:spcAft>
-                <a:spcPts val="0"/>
-              </a:spcAft>
-              <a:buFont typeface="Arial" panose="020B0604020202020204" pitchFamily="34" charset="0"/>
-              <a:buNone/>
-              <a:defRPr/>
-            </a:pPr>
-            <a:r>
-              <a:rPr lang="en-US" dirty="0" err="1" smtClean="0"/>
-              <a:t>mkdir</a:t>
-            </a:r>
-            <a:r>
-              <a:rPr lang="en-US" dirty="0" smtClean="0"/>
-              <a:t> </a:t>
-            </a:r>
-            <a:r>
-              <a:rPr lang="en-US" dirty="0" err="1" smtClean="0"/>
-              <a:t>run_SA_dir</a:t>
-            </a:r>
-            <a:endParaRPr lang="en-US" dirty="0" smtClean="0"/>
-          </a:p>
-          <a:p>
-            <a:pPr marL="0" indent="0" eaLnBrk="1" fontAlgn="auto" hangingPunct="1">
-              <a:spcAft>
-                <a:spcPts val="0"/>
-              </a:spcAft>
-              <a:buFont typeface="Arial" panose="020B0604020202020204" pitchFamily="34" charset="0"/>
-              <a:buNone/>
-              <a:defRPr/>
-            </a:pPr>
-            <a:r>
-              <a:rPr lang="en-US" dirty="0" smtClean="0"/>
-              <a:t>cd </a:t>
-            </a:r>
-            <a:r>
-              <a:rPr lang="en-US" dirty="0" err="1" smtClean="0"/>
-              <a:t>run_SA_dir</a:t>
-            </a:r>
-            <a:endParaRPr lang="en-US" dirty="0" smtClean="0"/>
-          </a:p>
-          <a:p>
-            <a:pPr marL="0" indent="0" eaLnBrk="1" fontAlgn="auto" hangingPunct="1">
-              <a:spcAft>
-                <a:spcPts val="0"/>
-              </a:spcAft>
-              <a:buFont typeface="Arial" panose="020B0604020202020204" pitchFamily="34" charset="0"/>
-              <a:buNone/>
-              <a:defRPr/>
-            </a:pPr>
-            <a:endParaRPr lang="en-US" dirty="0" smtClean="0"/>
-          </a:p>
-          <a:p>
-            <a:pPr marL="0" indent="0" eaLnBrk="1" fontAlgn="auto" hangingPunct="1">
-              <a:spcAft>
-                <a:spcPts val="0"/>
-              </a:spcAft>
-              <a:buFont typeface="Arial" panose="020B0604020202020204" pitchFamily="34" charset="0"/>
-              <a:buNone/>
-              <a:defRPr/>
-            </a:pPr>
-            <a:r>
-              <a:rPr lang="en-US" dirty="0" smtClean="0"/>
-              <a:t>ln -s ../.design</a:t>
-            </a:r>
-          </a:p>
-          <a:p>
-            <a:pPr marL="0" indent="0" eaLnBrk="1" fontAlgn="auto" hangingPunct="1">
-              <a:spcAft>
-                <a:spcPts val="0"/>
-              </a:spcAft>
-              <a:buFont typeface="Arial" panose="020B0604020202020204" pitchFamily="34" charset="0"/>
-              <a:buNone/>
-              <a:defRPr/>
-            </a:pPr>
-            <a:r>
-              <a:rPr lang="en-US" dirty="0" smtClean="0"/>
-              <a:t>ln -s ../PLU</a:t>
-            </a:r>
-          </a:p>
-          <a:p>
-            <a:pPr marL="0" indent="0" eaLnBrk="1" fontAlgn="auto" hangingPunct="1">
-              <a:spcAft>
-                <a:spcPts val="0"/>
-              </a:spcAft>
-              <a:buFont typeface="Arial" panose="020B0604020202020204" pitchFamily="34" charset="0"/>
-              <a:buNone/>
-              <a:defRPr/>
-            </a:pPr>
-            <a:r>
-              <a:rPr lang="en-US" dirty="0" smtClean="0"/>
-              <a:t>ln -s ../CONDOR</a:t>
-            </a:r>
-          </a:p>
-          <a:p>
-            <a:pPr marL="0" indent="0" eaLnBrk="1" fontAlgn="auto" hangingPunct="1">
-              <a:spcAft>
-                <a:spcPts val="0"/>
-              </a:spcAft>
-              <a:buFont typeface="Arial" panose="020B0604020202020204" pitchFamily="34" charset="0"/>
-              <a:buNone/>
-              <a:defRPr/>
-            </a:pPr>
-            <a:r>
-              <a:rPr lang="en-US" dirty="0" smtClean="0"/>
-              <a:t>ln -s ../WORK</a:t>
-            </a:r>
-          </a:p>
-          <a:p>
-            <a:pPr marL="0" indent="0" eaLnBrk="1" fontAlgn="auto" hangingPunct="1">
-              <a:spcAft>
-                <a:spcPts val="0"/>
-              </a:spcAft>
-              <a:buFont typeface="Arial" panose="020B0604020202020204" pitchFamily="34" charset="0"/>
-              <a:buNone/>
-              <a:defRPr/>
-            </a:pPr>
-            <a:r>
-              <a:rPr lang="en-US" dirty="0" smtClean="0"/>
-              <a:t>ln -s ../QTDB</a:t>
-            </a:r>
-          </a:p>
-          <a:p>
-            <a:pPr marL="0" indent="0" eaLnBrk="1" fontAlgn="auto" hangingPunct="1">
-              <a:spcAft>
-                <a:spcPts val="0"/>
-              </a:spcAft>
-              <a:buFont typeface="Arial" panose="020B0604020202020204" pitchFamily="34" charset="0"/>
-              <a:buNone/>
-              <a:defRPr/>
-            </a:pPr>
-            <a:r>
-              <a:rPr lang="en-US" dirty="0" smtClean="0"/>
-              <a:t>ln -s ../PDB</a:t>
-            </a:r>
-          </a:p>
-          <a:p>
-            <a:pPr marL="0" indent="0" eaLnBrk="1" fontAlgn="auto" hangingPunct="1">
-              <a:spcAft>
-                <a:spcPts val="0"/>
-              </a:spcAft>
-              <a:buFont typeface="Arial" panose="020B0604020202020204" pitchFamily="34" charset="0"/>
-              <a:buNone/>
-              <a:defRPr/>
-            </a:pPr>
-            <a:r>
-              <a:rPr lang="en-US" dirty="0" smtClean="0"/>
-              <a:t>ln -s ../</a:t>
-            </a:r>
-            <a:r>
-              <a:rPr lang="en-US" dirty="0" err="1" smtClean="0"/>
-              <a:t>tmp</a:t>
-            </a:r>
-            <a:endParaRPr lang="en-US" dirty="0" smtClean="0"/>
-          </a:p>
-          <a:p>
-            <a:pPr marL="0" indent="0" eaLnBrk="1" fontAlgn="auto" hangingPunct="1">
-              <a:spcAft>
-                <a:spcPts val="0"/>
-              </a:spcAft>
-              <a:buFont typeface="Arial" panose="020B0604020202020204" pitchFamily="34" charset="0"/>
-              <a:buNone/>
-              <a:defRPr/>
-            </a:pPr>
-            <a:r>
-              <a:rPr lang="en-US" dirty="0" smtClean="0"/>
-              <a:t>ln -s ../</a:t>
-            </a:r>
-            <a:r>
-              <a:rPr lang="en-US" dirty="0" err="1" smtClean="0"/>
-              <a:t>cellList</a:t>
-            </a:r>
-            <a:endParaRPr lang="en-US" dirty="0" smtClean="0"/>
-          </a:p>
-          <a:p>
-            <a:pPr marL="0" indent="0" eaLnBrk="1" fontAlgn="auto" hangingPunct="1">
-              <a:spcAft>
-                <a:spcPts val="0"/>
-              </a:spcAft>
-              <a:buFont typeface="Arial" panose="020B0604020202020204" pitchFamily="34" charset="0"/>
-              <a:buNone/>
-              <a:defRPr/>
-            </a:pPr>
-            <a:r>
-              <a:rPr lang="en-US" dirty="0" smtClean="0"/>
-              <a:t>ln -s ../</a:t>
-            </a:r>
-            <a:r>
-              <a:rPr lang="en-US" dirty="0" err="1" smtClean="0"/>
-              <a:t>dbFiles</a:t>
-            </a:r>
-            <a:endParaRPr lang="en-US" dirty="0" smtClean="0"/>
-          </a:p>
-          <a:p>
-            <a:pPr marL="0" indent="0" eaLnBrk="1" fontAlgn="auto" hangingPunct="1">
-              <a:spcAft>
-                <a:spcPts val="0"/>
-              </a:spcAft>
-              <a:buFont typeface="Arial" panose="020B0604020202020204" pitchFamily="34" charset="0"/>
-              <a:buNone/>
-              <a:defRPr/>
-            </a:pPr>
-            <a:r>
-              <a:rPr lang="en-US" dirty="0" smtClean="0"/>
-              <a:t>ln -s ../</a:t>
-            </a:r>
-            <a:r>
-              <a:rPr lang="en-US" dirty="0" err="1" smtClean="0"/>
-              <a:t>xc_work</a:t>
-            </a:r>
-            <a:endParaRPr lang="en-US" dirty="0" smtClean="0"/>
-          </a:p>
-          <a:p>
-            <a:pPr marL="0" indent="0" eaLnBrk="1" fontAlgn="auto" hangingPunct="1">
-              <a:spcAft>
-                <a:spcPts val="0"/>
-              </a:spcAft>
-              <a:buFont typeface="Arial" panose="020B0604020202020204" pitchFamily="34" charset="0"/>
-              <a:buNone/>
-              <a:defRPr/>
-            </a:pPr>
-            <a:r>
-              <a:rPr lang="en-US" dirty="0" smtClean="0"/>
-              <a:t>ln -s ../</a:t>
-            </a:r>
-            <a:r>
-              <a:rPr lang="en-US" dirty="0" err="1" smtClean="0"/>
-              <a:t>AxisWork</a:t>
-            </a:r>
-            <a:endParaRPr lang="en-US" dirty="0" smtClean="0"/>
-          </a:p>
-          <a:p>
-            <a:pPr marL="0" indent="0" eaLnBrk="1" fontAlgn="auto" hangingPunct="1">
-              <a:spcAft>
-                <a:spcPts val="0"/>
-              </a:spcAft>
-              <a:buFont typeface="Arial" panose="020B0604020202020204" pitchFamily="34" charset="0"/>
-              <a:buNone/>
-              <a:defRPr/>
-            </a:pPr>
-            <a:r>
-              <a:rPr lang="en-US" dirty="0" smtClean="0"/>
-              <a:t>ln -s ../</a:t>
-            </a:r>
-            <a:r>
-              <a:rPr lang="en-US" dirty="0" err="1" smtClean="0"/>
-              <a:t>INCA_libs</a:t>
-            </a:r>
-            <a:endParaRPr lang="en-US" dirty="0" smtClean="0"/>
-          </a:p>
-          <a:p>
-            <a:pPr marL="0" indent="0" eaLnBrk="1" fontAlgn="auto" hangingPunct="1">
-              <a:spcAft>
-                <a:spcPts val="0"/>
-              </a:spcAft>
-              <a:buFont typeface="Arial" panose="020B0604020202020204" pitchFamily="34" charset="0"/>
-              <a:buNone/>
-              <a:defRPr/>
-            </a:pPr>
-            <a:endParaRPr lang="en-US" dirty="0" smtClean="0"/>
-          </a:p>
-          <a:p>
-            <a:pPr marL="0" indent="0" eaLnBrk="1" fontAlgn="auto" hangingPunct="1">
-              <a:spcAft>
-                <a:spcPts val="0"/>
-              </a:spcAft>
-              <a:buFont typeface="Arial" panose="020B0604020202020204" pitchFamily="34" charset="0"/>
-              <a:buNone/>
-              <a:defRPr/>
-            </a:pPr>
-            <a:r>
-              <a:rPr lang="en-US" dirty="0" err="1" smtClean="0"/>
-              <a:t>cp</a:t>
-            </a:r>
-            <a:r>
-              <a:rPr lang="en-US" dirty="0" smtClean="0"/>
-              <a:t> ../../</a:t>
-            </a:r>
-            <a:r>
-              <a:rPr lang="en-US" dirty="0" err="1" smtClean="0"/>
-              <a:t>runFiles</a:t>
-            </a:r>
-            <a:r>
-              <a:rPr lang="en-US" dirty="0" smtClean="0"/>
-              <a:t>/* .</a:t>
-            </a:r>
-          </a:p>
-          <a:p>
-            <a:pPr marL="0" indent="0" eaLnBrk="1" fontAlgn="auto" hangingPunct="1">
-              <a:spcAft>
-                <a:spcPts val="0"/>
-              </a:spcAft>
-              <a:buFont typeface="Arial" panose="020B0604020202020204" pitchFamily="34" charset="0"/>
-              <a:buNone/>
-              <a:defRPr/>
-            </a:pPr>
-            <a:endParaRPr lang="en-US" dirty="0" smtClean="0"/>
-          </a:p>
-          <a:p>
-            <a:pPr marL="0" indent="0" eaLnBrk="1" fontAlgn="auto" hangingPunct="1">
-              <a:spcAft>
-                <a:spcPts val="0"/>
-              </a:spcAft>
-              <a:buFont typeface="Arial" panose="020B0604020202020204" pitchFamily="34" charset="0"/>
-              <a:buNone/>
-              <a:defRPr/>
-            </a:pPr>
-            <a:r>
-              <a:rPr lang="en-US" dirty="0" smtClean="0"/>
-              <a:t>echo "To run Palladium use: </a:t>
-            </a:r>
-            <a:r>
-              <a:rPr lang="en-US" dirty="0" err="1" smtClean="0"/>
-              <a:t>irun</a:t>
-            </a:r>
-            <a:r>
-              <a:rPr lang="en-US" dirty="0" smtClean="0"/>
-              <a:t> -R -</a:t>
-            </a:r>
-            <a:r>
-              <a:rPr lang="en-US" dirty="0" err="1" smtClean="0"/>
-              <a:t>xedebug</a:t>
-            </a:r>
-            <a:r>
-              <a:rPr lang="en-US" dirty="0" smtClean="0"/>
-              <a:t> -</a:t>
-            </a:r>
-            <a:r>
-              <a:rPr lang="en-US" dirty="0" err="1" smtClean="0"/>
-              <a:t>gui</a:t>
-            </a:r>
-            <a:r>
-              <a:rPr lang="en-US" dirty="0" smtClean="0"/>
-              <a:t> -64 -input </a:t>
-            </a:r>
-            <a:r>
-              <a:rPr lang="en-US" dirty="0" err="1" smtClean="0"/>
-              <a:t>run_inputs.tcl</a:t>
-            </a:r>
-            <a:r>
-              <a:rPr lang="en-US" dirty="0" smtClean="0"/>
-              <a:t>"</a:t>
-            </a:r>
-          </a:p>
-          <a:p>
-            <a:pPr marL="0" indent="0" eaLnBrk="1" fontAlgn="auto" hangingPunct="1">
-              <a:spcAft>
-                <a:spcPts val="0"/>
-              </a:spcAft>
-              <a:buFont typeface="Arial" panose="020B0604020202020204" pitchFamily="34" charset="0"/>
-              <a:buNone/>
-              <a:defRPr/>
-            </a:pPr>
-            <a:endParaRPr lang="en-US" dirty="0"/>
+            <a:r>
+              <a:rPr lang="en-US" sz="1400" dirty="0" smtClean="0">
+                <a:solidFill>
+                  <a:srgbClr val="FF0000"/>
+                </a:solidFill>
+              </a:rPr>
+              <a:t>Slow clock</a:t>
+            </a:r>
+            <a:endParaRPr lang="en-US" sz="1400" dirty="0">
+              <a:solidFill>
+                <a:srgbClr val="FF0000"/>
+              </a:solidFill>
+            </a:endParaRPr>
+          </a:p>
+        </p:txBody>
+      </p:sp>
+      <p:sp>
+        <p:nvSpPr>
+          <p:cNvPr id="55" name="TextBox 54"/>
+          <p:cNvSpPr txBox="1"/>
+          <p:nvPr/>
+        </p:nvSpPr>
+        <p:spPr>
+          <a:xfrm>
+            <a:off x="3809623" y="6397823"/>
+            <a:ext cx="990977" cy="307777"/>
+          </a:xfrm>
+          <a:prstGeom prst="rect">
+            <a:avLst/>
+          </a:prstGeom>
+          <a:noFill/>
+        </p:spPr>
+        <p:txBody>
+          <a:bodyPr wrap="none" rtlCol="0">
+            <a:spAutoFit/>
+          </a:bodyPr>
+          <a:lstStyle/>
+          <a:p>
+            <a:r>
+              <a:rPr lang="en-US" sz="1400" dirty="0" smtClean="0">
+                <a:solidFill>
+                  <a:srgbClr val="FF0000"/>
+                </a:solidFill>
+              </a:rPr>
+              <a:t>Fast clock</a:t>
+            </a:r>
+            <a:endParaRPr lang="en-US" sz="1400" dirty="0">
+              <a:solidFill>
+                <a:srgbClr val="FF0000"/>
+              </a:solidFill>
+            </a:endParaRPr>
+          </a:p>
+        </p:txBody>
+      </p:sp>
+      <p:sp>
+        <p:nvSpPr>
+          <p:cNvPr id="16" name="Rectangle 15"/>
+          <p:cNvSpPr/>
+          <p:nvPr/>
+        </p:nvSpPr>
+        <p:spPr>
+          <a:xfrm>
+            <a:off x="5486400" y="5543550"/>
+            <a:ext cx="190500" cy="469446"/>
+          </a:xfrm>
+          <a:prstGeom prst="rect">
+            <a:avLst/>
+          </a:prstGeom>
+          <a:noFill/>
+          <a:ln>
+            <a:solidFill>
+              <a:schemeClr val="tx1"/>
+            </a:solidFill>
+          </a:ln>
+        </p:spPr>
+        <p:style>
+          <a:lnRef idx="2">
+            <a:schemeClr val="accent1">
+              <a:shade val="50000"/>
+            </a:schemeClr>
+          </a:lnRef>
+          <a:fillRef idx="1">
+            <a:schemeClr val="accent1"/>
+          </a:fillRef>
+          <a:effectRef idx="0">
+            <a:schemeClr val="accent1"/>
+          </a:effectRef>
+          <a:fontRef idx="minor">
+            <a:schemeClr val="lt1"/>
+          </a:fontRef>
+        </p:style>
+        <p:txBody>
+          <a:bodyPr rtlCol="0" anchor="ctr"/>
+          <a:lstStyle/>
+          <a:p>
+            <a:pPr algn="ctr"/>
+            <a:endParaRPr lang="en-US"/>
+          </a:p>
+        </p:txBody>
+      </p:sp>
+      <p:sp>
+        <p:nvSpPr>
+          <p:cNvPr id="17" name="TextBox 16"/>
+          <p:cNvSpPr txBox="1"/>
+          <p:nvPr/>
+        </p:nvSpPr>
+        <p:spPr>
+          <a:xfrm>
+            <a:off x="5110577" y="6019800"/>
+            <a:ext cx="909223" cy="276999"/>
+          </a:xfrm>
+          <a:prstGeom prst="rect">
+            <a:avLst/>
+          </a:prstGeom>
+          <a:noFill/>
+        </p:spPr>
+        <p:txBody>
+          <a:bodyPr wrap="none" rtlCol="0">
+            <a:spAutoFit/>
+          </a:bodyPr>
+          <a:lstStyle/>
+          <a:p>
+            <a:r>
+              <a:rPr lang="en-US" sz="1200" dirty="0" smtClean="0"/>
+              <a:t>Clock gate</a:t>
+            </a:r>
+            <a:endParaRPr lang="en-US" sz="1200" dirty="0"/>
           </a:p>
         </p:txBody>
       </p:sp>
     </p:spTree>
+    <p:extLst>
+      <p:ext uri="{BB962C8B-B14F-4D97-AF65-F5344CB8AC3E}">
+        <p14:creationId xmlns:p14="http://schemas.microsoft.com/office/powerpoint/2010/main" val="1901595190"/>
+      </p:ext>
+    </p:extLst>
   </p:cSld>
   <p:clrMapOvr>
     <a:masterClrMapping/>
   </p:clrMapOvr>
+  <p:transition spd="slow">
+    <p:push dir="u"/>
+  </p:transition>
   <p:timing>
     <p:tnLst>
       <p:par>

--- a/Simulation Acceleration tutoria.pptx
+++ b/Simulation Acceleration tutoria.pptx
@@ -17,11 +17,12 @@
     <p:sldId id="269" r:id="rId11"/>
     <p:sldId id="271" r:id="rId12"/>
     <p:sldId id="272" r:id="rId13"/>
-    <p:sldId id="259" r:id="rId14"/>
-    <p:sldId id="258" r:id="rId15"/>
-    <p:sldId id="261" r:id="rId16"/>
-    <p:sldId id="262" r:id="rId17"/>
-    <p:sldId id="260" r:id="rId18"/>
+    <p:sldId id="273" r:id="rId14"/>
+    <p:sldId id="259" r:id="rId15"/>
+    <p:sldId id="258" r:id="rId16"/>
+    <p:sldId id="261" r:id="rId17"/>
+    <p:sldId id="262" r:id="rId18"/>
+    <p:sldId id="260" r:id="rId19"/>
   </p:sldIdLst>
   <p:sldSz cx="9144000" cy="6858000" type="screen4x3"/>
   <p:notesSz cx="6858000" cy="9144000"/>
@@ -344,7 +345,7 @@
               <a:pPr>
                 <a:defRPr/>
               </a:pPr>
-              <a:t>1/11/2015</a:t>
+              <a:t>1/12/2015</a:t>
             </a:fld>
             <a:endParaRPr lang="en-US"/>
           </a:p>
@@ -536,7 +537,7 @@
               <a:pPr>
                 <a:defRPr/>
               </a:pPr>
-              <a:t>1/11/2015</a:t>
+              <a:t>1/12/2015</a:t>
             </a:fld>
             <a:endParaRPr lang="en-US"/>
           </a:p>
@@ -738,7 +739,7 @@
               <a:pPr>
                 <a:defRPr/>
               </a:pPr>
-              <a:t>1/11/2015</a:t>
+              <a:t>1/12/2015</a:t>
             </a:fld>
             <a:endParaRPr lang="en-US"/>
           </a:p>
@@ -930,7 +931,7 @@
               <a:pPr>
                 <a:defRPr/>
               </a:pPr>
-              <a:t>1/11/2015</a:t>
+              <a:t>1/12/2015</a:t>
             </a:fld>
             <a:endParaRPr lang="en-US"/>
           </a:p>
@@ -1198,7 +1199,7 @@
               <a:pPr>
                 <a:defRPr/>
               </a:pPr>
-              <a:t>1/11/2015</a:t>
+              <a:t>1/12/2015</a:t>
             </a:fld>
             <a:endParaRPr lang="en-US"/>
           </a:p>
@@ -1508,7 +1509,7 @@
               <a:pPr>
                 <a:defRPr/>
               </a:pPr>
-              <a:t>1/11/2015</a:t>
+              <a:t>1/12/2015</a:t>
             </a:fld>
             <a:endParaRPr lang="en-US"/>
           </a:p>
@@ -1952,7 +1953,7 @@
               <a:pPr>
                 <a:defRPr/>
               </a:pPr>
-              <a:t>1/11/2015</a:t>
+              <a:t>1/12/2015</a:t>
             </a:fld>
             <a:endParaRPr lang="en-US"/>
           </a:p>
@@ -2092,7 +2093,7 @@
               <a:pPr>
                 <a:defRPr/>
               </a:pPr>
-              <a:t>1/11/2015</a:t>
+              <a:t>1/12/2015</a:t>
             </a:fld>
             <a:endParaRPr lang="en-US"/>
           </a:p>
@@ -2209,7 +2210,7 @@
               <a:pPr>
                 <a:defRPr/>
               </a:pPr>
-              <a:t>1/11/2015</a:t>
+              <a:t>1/12/2015</a:t>
             </a:fld>
             <a:endParaRPr lang="en-US"/>
           </a:p>
@@ -2508,7 +2509,7 @@
               <a:pPr>
                 <a:defRPr/>
               </a:pPr>
-              <a:t>1/11/2015</a:t>
+              <a:t>1/12/2015</a:t>
             </a:fld>
             <a:endParaRPr lang="en-US"/>
           </a:p>
@@ -2786,7 +2787,7 @@
               <a:pPr>
                 <a:defRPr/>
               </a:pPr>
-              <a:t>1/11/2015</a:t>
+              <a:t>1/12/2015</a:t>
             </a:fld>
             <a:endParaRPr lang="en-US"/>
           </a:p>
@@ -3042,7 +3043,7 @@
               <a:pPr>
                 <a:defRPr/>
               </a:pPr>
-              <a:t>1/11/2015</a:t>
+              <a:t>1/12/2015</a:t>
             </a:fld>
             <a:endParaRPr lang="en-US"/>
           </a:p>
@@ -4706,6 +4707,461 @@
           </a:p>
         </p:txBody>
       </p:sp>
+      <p:cxnSp>
+        <p:nvCxnSpPr>
+          <p:cNvPr id="27" name="Straight Connector 26"/>
+          <p:cNvCxnSpPr/>
+          <p:nvPr/>
+        </p:nvCxnSpPr>
+        <p:spPr>
+          <a:xfrm>
+            <a:off x="5638800" y="5868145"/>
+            <a:ext cx="152400" cy="0"/>
+          </a:xfrm>
+          <a:prstGeom prst="line">
+            <a:avLst/>
+          </a:prstGeom>
+          <a:ln w="38100">
+            <a:solidFill>
+              <a:schemeClr val="tx1"/>
+            </a:solidFill>
+          </a:ln>
+        </p:spPr>
+        <p:style>
+          <a:lnRef idx="1">
+            <a:schemeClr val="accent1"/>
+          </a:lnRef>
+          <a:fillRef idx="0">
+            <a:schemeClr val="accent1"/>
+          </a:fillRef>
+          <a:effectRef idx="0">
+            <a:schemeClr val="accent1"/>
+          </a:effectRef>
+          <a:fontRef idx="minor">
+            <a:schemeClr val="tx1"/>
+          </a:fontRef>
+        </p:style>
+      </p:cxnSp>
+      <p:cxnSp>
+        <p:nvCxnSpPr>
+          <p:cNvPr id="28" name="Straight Connector 27"/>
+          <p:cNvCxnSpPr/>
+          <p:nvPr/>
+        </p:nvCxnSpPr>
+        <p:spPr>
+          <a:xfrm flipV="1">
+            <a:off x="4793145" y="6041562"/>
+            <a:ext cx="155382" cy="911"/>
+          </a:xfrm>
+          <a:prstGeom prst="line">
+            <a:avLst/>
+          </a:prstGeom>
+          <a:ln w="28575">
+            <a:solidFill>
+              <a:schemeClr val="tx1"/>
+            </a:solidFill>
+          </a:ln>
+        </p:spPr>
+        <p:style>
+          <a:lnRef idx="1">
+            <a:schemeClr val="accent1"/>
+          </a:lnRef>
+          <a:fillRef idx="0">
+            <a:schemeClr val="accent1"/>
+          </a:fillRef>
+          <a:effectRef idx="0">
+            <a:schemeClr val="accent1"/>
+          </a:effectRef>
+          <a:fontRef idx="minor">
+            <a:schemeClr val="tx1"/>
+          </a:fontRef>
+        </p:style>
+      </p:cxnSp>
+      <p:cxnSp>
+        <p:nvCxnSpPr>
+          <p:cNvPr id="30" name="Straight Connector 29"/>
+          <p:cNvCxnSpPr/>
+          <p:nvPr/>
+        </p:nvCxnSpPr>
+        <p:spPr>
+          <a:xfrm>
+            <a:off x="5715000" y="5987243"/>
+            <a:ext cx="381000" cy="0"/>
+          </a:xfrm>
+          <a:prstGeom prst="line">
+            <a:avLst/>
+          </a:prstGeom>
+          <a:ln w="28575">
+            <a:solidFill>
+              <a:schemeClr val="tx1"/>
+            </a:solidFill>
+          </a:ln>
+        </p:spPr>
+        <p:style>
+          <a:lnRef idx="1">
+            <a:schemeClr val="accent1"/>
+          </a:lnRef>
+          <a:fillRef idx="0">
+            <a:schemeClr val="accent1"/>
+          </a:fillRef>
+          <a:effectRef idx="0">
+            <a:schemeClr val="accent1"/>
+          </a:effectRef>
+          <a:fontRef idx="minor">
+            <a:schemeClr val="tx1"/>
+          </a:fontRef>
+        </p:style>
+      </p:cxnSp>
+      <p:cxnSp>
+        <p:nvCxnSpPr>
+          <p:cNvPr id="31" name="Straight Connector 30"/>
+          <p:cNvCxnSpPr/>
+          <p:nvPr/>
+        </p:nvCxnSpPr>
+        <p:spPr>
+          <a:xfrm>
+            <a:off x="5405234" y="5936962"/>
+            <a:ext cx="2982" cy="108637"/>
+          </a:xfrm>
+          <a:prstGeom prst="line">
+            <a:avLst/>
+          </a:prstGeom>
+          <a:ln w="28575">
+            <a:solidFill>
+              <a:schemeClr val="tx1"/>
+            </a:solidFill>
+          </a:ln>
+        </p:spPr>
+        <p:style>
+          <a:lnRef idx="1">
+            <a:schemeClr val="accent1"/>
+          </a:lnRef>
+          <a:fillRef idx="0">
+            <a:schemeClr val="accent1"/>
+          </a:fillRef>
+          <a:effectRef idx="0">
+            <a:schemeClr val="accent1"/>
+          </a:effectRef>
+          <a:fontRef idx="minor">
+            <a:schemeClr val="tx1"/>
+          </a:fontRef>
+        </p:style>
+      </p:cxnSp>
+      <p:cxnSp>
+        <p:nvCxnSpPr>
+          <p:cNvPr id="32" name="Straight Connector 31"/>
+          <p:cNvCxnSpPr/>
+          <p:nvPr/>
+        </p:nvCxnSpPr>
+        <p:spPr>
+          <a:xfrm>
+            <a:off x="4948527" y="5933836"/>
+            <a:ext cx="0" cy="106815"/>
+          </a:xfrm>
+          <a:prstGeom prst="line">
+            <a:avLst/>
+          </a:prstGeom>
+          <a:ln w="28575">
+            <a:solidFill>
+              <a:schemeClr val="tx1"/>
+            </a:solidFill>
+          </a:ln>
+        </p:spPr>
+        <p:style>
+          <a:lnRef idx="1">
+            <a:schemeClr val="accent1"/>
+          </a:lnRef>
+          <a:fillRef idx="0">
+            <a:schemeClr val="accent1"/>
+          </a:fillRef>
+          <a:effectRef idx="0">
+            <a:schemeClr val="accent1"/>
+          </a:effectRef>
+          <a:fontRef idx="minor">
+            <a:schemeClr val="tx1"/>
+          </a:fontRef>
+        </p:style>
+      </p:cxnSp>
+      <p:cxnSp>
+        <p:nvCxnSpPr>
+          <p:cNvPr id="45" name="Straight Connector 44"/>
+          <p:cNvCxnSpPr/>
+          <p:nvPr/>
+        </p:nvCxnSpPr>
+        <p:spPr>
+          <a:xfrm>
+            <a:off x="5334000" y="5867400"/>
+            <a:ext cx="231582" cy="0"/>
+          </a:xfrm>
+          <a:prstGeom prst="line">
+            <a:avLst/>
+          </a:prstGeom>
+          <a:ln w="38100">
+            <a:solidFill>
+              <a:schemeClr val="tx1"/>
+            </a:solidFill>
+          </a:ln>
+        </p:spPr>
+        <p:style>
+          <a:lnRef idx="1">
+            <a:schemeClr val="accent1"/>
+          </a:lnRef>
+          <a:fillRef idx="0">
+            <a:schemeClr val="accent1"/>
+          </a:fillRef>
+          <a:effectRef idx="0">
+            <a:schemeClr val="accent1"/>
+          </a:effectRef>
+          <a:fontRef idx="minor">
+            <a:schemeClr val="tx1"/>
+          </a:fontRef>
+        </p:style>
+      </p:cxnSp>
+      <p:cxnSp>
+        <p:nvCxnSpPr>
+          <p:cNvPr id="50" name="Straight Connector 49"/>
+          <p:cNvCxnSpPr/>
+          <p:nvPr/>
+        </p:nvCxnSpPr>
+        <p:spPr>
+          <a:xfrm flipV="1">
+            <a:off x="4793145" y="6040651"/>
+            <a:ext cx="155382" cy="1822"/>
+          </a:xfrm>
+          <a:prstGeom prst="line">
+            <a:avLst/>
+          </a:prstGeom>
+          <a:ln w="28575">
+            <a:solidFill>
+              <a:schemeClr val="tx1"/>
+            </a:solidFill>
+          </a:ln>
+        </p:spPr>
+        <p:style>
+          <a:lnRef idx="1">
+            <a:schemeClr val="accent1"/>
+          </a:lnRef>
+          <a:fillRef idx="0">
+            <a:schemeClr val="accent1"/>
+          </a:fillRef>
+          <a:effectRef idx="0">
+            <a:schemeClr val="accent1"/>
+          </a:effectRef>
+          <a:fontRef idx="minor">
+            <a:schemeClr val="tx1"/>
+          </a:fontRef>
+        </p:style>
+      </p:cxnSp>
+      <p:cxnSp>
+        <p:nvCxnSpPr>
+          <p:cNvPr id="56" name="Straight Connector 55"/>
+          <p:cNvCxnSpPr/>
+          <p:nvPr/>
+        </p:nvCxnSpPr>
+        <p:spPr>
+          <a:xfrm flipV="1">
+            <a:off x="4948527" y="5936962"/>
+            <a:ext cx="155382" cy="1822"/>
+          </a:xfrm>
+          <a:prstGeom prst="line">
+            <a:avLst/>
+          </a:prstGeom>
+          <a:ln w="28575">
+            <a:solidFill>
+              <a:schemeClr val="tx1"/>
+            </a:solidFill>
+          </a:ln>
+        </p:spPr>
+        <p:style>
+          <a:lnRef idx="1">
+            <a:schemeClr val="accent1"/>
+          </a:lnRef>
+          <a:fillRef idx="0">
+            <a:schemeClr val="accent1"/>
+          </a:fillRef>
+          <a:effectRef idx="0">
+            <a:schemeClr val="accent1"/>
+          </a:effectRef>
+          <a:fontRef idx="minor">
+            <a:schemeClr val="tx1"/>
+          </a:fontRef>
+        </p:style>
+      </p:cxnSp>
+      <p:cxnSp>
+        <p:nvCxnSpPr>
+          <p:cNvPr id="57" name="Straight Connector 56"/>
+          <p:cNvCxnSpPr/>
+          <p:nvPr/>
+        </p:nvCxnSpPr>
+        <p:spPr>
+          <a:xfrm flipV="1">
+            <a:off x="5103909" y="6046595"/>
+            <a:ext cx="155382" cy="911"/>
+          </a:xfrm>
+          <a:prstGeom prst="line">
+            <a:avLst/>
+          </a:prstGeom>
+          <a:ln w="28575">
+            <a:solidFill>
+              <a:schemeClr val="tx1"/>
+            </a:solidFill>
+          </a:ln>
+        </p:spPr>
+        <p:style>
+          <a:lnRef idx="1">
+            <a:schemeClr val="accent1"/>
+          </a:lnRef>
+          <a:fillRef idx="0">
+            <a:schemeClr val="accent1"/>
+          </a:fillRef>
+          <a:effectRef idx="0">
+            <a:schemeClr val="accent1"/>
+          </a:effectRef>
+          <a:fontRef idx="minor">
+            <a:schemeClr val="tx1"/>
+          </a:fontRef>
+        </p:style>
+      </p:cxnSp>
+      <p:cxnSp>
+        <p:nvCxnSpPr>
+          <p:cNvPr id="58" name="Straight Connector 57"/>
+          <p:cNvCxnSpPr/>
+          <p:nvPr/>
+        </p:nvCxnSpPr>
+        <p:spPr>
+          <a:xfrm>
+            <a:off x="5106891" y="5938869"/>
+            <a:ext cx="2982" cy="108637"/>
+          </a:xfrm>
+          <a:prstGeom prst="line">
+            <a:avLst/>
+          </a:prstGeom>
+          <a:ln w="28575">
+            <a:solidFill>
+              <a:schemeClr val="tx1"/>
+            </a:solidFill>
+          </a:ln>
+        </p:spPr>
+        <p:style>
+          <a:lnRef idx="1">
+            <a:schemeClr val="accent1"/>
+          </a:lnRef>
+          <a:fillRef idx="0">
+            <a:schemeClr val="accent1"/>
+          </a:fillRef>
+          <a:effectRef idx="0">
+            <a:schemeClr val="accent1"/>
+          </a:effectRef>
+          <a:fontRef idx="minor">
+            <a:schemeClr val="tx1"/>
+          </a:fontRef>
+        </p:style>
+      </p:cxnSp>
+      <p:cxnSp>
+        <p:nvCxnSpPr>
+          <p:cNvPr id="59" name="Straight Connector 58"/>
+          <p:cNvCxnSpPr/>
+          <p:nvPr/>
+        </p:nvCxnSpPr>
+        <p:spPr>
+          <a:xfrm>
+            <a:off x="5259291" y="5938869"/>
+            <a:ext cx="0" cy="106815"/>
+          </a:xfrm>
+          <a:prstGeom prst="line">
+            <a:avLst/>
+          </a:prstGeom>
+          <a:ln w="28575">
+            <a:solidFill>
+              <a:schemeClr val="tx1"/>
+            </a:solidFill>
+          </a:ln>
+        </p:spPr>
+        <p:style>
+          <a:lnRef idx="1">
+            <a:schemeClr val="accent1"/>
+          </a:lnRef>
+          <a:fillRef idx="0">
+            <a:schemeClr val="accent1"/>
+          </a:fillRef>
+          <a:effectRef idx="0">
+            <a:schemeClr val="accent1"/>
+          </a:effectRef>
+          <a:fontRef idx="minor">
+            <a:schemeClr val="tx1"/>
+          </a:fontRef>
+        </p:style>
+      </p:cxnSp>
+      <p:cxnSp>
+        <p:nvCxnSpPr>
+          <p:cNvPr id="60" name="Straight Connector 59"/>
+          <p:cNvCxnSpPr/>
+          <p:nvPr/>
+        </p:nvCxnSpPr>
+        <p:spPr>
+          <a:xfrm flipV="1">
+            <a:off x="5103909" y="6045684"/>
+            <a:ext cx="155382" cy="1822"/>
+          </a:xfrm>
+          <a:prstGeom prst="line">
+            <a:avLst/>
+          </a:prstGeom>
+          <a:ln w="28575">
+            <a:solidFill>
+              <a:schemeClr val="tx1"/>
+            </a:solidFill>
+          </a:ln>
+        </p:spPr>
+        <p:style>
+          <a:lnRef idx="1">
+            <a:schemeClr val="accent1"/>
+          </a:lnRef>
+          <a:fillRef idx="0">
+            <a:schemeClr val="accent1"/>
+          </a:fillRef>
+          <a:effectRef idx="0">
+            <a:schemeClr val="accent1"/>
+          </a:effectRef>
+          <a:fontRef idx="minor">
+            <a:schemeClr val="tx1"/>
+          </a:fontRef>
+        </p:style>
+      </p:cxnSp>
+      <p:cxnSp>
+        <p:nvCxnSpPr>
+          <p:cNvPr id="61" name="Straight Connector 60"/>
+          <p:cNvCxnSpPr/>
+          <p:nvPr/>
+        </p:nvCxnSpPr>
+        <p:spPr>
+          <a:xfrm flipV="1">
+            <a:off x="5253327" y="5941995"/>
+            <a:ext cx="155382" cy="1822"/>
+          </a:xfrm>
+          <a:prstGeom prst="line">
+            <a:avLst/>
+          </a:prstGeom>
+          <a:ln w="28575">
+            <a:solidFill>
+              <a:schemeClr val="tx1"/>
+            </a:solidFill>
+          </a:ln>
+        </p:spPr>
+        <p:style>
+          <a:lnRef idx="1">
+            <a:schemeClr val="accent1"/>
+          </a:lnRef>
+          <a:fillRef idx="0">
+            <a:schemeClr val="accent1"/>
+          </a:fillRef>
+          <a:effectRef idx="0">
+            <a:schemeClr val="accent1"/>
+          </a:effectRef>
+          <a:fontRef idx="minor">
+            <a:schemeClr val="tx1"/>
+          </a:fontRef>
+        </p:style>
+      </p:cxnSp>
     </p:spTree>
     <p:extLst>
       <p:ext uri="{BB962C8B-B14F-4D97-AF65-F5344CB8AC3E}">
@@ -4716,11 +5172,11 @@
   <p:clrMapOvr>
     <a:masterClrMapping/>
   </p:clrMapOvr>
-  <mc:AlternateContent xmlns:mc="http://schemas.openxmlformats.org/markup-compatibility/2006">
-    <mc:Choice xmlns:p14="http://schemas.microsoft.com/office/powerpoint/2010/main" Requires="p14">
+  <mc:AlternateContent xmlns:mc="http://schemas.openxmlformats.org/markup-compatibility/2006" xmlns:p14="http://schemas.microsoft.com/office/powerpoint/2010/main">
+    <mc:Choice Requires="p14">
       <p:transition p14:dur="0"/>
     </mc:Choice>
-    <mc:Fallback>
+    <mc:Fallback xmlns="">
       <p:transition/>
     </mc:Fallback>
   </mc:AlternateContent>
@@ -4837,7 +5293,7 @@
         </p:nvSpPr>
         <p:spPr>
           <a:xfrm>
-            <a:off x="3733800" y="2971800"/>
+            <a:off x="2667000" y="2971800"/>
             <a:ext cx="3352800" cy="3581400"/>
           </a:xfrm>
           <a:prstGeom prst="rect">
@@ -4883,7 +5339,7 @@
         </p:nvCxnSpPr>
         <p:spPr>
           <a:xfrm>
-            <a:off x="3352800" y="3200400"/>
+            <a:off x="2286000" y="3200400"/>
             <a:ext cx="457200" cy="0"/>
           </a:xfrm>
           <a:prstGeom prst="line">
@@ -4918,7 +5374,7 @@
         </p:nvCxnSpPr>
         <p:spPr>
           <a:xfrm>
-            <a:off x="3352800" y="3352800"/>
+            <a:off x="2286000" y="3352800"/>
             <a:ext cx="457200" cy="0"/>
           </a:xfrm>
           <a:prstGeom prst="line">
@@ -4953,7 +5409,7 @@
         </p:nvCxnSpPr>
         <p:spPr>
           <a:xfrm>
-            <a:off x="3352800" y="3505200"/>
+            <a:off x="2286000" y="3505200"/>
             <a:ext cx="457200" cy="0"/>
           </a:xfrm>
           <a:prstGeom prst="line">
@@ -4988,7 +5444,7 @@
         </p:nvCxnSpPr>
         <p:spPr>
           <a:xfrm>
-            <a:off x="3352800" y="6172200"/>
+            <a:off x="2286000" y="6172200"/>
             <a:ext cx="457200" cy="0"/>
           </a:xfrm>
           <a:prstGeom prst="line">
@@ -5023,7 +5479,7 @@
         </p:nvCxnSpPr>
         <p:spPr>
           <a:xfrm>
-            <a:off x="7010400" y="6172200"/>
+            <a:off x="5943600" y="6172200"/>
             <a:ext cx="457200" cy="0"/>
           </a:xfrm>
           <a:prstGeom prst="line">
@@ -5058,7 +5514,7 @@
         </p:nvCxnSpPr>
         <p:spPr>
           <a:xfrm>
-            <a:off x="7010400" y="3352800"/>
+            <a:off x="5943600" y="3352800"/>
             <a:ext cx="457200" cy="0"/>
           </a:xfrm>
           <a:prstGeom prst="line">
@@ -5093,7 +5549,7 @@
         </p:nvCxnSpPr>
         <p:spPr>
           <a:xfrm>
-            <a:off x="7010400" y="3505200"/>
+            <a:off x="5943600" y="3505200"/>
             <a:ext cx="457200" cy="0"/>
           </a:xfrm>
           <a:prstGeom prst="line">
@@ -5128,7 +5584,7 @@
         </p:nvCxnSpPr>
         <p:spPr>
           <a:xfrm>
-            <a:off x="7010400" y="3200400"/>
+            <a:off x="5943600" y="3200400"/>
             <a:ext cx="457200" cy="0"/>
           </a:xfrm>
           <a:prstGeom prst="line">
@@ -5163,7 +5619,7 @@
         </p:nvSpPr>
         <p:spPr>
           <a:xfrm>
-            <a:off x="3429000" y="3657600"/>
+            <a:off x="2362200" y="3657600"/>
             <a:ext cx="76200" cy="76200"/>
           </a:xfrm>
           <a:prstGeom prst="ellipse">
@@ -5211,7 +5667,7 @@
         </p:nvSpPr>
         <p:spPr>
           <a:xfrm>
-            <a:off x="3429000" y="3810000"/>
+            <a:off x="2362200" y="3810000"/>
             <a:ext cx="76200" cy="76200"/>
           </a:xfrm>
           <a:prstGeom prst="ellipse">
@@ -5259,7 +5715,7 @@
         </p:nvSpPr>
         <p:spPr>
           <a:xfrm>
-            <a:off x="3429000" y="3962400"/>
+            <a:off x="2362200" y="3962400"/>
             <a:ext cx="76200" cy="76200"/>
           </a:xfrm>
           <a:prstGeom prst="ellipse">
@@ -5307,7 +5763,7 @@
         </p:nvSpPr>
         <p:spPr>
           <a:xfrm>
-            <a:off x="7239000" y="3657600"/>
+            <a:off x="6172200" y="3657600"/>
             <a:ext cx="76200" cy="76200"/>
           </a:xfrm>
           <a:prstGeom prst="ellipse">
@@ -5355,7 +5811,7 @@
         </p:nvSpPr>
         <p:spPr>
           <a:xfrm>
-            <a:off x="7239000" y="3810000"/>
+            <a:off x="6172200" y="3810000"/>
             <a:ext cx="76200" cy="76200"/>
           </a:xfrm>
           <a:prstGeom prst="ellipse">
@@ -5403,7 +5859,7 @@
         </p:nvSpPr>
         <p:spPr>
           <a:xfrm>
-            <a:off x="7239000" y="3962400"/>
+            <a:off x="6172200" y="3962400"/>
             <a:ext cx="76200" cy="76200"/>
           </a:xfrm>
           <a:prstGeom prst="ellipse">
@@ -5451,7 +5907,7 @@
         </p:nvGrpSpPr>
         <p:grpSpPr>
           <a:xfrm>
-            <a:off x="4055886" y="3352800"/>
+            <a:off x="2989086" y="3352800"/>
             <a:ext cx="1382889" cy="1219200"/>
             <a:chOff x="-1219200" y="3124200"/>
             <a:chExt cx="4114800" cy="3581400"/>
@@ -6080,7 +6536,7 @@
         </p:nvGrpSpPr>
         <p:grpSpPr>
           <a:xfrm>
-            <a:off x="5551311" y="3352800"/>
+            <a:off x="4484511" y="3352800"/>
             <a:ext cx="1382889" cy="1219200"/>
             <a:chOff x="-1219200" y="3124200"/>
             <a:chExt cx="4114800" cy="3581400"/>
@@ -6709,7 +7165,7 @@
         </p:nvGrpSpPr>
         <p:grpSpPr>
           <a:xfrm>
-            <a:off x="4865511" y="4800600"/>
+            <a:off x="3798711" y="4800600"/>
             <a:ext cx="1382889" cy="1219200"/>
             <a:chOff x="-1219200" y="3124200"/>
             <a:chExt cx="4114800" cy="3581400"/>
@@ -7340,11 +7796,11 @@
   <p:clrMapOvr>
     <a:masterClrMapping/>
   </p:clrMapOvr>
-  <mc:AlternateContent xmlns:mc="http://schemas.openxmlformats.org/markup-compatibility/2006">
-    <mc:Choice xmlns:p14="http://schemas.microsoft.com/office/powerpoint/2010/main" Requires="p14">
+  <mc:AlternateContent xmlns:mc="http://schemas.openxmlformats.org/markup-compatibility/2006" xmlns:p14="http://schemas.microsoft.com/office/powerpoint/2010/main">
+    <mc:Choice Requires="p14">
       <p:transition p14:dur="0"/>
     </mc:Choice>
-    <mc:Fallback>
+    <mc:Fallback xmlns="">
       <p:transition/>
     </mc:Fallback>
   </mc:AlternateContent>
@@ -10232,7 +10688,6 @@
               <a:rPr lang="en-US" sz="2000" dirty="0" smtClean="0"/>
               <a:t>  when the memory is done to reload the memory.</a:t>
             </a:r>
-            <a:endParaRPr lang="en-US" sz="2000" dirty="0" smtClean="0"/>
           </a:p>
         </p:txBody>
       </p:sp>
@@ -10941,11 +11396,11 @@
   <p:clrMapOvr>
     <a:masterClrMapping/>
   </p:clrMapOvr>
-  <mc:AlternateContent xmlns:mc="http://schemas.openxmlformats.org/markup-compatibility/2006">
-    <mc:Choice xmlns:p14="http://schemas.microsoft.com/office/powerpoint/2010/main" Requires="p14">
+  <mc:AlternateContent xmlns:mc="http://schemas.openxmlformats.org/markup-compatibility/2006" xmlns:p14="http://schemas.microsoft.com/office/powerpoint/2010/main">
+    <mc:Choice Requires="p14">
       <p:transition p14:dur="10"/>
     </mc:Choice>
-    <mc:Fallback>
+    <mc:Fallback xmlns="">
       <p:transition/>
     </mc:Fallback>
   </mc:AlternateContent>
@@ -12160,7 +12615,7 @@
       </p:grpSpPr>
       <p:sp>
         <p:nvSpPr>
-          <p:cNvPr id="17409" name="Title 1"/>
+          <p:cNvPr id="2" name="Title 1"/>
           <p:cNvSpPr>
             <a:spLocks noGrp="1"/>
           </p:cNvSpPr>
@@ -12170,24 +12625,30 @@
         </p:nvSpPr>
         <p:spPr>
           <a:xfrm>
-            <a:off x="457200" y="274638"/>
-            <a:ext cx="8229600" cy="868362"/>
+            <a:off x="457200" y="76200"/>
+            <a:ext cx="8229600" cy="1143000"/>
           </a:xfrm>
         </p:spPr>
         <p:txBody>
           <a:bodyPr/>
           <a:lstStyle/>
           <a:p>
-            <a:pPr eaLnBrk="1" hangingPunct="1"/>
             <a:r>
               <a:rPr lang="en-US" dirty="0" smtClean="0"/>
-              <a:t>Appendix A </a:t>
-            </a:r>
-            <a:r>
-              <a:rPr lang="en-US" dirty="0" err="1" smtClean="0"/>
-              <a:t>Make_Saenv.csh</a:t>
-            </a:r>
-            <a:endParaRPr lang="en-US" dirty="0" smtClean="0"/>
+              <a:t>The palladium compile stages</a:t>
+            </a:r>
+            <a:br>
+              <a:rPr lang="en-US" dirty="0" smtClean="0"/>
+            </a:br>
+            <a:r>
+              <a:rPr lang="en-US" dirty="0" smtClean="0"/>
+              <a:t>working a </a:t>
+            </a:r>
+            <a:r>
+              <a:rPr lang="en-US" dirty="0" smtClean="0"/>
+              <a:t>module(outputs)</a:t>
+            </a:r>
+            <a:endParaRPr lang="en-US" dirty="0"/>
           </a:p>
         </p:txBody>
       </p:sp>
@@ -12201,436 +12662,2871 @@
             <p:ph idx="1"/>
           </p:nvPr>
         </p:nvSpPr>
-        <p:spPr/>
+        <p:spPr>
+          <a:xfrm>
+            <a:off x="533400" y="1219200"/>
+            <a:ext cx="8229600" cy="1752600"/>
+          </a:xfrm>
+        </p:spPr>
         <p:txBody>
-          <a:bodyPr rtlCol="0">
-            <a:normAutofit fontScale="40000" lnSpcReduction="20000"/>
+          <a:bodyPr/>
+          <a:lstStyle/>
+          <a:p>
+            <a:pPr marL="0" indent="0">
+              <a:buNone/>
+            </a:pPr>
+            <a:r>
+              <a:rPr lang="en-US" sz="2000" u="sng" dirty="0" smtClean="0"/>
+              <a:t>Now for the outputs:</a:t>
+            </a:r>
+            <a:endParaRPr lang="en-US" sz="2000" u="sng" dirty="0" smtClean="0"/>
+          </a:p>
+          <a:p>
+            <a:pPr marL="0" indent="0">
+              <a:buNone/>
+            </a:pPr>
+            <a:r>
+              <a:rPr lang="en-US" sz="2000" dirty="0" smtClean="0"/>
+              <a:t>We need to check if the outputs are what we expected it to be. </a:t>
+            </a:r>
+          </a:p>
+          <a:p>
+            <a:pPr marL="0" indent="0">
+              <a:buNone/>
+            </a:pPr>
+            <a:r>
+              <a:rPr lang="en-US" sz="2000" dirty="0" smtClean="0"/>
+              <a:t>If the outputs are not probably one of it’s drivers has a behavioral that needs to be replaced or override. </a:t>
+            </a:r>
+          </a:p>
+          <a:p>
+            <a:pPr marL="0" indent="0">
+              <a:buNone/>
+            </a:pPr>
+            <a:r>
+              <a:rPr lang="en-US" sz="1800" dirty="0" smtClean="0"/>
+              <a:t>(or its one of the modules we emptied in the compilation stage).</a:t>
+            </a:r>
+            <a:endParaRPr lang="en-US" sz="1800" dirty="0" smtClean="0"/>
+          </a:p>
+        </p:txBody>
+      </p:sp>
+      <p:sp>
+        <p:nvSpPr>
+          <p:cNvPr id="7" name="Rectangle 6"/>
+          <p:cNvSpPr/>
+          <p:nvPr/>
+        </p:nvSpPr>
+        <p:spPr>
+          <a:xfrm>
+            <a:off x="3810000" y="2971800"/>
+            <a:ext cx="3352800" cy="3581400"/>
+          </a:xfrm>
+          <a:prstGeom prst="rect">
+            <a:avLst/>
+          </a:prstGeom>
+          <a:noFill/>
+          <a:ln>
+            <a:solidFill>
+              <a:schemeClr val="tx1"/>
+            </a:solidFill>
+          </a:ln>
+        </p:spPr>
+        <p:style>
+          <a:lnRef idx="2">
+            <a:schemeClr val="accent1">
+              <a:shade val="50000"/>
+            </a:schemeClr>
+          </a:lnRef>
+          <a:fillRef idx="1">
+            <a:schemeClr val="accent1"/>
+          </a:fillRef>
+          <a:effectRef idx="0">
+            <a:schemeClr val="accent1"/>
+          </a:effectRef>
+          <a:fontRef idx="minor">
+            <a:schemeClr val="lt1"/>
+          </a:fontRef>
+        </p:style>
+        <p:txBody>
+          <a:bodyPr rtlCol="0" anchor="ctr"/>
+          <a:lstStyle/>
+          <a:p>
+            <a:pPr algn="ctr"/>
+            <a:endParaRPr lang="en-US"/>
+          </a:p>
+        </p:txBody>
+      </p:sp>
+      <p:cxnSp>
+        <p:nvCxnSpPr>
+          <p:cNvPr id="10" name="Straight Connector 9"/>
+          <p:cNvCxnSpPr/>
+          <p:nvPr/>
+        </p:nvCxnSpPr>
+        <p:spPr>
+          <a:xfrm>
+            <a:off x="3429000" y="3200400"/>
+            <a:ext cx="457200" cy="0"/>
+          </a:xfrm>
+          <a:prstGeom prst="line">
+            <a:avLst/>
+          </a:prstGeom>
+          <a:ln w="38100">
+            <a:solidFill>
+              <a:schemeClr val="tx1"/>
+            </a:solidFill>
+          </a:ln>
+        </p:spPr>
+        <p:style>
+          <a:lnRef idx="1">
+            <a:schemeClr val="accent1"/>
+          </a:lnRef>
+          <a:fillRef idx="0">
+            <a:schemeClr val="accent1"/>
+          </a:fillRef>
+          <a:effectRef idx="0">
+            <a:schemeClr val="accent1"/>
+          </a:effectRef>
+          <a:fontRef idx="minor">
+            <a:schemeClr val="tx1"/>
+          </a:fontRef>
+        </p:style>
+      </p:cxnSp>
+      <p:cxnSp>
+        <p:nvCxnSpPr>
+          <p:cNvPr id="30" name="Straight Connector 29"/>
+          <p:cNvCxnSpPr/>
+          <p:nvPr/>
+        </p:nvCxnSpPr>
+        <p:spPr>
+          <a:xfrm>
+            <a:off x="3429000" y="3352800"/>
+            <a:ext cx="457200" cy="0"/>
+          </a:xfrm>
+          <a:prstGeom prst="line">
+            <a:avLst/>
+          </a:prstGeom>
+          <a:ln w="38100">
+            <a:solidFill>
+              <a:schemeClr val="tx1"/>
+            </a:solidFill>
+          </a:ln>
+        </p:spPr>
+        <p:style>
+          <a:lnRef idx="1">
+            <a:schemeClr val="accent1"/>
+          </a:lnRef>
+          <a:fillRef idx="0">
+            <a:schemeClr val="accent1"/>
+          </a:fillRef>
+          <a:effectRef idx="0">
+            <a:schemeClr val="accent1"/>
+          </a:effectRef>
+          <a:fontRef idx="minor">
+            <a:schemeClr val="tx1"/>
+          </a:fontRef>
+        </p:style>
+      </p:cxnSp>
+      <p:cxnSp>
+        <p:nvCxnSpPr>
+          <p:cNvPr id="31" name="Straight Connector 30"/>
+          <p:cNvCxnSpPr/>
+          <p:nvPr/>
+        </p:nvCxnSpPr>
+        <p:spPr>
+          <a:xfrm>
+            <a:off x="3429000" y="3505200"/>
+            <a:ext cx="457200" cy="0"/>
+          </a:xfrm>
+          <a:prstGeom prst="line">
+            <a:avLst/>
+          </a:prstGeom>
+          <a:ln w="38100">
+            <a:solidFill>
+              <a:schemeClr val="tx1"/>
+            </a:solidFill>
+          </a:ln>
+        </p:spPr>
+        <p:style>
+          <a:lnRef idx="1">
+            <a:schemeClr val="accent1"/>
+          </a:lnRef>
+          <a:fillRef idx="0">
+            <a:schemeClr val="accent1"/>
+          </a:fillRef>
+          <a:effectRef idx="0">
+            <a:schemeClr val="accent1"/>
+          </a:effectRef>
+          <a:fontRef idx="minor">
+            <a:schemeClr val="tx1"/>
+          </a:fontRef>
+        </p:style>
+      </p:cxnSp>
+      <p:cxnSp>
+        <p:nvCxnSpPr>
+          <p:cNvPr id="32" name="Straight Connector 31"/>
+          <p:cNvCxnSpPr/>
+          <p:nvPr/>
+        </p:nvCxnSpPr>
+        <p:spPr>
+          <a:xfrm>
+            <a:off x="3429000" y="6172200"/>
+            <a:ext cx="457200" cy="0"/>
+          </a:xfrm>
+          <a:prstGeom prst="line">
+            <a:avLst/>
+          </a:prstGeom>
+          <a:ln w="38100">
+            <a:solidFill>
+              <a:schemeClr val="tx1"/>
+            </a:solidFill>
+          </a:ln>
+        </p:spPr>
+        <p:style>
+          <a:lnRef idx="1">
+            <a:schemeClr val="accent1"/>
+          </a:lnRef>
+          <a:fillRef idx="0">
+            <a:schemeClr val="accent1"/>
+          </a:fillRef>
+          <a:effectRef idx="0">
+            <a:schemeClr val="accent1"/>
+          </a:effectRef>
+          <a:fontRef idx="minor">
+            <a:schemeClr val="tx1"/>
+          </a:fontRef>
+        </p:style>
+      </p:cxnSp>
+      <p:cxnSp>
+        <p:nvCxnSpPr>
+          <p:cNvPr id="33" name="Straight Connector 32"/>
+          <p:cNvCxnSpPr/>
+          <p:nvPr/>
+        </p:nvCxnSpPr>
+        <p:spPr>
+          <a:xfrm>
+            <a:off x="7086600" y="6172200"/>
+            <a:ext cx="457200" cy="0"/>
+          </a:xfrm>
+          <a:prstGeom prst="line">
+            <a:avLst/>
+          </a:prstGeom>
+          <a:ln w="38100">
+            <a:solidFill>
+              <a:schemeClr val="tx1"/>
+            </a:solidFill>
+          </a:ln>
+        </p:spPr>
+        <p:style>
+          <a:lnRef idx="1">
+            <a:schemeClr val="accent1"/>
+          </a:lnRef>
+          <a:fillRef idx="0">
+            <a:schemeClr val="accent1"/>
+          </a:fillRef>
+          <a:effectRef idx="0">
+            <a:schemeClr val="accent1"/>
+          </a:effectRef>
+          <a:fontRef idx="minor">
+            <a:schemeClr val="tx1"/>
+          </a:fontRef>
+        </p:style>
+      </p:cxnSp>
+      <p:cxnSp>
+        <p:nvCxnSpPr>
+          <p:cNvPr id="34" name="Straight Connector 33"/>
+          <p:cNvCxnSpPr/>
+          <p:nvPr/>
+        </p:nvCxnSpPr>
+        <p:spPr>
+          <a:xfrm>
+            <a:off x="7086600" y="3352800"/>
+            <a:ext cx="457200" cy="0"/>
+          </a:xfrm>
+          <a:prstGeom prst="line">
+            <a:avLst/>
+          </a:prstGeom>
+          <a:ln w="38100">
+            <a:solidFill>
+              <a:schemeClr val="tx1"/>
+            </a:solidFill>
+          </a:ln>
+        </p:spPr>
+        <p:style>
+          <a:lnRef idx="1">
+            <a:schemeClr val="accent1"/>
+          </a:lnRef>
+          <a:fillRef idx="0">
+            <a:schemeClr val="accent1"/>
+          </a:fillRef>
+          <a:effectRef idx="0">
+            <a:schemeClr val="accent1"/>
+          </a:effectRef>
+          <a:fontRef idx="minor">
+            <a:schemeClr val="tx1"/>
+          </a:fontRef>
+        </p:style>
+      </p:cxnSp>
+      <p:cxnSp>
+        <p:nvCxnSpPr>
+          <p:cNvPr id="37" name="Straight Connector 36"/>
+          <p:cNvCxnSpPr/>
+          <p:nvPr/>
+        </p:nvCxnSpPr>
+        <p:spPr>
+          <a:xfrm>
+            <a:off x="7086600" y="3505200"/>
+            <a:ext cx="457200" cy="0"/>
+          </a:xfrm>
+          <a:prstGeom prst="line">
+            <a:avLst/>
+          </a:prstGeom>
+          <a:ln w="38100">
+            <a:solidFill>
+              <a:schemeClr val="tx1"/>
+            </a:solidFill>
+          </a:ln>
+        </p:spPr>
+        <p:style>
+          <a:lnRef idx="1">
+            <a:schemeClr val="accent1"/>
+          </a:lnRef>
+          <a:fillRef idx="0">
+            <a:schemeClr val="accent1"/>
+          </a:fillRef>
+          <a:effectRef idx="0">
+            <a:schemeClr val="accent1"/>
+          </a:effectRef>
+          <a:fontRef idx="minor">
+            <a:schemeClr val="tx1"/>
+          </a:fontRef>
+        </p:style>
+      </p:cxnSp>
+      <p:cxnSp>
+        <p:nvCxnSpPr>
+          <p:cNvPr id="40" name="Straight Connector 39"/>
+          <p:cNvCxnSpPr/>
+          <p:nvPr/>
+        </p:nvCxnSpPr>
+        <p:spPr>
+          <a:xfrm>
+            <a:off x="7086600" y="3200400"/>
+            <a:ext cx="457200" cy="0"/>
+          </a:xfrm>
+          <a:prstGeom prst="line">
+            <a:avLst/>
+          </a:prstGeom>
+          <a:ln w="38100">
+            <a:solidFill>
+              <a:schemeClr val="tx1"/>
+            </a:solidFill>
+          </a:ln>
+        </p:spPr>
+        <p:style>
+          <a:lnRef idx="1">
+            <a:schemeClr val="accent1"/>
+          </a:lnRef>
+          <a:fillRef idx="0">
+            <a:schemeClr val="accent1"/>
+          </a:fillRef>
+          <a:effectRef idx="0">
+            <a:schemeClr val="accent1"/>
+          </a:effectRef>
+          <a:fontRef idx="minor">
+            <a:schemeClr val="tx1"/>
+          </a:fontRef>
+        </p:style>
+      </p:cxnSp>
+      <p:sp>
+        <p:nvSpPr>
+          <p:cNvPr id="11" name="Oval 10"/>
+          <p:cNvSpPr/>
+          <p:nvPr/>
+        </p:nvSpPr>
+        <p:spPr>
+          <a:xfrm>
+            <a:off x="3505200" y="3657600"/>
+            <a:ext cx="76200" cy="76200"/>
+          </a:xfrm>
+          <a:prstGeom prst="ellipse">
+            <a:avLst/>
+          </a:prstGeom>
+          <a:solidFill>
+            <a:schemeClr val="tx1"/>
+          </a:solidFill>
+          <a:ln>
+            <a:solidFill>
+              <a:schemeClr val="tx1"/>
+            </a:solidFill>
+          </a:ln>
+        </p:spPr>
+        <p:style>
+          <a:lnRef idx="2">
+            <a:schemeClr val="accent1">
+              <a:shade val="50000"/>
+            </a:schemeClr>
+          </a:lnRef>
+          <a:fillRef idx="1">
+            <a:schemeClr val="accent1"/>
+          </a:fillRef>
+          <a:effectRef idx="0">
+            <a:schemeClr val="accent1"/>
+          </a:effectRef>
+          <a:fontRef idx="minor">
+            <a:schemeClr val="lt1"/>
+          </a:fontRef>
+        </p:style>
+        <p:txBody>
+          <a:bodyPr rtlCol="0" anchor="ctr"/>
+          <a:lstStyle/>
+          <a:p>
+            <a:pPr algn="ctr"/>
+            <a:endParaRPr lang="en-US"/>
+          </a:p>
+        </p:txBody>
+      </p:sp>
+      <p:sp>
+        <p:nvSpPr>
+          <p:cNvPr id="42" name="Oval 41"/>
+          <p:cNvSpPr/>
+          <p:nvPr/>
+        </p:nvSpPr>
+        <p:spPr>
+          <a:xfrm>
+            <a:off x="3505200" y="3810000"/>
+            <a:ext cx="76200" cy="76200"/>
+          </a:xfrm>
+          <a:prstGeom prst="ellipse">
+            <a:avLst/>
+          </a:prstGeom>
+          <a:solidFill>
+            <a:schemeClr val="tx1"/>
+          </a:solidFill>
+          <a:ln>
+            <a:solidFill>
+              <a:schemeClr val="tx1"/>
+            </a:solidFill>
+          </a:ln>
+        </p:spPr>
+        <p:style>
+          <a:lnRef idx="2">
+            <a:schemeClr val="accent1">
+              <a:shade val="50000"/>
+            </a:schemeClr>
+          </a:lnRef>
+          <a:fillRef idx="1">
+            <a:schemeClr val="accent1"/>
+          </a:fillRef>
+          <a:effectRef idx="0">
+            <a:schemeClr val="accent1"/>
+          </a:effectRef>
+          <a:fontRef idx="minor">
+            <a:schemeClr val="lt1"/>
+          </a:fontRef>
+        </p:style>
+        <p:txBody>
+          <a:bodyPr rtlCol="0" anchor="ctr"/>
+          <a:lstStyle/>
+          <a:p>
+            <a:pPr algn="ctr"/>
+            <a:endParaRPr lang="en-US"/>
+          </a:p>
+        </p:txBody>
+      </p:sp>
+      <p:sp>
+        <p:nvSpPr>
+          <p:cNvPr id="43" name="Oval 42"/>
+          <p:cNvSpPr/>
+          <p:nvPr/>
+        </p:nvSpPr>
+        <p:spPr>
+          <a:xfrm>
+            <a:off x="3505200" y="3962400"/>
+            <a:ext cx="76200" cy="76200"/>
+          </a:xfrm>
+          <a:prstGeom prst="ellipse">
+            <a:avLst/>
+          </a:prstGeom>
+          <a:solidFill>
+            <a:schemeClr val="tx1"/>
+          </a:solidFill>
+          <a:ln>
+            <a:solidFill>
+              <a:schemeClr val="tx1"/>
+            </a:solidFill>
+          </a:ln>
+        </p:spPr>
+        <p:style>
+          <a:lnRef idx="2">
+            <a:schemeClr val="accent1">
+              <a:shade val="50000"/>
+            </a:schemeClr>
+          </a:lnRef>
+          <a:fillRef idx="1">
+            <a:schemeClr val="accent1"/>
+          </a:fillRef>
+          <a:effectRef idx="0">
+            <a:schemeClr val="accent1"/>
+          </a:effectRef>
+          <a:fontRef idx="minor">
+            <a:schemeClr val="lt1"/>
+          </a:fontRef>
+        </p:style>
+        <p:txBody>
+          <a:bodyPr rtlCol="0" anchor="ctr"/>
+          <a:lstStyle/>
+          <a:p>
+            <a:pPr algn="ctr"/>
+            <a:endParaRPr lang="en-US"/>
+          </a:p>
+        </p:txBody>
+      </p:sp>
+      <p:sp>
+        <p:nvSpPr>
+          <p:cNvPr id="44" name="Oval 43"/>
+          <p:cNvSpPr/>
+          <p:nvPr/>
+        </p:nvSpPr>
+        <p:spPr>
+          <a:xfrm>
+            <a:off x="7315200" y="3657600"/>
+            <a:ext cx="76200" cy="76200"/>
+          </a:xfrm>
+          <a:prstGeom prst="ellipse">
+            <a:avLst/>
+          </a:prstGeom>
+          <a:solidFill>
+            <a:schemeClr val="tx1"/>
+          </a:solidFill>
+          <a:ln>
+            <a:solidFill>
+              <a:schemeClr val="tx1"/>
+            </a:solidFill>
+          </a:ln>
+        </p:spPr>
+        <p:style>
+          <a:lnRef idx="2">
+            <a:schemeClr val="accent1">
+              <a:shade val="50000"/>
+            </a:schemeClr>
+          </a:lnRef>
+          <a:fillRef idx="1">
+            <a:schemeClr val="accent1"/>
+          </a:fillRef>
+          <a:effectRef idx="0">
+            <a:schemeClr val="accent1"/>
+          </a:effectRef>
+          <a:fontRef idx="minor">
+            <a:schemeClr val="lt1"/>
+          </a:fontRef>
+        </p:style>
+        <p:txBody>
+          <a:bodyPr rtlCol="0" anchor="ctr"/>
+          <a:lstStyle/>
+          <a:p>
+            <a:pPr algn="ctr"/>
+            <a:endParaRPr lang="en-US"/>
+          </a:p>
+        </p:txBody>
+      </p:sp>
+      <p:sp>
+        <p:nvSpPr>
+          <p:cNvPr id="45" name="Oval 44"/>
+          <p:cNvSpPr/>
+          <p:nvPr/>
+        </p:nvSpPr>
+        <p:spPr>
+          <a:xfrm>
+            <a:off x="7315200" y="3810000"/>
+            <a:ext cx="76200" cy="76200"/>
+          </a:xfrm>
+          <a:prstGeom prst="ellipse">
+            <a:avLst/>
+          </a:prstGeom>
+          <a:solidFill>
+            <a:schemeClr val="tx1"/>
+          </a:solidFill>
+          <a:ln>
+            <a:solidFill>
+              <a:schemeClr val="tx1"/>
+            </a:solidFill>
+          </a:ln>
+        </p:spPr>
+        <p:style>
+          <a:lnRef idx="2">
+            <a:schemeClr val="accent1">
+              <a:shade val="50000"/>
+            </a:schemeClr>
+          </a:lnRef>
+          <a:fillRef idx="1">
+            <a:schemeClr val="accent1"/>
+          </a:fillRef>
+          <a:effectRef idx="0">
+            <a:schemeClr val="accent1"/>
+          </a:effectRef>
+          <a:fontRef idx="minor">
+            <a:schemeClr val="lt1"/>
+          </a:fontRef>
+        </p:style>
+        <p:txBody>
+          <a:bodyPr rtlCol="0" anchor="ctr"/>
+          <a:lstStyle/>
+          <a:p>
+            <a:pPr algn="ctr"/>
+            <a:endParaRPr lang="en-US"/>
+          </a:p>
+        </p:txBody>
+      </p:sp>
+      <p:sp>
+        <p:nvSpPr>
+          <p:cNvPr id="46" name="Oval 45"/>
+          <p:cNvSpPr/>
+          <p:nvPr/>
+        </p:nvSpPr>
+        <p:spPr>
+          <a:xfrm>
+            <a:off x="7315200" y="3962400"/>
+            <a:ext cx="76200" cy="76200"/>
+          </a:xfrm>
+          <a:prstGeom prst="ellipse">
+            <a:avLst/>
+          </a:prstGeom>
+          <a:solidFill>
+            <a:schemeClr val="tx1"/>
+          </a:solidFill>
+          <a:ln>
+            <a:solidFill>
+              <a:schemeClr val="tx1"/>
+            </a:solidFill>
+          </a:ln>
+        </p:spPr>
+        <p:style>
+          <a:lnRef idx="2">
+            <a:schemeClr val="accent1">
+              <a:shade val="50000"/>
+            </a:schemeClr>
+          </a:lnRef>
+          <a:fillRef idx="1">
+            <a:schemeClr val="accent1"/>
+          </a:fillRef>
+          <a:effectRef idx="0">
+            <a:schemeClr val="accent1"/>
+          </a:effectRef>
+          <a:fontRef idx="minor">
+            <a:schemeClr val="lt1"/>
+          </a:fontRef>
+        </p:style>
+        <p:txBody>
+          <a:bodyPr rtlCol="0" anchor="ctr"/>
+          <a:lstStyle/>
+          <a:p>
+            <a:pPr algn="ctr"/>
+            <a:endParaRPr lang="en-US"/>
+          </a:p>
+        </p:txBody>
+      </p:sp>
+      <p:grpSp>
+        <p:nvGrpSpPr>
+          <p:cNvPr id="13" name="Group 12"/>
+          <p:cNvGrpSpPr/>
+          <p:nvPr/>
+        </p:nvGrpSpPr>
+        <p:grpSpPr>
+          <a:xfrm>
+            <a:off x="4132086" y="3352800"/>
+            <a:ext cx="1382889" cy="1219200"/>
+            <a:chOff x="-1219200" y="3124200"/>
+            <a:chExt cx="4114800" cy="3581400"/>
+          </a:xfrm>
+        </p:grpSpPr>
+        <p:sp>
+          <p:nvSpPr>
+            <p:cNvPr id="47" name="Rectangle 46"/>
+            <p:cNvSpPr/>
+            <p:nvPr/>
+          </p:nvSpPr>
+          <p:spPr>
+            <a:xfrm>
+              <a:off x="-838200" y="3124200"/>
+              <a:ext cx="3352800" cy="3581400"/>
+            </a:xfrm>
+            <a:prstGeom prst="rect">
+              <a:avLst/>
+            </a:prstGeom>
+            <a:noFill/>
+            <a:ln>
+              <a:solidFill>
+                <a:schemeClr val="tx1"/>
+              </a:solidFill>
+            </a:ln>
+          </p:spPr>
+          <p:style>
+            <a:lnRef idx="2">
+              <a:schemeClr val="accent1">
+                <a:shade val="50000"/>
+              </a:schemeClr>
+            </a:lnRef>
+            <a:fillRef idx="1">
+              <a:schemeClr val="accent1"/>
+            </a:fillRef>
+            <a:effectRef idx="0">
+              <a:schemeClr val="accent1"/>
+            </a:effectRef>
+            <a:fontRef idx="minor">
+              <a:schemeClr val="lt1"/>
+            </a:fontRef>
+          </p:style>
+          <p:txBody>
+            <a:bodyPr rtlCol="0" anchor="ctr"/>
+            <a:lstStyle/>
+            <a:p>
+              <a:pPr algn="ctr"/>
+              <a:endParaRPr lang="en-US"/>
+            </a:p>
+          </p:txBody>
+        </p:sp>
+        <p:cxnSp>
+          <p:nvCxnSpPr>
+            <p:cNvPr id="50" name="Straight Connector 49"/>
+            <p:cNvCxnSpPr/>
+            <p:nvPr/>
+          </p:nvCxnSpPr>
+          <p:spPr>
+            <a:xfrm>
+              <a:off x="-1219200" y="3352800"/>
+              <a:ext cx="457200" cy="0"/>
+            </a:xfrm>
+            <a:prstGeom prst="line">
+              <a:avLst/>
+            </a:prstGeom>
+            <a:ln w="38100">
+              <a:solidFill>
+                <a:schemeClr val="tx1"/>
+              </a:solidFill>
+            </a:ln>
+          </p:spPr>
+          <p:style>
+            <a:lnRef idx="1">
+              <a:schemeClr val="accent1"/>
+            </a:lnRef>
+            <a:fillRef idx="0">
+              <a:schemeClr val="accent1"/>
+            </a:fillRef>
+            <a:effectRef idx="0">
+              <a:schemeClr val="accent1"/>
+            </a:effectRef>
+            <a:fontRef idx="minor">
+              <a:schemeClr val="tx1"/>
+            </a:fontRef>
+          </p:style>
+        </p:cxnSp>
+        <p:cxnSp>
+          <p:nvCxnSpPr>
+            <p:cNvPr id="56" name="Straight Connector 55"/>
+            <p:cNvCxnSpPr/>
+            <p:nvPr/>
+          </p:nvCxnSpPr>
+          <p:spPr>
+            <a:xfrm>
+              <a:off x="-1219200" y="3505200"/>
+              <a:ext cx="457200" cy="0"/>
+            </a:xfrm>
+            <a:prstGeom prst="line">
+              <a:avLst/>
+            </a:prstGeom>
+            <a:ln w="38100">
+              <a:solidFill>
+                <a:schemeClr val="tx1"/>
+              </a:solidFill>
+            </a:ln>
+          </p:spPr>
+          <p:style>
+            <a:lnRef idx="1">
+              <a:schemeClr val="accent1"/>
+            </a:lnRef>
+            <a:fillRef idx="0">
+              <a:schemeClr val="accent1"/>
+            </a:fillRef>
+            <a:effectRef idx="0">
+              <a:schemeClr val="accent1"/>
+            </a:effectRef>
+            <a:fontRef idx="minor">
+              <a:schemeClr val="tx1"/>
+            </a:fontRef>
+          </p:style>
+        </p:cxnSp>
+        <p:cxnSp>
+          <p:nvCxnSpPr>
+            <p:cNvPr id="57" name="Straight Connector 56"/>
+            <p:cNvCxnSpPr/>
+            <p:nvPr/>
+          </p:nvCxnSpPr>
+          <p:spPr>
+            <a:xfrm>
+              <a:off x="-1219200" y="3657600"/>
+              <a:ext cx="457200" cy="0"/>
+            </a:xfrm>
+            <a:prstGeom prst="line">
+              <a:avLst/>
+            </a:prstGeom>
+            <a:ln w="38100">
+              <a:solidFill>
+                <a:schemeClr val="tx1"/>
+              </a:solidFill>
+            </a:ln>
+          </p:spPr>
+          <p:style>
+            <a:lnRef idx="1">
+              <a:schemeClr val="accent1"/>
+            </a:lnRef>
+            <a:fillRef idx="0">
+              <a:schemeClr val="accent1"/>
+            </a:fillRef>
+            <a:effectRef idx="0">
+              <a:schemeClr val="accent1"/>
+            </a:effectRef>
+            <a:fontRef idx="minor">
+              <a:schemeClr val="tx1"/>
+            </a:fontRef>
+          </p:style>
+        </p:cxnSp>
+        <p:cxnSp>
+          <p:nvCxnSpPr>
+            <p:cNvPr id="58" name="Straight Connector 57"/>
+            <p:cNvCxnSpPr/>
+            <p:nvPr/>
+          </p:nvCxnSpPr>
+          <p:spPr>
+            <a:xfrm>
+              <a:off x="-1219200" y="6324600"/>
+              <a:ext cx="457200" cy="0"/>
+            </a:xfrm>
+            <a:prstGeom prst="line">
+              <a:avLst/>
+            </a:prstGeom>
+            <a:ln w="38100">
+              <a:solidFill>
+                <a:schemeClr val="tx1"/>
+              </a:solidFill>
+            </a:ln>
+          </p:spPr>
+          <p:style>
+            <a:lnRef idx="1">
+              <a:schemeClr val="accent1"/>
+            </a:lnRef>
+            <a:fillRef idx="0">
+              <a:schemeClr val="accent1"/>
+            </a:fillRef>
+            <a:effectRef idx="0">
+              <a:schemeClr val="accent1"/>
+            </a:effectRef>
+            <a:fontRef idx="minor">
+              <a:schemeClr val="tx1"/>
+            </a:fontRef>
+          </p:style>
+        </p:cxnSp>
+        <p:cxnSp>
+          <p:nvCxnSpPr>
+            <p:cNvPr id="59" name="Straight Connector 58"/>
+            <p:cNvCxnSpPr/>
+            <p:nvPr/>
+          </p:nvCxnSpPr>
+          <p:spPr>
+            <a:xfrm>
+              <a:off x="2438400" y="6324600"/>
+              <a:ext cx="457200" cy="0"/>
+            </a:xfrm>
+            <a:prstGeom prst="line">
+              <a:avLst/>
+            </a:prstGeom>
+            <a:ln w="38100">
+              <a:solidFill>
+                <a:schemeClr val="tx1"/>
+              </a:solidFill>
+            </a:ln>
+          </p:spPr>
+          <p:style>
+            <a:lnRef idx="1">
+              <a:schemeClr val="accent1"/>
+            </a:lnRef>
+            <a:fillRef idx="0">
+              <a:schemeClr val="accent1"/>
+            </a:fillRef>
+            <a:effectRef idx="0">
+              <a:schemeClr val="accent1"/>
+            </a:effectRef>
+            <a:fontRef idx="minor">
+              <a:schemeClr val="tx1"/>
+            </a:fontRef>
+          </p:style>
+        </p:cxnSp>
+        <p:cxnSp>
+          <p:nvCxnSpPr>
+            <p:cNvPr id="60" name="Straight Connector 59"/>
+            <p:cNvCxnSpPr/>
+            <p:nvPr/>
+          </p:nvCxnSpPr>
+          <p:spPr>
+            <a:xfrm>
+              <a:off x="2438400" y="3505200"/>
+              <a:ext cx="457200" cy="0"/>
+            </a:xfrm>
+            <a:prstGeom prst="line">
+              <a:avLst/>
+            </a:prstGeom>
+            <a:ln w="38100">
+              <a:solidFill>
+                <a:schemeClr val="tx1"/>
+              </a:solidFill>
+            </a:ln>
+          </p:spPr>
+          <p:style>
+            <a:lnRef idx="1">
+              <a:schemeClr val="accent1"/>
+            </a:lnRef>
+            <a:fillRef idx="0">
+              <a:schemeClr val="accent1"/>
+            </a:fillRef>
+            <a:effectRef idx="0">
+              <a:schemeClr val="accent1"/>
+            </a:effectRef>
+            <a:fontRef idx="minor">
+              <a:schemeClr val="tx1"/>
+            </a:fontRef>
+          </p:style>
+        </p:cxnSp>
+        <p:cxnSp>
+          <p:nvCxnSpPr>
+            <p:cNvPr id="61" name="Straight Connector 60"/>
+            <p:cNvCxnSpPr/>
+            <p:nvPr/>
+          </p:nvCxnSpPr>
+          <p:spPr>
+            <a:xfrm>
+              <a:off x="2438400" y="3657600"/>
+              <a:ext cx="457200" cy="0"/>
+            </a:xfrm>
+            <a:prstGeom prst="line">
+              <a:avLst/>
+            </a:prstGeom>
+            <a:ln w="38100">
+              <a:solidFill>
+                <a:schemeClr val="tx1"/>
+              </a:solidFill>
+            </a:ln>
+          </p:spPr>
+          <p:style>
+            <a:lnRef idx="1">
+              <a:schemeClr val="accent1"/>
+            </a:lnRef>
+            <a:fillRef idx="0">
+              <a:schemeClr val="accent1"/>
+            </a:fillRef>
+            <a:effectRef idx="0">
+              <a:schemeClr val="accent1"/>
+            </a:effectRef>
+            <a:fontRef idx="minor">
+              <a:schemeClr val="tx1"/>
+            </a:fontRef>
+          </p:style>
+        </p:cxnSp>
+        <p:cxnSp>
+          <p:nvCxnSpPr>
+            <p:cNvPr id="62" name="Straight Connector 61"/>
+            <p:cNvCxnSpPr/>
+            <p:nvPr/>
+          </p:nvCxnSpPr>
+          <p:spPr>
+            <a:xfrm>
+              <a:off x="2438400" y="3352800"/>
+              <a:ext cx="457200" cy="0"/>
+            </a:xfrm>
+            <a:prstGeom prst="line">
+              <a:avLst/>
+            </a:prstGeom>
+            <a:ln w="38100">
+              <a:solidFill>
+                <a:schemeClr val="tx1"/>
+              </a:solidFill>
+            </a:ln>
+          </p:spPr>
+          <p:style>
+            <a:lnRef idx="1">
+              <a:schemeClr val="accent1"/>
+            </a:lnRef>
+            <a:fillRef idx="0">
+              <a:schemeClr val="accent1"/>
+            </a:fillRef>
+            <a:effectRef idx="0">
+              <a:schemeClr val="accent1"/>
+            </a:effectRef>
+            <a:fontRef idx="minor">
+              <a:schemeClr val="tx1"/>
+            </a:fontRef>
+          </p:style>
+        </p:cxnSp>
+        <p:sp>
+          <p:nvSpPr>
+            <p:cNvPr id="63" name="Oval 62"/>
+            <p:cNvSpPr/>
+            <p:nvPr/>
+          </p:nvSpPr>
+          <p:spPr>
+            <a:xfrm>
+              <a:off x="-1143000" y="3810000"/>
+              <a:ext cx="76200" cy="76200"/>
+            </a:xfrm>
+            <a:prstGeom prst="ellipse">
+              <a:avLst/>
+            </a:prstGeom>
+            <a:solidFill>
+              <a:schemeClr val="tx1"/>
+            </a:solidFill>
+            <a:ln>
+              <a:solidFill>
+                <a:schemeClr val="tx1"/>
+              </a:solidFill>
+            </a:ln>
+          </p:spPr>
+          <p:style>
+            <a:lnRef idx="2">
+              <a:schemeClr val="accent1">
+                <a:shade val="50000"/>
+              </a:schemeClr>
+            </a:lnRef>
+            <a:fillRef idx="1">
+              <a:schemeClr val="accent1"/>
+            </a:fillRef>
+            <a:effectRef idx="0">
+              <a:schemeClr val="accent1"/>
+            </a:effectRef>
+            <a:fontRef idx="minor">
+              <a:schemeClr val="lt1"/>
+            </a:fontRef>
+          </p:style>
+          <p:txBody>
+            <a:bodyPr rtlCol="0" anchor="ctr"/>
+            <a:lstStyle/>
+            <a:p>
+              <a:pPr algn="ctr"/>
+              <a:endParaRPr lang="en-US"/>
+            </a:p>
+          </p:txBody>
+        </p:sp>
+        <p:sp>
+          <p:nvSpPr>
+            <p:cNvPr id="64" name="Oval 63"/>
+            <p:cNvSpPr/>
+            <p:nvPr/>
+          </p:nvSpPr>
+          <p:spPr>
+            <a:xfrm>
+              <a:off x="-1143000" y="3962400"/>
+              <a:ext cx="76200" cy="76200"/>
+            </a:xfrm>
+            <a:prstGeom prst="ellipse">
+              <a:avLst/>
+            </a:prstGeom>
+            <a:solidFill>
+              <a:schemeClr val="tx1"/>
+            </a:solidFill>
+            <a:ln>
+              <a:solidFill>
+                <a:schemeClr val="tx1"/>
+              </a:solidFill>
+            </a:ln>
+          </p:spPr>
+          <p:style>
+            <a:lnRef idx="2">
+              <a:schemeClr val="accent1">
+                <a:shade val="50000"/>
+              </a:schemeClr>
+            </a:lnRef>
+            <a:fillRef idx="1">
+              <a:schemeClr val="accent1"/>
+            </a:fillRef>
+            <a:effectRef idx="0">
+              <a:schemeClr val="accent1"/>
+            </a:effectRef>
+            <a:fontRef idx="minor">
+              <a:schemeClr val="lt1"/>
+            </a:fontRef>
+          </p:style>
+          <p:txBody>
+            <a:bodyPr rtlCol="0" anchor="ctr"/>
+            <a:lstStyle/>
+            <a:p>
+              <a:pPr algn="ctr"/>
+              <a:endParaRPr lang="en-US"/>
+            </a:p>
+          </p:txBody>
+        </p:sp>
+        <p:sp>
+          <p:nvSpPr>
+            <p:cNvPr id="65" name="Oval 64"/>
+            <p:cNvSpPr/>
+            <p:nvPr/>
+          </p:nvSpPr>
+          <p:spPr>
+            <a:xfrm>
+              <a:off x="-1143000" y="4114800"/>
+              <a:ext cx="76200" cy="76200"/>
+            </a:xfrm>
+            <a:prstGeom prst="ellipse">
+              <a:avLst/>
+            </a:prstGeom>
+            <a:solidFill>
+              <a:schemeClr val="tx1"/>
+            </a:solidFill>
+            <a:ln>
+              <a:solidFill>
+                <a:schemeClr val="tx1"/>
+              </a:solidFill>
+            </a:ln>
+          </p:spPr>
+          <p:style>
+            <a:lnRef idx="2">
+              <a:schemeClr val="accent1">
+                <a:shade val="50000"/>
+              </a:schemeClr>
+            </a:lnRef>
+            <a:fillRef idx="1">
+              <a:schemeClr val="accent1"/>
+            </a:fillRef>
+            <a:effectRef idx="0">
+              <a:schemeClr val="accent1"/>
+            </a:effectRef>
+            <a:fontRef idx="minor">
+              <a:schemeClr val="lt1"/>
+            </a:fontRef>
+          </p:style>
+          <p:txBody>
+            <a:bodyPr rtlCol="0" anchor="ctr"/>
+            <a:lstStyle/>
+            <a:p>
+              <a:pPr algn="ctr"/>
+              <a:endParaRPr lang="en-US"/>
+            </a:p>
+          </p:txBody>
+        </p:sp>
+        <p:sp>
+          <p:nvSpPr>
+            <p:cNvPr id="66" name="Oval 65"/>
+            <p:cNvSpPr/>
+            <p:nvPr/>
+          </p:nvSpPr>
+          <p:spPr>
+            <a:xfrm>
+              <a:off x="2667000" y="3810000"/>
+              <a:ext cx="76200" cy="76200"/>
+            </a:xfrm>
+            <a:prstGeom prst="ellipse">
+              <a:avLst/>
+            </a:prstGeom>
+            <a:solidFill>
+              <a:schemeClr val="tx1"/>
+            </a:solidFill>
+            <a:ln>
+              <a:solidFill>
+                <a:schemeClr val="tx1"/>
+              </a:solidFill>
+            </a:ln>
+          </p:spPr>
+          <p:style>
+            <a:lnRef idx="2">
+              <a:schemeClr val="accent1">
+                <a:shade val="50000"/>
+              </a:schemeClr>
+            </a:lnRef>
+            <a:fillRef idx="1">
+              <a:schemeClr val="accent1"/>
+            </a:fillRef>
+            <a:effectRef idx="0">
+              <a:schemeClr val="accent1"/>
+            </a:effectRef>
+            <a:fontRef idx="minor">
+              <a:schemeClr val="lt1"/>
+            </a:fontRef>
+          </p:style>
+          <p:txBody>
+            <a:bodyPr rtlCol="0" anchor="ctr"/>
+            <a:lstStyle/>
+            <a:p>
+              <a:pPr algn="ctr"/>
+              <a:endParaRPr lang="en-US"/>
+            </a:p>
+          </p:txBody>
+        </p:sp>
+        <p:sp>
+          <p:nvSpPr>
+            <p:cNvPr id="67" name="Oval 66"/>
+            <p:cNvSpPr/>
+            <p:nvPr/>
+          </p:nvSpPr>
+          <p:spPr>
+            <a:xfrm>
+              <a:off x="2667000" y="3962400"/>
+              <a:ext cx="76200" cy="76200"/>
+            </a:xfrm>
+            <a:prstGeom prst="ellipse">
+              <a:avLst/>
+            </a:prstGeom>
+            <a:solidFill>
+              <a:schemeClr val="tx1"/>
+            </a:solidFill>
+            <a:ln>
+              <a:solidFill>
+                <a:schemeClr val="tx1"/>
+              </a:solidFill>
+            </a:ln>
+          </p:spPr>
+          <p:style>
+            <a:lnRef idx="2">
+              <a:schemeClr val="accent1">
+                <a:shade val="50000"/>
+              </a:schemeClr>
+            </a:lnRef>
+            <a:fillRef idx="1">
+              <a:schemeClr val="accent1"/>
+            </a:fillRef>
+            <a:effectRef idx="0">
+              <a:schemeClr val="accent1"/>
+            </a:effectRef>
+            <a:fontRef idx="minor">
+              <a:schemeClr val="lt1"/>
+            </a:fontRef>
+          </p:style>
+          <p:txBody>
+            <a:bodyPr rtlCol="0" anchor="ctr"/>
+            <a:lstStyle/>
+            <a:p>
+              <a:pPr algn="ctr"/>
+              <a:endParaRPr lang="en-US"/>
+            </a:p>
+          </p:txBody>
+        </p:sp>
+        <p:sp>
+          <p:nvSpPr>
+            <p:cNvPr id="68" name="Oval 67"/>
+            <p:cNvSpPr/>
+            <p:nvPr/>
+          </p:nvSpPr>
+          <p:spPr>
+            <a:xfrm>
+              <a:off x="2667000" y="4114800"/>
+              <a:ext cx="76200" cy="76200"/>
+            </a:xfrm>
+            <a:prstGeom prst="ellipse">
+              <a:avLst/>
+            </a:prstGeom>
+            <a:solidFill>
+              <a:schemeClr val="tx1"/>
+            </a:solidFill>
+            <a:ln>
+              <a:solidFill>
+                <a:schemeClr val="tx1"/>
+              </a:solidFill>
+            </a:ln>
+          </p:spPr>
+          <p:style>
+            <a:lnRef idx="2">
+              <a:schemeClr val="accent1">
+                <a:shade val="50000"/>
+              </a:schemeClr>
+            </a:lnRef>
+            <a:fillRef idx="1">
+              <a:schemeClr val="accent1"/>
+            </a:fillRef>
+            <a:effectRef idx="0">
+              <a:schemeClr val="accent1"/>
+            </a:effectRef>
+            <a:fontRef idx="minor">
+              <a:schemeClr val="lt1"/>
+            </a:fontRef>
+          </p:style>
+          <p:txBody>
+            <a:bodyPr rtlCol="0" anchor="ctr"/>
+            <a:lstStyle/>
+            <a:p>
+              <a:pPr algn="ctr"/>
+              <a:endParaRPr lang="en-US"/>
+            </a:p>
+          </p:txBody>
+        </p:sp>
+      </p:grpSp>
+      <p:grpSp>
+        <p:nvGrpSpPr>
+          <p:cNvPr id="69" name="Group 68"/>
+          <p:cNvGrpSpPr/>
+          <p:nvPr/>
+        </p:nvGrpSpPr>
+        <p:grpSpPr>
+          <a:xfrm>
+            <a:off x="5627511" y="3352800"/>
+            <a:ext cx="1382889" cy="1219200"/>
+            <a:chOff x="-1219200" y="3124200"/>
+            <a:chExt cx="4114800" cy="3581400"/>
+          </a:xfrm>
+        </p:grpSpPr>
+        <p:sp>
+          <p:nvSpPr>
+            <p:cNvPr id="70" name="Rectangle 69"/>
+            <p:cNvSpPr/>
+            <p:nvPr/>
+          </p:nvSpPr>
+          <p:spPr>
+            <a:xfrm>
+              <a:off x="-838200" y="3124200"/>
+              <a:ext cx="3352800" cy="3581400"/>
+            </a:xfrm>
+            <a:prstGeom prst="rect">
+              <a:avLst/>
+            </a:prstGeom>
+            <a:noFill/>
+            <a:ln>
+              <a:solidFill>
+                <a:schemeClr val="tx1"/>
+              </a:solidFill>
+            </a:ln>
+          </p:spPr>
+          <p:style>
+            <a:lnRef idx="2">
+              <a:schemeClr val="accent1">
+                <a:shade val="50000"/>
+              </a:schemeClr>
+            </a:lnRef>
+            <a:fillRef idx="1">
+              <a:schemeClr val="accent1"/>
+            </a:fillRef>
+            <a:effectRef idx="0">
+              <a:schemeClr val="accent1"/>
+            </a:effectRef>
+            <a:fontRef idx="minor">
+              <a:schemeClr val="lt1"/>
+            </a:fontRef>
+          </p:style>
+          <p:txBody>
+            <a:bodyPr rtlCol="0" anchor="ctr"/>
+            <a:lstStyle/>
+            <a:p>
+              <a:pPr algn="ctr"/>
+              <a:endParaRPr lang="en-US"/>
+            </a:p>
+          </p:txBody>
+        </p:sp>
+        <p:cxnSp>
+          <p:nvCxnSpPr>
+            <p:cNvPr id="71" name="Straight Connector 70"/>
+            <p:cNvCxnSpPr/>
+            <p:nvPr/>
+          </p:nvCxnSpPr>
+          <p:spPr>
+            <a:xfrm>
+              <a:off x="-1219200" y="3352800"/>
+              <a:ext cx="457200" cy="0"/>
+            </a:xfrm>
+            <a:prstGeom prst="line">
+              <a:avLst/>
+            </a:prstGeom>
+            <a:ln w="38100">
+              <a:solidFill>
+                <a:schemeClr val="tx1"/>
+              </a:solidFill>
+            </a:ln>
+          </p:spPr>
+          <p:style>
+            <a:lnRef idx="1">
+              <a:schemeClr val="accent1"/>
+            </a:lnRef>
+            <a:fillRef idx="0">
+              <a:schemeClr val="accent1"/>
+            </a:fillRef>
+            <a:effectRef idx="0">
+              <a:schemeClr val="accent1"/>
+            </a:effectRef>
+            <a:fontRef idx="minor">
+              <a:schemeClr val="tx1"/>
+            </a:fontRef>
+          </p:style>
+        </p:cxnSp>
+        <p:cxnSp>
+          <p:nvCxnSpPr>
+            <p:cNvPr id="72" name="Straight Connector 71"/>
+            <p:cNvCxnSpPr/>
+            <p:nvPr/>
+          </p:nvCxnSpPr>
+          <p:spPr>
+            <a:xfrm>
+              <a:off x="-1219200" y="3505200"/>
+              <a:ext cx="457200" cy="0"/>
+            </a:xfrm>
+            <a:prstGeom prst="line">
+              <a:avLst/>
+            </a:prstGeom>
+            <a:ln w="38100">
+              <a:solidFill>
+                <a:schemeClr val="tx1"/>
+              </a:solidFill>
+            </a:ln>
+          </p:spPr>
+          <p:style>
+            <a:lnRef idx="1">
+              <a:schemeClr val="accent1"/>
+            </a:lnRef>
+            <a:fillRef idx="0">
+              <a:schemeClr val="accent1"/>
+            </a:fillRef>
+            <a:effectRef idx="0">
+              <a:schemeClr val="accent1"/>
+            </a:effectRef>
+            <a:fontRef idx="minor">
+              <a:schemeClr val="tx1"/>
+            </a:fontRef>
+          </p:style>
+        </p:cxnSp>
+        <p:cxnSp>
+          <p:nvCxnSpPr>
+            <p:cNvPr id="73" name="Straight Connector 72"/>
+            <p:cNvCxnSpPr/>
+            <p:nvPr/>
+          </p:nvCxnSpPr>
+          <p:spPr>
+            <a:xfrm>
+              <a:off x="-1219200" y="3657600"/>
+              <a:ext cx="457200" cy="0"/>
+            </a:xfrm>
+            <a:prstGeom prst="line">
+              <a:avLst/>
+            </a:prstGeom>
+            <a:ln w="38100">
+              <a:solidFill>
+                <a:schemeClr val="tx1"/>
+              </a:solidFill>
+            </a:ln>
+          </p:spPr>
+          <p:style>
+            <a:lnRef idx="1">
+              <a:schemeClr val="accent1"/>
+            </a:lnRef>
+            <a:fillRef idx="0">
+              <a:schemeClr val="accent1"/>
+            </a:fillRef>
+            <a:effectRef idx="0">
+              <a:schemeClr val="accent1"/>
+            </a:effectRef>
+            <a:fontRef idx="minor">
+              <a:schemeClr val="tx1"/>
+            </a:fontRef>
+          </p:style>
+        </p:cxnSp>
+        <p:cxnSp>
+          <p:nvCxnSpPr>
+            <p:cNvPr id="74" name="Straight Connector 73"/>
+            <p:cNvCxnSpPr/>
+            <p:nvPr/>
+          </p:nvCxnSpPr>
+          <p:spPr>
+            <a:xfrm>
+              <a:off x="-1219200" y="6324600"/>
+              <a:ext cx="457200" cy="0"/>
+            </a:xfrm>
+            <a:prstGeom prst="line">
+              <a:avLst/>
+            </a:prstGeom>
+            <a:ln w="38100">
+              <a:solidFill>
+                <a:schemeClr val="tx1"/>
+              </a:solidFill>
+            </a:ln>
+          </p:spPr>
+          <p:style>
+            <a:lnRef idx="1">
+              <a:schemeClr val="accent1"/>
+            </a:lnRef>
+            <a:fillRef idx="0">
+              <a:schemeClr val="accent1"/>
+            </a:fillRef>
+            <a:effectRef idx="0">
+              <a:schemeClr val="accent1"/>
+            </a:effectRef>
+            <a:fontRef idx="minor">
+              <a:schemeClr val="tx1"/>
+            </a:fontRef>
+          </p:style>
+        </p:cxnSp>
+        <p:cxnSp>
+          <p:nvCxnSpPr>
+            <p:cNvPr id="75" name="Straight Connector 74"/>
+            <p:cNvCxnSpPr/>
+            <p:nvPr/>
+          </p:nvCxnSpPr>
+          <p:spPr>
+            <a:xfrm>
+              <a:off x="2438400" y="6324600"/>
+              <a:ext cx="457200" cy="0"/>
+            </a:xfrm>
+            <a:prstGeom prst="line">
+              <a:avLst/>
+            </a:prstGeom>
+            <a:ln w="38100">
+              <a:solidFill>
+                <a:schemeClr val="tx1"/>
+              </a:solidFill>
+            </a:ln>
+          </p:spPr>
+          <p:style>
+            <a:lnRef idx="1">
+              <a:schemeClr val="accent1"/>
+            </a:lnRef>
+            <a:fillRef idx="0">
+              <a:schemeClr val="accent1"/>
+            </a:fillRef>
+            <a:effectRef idx="0">
+              <a:schemeClr val="accent1"/>
+            </a:effectRef>
+            <a:fontRef idx="minor">
+              <a:schemeClr val="tx1"/>
+            </a:fontRef>
+          </p:style>
+        </p:cxnSp>
+        <p:cxnSp>
+          <p:nvCxnSpPr>
+            <p:cNvPr id="76" name="Straight Connector 75"/>
+            <p:cNvCxnSpPr/>
+            <p:nvPr/>
+          </p:nvCxnSpPr>
+          <p:spPr>
+            <a:xfrm>
+              <a:off x="2438400" y="3505200"/>
+              <a:ext cx="457200" cy="0"/>
+            </a:xfrm>
+            <a:prstGeom prst="line">
+              <a:avLst/>
+            </a:prstGeom>
+            <a:ln w="38100">
+              <a:solidFill>
+                <a:schemeClr val="tx1"/>
+              </a:solidFill>
+            </a:ln>
+          </p:spPr>
+          <p:style>
+            <a:lnRef idx="1">
+              <a:schemeClr val="accent1"/>
+            </a:lnRef>
+            <a:fillRef idx="0">
+              <a:schemeClr val="accent1"/>
+            </a:fillRef>
+            <a:effectRef idx="0">
+              <a:schemeClr val="accent1"/>
+            </a:effectRef>
+            <a:fontRef idx="minor">
+              <a:schemeClr val="tx1"/>
+            </a:fontRef>
+          </p:style>
+        </p:cxnSp>
+        <p:cxnSp>
+          <p:nvCxnSpPr>
+            <p:cNvPr id="77" name="Straight Connector 76"/>
+            <p:cNvCxnSpPr/>
+            <p:nvPr/>
+          </p:nvCxnSpPr>
+          <p:spPr>
+            <a:xfrm>
+              <a:off x="2438400" y="3657600"/>
+              <a:ext cx="457200" cy="0"/>
+            </a:xfrm>
+            <a:prstGeom prst="line">
+              <a:avLst/>
+            </a:prstGeom>
+            <a:ln w="38100">
+              <a:solidFill>
+                <a:schemeClr val="tx1"/>
+              </a:solidFill>
+            </a:ln>
+          </p:spPr>
+          <p:style>
+            <a:lnRef idx="1">
+              <a:schemeClr val="accent1"/>
+            </a:lnRef>
+            <a:fillRef idx="0">
+              <a:schemeClr val="accent1"/>
+            </a:fillRef>
+            <a:effectRef idx="0">
+              <a:schemeClr val="accent1"/>
+            </a:effectRef>
+            <a:fontRef idx="minor">
+              <a:schemeClr val="tx1"/>
+            </a:fontRef>
+          </p:style>
+        </p:cxnSp>
+        <p:cxnSp>
+          <p:nvCxnSpPr>
+            <p:cNvPr id="78" name="Straight Connector 77"/>
+            <p:cNvCxnSpPr/>
+            <p:nvPr/>
+          </p:nvCxnSpPr>
+          <p:spPr>
+            <a:xfrm>
+              <a:off x="2438400" y="3352800"/>
+              <a:ext cx="457200" cy="0"/>
+            </a:xfrm>
+            <a:prstGeom prst="line">
+              <a:avLst/>
+            </a:prstGeom>
+            <a:ln w="38100">
+              <a:solidFill>
+                <a:schemeClr val="tx1"/>
+              </a:solidFill>
+            </a:ln>
+          </p:spPr>
+          <p:style>
+            <a:lnRef idx="1">
+              <a:schemeClr val="accent1"/>
+            </a:lnRef>
+            <a:fillRef idx="0">
+              <a:schemeClr val="accent1"/>
+            </a:fillRef>
+            <a:effectRef idx="0">
+              <a:schemeClr val="accent1"/>
+            </a:effectRef>
+            <a:fontRef idx="minor">
+              <a:schemeClr val="tx1"/>
+            </a:fontRef>
+          </p:style>
+        </p:cxnSp>
+        <p:sp>
+          <p:nvSpPr>
+            <p:cNvPr id="79" name="Oval 78"/>
+            <p:cNvSpPr/>
+            <p:nvPr/>
+          </p:nvSpPr>
+          <p:spPr>
+            <a:xfrm>
+              <a:off x="-1143000" y="3810000"/>
+              <a:ext cx="76200" cy="76200"/>
+            </a:xfrm>
+            <a:prstGeom prst="ellipse">
+              <a:avLst/>
+            </a:prstGeom>
+            <a:solidFill>
+              <a:schemeClr val="tx1"/>
+            </a:solidFill>
+            <a:ln>
+              <a:solidFill>
+                <a:schemeClr val="tx1"/>
+              </a:solidFill>
+            </a:ln>
+          </p:spPr>
+          <p:style>
+            <a:lnRef idx="2">
+              <a:schemeClr val="accent1">
+                <a:shade val="50000"/>
+              </a:schemeClr>
+            </a:lnRef>
+            <a:fillRef idx="1">
+              <a:schemeClr val="accent1"/>
+            </a:fillRef>
+            <a:effectRef idx="0">
+              <a:schemeClr val="accent1"/>
+            </a:effectRef>
+            <a:fontRef idx="minor">
+              <a:schemeClr val="lt1"/>
+            </a:fontRef>
+          </p:style>
+          <p:txBody>
+            <a:bodyPr rtlCol="0" anchor="ctr"/>
+            <a:lstStyle/>
+            <a:p>
+              <a:pPr algn="ctr"/>
+              <a:endParaRPr lang="en-US"/>
+            </a:p>
+          </p:txBody>
+        </p:sp>
+        <p:sp>
+          <p:nvSpPr>
+            <p:cNvPr id="80" name="Oval 79"/>
+            <p:cNvSpPr/>
+            <p:nvPr/>
+          </p:nvSpPr>
+          <p:spPr>
+            <a:xfrm>
+              <a:off x="-1143000" y="3962400"/>
+              <a:ext cx="76200" cy="76200"/>
+            </a:xfrm>
+            <a:prstGeom prst="ellipse">
+              <a:avLst/>
+            </a:prstGeom>
+            <a:solidFill>
+              <a:schemeClr val="tx1"/>
+            </a:solidFill>
+            <a:ln>
+              <a:solidFill>
+                <a:schemeClr val="tx1"/>
+              </a:solidFill>
+            </a:ln>
+          </p:spPr>
+          <p:style>
+            <a:lnRef idx="2">
+              <a:schemeClr val="accent1">
+                <a:shade val="50000"/>
+              </a:schemeClr>
+            </a:lnRef>
+            <a:fillRef idx="1">
+              <a:schemeClr val="accent1"/>
+            </a:fillRef>
+            <a:effectRef idx="0">
+              <a:schemeClr val="accent1"/>
+            </a:effectRef>
+            <a:fontRef idx="minor">
+              <a:schemeClr val="lt1"/>
+            </a:fontRef>
+          </p:style>
+          <p:txBody>
+            <a:bodyPr rtlCol="0" anchor="ctr"/>
+            <a:lstStyle/>
+            <a:p>
+              <a:pPr algn="ctr"/>
+              <a:endParaRPr lang="en-US"/>
+            </a:p>
+          </p:txBody>
+        </p:sp>
+        <p:sp>
+          <p:nvSpPr>
+            <p:cNvPr id="81" name="Oval 80"/>
+            <p:cNvSpPr/>
+            <p:nvPr/>
+          </p:nvSpPr>
+          <p:spPr>
+            <a:xfrm>
+              <a:off x="-1143000" y="4114800"/>
+              <a:ext cx="76200" cy="76200"/>
+            </a:xfrm>
+            <a:prstGeom prst="ellipse">
+              <a:avLst/>
+            </a:prstGeom>
+            <a:solidFill>
+              <a:schemeClr val="tx1"/>
+            </a:solidFill>
+            <a:ln>
+              <a:solidFill>
+                <a:schemeClr val="tx1"/>
+              </a:solidFill>
+            </a:ln>
+          </p:spPr>
+          <p:style>
+            <a:lnRef idx="2">
+              <a:schemeClr val="accent1">
+                <a:shade val="50000"/>
+              </a:schemeClr>
+            </a:lnRef>
+            <a:fillRef idx="1">
+              <a:schemeClr val="accent1"/>
+            </a:fillRef>
+            <a:effectRef idx="0">
+              <a:schemeClr val="accent1"/>
+            </a:effectRef>
+            <a:fontRef idx="minor">
+              <a:schemeClr val="lt1"/>
+            </a:fontRef>
+          </p:style>
+          <p:txBody>
+            <a:bodyPr rtlCol="0" anchor="ctr"/>
+            <a:lstStyle/>
+            <a:p>
+              <a:pPr algn="ctr"/>
+              <a:endParaRPr lang="en-US"/>
+            </a:p>
+          </p:txBody>
+        </p:sp>
+        <p:sp>
+          <p:nvSpPr>
+            <p:cNvPr id="82" name="Oval 81"/>
+            <p:cNvSpPr/>
+            <p:nvPr/>
+          </p:nvSpPr>
+          <p:spPr>
+            <a:xfrm>
+              <a:off x="2667000" y="3810000"/>
+              <a:ext cx="76200" cy="76200"/>
+            </a:xfrm>
+            <a:prstGeom prst="ellipse">
+              <a:avLst/>
+            </a:prstGeom>
+            <a:solidFill>
+              <a:schemeClr val="tx1"/>
+            </a:solidFill>
+            <a:ln>
+              <a:solidFill>
+                <a:schemeClr val="tx1"/>
+              </a:solidFill>
+            </a:ln>
+          </p:spPr>
+          <p:style>
+            <a:lnRef idx="2">
+              <a:schemeClr val="accent1">
+                <a:shade val="50000"/>
+              </a:schemeClr>
+            </a:lnRef>
+            <a:fillRef idx="1">
+              <a:schemeClr val="accent1"/>
+            </a:fillRef>
+            <a:effectRef idx="0">
+              <a:schemeClr val="accent1"/>
+            </a:effectRef>
+            <a:fontRef idx="minor">
+              <a:schemeClr val="lt1"/>
+            </a:fontRef>
+          </p:style>
+          <p:txBody>
+            <a:bodyPr rtlCol="0" anchor="ctr"/>
+            <a:lstStyle/>
+            <a:p>
+              <a:pPr algn="ctr"/>
+              <a:endParaRPr lang="en-US"/>
+            </a:p>
+          </p:txBody>
+        </p:sp>
+        <p:sp>
+          <p:nvSpPr>
+            <p:cNvPr id="83" name="Oval 82"/>
+            <p:cNvSpPr/>
+            <p:nvPr/>
+          </p:nvSpPr>
+          <p:spPr>
+            <a:xfrm>
+              <a:off x="2667000" y="3962400"/>
+              <a:ext cx="76200" cy="76200"/>
+            </a:xfrm>
+            <a:prstGeom prst="ellipse">
+              <a:avLst/>
+            </a:prstGeom>
+            <a:solidFill>
+              <a:schemeClr val="tx1"/>
+            </a:solidFill>
+            <a:ln>
+              <a:solidFill>
+                <a:schemeClr val="tx1"/>
+              </a:solidFill>
+            </a:ln>
+          </p:spPr>
+          <p:style>
+            <a:lnRef idx="2">
+              <a:schemeClr val="accent1">
+                <a:shade val="50000"/>
+              </a:schemeClr>
+            </a:lnRef>
+            <a:fillRef idx="1">
+              <a:schemeClr val="accent1"/>
+            </a:fillRef>
+            <a:effectRef idx="0">
+              <a:schemeClr val="accent1"/>
+            </a:effectRef>
+            <a:fontRef idx="minor">
+              <a:schemeClr val="lt1"/>
+            </a:fontRef>
+          </p:style>
+          <p:txBody>
+            <a:bodyPr rtlCol="0" anchor="ctr"/>
+            <a:lstStyle/>
+            <a:p>
+              <a:pPr algn="ctr"/>
+              <a:endParaRPr lang="en-US"/>
+            </a:p>
+          </p:txBody>
+        </p:sp>
+        <p:sp>
+          <p:nvSpPr>
+            <p:cNvPr id="84" name="Oval 83"/>
+            <p:cNvSpPr/>
+            <p:nvPr/>
+          </p:nvSpPr>
+          <p:spPr>
+            <a:xfrm>
+              <a:off x="2667000" y="4114800"/>
+              <a:ext cx="76200" cy="76200"/>
+            </a:xfrm>
+            <a:prstGeom prst="ellipse">
+              <a:avLst/>
+            </a:prstGeom>
+            <a:solidFill>
+              <a:schemeClr val="tx1"/>
+            </a:solidFill>
+            <a:ln>
+              <a:solidFill>
+                <a:schemeClr val="tx1"/>
+              </a:solidFill>
+            </a:ln>
+          </p:spPr>
+          <p:style>
+            <a:lnRef idx="2">
+              <a:schemeClr val="accent1">
+                <a:shade val="50000"/>
+              </a:schemeClr>
+            </a:lnRef>
+            <a:fillRef idx="1">
+              <a:schemeClr val="accent1"/>
+            </a:fillRef>
+            <a:effectRef idx="0">
+              <a:schemeClr val="accent1"/>
+            </a:effectRef>
+            <a:fontRef idx="minor">
+              <a:schemeClr val="lt1"/>
+            </a:fontRef>
+          </p:style>
+          <p:txBody>
+            <a:bodyPr rtlCol="0" anchor="ctr"/>
+            <a:lstStyle/>
+            <a:p>
+              <a:pPr algn="ctr"/>
+              <a:endParaRPr lang="en-US"/>
+            </a:p>
+          </p:txBody>
+        </p:sp>
+      </p:grpSp>
+      <p:grpSp>
+        <p:nvGrpSpPr>
+          <p:cNvPr id="85" name="Group 84"/>
+          <p:cNvGrpSpPr/>
+          <p:nvPr/>
+        </p:nvGrpSpPr>
+        <p:grpSpPr>
+          <a:xfrm>
+            <a:off x="4941711" y="4800600"/>
+            <a:ext cx="1382889" cy="1219200"/>
+            <a:chOff x="-1219200" y="3124200"/>
+            <a:chExt cx="4114800" cy="3581400"/>
+          </a:xfrm>
+        </p:grpSpPr>
+        <p:sp>
+          <p:nvSpPr>
+            <p:cNvPr id="86" name="Rectangle 85"/>
+            <p:cNvSpPr/>
+            <p:nvPr/>
+          </p:nvSpPr>
+          <p:spPr>
+            <a:xfrm>
+              <a:off x="-838200" y="3124200"/>
+              <a:ext cx="3352800" cy="3581400"/>
+            </a:xfrm>
+            <a:prstGeom prst="rect">
+              <a:avLst/>
+            </a:prstGeom>
+            <a:noFill/>
+            <a:ln>
+              <a:solidFill>
+                <a:schemeClr val="tx1"/>
+              </a:solidFill>
+            </a:ln>
+          </p:spPr>
+          <p:style>
+            <a:lnRef idx="2">
+              <a:schemeClr val="accent1">
+                <a:shade val="50000"/>
+              </a:schemeClr>
+            </a:lnRef>
+            <a:fillRef idx="1">
+              <a:schemeClr val="accent1"/>
+            </a:fillRef>
+            <a:effectRef idx="0">
+              <a:schemeClr val="accent1"/>
+            </a:effectRef>
+            <a:fontRef idx="minor">
+              <a:schemeClr val="lt1"/>
+            </a:fontRef>
+          </p:style>
+          <p:txBody>
+            <a:bodyPr rtlCol="0" anchor="ctr"/>
+            <a:lstStyle/>
+            <a:p>
+              <a:pPr algn="ctr"/>
+              <a:endParaRPr lang="en-US"/>
+            </a:p>
+          </p:txBody>
+        </p:sp>
+        <p:cxnSp>
+          <p:nvCxnSpPr>
+            <p:cNvPr id="87" name="Straight Connector 86"/>
+            <p:cNvCxnSpPr/>
+            <p:nvPr/>
+          </p:nvCxnSpPr>
+          <p:spPr>
+            <a:xfrm>
+              <a:off x="-1219200" y="3352800"/>
+              <a:ext cx="457200" cy="0"/>
+            </a:xfrm>
+            <a:prstGeom prst="line">
+              <a:avLst/>
+            </a:prstGeom>
+            <a:ln w="38100">
+              <a:solidFill>
+                <a:schemeClr val="tx1"/>
+              </a:solidFill>
+            </a:ln>
+          </p:spPr>
+          <p:style>
+            <a:lnRef idx="1">
+              <a:schemeClr val="accent1"/>
+            </a:lnRef>
+            <a:fillRef idx="0">
+              <a:schemeClr val="accent1"/>
+            </a:fillRef>
+            <a:effectRef idx="0">
+              <a:schemeClr val="accent1"/>
+            </a:effectRef>
+            <a:fontRef idx="minor">
+              <a:schemeClr val="tx1"/>
+            </a:fontRef>
+          </p:style>
+        </p:cxnSp>
+        <p:cxnSp>
+          <p:nvCxnSpPr>
+            <p:cNvPr id="88" name="Straight Connector 87"/>
+            <p:cNvCxnSpPr/>
+            <p:nvPr/>
+          </p:nvCxnSpPr>
+          <p:spPr>
+            <a:xfrm>
+              <a:off x="-1219200" y="3505200"/>
+              <a:ext cx="457200" cy="0"/>
+            </a:xfrm>
+            <a:prstGeom prst="line">
+              <a:avLst/>
+            </a:prstGeom>
+            <a:ln w="38100">
+              <a:solidFill>
+                <a:schemeClr val="tx1"/>
+              </a:solidFill>
+            </a:ln>
+          </p:spPr>
+          <p:style>
+            <a:lnRef idx="1">
+              <a:schemeClr val="accent1"/>
+            </a:lnRef>
+            <a:fillRef idx="0">
+              <a:schemeClr val="accent1"/>
+            </a:fillRef>
+            <a:effectRef idx="0">
+              <a:schemeClr val="accent1"/>
+            </a:effectRef>
+            <a:fontRef idx="minor">
+              <a:schemeClr val="tx1"/>
+            </a:fontRef>
+          </p:style>
+        </p:cxnSp>
+        <p:cxnSp>
+          <p:nvCxnSpPr>
+            <p:cNvPr id="89" name="Straight Connector 88"/>
+            <p:cNvCxnSpPr/>
+            <p:nvPr/>
+          </p:nvCxnSpPr>
+          <p:spPr>
+            <a:xfrm>
+              <a:off x="-1219200" y="3657600"/>
+              <a:ext cx="457200" cy="0"/>
+            </a:xfrm>
+            <a:prstGeom prst="line">
+              <a:avLst/>
+            </a:prstGeom>
+            <a:ln w="38100">
+              <a:solidFill>
+                <a:schemeClr val="tx1"/>
+              </a:solidFill>
+            </a:ln>
+          </p:spPr>
+          <p:style>
+            <a:lnRef idx="1">
+              <a:schemeClr val="accent1"/>
+            </a:lnRef>
+            <a:fillRef idx="0">
+              <a:schemeClr val="accent1"/>
+            </a:fillRef>
+            <a:effectRef idx="0">
+              <a:schemeClr val="accent1"/>
+            </a:effectRef>
+            <a:fontRef idx="minor">
+              <a:schemeClr val="tx1"/>
+            </a:fontRef>
+          </p:style>
+        </p:cxnSp>
+        <p:cxnSp>
+          <p:nvCxnSpPr>
+            <p:cNvPr id="90" name="Straight Connector 89"/>
+            <p:cNvCxnSpPr/>
+            <p:nvPr/>
+          </p:nvCxnSpPr>
+          <p:spPr>
+            <a:xfrm>
+              <a:off x="-1219200" y="6324600"/>
+              <a:ext cx="457200" cy="0"/>
+            </a:xfrm>
+            <a:prstGeom prst="line">
+              <a:avLst/>
+            </a:prstGeom>
+            <a:ln w="38100">
+              <a:solidFill>
+                <a:schemeClr val="tx1"/>
+              </a:solidFill>
+            </a:ln>
+          </p:spPr>
+          <p:style>
+            <a:lnRef idx="1">
+              <a:schemeClr val="accent1"/>
+            </a:lnRef>
+            <a:fillRef idx="0">
+              <a:schemeClr val="accent1"/>
+            </a:fillRef>
+            <a:effectRef idx="0">
+              <a:schemeClr val="accent1"/>
+            </a:effectRef>
+            <a:fontRef idx="minor">
+              <a:schemeClr val="tx1"/>
+            </a:fontRef>
+          </p:style>
+        </p:cxnSp>
+        <p:cxnSp>
+          <p:nvCxnSpPr>
+            <p:cNvPr id="91" name="Straight Connector 90"/>
+            <p:cNvCxnSpPr/>
+            <p:nvPr/>
+          </p:nvCxnSpPr>
+          <p:spPr>
+            <a:xfrm>
+              <a:off x="2438400" y="6324600"/>
+              <a:ext cx="457200" cy="0"/>
+            </a:xfrm>
+            <a:prstGeom prst="line">
+              <a:avLst/>
+            </a:prstGeom>
+            <a:ln w="38100">
+              <a:solidFill>
+                <a:schemeClr val="tx1"/>
+              </a:solidFill>
+            </a:ln>
+          </p:spPr>
+          <p:style>
+            <a:lnRef idx="1">
+              <a:schemeClr val="accent1"/>
+            </a:lnRef>
+            <a:fillRef idx="0">
+              <a:schemeClr val="accent1"/>
+            </a:fillRef>
+            <a:effectRef idx="0">
+              <a:schemeClr val="accent1"/>
+            </a:effectRef>
+            <a:fontRef idx="minor">
+              <a:schemeClr val="tx1"/>
+            </a:fontRef>
+          </p:style>
+        </p:cxnSp>
+        <p:cxnSp>
+          <p:nvCxnSpPr>
+            <p:cNvPr id="92" name="Straight Connector 91"/>
+            <p:cNvCxnSpPr/>
+            <p:nvPr/>
+          </p:nvCxnSpPr>
+          <p:spPr>
+            <a:xfrm>
+              <a:off x="2438400" y="3505200"/>
+              <a:ext cx="457200" cy="0"/>
+            </a:xfrm>
+            <a:prstGeom prst="line">
+              <a:avLst/>
+            </a:prstGeom>
+            <a:ln w="38100">
+              <a:solidFill>
+                <a:schemeClr val="tx1"/>
+              </a:solidFill>
+            </a:ln>
+          </p:spPr>
+          <p:style>
+            <a:lnRef idx="1">
+              <a:schemeClr val="accent1"/>
+            </a:lnRef>
+            <a:fillRef idx="0">
+              <a:schemeClr val="accent1"/>
+            </a:fillRef>
+            <a:effectRef idx="0">
+              <a:schemeClr val="accent1"/>
+            </a:effectRef>
+            <a:fontRef idx="minor">
+              <a:schemeClr val="tx1"/>
+            </a:fontRef>
+          </p:style>
+        </p:cxnSp>
+        <p:cxnSp>
+          <p:nvCxnSpPr>
+            <p:cNvPr id="93" name="Straight Connector 92"/>
+            <p:cNvCxnSpPr/>
+            <p:nvPr/>
+          </p:nvCxnSpPr>
+          <p:spPr>
+            <a:xfrm>
+              <a:off x="2438400" y="3657600"/>
+              <a:ext cx="457200" cy="0"/>
+            </a:xfrm>
+            <a:prstGeom prst="line">
+              <a:avLst/>
+            </a:prstGeom>
+            <a:ln w="38100">
+              <a:solidFill>
+                <a:schemeClr val="tx1"/>
+              </a:solidFill>
+            </a:ln>
+          </p:spPr>
+          <p:style>
+            <a:lnRef idx="1">
+              <a:schemeClr val="accent1"/>
+            </a:lnRef>
+            <a:fillRef idx="0">
+              <a:schemeClr val="accent1"/>
+            </a:fillRef>
+            <a:effectRef idx="0">
+              <a:schemeClr val="accent1"/>
+            </a:effectRef>
+            <a:fontRef idx="minor">
+              <a:schemeClr val="tx1"/>
+            </a:fontRef>
+          </p:style>
+        </p:cxnSp>
+        <p:cxnSp>
+          <p:nvCxnSpPr>
+            <p:cNvPr id="94" name="Straight Connector 93"/>
+            <p:cNvCxnSpPr/>
+            <p:nvPr/>
+          </p:nvCxnSpPr>
+          <p:spPr>
+            <a:xfrm>
+              <a:off x="2438400" y="3352800"/>
+              <a:ext cx="457200" cy="0"/>
+            </a:xfrm>
+            <a:prstGeom prst="line">
+              <a:avLst/>
+            </a:prstGeom>
+            <a:ln w="38100">
+              <a:solidFill>
+                <a:schemeClr val="tx1"/>
+              </a:solidFill>
+            </a:ln>
+          </p:spPr>
+          <p:style>
+            <a:lnRef idx="1">
+              <a:schemeClr val="accent1"/>
+            </a:lnRef>
+            <a:fillRef idx="0">
+              <a:schemeClr val="accent1"/>
+            </a:fillRef>
+            <a:effectRef idx="0">
+              <a:schemeClr val="accent1"/>
+            </a:effectRef>
+            <a:fontRef idx="minor">
+              <a:schemeClr val="tx1"/>
+            </a:fontRef>
+          </p:style>
+        </p:cxnSp>
+        <p:sp>
+          <p:nvSpPr>
+            <p:cNvPr id="95" name="Oval 94"/>
+            <p:cNvSpPr/>
+            <p:nvPr/>
+          </p:nvSpPr>
+          <p:spPr>
+            <a:xfrm>
+              <a:off x="-1143000" y="3810000"/>
+              <a:ext cx="76200" cy="76200"/>
+            </a:xfrm>
+            <a:prstGeom prst="ellipse">
+              <a:avLst/>
+            </a:prstGeom>
+            <a:solidFill>
+              <a:schemeClr val="tx1"/>
+            </a:solidFill>
+            <a:ln>
+              <a:solidFill>
+                <a:schemeClr val="tx1"/>
+              </a:solidFill>
+            </a:ln>
+          </p:spPr>
+          <p:style>
+            <a:lnRef idx="2">
+              <a:schemeClr val="accent1">
+                <a:shade val="50000"/>
+              </a:schemeClr>
+            </a:lnRef>
+            <a:fillRef idx="1">
+              <a:schemeClr val="accent1"/>
+            </a:fillRef>
+            <a:effectRef idx="0">
+              <a:schemeClr val="accent1"/>
+            </a:effectRef>
+            <a:fontRef idx="minor">
+              <a:schemeClr val="lt1"/>
+            </a:fontRef>
+          </p:style>
+          <p:txBody>
+            <a:bodyPr rtlCol="0" anchor="ctr"/>
+            <a:lstStyle/>
+            <a:p>
+              <a:pPr algn="ctr"/>
+              <a:endParaRPr lang="en-US"/>
+            </a:p>
+          </p:txBody>
+        </p:sp>
+        <p:sp>
+          <p:nvSpPr>
+            <p:cNvPr id="96" name="Oval 95"/>
+            <p:cNvSpPr/>
+            <p:nvPr/>
+          </p:nvSpPr>
+          <p:spPr>
+            <a:xfrm>
+              <a:off x="-1143000" y="3962400"/>
+              <a:ext cx="76200" cy="76200"/>
+            </a:xfrm>
+            <a:prstGeom prst="ellipse">
+              <a:avLst/>
+            </a:prstGeom>
+            <a:solidFill>
+              <a:schemeClr val="tx1"/>
+            </a:solidFill>
+            <a:ln>
+              <a:solidFill>
+                <a:schemeClr val="tx1"/>
+              </a:solidFill>
+            </a:ln>
+          </p:spPr>
+          <p:style>
+            <a:lnRef idx="2">
+              <a:schemeClr val="accent1">
+                <a:shade val="50000"/>
+              </a:schemeClr>
+            </a:lnRef>
+            <a:fillRef idx="1">
+              <a:schemeClr val="accent1"/>
+            </a:fillRef>
+            <a:effectRef idx="0">
+              <a:schemeClr val="accent1"/>
+            </a:effectRef>
+            <a:fontRef idx="minor">
+              <a:schemeClr val="lt1"/>
+            </a:fontRef>
+          </p:style>
+          <p:txBody>
+            <a:bodyPr rtlCol="0" anchor="ctr"/>
+            <a:lstStyle/>
+            <a:p>
+              <a:pPr algn="ctr"/>
+              <a:endParaRPr lang="en-US"/>
+            </a:p>
+          </p:txBody>
+        </p:sp>
+        <p:sp>
+          <p:nvSpPr>
+            <p:cNvPr id="97" name="Oval 96"/>
+            <p:cNvSpPr/>
+            <p:nvPr/>
+          </p:nvSpPr>
+          <p:spPr>
+            <a:xfrm>
+              <a:off x="-1143000" y="4114800"/>
+              <a:ext cx="76200" cy="76200"/>
+            </a:xfrm>
+            <a:prstGeom prst="ellipse">
+              <a:avLst/>
+            </a:prstGeom>
+            <a:solidFill>
+              <a:schemeClr val="tx1"/>
+            </a:solidFill>
+            <a:ln>
+              <a:solidFill>
+                <a:schemeClr val="tx1"/>
+              </a:solidFill>
+            </a:ln>
+          </p:spPr>
+          <p:style>
+            <a:lnRef idx="2">
+              <a:schemeClr val="accent1">
+                <a:shade val="50000"/>
+              </a:schemeClr>
+            </a:lnRef>
+            <a:fillRef idx="1">
+              <a:schemeClr val="accent1"/>
+            </a:fillRef>
+            <a:effectRef idx="0">
+              <a:schemeClr val="accent1"/>
+            </a:effectRef>
+            <a:fontRef idx="minor">
+              <a:schemeClr val="lt1"/>
+            </a:fontRef>
+          </p:style>
+          <p:txBody>
+            <a:bodyPr rtlCol="0" anchor="ctr"/>
+            <a:lstStyle/>
+            <a:p>
+              <a:pPr algn="ctr"/>
+              <a:endParaRPr lang="en-US"/>
+            </a:p>
+          </p:txBody>
+        </p:sp>
+        <p:sp>
+          <p:nvSpPr>
+            <p:cNvPr id="98" name="Oval 97"/>
+            <p:cNvSpPr/>
+            <p:nvPr/>
+          </p:nvSpPr>
+          <p:spPr>
+            <a:xfrm>
+              <a:off x="2667000" y="3810000"/>
+              <a:ext cx="76200" cy="76200"/>
+            </a:xfrm>
+            <a:prstGeom prst="ellipse">
+              <a:avLst/>
+            </a:prstGeom>
+            <a:solidFill>
+              <a:schemeClr val="tx1"/>
+            </a:solidFill>
+            <a:ln>
+              <a:solidFill>
+                <a:schemeClr val="tx1"/>
+              </a:solidFill>
+            </a:ln>
+          </p:spPr>
+          <p:style>
+            <a:lnRef idx="2">
+              <a:schemeClr val="accent1">
+                <a:shade val="50000"/>
+              </a:schemeClr>
+            </a:lnRef>
+            <a:fillRef idx="1">
+              <a:schemeClr val="accent1"/>
+            </a:fillRef>
+            <a:effectRef idx="0">
+              <a:schemeClr val="accent1"/>
+            </a:effectRef>
+            <a:fontRef idx="minor">
+              <a:schemeClr val="lt1"/>
+            </a:fontRef>
+          </p:style>
+          <p:txBody>
+            <a:bodyPr rtlCol="0" anchor="ctr"/>
+            <a:lstStyle/>
+            <a:p>
+              <a:pPr algn="ctr"/>
+              <a:endParaRPr lang="en-US"/>
+            </a:p>
+          </p:txBody>
+        </p:sp>
+        <p:sp>
+          <p:nvSpPr>
+            <p:cNvPr id="99" name="Oval 98"/>
+            <p:cNvSpPr/>
+            <p:nvPr/>
+          </p:nvSpPr>
+          <p:spPr>
+            <a:xfrm>
+              <a:off x="2667000" y="3962400"/>
+              <a:ext cx="76200" cy="76200"/>
+            </a:xfrm>
+            <a:prstGeom prst="ellipse">
+              <a:avLst/>
+            </a:prstGeom>
+            <a:solidFill>
+              <a:schemeClr val="tx1"/>
+            </a:solidFill>
+            <a:ln>
+              <a:solidFill>
+                <a:schemeClr val="tx1"/>
+              </a:solidFill>
+            </a:ln>
+          </p:spPr>
+          <p:style>
+            <a:lnRef idx="2">
+              <a:schemeClr val="accent1">
+                <a:shade val="50000"/>
+              </a:schemeClr>
+            </a:lnRef>
+            <a:fillRef idx="1">
+              <a:schemeClr val="accent1"/>
+            </a:fillRef>
+            <a:effectRef idx="0">
+              <a:schemeClr val="accent1"/>
+            </a:effectRef>
+            <a:fontRef idx="minor">
+              <a:schemeClr val="lt1"/>
+            </a:fontRef>
+          </p:style>
+          <p:txBody>
+            <a:bodyPr rtlCol="0" anchor="ctr"/>
+            <a:lstStyle/>
+            <a:p>
+              <a:pPr algn="ctr"/>
+              <a:endParaRPr lang="en-US"/>
+            </a:p>
+          </p:txBody>
+        </p:sp>
+        <p:sp>
+          <p:nvSpPr>
+            <p:cNvPr id="100" name="Oval 99"/>
+            <p:cNvSpPr/>
+            <p:nvPr/>
+          </p:nvSpPr>
+          <p:spPr>
+            <a:xfrm>
+              <a:off x="2667000" y="4114800"/>
+              <a:ext cx="76200" cy="76200"/>
+            </a:xfrm>
+            <a:prstGeom prst="ellipse">
+              <a:avLst/>
+            </a:prstGeom>
+            <a:solidFill>
+              <a:schemeClr val="tx1"/>
+            </a:solidFill>
+            <a:ln>
+              <a:solidFill>
+                <a:schemeClr val="tx1"/>
+              </a:solidFill>
+            </a:ln>
+          </p:spPr>
+          <p:style>
+            <a:lnRef idx="2">
+              <a:schemeClr val="accent1">
+                <a:shade val="50000"/>
+              </a:schemeClr>
+            </a:lnRef>
+            <a:fillRef idx="1">
+              <a:schemeClr val="accent1"/>
+            </a:fillRef>
+            <a:effectRef idx="0">
+              <a:schemeClr val="accent1"/>
+            </a:effectRef>
+            <a:fontRef idx="minor">
+              <a:schemeClr val="lt1"/>
+            </a:fontRef>
+          </p:style>
+          <p:txBody>
+            <a:bodyPr rtlCol="0" anchor="ctr"/>
+            <a:lstStyle/>
+            <a:p>
+              <a:pPr algn="ctr"/>
+              <a:endParaRPr lang="en-US"/>
+            </a:p>
+          </p:txBody>
+        </p:sp>
+      </p:grpSp>
+      <p:sp>
+        <p:nvSpPr>
+          <p:cNvPr id="101" name="Oval 100"/>
+          <p:cNvSpPr/>
+          <p:nvPr/>
+        </p:nvSpPr>
+        <p:spPr>
+          <a:xfrm>
+            <a:off x="6781800" y="2743200"/>
+            <a:ext cx="1524000" cy="4114800"/>
+          </a:xfrm>
+          <a:prstGeom prst="ellipse">
+            <a:avLst/>
+          </a:prstGeom>
+          <a:noFill/>
+          <a:ln>
+            <a:solidFill>
+              <a:srgbClr val="FF0000"/>
+            </a:solidFill>
+          </a:ln>
+        </p:spPr>
+        <p:style>
+          <a:lnRef idx="2">
+            <a:schemeClr val="accent1">
+              <a:shade val="50000"/>
+            </a:schemeClr>
+          </a:lnRef>
+          <a:fillRef idx="1">
+            <a:schemeClr val="accent1"/>
+          </a:fillRef>
+          <a:effectRef idx="0">
+            <a:schemeClr val="accent1"/>
+          </a:effectRef>
+          <a:fontRef idx="minor">
+            <a:schemeClr val="lt1"/>
+          </a:fontRef>
+        </p:style>
+        <p:txBody>
+          <a:bodyPr rtlCol="0" anchor="ctr"/>
+          <a:lstStyle/>
+          <a:p>
+            <a:pPr algn="ctr"/>
+            <a:endParaRPr lang="en-US"/>
+          </a:p>
+        </p:txBody>
+      </p:sp>
+      <p:sp>
+        <p:nvSpPr>
+          <p:cNvPr id="102" name="TextBox 101"/>
+          <p:cNvSpPr txBox="1"/>
+          <p:nvPr/>
+        </p:nvSpPr>
+        <p:spPr>
+          <a:xfrm>
+            <a:off x="7110760" y="4202668"/>
+            <a:ext cx="941283" cy="369332"/>
+          </a:xfrm>
+          <a:prstGeom prst="rect">
+            <a:avLst/>
+          </a:prstGeom>
+          <a:noFill/>
+        </p:spPr>
+        <p:txBody>
+          <a:bodyPr wrap="none" rtlCol="0">
+            <a:spAutoFit/>
           </a:bodyPr>
           <a:lstStyle/>
           <a:p>
-            <a:pPr marL="0" indent="0" eaLnBrk="1" fontAlgn="auto" hangingPunct="1">
-              <a:spcAft>
-                <a:spcPts val="0"/>
-              </a:spcAft>
-              <a:buFont typeface="Arial" panose="020B0604020202020204" pitchFamily="34" charset="0"/>
-              <a:buNone/>
-              <a:defRPr/>
-            </a:pPr>
-            <a:r>
-              <a:rPr lang="en-US" dirty="0" smtClean="0"/>
-              <a:t>##!/</a:t>
-            </a:r>
-            <a:r>
-              <a:rPr lang="en-US" dirty="0" err="1" smtClean="0"/>
-              <a:t>usr</a:t>
-            </a:r>
-            <a:r>
-              <a:rPr lang="en-US" dirty="0" smtClean="0"/>
-              <a:t>/local/bin/</a:t>
-            </a:r>
-            <a:r>
-              <a:rPr lang="en-US" dirty="0" err="1" smtClean="0"/>
-              <a:t>csh</a:t>
-            </a:r>
-            <a:endParaRPr lang="en-US" dirty="0" smtClean="0"/>
-          </a:p>
-          <a:p>
-            <a:pPr marL="0" indent="0" eaLnBrk="1" fontAlgn="auto" hangingPunct="1">
-              <a:spcAft>
-                <a:spcPts val="0"/>
-              </a:spcAft>
-              <a:buFont typeface="Arial" panose="020B0604020202020204" pitchFamily="34" charset="0"/>
-              <a:buNone/>
-              <a:defRPr/>
-            </a:pPr>
-            <a:r>
-              <a:rPr lang="en-US" dirty="0" smtClean="0"/>
-              <a:t>source </a:t>
-            </a:r>
-            <a:r>
-              <a:rPr lang="en-US" dirty="0" err="1" smtClean="0"/>
-              <a:t>synthScripts</a:t>
-            </a:r>
-            <a:r>
-              <a:rPr lang="en-US" dirty="0" smtClean="0"/>
-              <a:t>/setup</a:t>
-            </a:r>
-          </a:p>
-          <a:p>
-            <a:pPr marL="0" indent="0" eaLnBrk="1" fontAlgn="auto" hangingPunct="1">
-              <a:spcAft>
-                <a:spcPts val="0"/>
-              </a:spcAft>
-              <a:buFont typeface="Arial" panose="020B0604020202020204" pitchFamily="34" charset="0"/>
-              <a:buNone/>
-              <a:defRPr/>
-            </a:pPr>
-            <a:r>
-              <a:rPr lang="en-US" dirty="0" smtClean="0"/>
-              <a:t>if ($#</a:t>
-            </a:r>
-            <a:r>
-              <a:rPr lang="en-US" dirty="0" err="1" smtClean="0"/>
-              <a:t>argv</a:t>
-            </a:r>
-            <a:r>
-              <a:rPr lang="en-US" dirty="0" smtClean="0"/>
-              <a:t> &lt; 1) then </a:t>
-            </a:r>
-          </a:p>
-          <a:p>
-            <a:pPr marL="0" indent="0" eaLnBrk="1" fontAlgn="auto" hangingPunct="1">
-              <a:spcAft>
-                <a:spcPts val="0"/>
-              </a:spcAft>
-              <a:buFont typeface="Arial" panose="020B0604020202020204" pitchFamily="34" charset="0"/>
-              <a:buNone/>
-              <a:defRPr/>
-            </a:pPr>
-            <a:r>
-              <a:rPr lang="en-US" dirty="0" smtClean="0"/>
-              <a:t>	echo "Please add directory name"</a:t>
-            </a:r>
-          </a:p>
-          <a:p>
-            <a:pPr marL="0" indent="0" eaLnBrk="1" fontAlgn="auto" hangingPunct="1">
-              <a:spcAft>
-                <a:spcPts val="0"/>
-              </a:spcAft>
-              <a:buFont typeface="Arial" panose="020B0604020202020204" pitchFamily="34" charset="0"/>
-              <a:buNone/>
-              <a:defRPr/>
-            </a:pPr>
-            <a:r>
-              <a:rPr lang="en-US" dirty="0" smtClean="0"/>
-              <a:t>else </a:t>
-            </a:r>
-          </a:p>
-          <a:p>
-            <a:pPr marL="0" indent="0" eaLnBrk="1" fontAlgn="auto" hangingPunct="1">
-              <a:spcAft>
-                <a:spcPts val="0"/>
-              </a:spcAft>
-              <a:buFont typeface="Arial" panose="020B0604020202020204" pitchFamily="34" charset="0"/>
-              <a:buNone/>
-              <a:defRPr/>
-            </a:pPr>
-            <a:r>
-              <a:rPr lang="en-US" dirty="0" smtClean="0"/>
-              <a:t>echo "new compilation directory $1"</a:t>
-            </a:r>
-          </a:p>
-          <a:p>
-            <a:pPr marL="0" indent="0" eaLnBrk="1" fontAlgn="auto" hangingPunct="1">
-              <a:spcAft>
-                <a:spcPts val="0"/>
-              </a:spcAft>
-              <a:buFont typeface="Arial" panose="020B0604020202020204" pitchFamily="34" charset="0"/>
-              <a:buNone/>
-              <a:defRPr/>
-            </a:pPr>
-            <a:r>
-              <a:rPr lang="en-US" dirty="0" smtClean="0"/>
-              <a:t>\</a:t>
-            </a:r>
-            <a:r>
-              <a:rPr lang="en-US" dirty="0" err="1" smtClean="0"/>
-              <a:t>rm</a:t>
-            </a:r>
-            <a:r>
-              <a:rPr lang="en-US" dirty="0" smtClean="0"/>
-              <a:t> -</a:t>
-            </a:r>
-            <a:r>
-              <a:rPr lang="en-US" dirty="0" err="1" smtClean="0"/>
-              <a:t>rf</a:t>
-            </a:r>
-            <a:r>
-              <a:rPr lang="en-US" dirty="0" smtClean="0"/>
-              <a:t> $1</a:t>
-            </a:r>
-          </a:p>
-          <a:p>
-            <a:pPr marL="0" indent="0" eaLnBrk="1" fontAlgn="auto" hangingPunct="1">
-              <a:spcAft>
-                <a:spcPts val="0"/>
-              </a:spcAft>
-              <a:buFont typeface="Arial" panose="020B0604020202020204" pitchFamily="34" charset="0"/>
-              <a:buNone/>
-              <a:defRPr/>
-            </a:pPr>
-            <a:r>
-              <a:rPr lang="en-US" dirty="0" err="1" smtClean="0"/>
-              <a:t>mkdir</a:t>
-            </a:r>
-            <a:r>
-              <a:rPr lang="en-US" dirty="0" smtClean="0"/>
-              <a:t> $1</a:t>
-            </a:r>
-          </a:p>
-          <a:p>
-            <a:pPr marL="0" indent="0" eaLnBrk="1" fontAlgn="auto" hangingPunct="1">
-              <a:spcAft>
-                <a:spcPts val="0"/>
-              </a:spcAft>
-              <a:buFont typeface="Arial" panose="020B0604020202020204" pitchFamily="34" charset="0"/>
-              <a:buNone/>
-              <a:defRPr/>
-            </a:pPr>
-            <a:r>
-              <a:rPr lang="en-US" dirty="0" err="1" smtClean="0"/>
-              <a:t>cp</a:t>
-            </a:r>
-            <a:r>
-              <a:rPr lang="en-US" dirty="0" smtClean="0"/>
-              <a:t> </a:t>
-            </a:r>
-            <a:r>
-              <a:rPr lang="en-US" dirty="0" err="1" smtClean="0"/>
-              <a:t>synthScripts</a:t>
-            </a:r>
-            <a:r>
-              <a:rPr lang="en-US" dirty="0" smtClean="0"/>
-              <a:t>/* $1/.</a:t>
-            </a:r>
-          </a:p>
-          <a:p>
-            <a:pPr marL="0" indent="0" eaLnBrk="1" fontAlgn="auto" hangingPunct="1">
-              <a:spcAft>
-                <a:spcPts val="0"/>
-              </a:spcAft>
-              <a:buFont typeface="Arial" panose="020B0604020202020204" pitchFamily="34" charset="0"/>
-              <a:buNone/>
-              <a:defRPr/>
-            </a:pPr>
-            <a:r>
-              <a:rPr lang="en-US" dirty="0" smtClean="0"/>
-              <a:t>cd $1</a:t>
-            </a:r>
-          </a:p>
-          <a:p>
-            <a:pPr marL="0" indent="0" eaLnBrk="1" fontAlgn="auto" hangingPunct="1">
-              <a:spcAft>
-                <a:spcPts val="0"/>
-              </a:spcAft>
-              <a:buFont typeface="Arial" panose="020B0604020202020204" pitchFamily="34" charset="0"/>
-              <a:buNone/>
-              <a:defRPr/>
-            </a:pPr>
-            <a:r>
-              <a:rPr lang="en-US" dirty="0" smtClean="0"/>
-              <a:t>date</a:t>
-            </a:r>
-          </a:p>
-          <a:p>
-            <a:pPr marL="0" indent="0" eaLnBrk="1" fontAlgn="auto" hangingPunct="1">
-              <a:spcAft>
-                <a:spcPts val="0"/>
-              </a:spcAft>
-              <a:buFont typeface="Arial" panose="020B0604020202020204" pitchFamily="34" charset="0"/>
-              <a:buNone/>
-              <a:defRPr/>
-            </a:pPr>
-            <a:r>
-              <a:rPr lang="en-US" dirty="0" smtClean="0"/>
-              <a:t>source setup</a:t>
-            </a:r>
-          </a:p>
-          <a:p>
-            <a:pPr marL="0" indent="0" eaLnBrk="1" fontAlgn="auto" hangingPunct="1">
-              <a:spcAft>
-                <a:spcPts val="0"/>
-              </a:spcAft>
-              <a:buFont typeface="Arial" panose="020B0604020202020204" pitchFamily="34" charset="0"/>
-              <a:buNone/>
-              <a:defRPr/>
-            </a:pPr>
-            <a:r>
-              <a:rPr lang="en-US" dirty="0" smtClean="0"/>
-              <a:t>source </a:t>
-            </a:r>
-            <a:r>
-              <a:rPr lang="en-US" dirty="0" err="1" smtClean="0"/>
-              <a:t>make_SA_model.csh</a:t>
-            </a:r>
-            <a:r>
-              <a:rPr lang="en-US" dirty="0" smtClean="0"/>
-              <a:t> |tee make_SA_model.log</a:t>
-            </a:r>
-          </a:p>
-          <a:p>
-            <a:pPr marL="0" indent="0" eaLnBrk="1" fontAlgn="auto" hangingPunct="1">
-              <a:spcAft>
-                <a:spcPts val="0"/>
-              </a:spcAft>
-              <a:buFont typeface="Arial" panose="020B0604020202020204" pitchFamily="34" charset="0"/>
-              <a:buNone/>
-              <a:defRPr/>
-            </a:pPr>
-            <a:r>
-              <a:rPr lang="en-US" dirty="0" smtClean="0"/>
-              <a:t>if($?) then </a:t>
-            </a:r>
-          </a:p>
-          <a:p>
-            <a:pPr marL="0" indent="0" eaLnBrk="1" fontAlgn="auto" hangingPunct="1">
-              <a:spcAft>
-                <a:spcPts val="0"/>
-              </a:spcAft>
-              <a:buFont typeface="Arial" panose="020B0604020202020204" pitchFamily="34" charset="0"/>
-              <a:buNone/>
-              <a:defRPr/>
-            </a:pPr>
-            <a:r>
-              <a:rPr lang="en-US" dirty="0" smtClean="0"/>
-              <a:t>	echo Error on compilation</a:t>
-            </a:r>
-          </a:p>
-          <a:p>
-            <a:pPr marL="0" indent="0" eaLnBrk="1" fontAlgn="auto" hangingPunct="1">
-              <a:spcAft>
-                <a:spcPts val="0"/>
-              </a:spcAft>
-              <a:buFont typeface="Arial" panose="020B0604020202020204" pitchFamily="34" charset="0"/>
-              <a:buNone/>
-              <a:defRPr/>
-            </a:pPr>
-            <a:r>
-              <a:rPr lang="en-US" dirty="0" smtClean="0"/>
-              <a:t>	exit 1</a:t>
-            </a:r>
-          </a:p>
-          <a:p>
-            <a:pPr marL="0" indent="0" eaLnBrk="1" fontAlgn="auto" hangingPunct="1">
-              <a:spcAft>
-                <a:spcPts val="0"/>
-              </a:spcAft>
-              <a:buFont typeface="Arial" panose="020B0604020202020204" pitchFamily="34" charset="0"/>
-              <a:buNone/>
-              <a:defRPr/>
-            </a:pPr>
-            <a:r>
-              <a:rPr lang="en-US" dirty="0" err="1" smtClean="0"/>
-              <a:t>endif</a:t>
-            </a:r>
-            <a:endParaRPr lang="en-US" dirty="0" smtClean="0"/>
-          </a:p>
-          <a:p>
-            <a:pPr marL="0" indent="0" eaLnBrk="1" fontAlgn="auto" hangingPunct="1">
-              <a:spcAft>
-                <a:spcPts val="0"/>
-              </a:spcAft>
-              <a:buFont typeface="Arial" panose="020B0604020202020204" pitchFamily="34" charset="0"/>
-              <a:buNone/>
-              <a:defRPr/>
-            </a:pPr>
-            <a:r>
-              <a:rPr lang="en-US" dirty="0" smtClean="0"/>
-              <a:t>source ../</a:t>
-            </a:r>
-            <a:r>
-              <a:rPr lang="en-US" dirty="0" err="1" smtClean="0"/>
-              <a:t>workFiles</a:t>
-            </a:r>
-            <a:r>
-              <a:rPr lang="en-US" dirty="0" smtClean="0"/>
-              <a:t>/</a:t>
-            </a:r>
-            <a:r>
-              <a:rPr lang="en-US" dirty="0" err="1" smtClean="0"/>
-              <a:t>make_run_dir.csh</a:t>
-            </a:r>
-            <a:endParaRPr lang="en-US" dirty="0" smtClean="0"/>
-          </a:p>
-          <a:p>
-            <a:pPr marL="0" indent="0" eaLnBrk="1" fontAlgn="auto" hangingPunct="1">
-              <a:spcAft>
-                <a:spcPts val="0"/>
-              </a:spcAft>
-              <a:buFont typeface="Arial" panose="020B0604020202020204" pitchFamily="34" charset="0"/>
-              <a:buNone/>
-              <a:defRPr/>
-            </a:pPr>
-            <a:r>
-              <a:rPr lang="en-US" dirty="0" smtClean="0"/>
-              <a:t>date  </a:t>
-            </a:r>
-          </a:p>
-          <a:p>
-            <a:pPr marL="0" indent="0" eaLnBrk="1" fontAlgn="auto" hangingPunct="1">
-              <a:spcAft>
-                <a:spcPts val="0"/>
-              </a:spcAft>
-              <a:buFont typeface="Arial" panose="020B0604020202020204" pitchFamily="34" charset="0"/>
-              <a:buNone/>
-              <a:defRPr/>
-            </a:pPr>
-            <a:r>
-              <a:rPr lang="en-US" dirty="0" smtClean="0"/>
-              <a:t>echo </a:t>
-            </a:r>
-            <a:r>
-              <a:rPr lang="en-US" dirty="0" err="1" smtClean="0"/>
-              <a:t>MELLANOX_STAGE_End</a:t>
-            </a:r>
-            <a:r>
-              <a:rPr lang="en-US" dirty="0" smtClean="0"/>
-              <a:t>  </a:t>
-            </a:r>
-          </a:p>
-          <a:p>
-            <a:pPr marL="0" indent="0" eaLnBrk="1" fontAlgn="auto" hangingPunct="1">
-              <a:spcAft>
-                <a:spcPts val="0"/>
-              </a:spcAft>
-              <a:buFont typeface="Arial" panose="020B0604020202020204" pitchFamily="34" charset="0"/>
-              <a:buNone/>
-              <a:defRPr/>
-            </a:pPr>
-            <a:r>
-              <a:rPr lang="en-US" dirty="0" smtClean="0"/>
-              <a:t>echo "coffee |_P ?"</a:t>
-            </a:r>
-          </a:p>
-          <a:p>
-            <a:pPr marL="0" indent="0" eaLnBrk="1" fontAlgn="auto" hangingPunct="1">
-              <a:spcAft>
-                <a:spcPts val="0"/>
-              </a:spcAft>
-              <a:buFont typeface="Arial" panose="020B0604020202020204" pitchFamily="34" charset="0"/>
-              <a:buNone/>
-              <a:defRPr/>
-            </a:pPr>
-            <a:r>
-              <a:rPr lang="en-US" dirty="0" err="1" smtClean="0"/>
-              <a:t>endif</a:t>
-            </a:r>
-            <a:endParaRPr lang="en-US" dirty="0" smtClean="0"/>
-          </a:p>
-          <a:p>
-            <a:pPr marL="0" indent="0" eaLnBrk="1" fontAlgn="auto" hangingPunct="1">
-              <a:spcAft>
-                <a:spcPts val="0"/>
-              </a:spcAft>
-              <a:buFont typeface="Arial" panose="020B0604020202020204" pitchFamily="34" charset="0"/>
-              <a:buNone/>
-              <a:defRPr/>
-            </a:pPr>
-            <a:endParaRPr lang="en-US" dirty="0"/>
+            <a:r>
+              <a:rPr lang="en-US" dirty="0" smtClean="0">
+                <a:solidFill>
+                  <a:srgbClr val="FF0000"/>
+                </a:solidFill>
+              </a:rPr>
+              <a:t>outputs</a:t>
+            </a:r>
+            <a:endParaRPr lang="en-US" dirty="0">
+              <a:solidFill>
+                <a:srgbClr val="FF0000"/>
+              </a:solidFill>
+            </a:endParaRPr>
           </a:p>
         </p:txBody>
       </p:sp>
     </p:spTree>
+    <p:extLst>
+      <p:ext uri="{BB962C8B-B14F-4D97-AF65-F5344CB8AC3E}">
+        <p14:creationId xmlns:p14="http://schemas.microsoft.com/office/powerpoint/2010/main" val="2440357223"/>
+      </p:ext>
+    </p:extLst>
   </p:cSld>
   <p:clrMapOvr>
     <a:masterClrMapping/>
   </p:clrMapOvr>
+  <mc:AlternateContent xmlns:mc="http://schemas.openxmlformats.org/markup-compatibility/2006" xmlns:p14="http://schemas.microsoft.com/office/powerpoint/2010/main">
+    <mc:Choice Requires="p14">
+      <p:transition p14:dur="0"/>
+    </mc:Choice>
+    <mc:Fallback xmlns="">
+      <p:transition/>
+    </mc:Fallback>
+  </mc:AlternateContent>
   <p:timing>
     <p:tnLst>
       <p:par>
-        <p:cTn id="1" dur="indefinite" restart="never" nodeType="tmRoot"/>
+        <p:cTn id="1" dur="indefinite" restart="never" nodeType="tmRoot">
+          <p:childTnLst>
+            <p:seq concurrent="1" nextAc="seek">
+              <p:cTn id="2" dur="indefinite" nodeType="mainSeq">
+                <p:childTnLst>
+                  <p:par>
+                    <p:cTn id="3" fill="hold">
+                      <p:stCondLst>
+                        <p:cond delay="indefinite"/>
+                      </p:stCondLst>
+                      <p:childTnLst>
+                        <p:par>
+                          <p:cTn id="4" fill="hold">
+                            <p:stCondLst>
+                              <p:cond delay="0"/>
+                            </p:stCondLst>
+                            <p:childTnLst>
+                              <p:par>
+                                <p:cTn id="5" presetID="42" presetClass="entr" presetSubtype="0" fill="hold" grpId="0" nodeType="clickEffect">
+                                  <p:stCondLst>
+                                    <p:cond delay="0"/>
+                                  </p:stCondLst>
+                                  <p:childTnLst>
+                                    <p:set>
+                                      <p:cBhvr>
+                                        <p:cTn id="6" dur="1" fill="hold">
+                                          <p:stCondLst>
+                                            <p:cond delay="0"/>
+                                          </p:stCondLst>
+                                        </p:cTn>
+                                        <p:tgtEl>
+                                          <p:spTgt spid="101"/>
+                                        </p:tgtEl>
+                                        <p:attrNameLst>
+                                          <p:attrName>style.visibility</p:attrName>
+                                        </p:attrNameLst>
+                                      </p:cBhvr>
+                                      <p:to>
+                                        <p:strVal val="visible"/>
+                                      </p:to>
+                                    </p:set>
+                                    <p:animEffect transition="in" filter="fade">
+                                      <p:cBhvr>
+                                        <p:cTn id="7" dur="1000"/>
+                                        <p:tgtEl>
+                                          <p:spTgt spid="101"/>
+                                        </p:tgtEl>
+                                      </p:cBhvr>
+                                    </p:animEffect>
+                                    <p:anim calcmode="lin" valueType="num">
+                                      <p:cBhvr>
+                                        <p:cTn id="8" dur="1000" fill="hold"/>
+                                        <p:tgtEl>
+                                          <p:spTgt spid="101"/>
+                                        </p:tgtEl>
+                                        <p:attrNameLst>
+                                          <p:attrName>ppt_x</p:attrName>
+                                        </p:attrNameLst>
+                                      </p:cBhvr>
+                                      <p:tavLst>
+                                        <p:tav tm="0">
+                                          <p:val>
+                                            <p:strVal val="#ppt_x"/>
+                                          </p:val>
+                                        </p:tav>
+                                        <p:tav tm="100000">
+                                          <p:val>
+                                            <p:strVal val="#ppt_x"/>
+                                          </p:val>
+                                        </p:tav>
+                                      </p:tavLst>
+                                    </p:anim>
+                                    <p:anim calcmode="lin" valueType="num">
+                                      <p:cBhvr>
+                                        <p:cTn id="9" dur="1000" fill="hold"/>
+                                        <p:tgtEl>
+                                          <p:spTgt spid="101"/>
+                                        </p:tgtEl>
+                                        <p:attrNameLst>
+                                          <p:attrName>ppt_y</p:attrName>
+                                        </p:attrNameLst>
+                                      </p:cBhvr>
+                                      <p:tavLst>
+                                        <p:tav tm="0">
+                                          <p:val>
+                                            <p:strVal val="#ppt_y+.1"/>
+                                          </p:val>
+                                        </p:tav>
+                                        <p:tav tm="100000">
+                                          <p:val>
+                                            <p:strVal val="#ppt_y"/>
+                                          </p:val>
+                                        </p:tav>
+                                      </p:tavLst>
+                                    </p:anim>
+                                  </p:childTnLst>
+                                </p:cTn>
+                              </p:par>
+                              <p:par>
+                                <p:cTn id="10" presetID="42" presetClass="entr" presetSubtype="0" fill="hold" grpId="0" nodeType="withEffect">
+                                  <p:stCondLst>
+                                    <p:cond delay="0"/>
+                                  </p:stCondLst>
+                                  <p:childTnLst>
+                                    <p:set>
+                                      <p:cBhvr>
+                                        <p:cTn id="11" dur="1" fill="hold">
+                                          <p:stCondLst>
+                                            <p:cond delay="0"/>
+                                          </p:stCondLst>
+                                        </p:cTn>
+                                        <p:tgtEl>
+                                          <p:spTgt spid="102"/>
+                                        </p:tgtEl>
+                                        <p:attrNameLst>
+                                          <p:attrName>style.visibility</p:attrName>
+                                        </p:attrNameLst>
+                                      </p:cBhvr>
+                                      <p:to>
+                                        <p:strVal val="visible"/>
+                                      </p:to>
+                                    </p:set>
+                                    <p:animEffect transition="in" filter="fade">
+                                      <p:cBhvr>
+                                        <p:cTn id="12" dur="1000"/>
+                                        <p:tgtEl>
+                                          <p:spTgt spid="102"/>
+                                        </p:tgtEl>
+                                      </p:cBhvr>
+                                    </p:animEffect>
+                                    <p:anim calcmode="lin" valueType="num">
+                                      <p:cBhvr>
+                                        <p:cTn id="13" dur="1000" fill="hold"/>
+                                        <p:tgtEl>
+                                          <p:spTgt spid="102"/>
+                                        </p:tgtEl>
+                                        <p:attrNameLst>
+                                          <p:attrName>ppt_x</p:attrName>
+                                        </p:attrNameLst>
+                                      </p:cBhvr>
+                                      <p:tavLst>
+                                        <p:tav tm="0">
+                                          <p:val>
+                                            <p:strVal val="#ppt_x"/>
+                                          </p:val>
+                                        </p:tav>
+                                        <p:tav tm="100000">
+                                          <p:val>
+                                            <p:strVal val="#ppt_x"/>
+                                          </p:val>
+                                        </p:tav>
+                                      </p:tavLst>
+                                    </p:anim>
+                                    <p:anim calcmode="lin" valueType="num">
+                                      <p:cBhvr>
+                                        <p:cTn id="14" dur="1000" fill="hold"/>
+                                        <p:tgtEl>
+                                          <p:spTgt spid="102"/>
+                                        </p:tgtEl>
+                                        <p:attrNameLst>
+                                          <p:attrName>ppt_y</p:attrName>
+                                        </p:attrNameLst>
+                                      </p:cBhvr>
+                                      <p:tavLst>
+                                        <p:tav tm="0">
+                                          <p:val>
+                                            <p:strVal val="#ppt_y+.1"/>
+                                          </p:val>
+                                        </p:tav>
+                                        <p:tav tm="100000">
+                                          <p:val>
+                                            <p:strVal val="#ppt_y"/>
+                                          </p:val>
+                                        </p:tav>
+                                      </p:tavLst>
+                                    </p:anim>
+                                  </p:childTnLst>
+                                </p:cTn>
+                              </p:par>
+                            </p:childTnLst>
+                          </p:cTn>
+                        </p:par>
+                      </p:childTnLst>
+                    </p:cTn>
+                  </p:par>
+                </p:childTnLst>
+              </p:cTn>
+              <p:prevCondLst>
+                <p:cond evt="onPrev" delay="0">
+                  <p:tgtEl>
+                    <p:sldTgt/>
+                  </p:tgtEl>
+                </p:cond>
+              </p:prevCondLst>
+              <p:nextCondLst>
+                <p:cond evt="onNext" delay="0">
+                  <p:tgtEl>
+                    <p:sldTgt/>
+                  </p:tgtEl>
+                </p:cond>
+              </p:nextCondLst>
+            </p:seq>
+          </p:childTnLst>
+        </p:cTn>
       </p:par>
     </p:tnLst>
+    <p:bldLst>
+      <p:bldP spid="101" grpId="0" animBg="1"/>
+      <p:bldP spid="102" grpId="0"/>
+    </p:bldLst>
   </p:timing>
 </p:sld>
 </file>
@@ -12654,7 +15550,7 @@
       </p:grpSpPr>
       <p:sp>
         <p:nvSpPr>
-          <p:cNvPr id="18433" name="Title 1"/>
+          <p:cNvPr id="17409" name="Title 1"/>
           <p:cNvSpPr>
             <a:spLocks noGrp="1"/>
           </p:cNvSpPr>
@@ -12664,8 +15560,8 @@
         </p:nvSpPr>
         <p:spPr>
           <a:xfrm>
-            <a:off x="457200" y="152400"/>
-            <a:ext cx="8229600" cy="762000"/>
+            <a:off x="457200" y="274638"/>
+            <a:ext cx="8229600" cy="868362"/>
           </a:xfrm>
         </p:spPr>
         <p:txBody>
@@ -12674,43 +15570,20 @@
           <a:p>
             <a:pPr eaLnBrk="1" hangingPunct="1"/>
             <a:r>
-              <a:rPr lang="en-US" sz="3200" dirty="0"/>
+              <a:rPr lang="en-US" dirty="0" smtClean="0"/>
               <a:t>Appendix A </a:t>
             </a:r>
             <a:r>
-              <a:rPr lang="en-US" sz="3200" dirty="0" err="1"/>
-              <a:t>Make_SA_model.csh</a:t>
-            </a:r>
-            <a:r>
-              <a:rPr lang="en-US" sz="3200" dirty="0"/>
-              <a:t> </a:t>
-            </a:r>
-            <a:r>
-              <a:rPr lang="en-US" sz="3200" dirty="0" smtClean="0"/>
-              <a:t/>
-            </a:r>
-            <a:br>
-              <a:rPr lang="en-US" sz="3200" dirty="0" smtClean="0"/>
-            </a:br>
-            <a:r>
-              <a:rPr lang="en-US" sz="2400" dirty="0" smtClean="0"/>
-              <a:t>(load files - </a:t>
-            </a:r>
-            <a:r>
-              <a:rPr lang="en-US" sz="2400" dirty="0" err="1" smtClean="0"/>
-              <a:t>vlan</a:t>
-            </a:r>
-            <a:r>
-              <a:rPr lang="en-US" sz="2400" dirty="0" smtClean="0"/>
-              <a:t>)</a:t>
-            </a:r>
-            <a:endParaRPr lang="en-US" sz="3200" dirty="0" smtClean="0"/>
+              <a:rPr lang="en-US" dirty="0" err="1" smtClean="0"/>
+              <a:t>Make_Saenv.csh</a:t>
+            </a:r>
+            <a:endParaRPr lang="en-US" dirty="0" smtClean="0"/>
           </a:p>
         </p:txBody>
       </p:sp>
       <p:sp>
         <p:nvSpPr>
-          <p:cNvPr id="18434" name="Content Placeholder 2"/>
+          <p:cNvPr id="3" name="Content Placeholder 2"/>
           <p:cNvSpPr>
             <a:spLocks noGrp="1"/>
           </p:cNvSpPr>
@@ -12718,181 +15591,422 @@
             <p:ph idx="1"/>
           </p:nvPr>
         </p:nvSpPr>
-        <p:spPr>
-          <a:xfrm>
-            <a:off x="457200" y="1219200"/>
-            <a:ext cx="8229600" cy="4038600"/>
-          </a:xfrm>
-        </p:spPr>
+        <p:spPr/>
         <p:txBody>
-          <a:bodyPr/>
+          <a:bodyPr rtlCol="0">
+            <a:normAutofit fontScale="40000" lnSpcReduction="20000"/>
+          </a:bodyPr>
           <a:lstStyle/>
           <a:p>
-            <a:pPr marL="0" indent="0" eaLnBrk="1" hangingPunct="1">
-              <a:buFont typeface="Arial" charset="0"/>
+            <a:pPr marL="0" indent="0" eaLnBrk="1" fontAlgn="auto" hangingPunct="1">
+              <a:spcAft>
+                <a:spcPts val="0"/>
+              </a:spcAft>
+              <a:buFont typeface="Arial" panose="020B0604020202020204" pitchFamily="34" charset="0"/>
               <a:buNone/>
+              <a:defRPr/>
             </a:pPr>
             <a:r>
-              <a:rPr lang="en-US" sz="1200" smtClean="0"/>
-              <a:t>##!/usr/local/bin/csh</a:t>
-            </a:r>
-          </a:p>
-          <a:p>
-            <a:pPr marL="0" indent="0" eaLnBrk="1" hangingPunct="1">
-              <a:buFont typeface="Arial" charset="0"/>
+              <a:rPr lang="en-US" dirty="0" smtClean="0"/>
+              <a:t>##!/</a:t>
+            </a:r>
+            <a:r>
+              <a:rPr lang="en-US" dirty="0" err="1" smtClean="0"/>
+              <a:t>usr</a:t>
+            </a:r>
+            <a:r>
+              <a:rPr lang="en-US" dirty="0" smtClean="0"/>
+              <a:t>/local/bin/</a:t>
+            </a:r>
+            <a:r>
+              <a:rPr lang="en-US" dirty="0" err="1" smtClean="0"/>
+              <a:t>csh</a:t>
+            </a:r>
+            <a:endParaRPr lang="en-US" dirty="0" smtClean="0"/>
+          </a:p>
+          <a:p>
+            <a:pPr marL="0" indent="0" eaLnBrk="1" fontAlgn="auto" hangingPunct="1">
+              <a:spcAft>
+                <a:spcPts val="0"/>
+              </a:spcAft>
+              <a:buFont typeface="Arial" panose="020B0604020202020204" pitchFamily="34" charset="0"/>
               <a:buNone/>
+              <a:defRPr/>
             </a:pPr>
             <a:r>
-              <a:rPr lang="en-US" sz="1200" smtClean="0"/>
+              <a:rPr lang="en-US" dirty="0" smtClean="0"/>
+              <a:t>source </a:t>
+            </a:r>
+            <a:r>
+              <a:rPr lang="en-US" dirty="0" err="1" smtClean="0"/>
+              <a:t>synthScripts</a:t>
+            </a:r>
+            <a:r>
+              <a:rPr lang="en-US" dirty="0" smtClean="0"/>
+              <a:t>/setup</a:t>
+            </a:r>
+          </a:p>
+          <a:p>
+            <a:pPr marL="0" indent="0" eaLnBrk="1" fontAlgn="auto" hangingPunct="1">
+              <a:spcAft>
+                <a:spcPts val="0"/>
+              </a:spcAft>
+              <a:buFont typeface="Arial" panose="020B0604020202020204" pitchFamily="34" charset="0"/>
+              <a:buNone/>
+              <a:defRPr/>
+            </a:pPr>
+            <a:r>
+              <a:rPr lang="en-US" dirty="0" smtClean="0"/>
+              <a:t>if ($#</a:t>
+            </a:r>
+            <a:r>
+              <a:rPr lang="en-US" dirty="0" err="1" smtClean="0"/>
+              <a:t>argv</a:t>
+            </a:r>
+            <a:r>
+              <a:rPr lang="en-US" dirty="0" smtClean="0"/>
+              <a:t> &lt; 1) then </a:t>
+            </a:r>
+          </a:p>
+          <a:p>
+            <a:pPr marL="0" indent="0" eaLnBrk="1" fontAlgn="auto" hangingPunct="1">
+              <a:spcAft>
+                <a:spcPts val="0"/>
+              </a:spcAft>
+              <a:buFont typeface="Arial" panose="020B0604020202020204" pitchFamily="34" charset="0"/>
+              <a:buNone/>
+              <a:defRPr/>
+            </a:pPr>
+            <a:r>
+              <a:rPr lang="en-US" dirty="0" smtClean="0"/>
+              <a:t>	echo "Please add directory name"</a:t>
+            </a:r>
+          </a:p>
+          <a:p>
+            <a:pPr marL="0" indent="0" eaLnBrk="1" fontAlgn="auto" hangingPunct="1">
+              <a:spcAft>
+                <a:spcPts val="0"/>
+              </a:spcAft>
+              <a:buFont typeface="Arial" panose="020B0604020202020204" pitchFamily="34" charset="0"/>
+              <a:buNone/>
+              <a:defRPr/>
+            </a:pPr>
+            <a:r>
+              <a:rPr lang="en-US" dirty="0" smtClean="0"/>
+              <a:t>else </a:t>
+            </a:r>
+          </a:p>
+          <a:p>
+            <a:pPr marL="0" indent="0" eaLnBrk="1" fontAlgn="auto" hangingPunct="1">
+              <a:spcAft>
+                <a:spcPts val="0"/>
+              </a:spcAft>
+              <a:buFont typeface="Arial" panose="020B0604020202020204" pitchFamily="34" charset="0"/>
+              <a:buNone/>
+              <a:defRPr/>
+            </a:pPr>
+            <a:r>
+              <a:rPr lang="en-US" dirty="0" smtClean="0"/>
+              <a:t>echo "new compilation directory $1"</a:t>
+            </a:r>
+          </a:p>
+          <a:p>
+            <a:pPr marL="0" indent="0" eaLnBrk="1" fontAlgn="auto" hangingPunct="1">
+              <a:spcAft>
+                <a:spcPts val="0"/>
+              </a:spcAft>
+              <a:buFont typeface="Arial" panose="020B0604020202020204" pitchFamily="34" charset="0"/>
+              <a:buNone/>
+              <a:defRPr/>
+            </a:pPr>
+            <a:r>
+              <a:rPr lang="en-US" dirty="0" smtClean="0"/>
+              <a:t>\</a:t>
+            </a:r>
+            <a:r>
+              <a:rPr lang="en-US" dirty="0" err="1" smtClean="0"/>
+              <a:t>rm</a:t>
+            </a:r>
+            <a:r>
+              <a:rPr lang="en-US" dirty="0" smtClean="0"/>
+              <a:t> -</a:t>
+            </a:r>
+            <a:r>
+              <a:rPr lang="en-US" dirty="0" err="1" smtClean="0"/>
+              <a:t>rf</a:t>
+            </a:r>
+            <a:r>
+              <a:rPr lang="en-US" dirty="0" smtClean="0"/>
+              <a:t> $1</a:t>
+            </a:r>
+          </a:p>
+          <a:p>
+            <a:pPr marL="0" indent="0" eaLnBrk="1" fontAlgn="auto" hangingPunct="1">
+              <a:spcAft>
+                <a:spcPts val="0"/>
+              </a:spcAft>
+              <a:buFont typeface="Arial" panose="020B0604020202020204" pitchFamily="34" charset="0"/>
+              <a:buNone/>
+              <a:defRPr/>
+            </a:pPr>
+            <a:r>
+              <a:rPr lang="en-US" dirty="0" err="1" smtClean="0"/>
+              <a:t>mkdir</a:t>
+            </a:r>
+            <a:r>
+              <a:rPr lang="en-US" dirty="0" smtClean="0"/>
+              <a:t> $1</a:t>
+            </a:r>
+          </a:p>
+          <a:p>
+            <a:pPr marL="0" indent="0" eaLnBrk="1" fontAlgn="auto" hangingPunct="1">
+              <a:spcAft>
+                <a:spcPts val="0"/>
+              </a:spcAft>
+              <a:buFont typeface="Arial" panose="020B0604020202020204" pitchFamily="34" charset="0"/>
+              <a:buNone/>
+              <a:defRPr/>
+            </a:pPr>
+            <a:r>
+              <a:rPr lang="en-US" dirty="0" err="1" smtClean="0"/>
+              <a:t>cp</a:t>
+            </a:r>
+            <a:r>
+              <a:rPr lang="en-US" dirty="0" smtClean="0"/>
+              <a:t> </a:t>
+            </a:r>
+            <a:r>
+              <a:rPr lang="en-US" dirty="0" err="1" smtClean="0"/>
+              <a:t>synthScripts</a:t>
+            </a:r>
+            <a:r>
+              <a:rPr lang="en-US" dirty="0" smtClean="0"/>
+              <a:t>/* $1/.</a:t>
+            </a:r>
+          </a:p>
+          <a:p>
+            <a:pPr marL="0" indent="0" eaLnBrk="1" fontAlgn="auto" hangingPunct="1">
+              <a:spcAft>
+                <a:spcPts val="0"/>
+              </a:spcAft>
+              <a:buFont typeface="Arial" panose="020B0604020202020204" pitchFamily="34" charset="0"/>
+              <a:buNone/>
+              <a:defRPr/>
+            </a:pPr>
+            <a:r>
+              <a:rPr lang="en-US" dirty="0" smtClean="0"/>
+              <a:t>cd $1</a:t>
+            </a:r>
+          </a:p>
+          <a:p>
+            <a:pPr marL="0" indent="0" eaLnBrk="1" fontAlgn="auto" hangingPunct="1">
+              <a:spcAft>
+                <a:spcPts val="0"/>
+              </a:spcAft>
+              <a:buFont typeface="Arial" panose="020B0604020202020204" pitchFamily="34" charset="0"/>
+              <a:buNone/>
+              <a:defRPr/>
+            </a:pPr>
+            <a:r>
+              <a:rPr lang="en-US" dirty="0" smtClean="0"/>
               <a:t>date</a:t>
             </a:r>
           </a:p>
           <a:p>
-            <a:pPr marL="0" indent="0" eaLnBrk="1" hangingPunct="1">
-              <a:buFont typeface="Arial" charset="0"/>
+            <a:pPr marL="0" indent="0" eaLnBrk="1" fontAlgn="auto" hangingPunct="1">
+              <a:spcAft>
+                <a:spcPts val="0"/>
+              </a:spcAft>
+              <a:buFont typeface="Arial" panose="020B0604020202020204" pitchFamily="34" charset="0"/>
               <a:buNone/>
+              <a:defRPr/>
             </a:pPr>
             <a:r>
-              <a:rPr lang="en-US" sz="1200" smtClean="0"/>
-              <a:t>cp synthScripts/* $1/.</a:t>
-            </a:r>
-          </a:p>
-          <a:p>
-            <a:pPr marL="0" indent="0" eaLnBrk="1" hangingPunct="1">
-              <a:buFont typeface="Arial" charset="0"/>
+              <a:rPr lang="en-US" dirty="0" smtClean="0"/>
+              <a:t>source setup</a:t>
+            </a:r>
+          </a:p>
+          <a:p>
+            <a:pPr marL="0" indent="0" eaLnBrk="1" fontAlgn="auto" hangingPunct="1">
+              <a:spcAft>
+                <a:spcPts val="0"/>
+              </a:spcAft>
+              <a:buFont typeface="Arial" panose="020B0604020202020204" pitchFamily="34" charset="0"/>
               <a:buNone/>
+              <a:defRPr/>
             </a:pPr>
             <a:r>
-              <a:rPr lang="en-US" sz="1200" smtClean="0"/>
-              <a:t>echo MELLANOX_STAGE I Yaron environment vlan  </a:t>
-            </a:r>
-          </a:p>
-          <a:p>
-            <a:pPr marL="0" indent="0" eaLnBrk="1" hangingPunct="1">
-              <a:buFont typeface="Arial" charset="0"/>
+              <a:rPr lang="en-US" dirty="0" smtClean="0"/>
+              <a:t>source </a:t>
+            </a:r>
+            <a:r>
+              <a:rPr lang="en-US" dirty="0" err="1" smtClean="0"/>
+              <a:t>make_SA_model.csh</a:t>
+            </a:r>
+            <a:r>
+              <a:rPr lang="en-US" dirty="0" smtClean="0"/>
+              <a:t> |tee make_SA_model.log</a:t>
+            </a:r>
+          </a:p>
+          <a:p>
+            <a:pPr marL="0" indent="0" eaLnBrk="1" fontAlgn="auto" hangingPunct="1">
+              <a:spcAft>
+                <a:spcPts val="0"/>
+              </a:spcAft>
+              <a:buFont typeface="Arial" panose="020B0604020202020204" pitchFamily="34" charset="0"/>
               <a:buNone/>
+              <a:defRPr/>
             </a:pPr>
             <a:r>
-              <a:rPr lang="en-US" sz="1200" smtClean="0"/>
-              <a:t>vlan -sv -f compile_inputs.tcl +rtlCommentPragma +tran_relax</a:t>
-            </a:r>
-          </a:p>
-          <a:p>
-            <a:pPr marL="0" indent="0" eaLnBrk="1" hangingPunct="1">
-              <a:buFont typeface="Arial" charset="0"/>
+              <a:rPr lang="en-US" dirty="0" smtClean="0"/>
+              <a:t>if($?) then </a:t>
+            </a:r>
+          </a:p>
+          <a:p>
+            <a:pPr marL="0" indent="0" eaLnBrk="1" fontAlgn="auto" hangingPunct="1">
+              <a:spcAft>
+                <a:spcPts val="0"/>
+              </a:spcAft>
+              <a:buFont typeface="Arial" panose="020B0604020202020204" pitchFamily="34" charset="0"/>
               <a:buNone/>
+              <a:defRPr/>
             </a:pPr>
             <a:r>
-              <a:rPr lang="en-US" sz="1200" smtClean="0"/>
-              <a:t>if($?) then </a:t>
-            </a:r>
-          </a:p>
-          <a:p>
-            <a:pPr marL="0" indent="0" eaLnBrk="1" hangingPunct="1">
-              <a:buFont typeface="Arial" charset="0"/>
+              <a:rPr lang="en-US" dirty="0" smtClean="0"/>
+              <a:t>	echo Error on compilation</a:t>
+            </a:r>
+          </a:p>
+          <a:p>
+            <a:pPr marL="0" indent="0" eaLnBrk="1" fontAlgn="auto" hangingPunct="1">
+              <a:spcAft>
+                <a:spcPts val="0"/>
+              </a:spcAft>
+              <a:buFont typeface="Arial" panose="020B0604020202020204" pitchFamily="34" charset="0"/>
               <a:buNone/>
+              <a:defRPr/>
             </a:pPr>
             <a:r>
-              <a:rPr lang="en-US" sz="1200" smtClean="0"/>
-              <a:t>	echo Error on Vlan</a:t>
-            </a:r>
-          </a:p>
-          <a:p>
-            <a:pPr marL="0" indent="0" eaLnBrk="1" hangingPunct="1">
-              <a:buFont typeface="Arial" charset="0"/>
+              <a:rPr lang="en-US" dirty="0" smtClean="0"/>
+              <a:t>	exit 1</a:t>
+            </a:r>
+          </a:p>
+          <a:p>
+            <a:pPr marL="0" indent="0" eaLnBrk="1" fontAlgn="auto" hangingPunct="1">
+              <a:spcAft>
+                <a:spcPts val="0"/>
+              </a:spcAft>
+              <a:buFont typeface="Arial" panose="020B0604020202020204" pitchFamily="34" charset="0"/>
               <a:buNone/>
+              <a:defRPr/>
             </a:pPr>
             <a:r>
-              <a:rPr lang="en-US" sz="1200" smtClean="0"/>
-              <a:t>	exit 1</a:t>
-            </a:r>
-          </a:p>
-          <a:p>
-            <a:pPr marL="0" indent="0" eaLnBrk="1" hangingPunct="1">
-              <a:buFont typeface="Arial" charset="0"/>
+              <a:rPr lang="en-US" dirty="0" err="1" smtClean="0"/>
+              <a:t>endif</a:t>
+            </a:r>
+            <a:endParaRPr lang="en-US" dirty="0" smtClean="0"/>
+          </a:p>
+          <a:p>
+            <a:pPr marL="0" indent="0" eaLnBrk="1" fontAlgn="auto" hangingPunct="1">
+              <a:spcAft>
+                <a:spcPts val="0"/>
+              </a:spcAft>
+              <a:buFont typeface="Arial" panose="020B0604020202020204" pitchFamily="34" charset="0"/>
               <a:buNone/>
+              <a:defRPr/>
             </a:pPr>
             <a:r>
-              <a:rPr lang="en-US" sz="1200" smtClean="0"/>
+              <a:rPr lang="en-US" dirty="0" smtClean="0"/>
+              <a:t>source ../</a:t>
+            </a:r>
+            <a:r>
+              <a:rPr lang="en-US" dirty="0" err="1" smtClean="0"/>
+              <a:t>workFiles</a:t>
+            </a:r>
+            <a:r>
+              <a:rPr lang="en-US" dirty="0" smtClean="0"/>
+              <a:t>/</a:t>
+            </a:r>
+            <a:r>
+              <a:rPr lang="en-US" dirty="0" err="1" smtClean="0"/>
+              <a:t>make_run_dir.csh</a:t>
+            </a:r>
+            <a:endParaRPr lang="en-US" dirty="0" smtClean="0"/>
+          </a:p>
+          <a:p>
+            <a:pPr marL="0" indent="0" eaLnBrk="1" fontAlgn="auto" hangingPunct="1">
+              <a:spcAft>
+                <a:spcPts val="0"/>
+              </a:spcAft>
+              <a:buFont typeface="Arial" panose="020B0604020202020204" pitchFamily="34" charset="0"/>
+              <a:buNone/>
+              <a:defRPr/>
+            </a:pPr>
+            <a:r>
+              <a:rPr lang="en-US" dirty="0" smtClean="0"/>
+              <a:t>date  </a:t>
+            </a:r>
+          </a:p>
+          <a:p>
+            <a:pPr marL="0" indent="0" eaLnBrk="1" fontAlgn="auto" hangingPunct="1">
+              <a:spcAft>
+                <a:spcPts val="0"/>
+              </a:spcAft>
+              <a:buFont typeface="Arial" panose="020B0604020202020204" pitchFamily="34" charset="0"/>
+              <a:buNone/>
+              <a:defRPr/>
+            </a:pPr>
+            <a:r>
+              <a:rPr lang="en-US" dirty="0" smtClean="0"/>
+              <a:t>echo </a:t>
+            </a:r>
+            <a:r>
+              <a:rPr lang="en-US" dirty="0" err="1" smtClean="0"/>
+              <a:t>MELLANOX_STAGE_End</a:t>
+            </a:r>
+            <a:r>
+              <a:rPr lang="en-US" dirty="0" smtClean="0"/>
+              <a:t>  </a:t>
+            </a:r>
+          </a:p>
+          <a:p>
+            <a:pPr marL="0" indent="0" eaLnBrk="1" fontAlgn="auto" hangingPunct="1">
+              <a:spcAft>
+                <a:spcPts val="0"/>
+              </a:spcAft>
+              <a:buFont typeface="Arial" panose="020B0604020202020204" pitchFamily="34" charset="0"/>
+              <a:buNone/>
+              <a:defRPr/>
+            </a:pPr>
+            <a:r>
+              <a:rPr lang="en-US" dirty="0" smtClean="0"/>
+              <a:t>echo "coffee |_P ?"</a:t>
+            </a:r>
+          </a:p>
+          <a:p>
+            <a:pPr marL="0" indent="0" eaLnBrk="1" fontAlgn="auto" hangingPunct="1">
+              <a:spcAft>
+                <a:spcPts val="0"/>
+              </a:spcAft>
+              <a:buFont typeface="Arial" panose="020B0604020202020204" pitchFamily="34" charset="0"/>
+              <a:buNone/>
+              <a:defRPr/>
+            </a:pPr>
+            <a:r>
+              <a:rPr lang="en-US" dirty="0" err="1" smtClean="0"/>
               <a:t>endif</a:t>
             </a:r>
-          </a:p>
-          <a:p>
-            <a:pPr marL="0" indent="0" eaLnBrk="1" hangingPunct="1">
-              <a:buFont typeface="Arial" charset="0"/>
+            <a:endParaRPr lang="en-US" dirty="0" smtClean="0"/>
+          </a:p>
+          <a:p>
+            <a:pPr marL="0" indent="0" eaLnBrk="1" fontAlgn="auto" hangingPunct="1">
+              <a:spcAft>
+                <a:spcPts val="0"/>
+              </a:spcAft>
+              <a:buFont typeface="Arial" panose="020B0604020202020204" pitchFamily="34" charset="0"/>
               <a:buNone/>
+              <a:defRPr/>
             </a:pPr>
-            <a:r>
-              <a:rPr lang="en-US" sz="1200" smtClean="0"/>
-              <a:t>date  </a:t>
-            </a:r>
-          </a:p>
-          <a:p>
-            <a:pPr marL="0" indent="0" eaLnBrk="1" hangingPunct="1">
-              <a:buFont typeface="Arial" charset="0"/>
-              <a:buNone/>
-            </a:pPr>
-            <a:r>
-              <a:rPr lang="en-US" sz="1200" smtClean="0"/>
-              <a:t>echo MELLANOX_STAGE II new environment vlan  </a:t>
-            </a:r>
-          </a:p>
-          <a:p>
-            <a:pPr marL="0" indent="0" eaLnBrk="1" hangingPunct="1">
-              <a:buFont typeface="Arial" charset="0"/>
-              <a:buNone/>
-            </a:pPr>
-            <a:r>
-              <a:rPr lang="en-US" sz="1200" smtClean="0"/>
-              <a:t>vlan -sv -f verilog_inputs.tcl +rtlCommentPragma +tran_relax</a:t>
-            </a:r>
-          </a:p>
-          <a:p>
-            <a:pPr marL="0" indent="0" eaLnBrk="1" hangingPunct="1">
-              <a:buFont typeface="Arial" charset="0"/>
-              <a:buNone/>
-            </a:pPr>
-            <a:r>
-              <a:rPr lang="en-US" sz="1200" smtClean="0"/>
-              <a:t>if($?) then </a:t>
-            </a:r>
-          </a:p>
-          <a:p>
-            <a:pPr marL="0" indent="0" eaLnBrk="1" hangingPunct="1">
-              <a:buFont typeface="Arial" charset="0"/>
-              <a:buNone/>
-            </a:pPr>
-            <a:r>
-              <a:rPr lang="en-US" sz="1200" smtClean="0"/>
-              <a:t>	echo Error in new environment </a:t>
-            </a:r>
-          </a:p>
-          <a:p>
-            <a:pPr marL="0" indent="0" eaLnBrk="1" hangingPunct="1">
-              <a:buFont typeface="Arial" charset="0"/>
-              <a:buNone/>
-            </a:pPr>
-            <a:r>
-              <a:rPr lang="en-US" sz="1200" smtClean="0"/>
-              <a:t>	exit 1</a:t>
-            </a:r>
-          </a:p>
-          <a:p>
-            <a:pPr marL="0" indent="0" eaLnBrk="1" hangingPunct="1">
-              <a:buFont typeface="Arial" charset="0"/>
-              <a:buNone/>
-            </a:pPr>
-            <a:r>
-              <a:rPr lang="en-US" sz="1200" smtClean="0"/>
-              <a:t>Endif</a:t>
-            </a:r>
-          </a:p>
-          <a:p>
-            <a:pPr marL="0" indent="0" eaLnBrk="1" hangingPunct="1">
-              <a:buFont typeface="Arial" charset="0"/>
-              <a:buNone/>
-            </a:pPr>
-            <a:endParaRPr lang="en-US" sz="1200" smtClean="0"/>
+            <a:endParaRPr lang="en-US" dirty="0"/>
           </a:p>
         </p:txBody>
       </p:sp>
@@ -12930,7 +16044,7 @@
       </p:grpSpPr>
       <p:sp>
         <p:nvSpPr>
-          <p:cNvPr id="19457" name="Title 1"/>
+          <p:cNvPr id="18433" name="Title 1"/>
           <p:cNvSpPr>
             <a:spLocks noGrp="1"/>
           </p:cNvSpPr>
@@ -12941,7 +16055,7 @@
         <p:spPr>
           <a:xfrm>
             <a:off x="457200" y="152400"/>
-            <a:ext cx="8229600" cy="563563"/>
+            <a:ext cx="8229600" cy="762000"/>
           </a:xfrm>
         </p:spPr>
         <p:txBody>
@@ -12962,18 +16076,6 @@
               <a:t> </a:t>
             </a:r>
             <a:r>
-              <a:rPr lang="en-US" sz="2400" dirty="0" smtClean="0"/>
-              <a:t>(</a:t>
-            </a:r>
-            <a:r>
-              <a:rPr lang="en-US" sz="2400" dirty="0" err="1" smtClean="0"/>
-              <a:t>cont</a:t>
-            </a:r>
-            <a:r>
-              <a:rPr lang="en-US" sz="2400" dirty="0" smtClean="0"/>
-              <a:t>)</a:t>
-            </a:r>
-            <a:r>
               <a:rPr lang="en-US" sz="3200" dirty="0" smtClean="0"/>
               <a:t/>
             </a:r>
@@ -12982,7 +16084,15 @@
             </a:br>
             <a:r>
               <a:rPr lang="en-US" sz="2400" dirty="0" smtClean="0"/>
-              <a:t>(synthesis &amp; module compilation – IXCOM)</a:t>
+              <a:t>(load files - </a:t>
+            </a:r>
+            <a:r>
+              <a:rPr lang="en-US" sz="2400" dirty="0" err="1" smtClean="0"/>
+              <a:t>vlan</a:t>
+            </a:r>
+            <a:r>
+              <a:rPr lang="en-US" sz="2400" dirty="0" smtClean="0"/>
+              <a:t>)</a:t>
             </a:r>
             <a:endParaRPr lang="en-US" sz="3200" dirty="0" smtClean="0"/>
           </a:p>
@@ -12990,7 +16100,7 @@
       </p:sp>
       <p:sp>
         <p:nvSpPr>
-          <p:cNvPr id="19458" name="Content Placeholder 2"/>
+          <p:cNvPr id="18434" name="Content Placeholder 2"/>
           <p:cNvSpPr>
             <a:spLocks noGrp="1"/>
           </p:cNvSpPr>
@@ -13000,8 +16110,8 @@
         </p:nvSpPr>
         <p:spPr>
           <a:xfrm>
-            <a:off x="457200" y="838200"/>
-            <a:ext cx="8229600" cy="5791200"/>
+            <a:off x="457200" y="1219200"/>
+            <a:ext cx="8229600" cy="4038600"/>
           </a:xfrm>
         </p:spPr>
         <p:txBody>
@@ -13012,7 +16122,10 @@
               <a:buFont typeface="Arial" charset="0"/>
               <a:buNone/>
             </a:pPr>
-            <a:endParaRPr lang="en-US" sz="1200" smtClean="0"/>
+            <a:r>
+              <a:rPr lang="en-US" sz="1200" smtClean="0"/>
+              <a:t>##!/usr/local/bin/csh</a:t>
+            </a:r>
           </a:p>
           <a:p>
             <a:pPr marL="0" indent="0" eaLnBrk="1" hangingPunct="1">
@@ -13021,7 +16134,7 @@
             </a:pPr>
             <a:r>
               <a:rPr lang="en-US" sz="1200" smtClean="0"/>
-              <a:t>date  </a:t>
+              <a:t>date</a:t>
             </a:r>
           </a:p>
           <a:p>
@@ -13031,7 +16144,7 @@
             </a:pPr>
             <a:r>
               <a:rPr lang="en-US" sz="1200" smtClean="0"/>
-              <a:t>echo MELLANOX_STAGE III ixcom synthsis </a:t>
+              <a:t>cp synthScripts/* $1/.</a:t>
             </a:r>
           </a:p>
           <a:p>
@@ -13041,7 +16154,7 @@
             </a:pPr>
             <a:r>
               <a:rPr lang="en-US" sz="1200" smtClean="0"/>
-              <a:t>ixcom -top external_bfms -top specman_hdl_ref -ua +dut+external_bfms+specman_hdl_ref +xcDesignTop+top.dut=external_bfms +ignoreNCVerCheck -timescale 100ps/100ps -target hdlice -log ixcom_synt.log +tran_relax +targetTop+external_bfms +1xua</a:t>
+              <a:t>echo MELLANOX_STAGE I Yaron environment vlan  </a:t>
             </a:r>
           </a:p>
           <a:p>
@@ -13051,7 +16164,7 @@
             </a:pPr>
             <a:r>
               <a:rPr lang="en-US" sz="1200" smtClean="0"/>
-              <a:t>if($?) then </a:t>
+              <a:t>vlan -sv -f compile_inputs.tcl +rtlCommentPragma +tran_relax</a:t>
             </a:r>
           </a:p>
           <a:p>
@@ -13061,7 +16174,7 @@
             </a:pPr>
             <a:r>
               <a:rPr lang="en-US" sz="1200" smtClean="0"/>
-              <a:t>       echo Error on Ixcom synthsis</a:t>
+              <a:t>if($?) then </a:t>
             </a:r>
           </a:p>
           <a:p>
@@ -13071,7 +16184,7 @@
             </a:pPr>
             <a:r>
               <a:rPr lang="en-US" sz="1200" smtClean="0"/>
-              <a:t>       exit 1</a:t>
+              <a:t>	echo Error on Vlan</a:t>
             </a:r>
           </a:p>
           <a:p>
@@ -13081,7 +16194,7 @@
             </a:pPr>
             <a:r>
               <a:rPr lang="en-US" sz="1200" smtClean="0"/>
-              <a:t>endif</a:t>
+              <a:t>	exit 1</a:t>
             </a:r>
           </a:p>
           <a:p>
@@ -13091,7 +16204,7 @@
             </a:pPr>
             <a:r>
               <a:rPr lang="en-US" sz="1200" smtClean="0"/>
-              <a:t>date  </a:t>
+              <a:t>endif</a:t>
             </a:r>
           </a:p>
           <a:p>
@@ -13101,7 +16214,7 @@
             </a:pPr>
             <a:r>
               <a:rPr lang="en-US" sz="1200" smtClean="0"/>
-              <a:t>echo MELLANOX_STAGE III ixcom compilation  </a:t>
+              <a:t>date  </a:t>
             </a:r>
           </a:p>
           <a:p>
@@ -13111,7 +16224,7 @@
             </a:pPr>
             <a:r>
               <a:rPr lang="en-US" sz="1200" smtClean="0"/>
-              <a:t>ixcom -xecompile compilerOptions=compilerOptions.qel +targetTop+external_bfms -log ixcom_comp.log +ignoreNCVerCheck -target xecompile</a:t>
+              <a:t>echo MELLANOX_STAGE II new environment vlan  </a:t>
             </a:r>
           </a:p>
           <a:p>
@@ -13121,7 +16234,7 @@
             </a:pPr>
             <a:r>
               <a:rPr lang="en-US" sz="1200" smtClean="0"/>
-              <a:t>if($?) then </a:t>
+              <a:t>vlan -sv -f verilog_inputs.tcl +rtlCommentPragma +tran_relax</a:t>
             </a:r>
           </a:p>
           <a:p>
@@ -13131,7 +16244,7 @@
             </a:pPr>
             <a:r>
               <a:rPr lang="en-US" sz="1200" smtClean="0"/>
-              <a:t>       echo Error on Ixcom compilation </a:t>
+              <a:t>if($?) then </a:t>
             </a:r>
           </a:p>
           <a:p>
@@ -13141,7 +16254,7 @@
             </a:pPr>
             <a:r>
               <a:rPr lang="en-US" sz="1200" smtClean="0"/>
-              <a:t>       exit 1</a:t>
+              <a:t>	echo Error in new environment </a:t>
             </a:r>
           </a:p>
           <a:p>
@@ -13151,7 +16264,7 @@
             </a:pPr>
             <a:r>
               <a:rPr lang="en-US" sz="1200" smtClean="0"/>
-              <a:t>endif</a:t>
+              <a:t>	exit 1</a:t>
             </a:r>
           </a:p>
           <a:p>
@@ -13159,7 +16272,10 @@
               <a:buFont typeface="Arial" charset="0"/>
               <a:buNone/>
             </a:pPr>
-            <a:endParaRPr lang="en-US" sz="1200" smtClean="0"/>
+            <a:r>
+              <a:rPr lang="en-US" sz="1200" smtClean="0"/>
+              <a:t>Endif</a:t>
+            </a:r>
           </a:p>
           <a:p>
             <a:pPr marL="0" indent="0" eaLnBrk="1" hangingPunct="1">
@@ -13204,6 +16320,280 @@
       </p:grpSpPr>
       <p:sp>
         <p:nvSpPr>
+          <p:cNvPr id="19457" name="Title 1"/>
+          <p:cNvSpPr>
+            <a:spLocks noGrp="1"/>
+          </p:cNvSpPr>
+          <p:nvPr>
+            <p:ph type="title"/>
+          </p:nvPr>
+        </p:nvSpPr>
+        <p:spPr>
+          <a:xfrm>
+            <a:off x="457200" y="152400"/>
+            <a:ext cx="8229600" cy="563563"/>
+          </a:xfrm>
+        </p:spPr>
+        <p:txBody>
+          <a:bodyPr/>
+          <a:lstStyle/>
+          <a:p>
+            <a:pPr eaLnBrk="1" hangingPunct="1"/>
+            <a:r>
+              <a:rPr lang="en-US" sz="3200" dirty="0"/>
+              <a:t>Appendix A </a:t>
+            </a:r>
+            <a:r>
+              <a:rPr lang="en-US" sz="3200" dirty="0" err="1"/>
+              <a:t>Make_SA_model.csh</a:t>
+            </a:r>
+            <a:r>
+              <a:rPr lang="en-US" sz="3200" dirty="0"/>
+              <a:t> </a:t>
+            </a:r>
+            <a:r>
+              <a:rPr lang="en-US" sz="2400" dirty="0" smtClean="0"/>
+              <a:t>(</a:t>
+            </a:r>
+            <a:r>
+              <a:rPr lang="en-US" sz="2400" dirty="0" err="1" smtClean="0"/>
+              <a:t>cont</a:t>
+            </a:r>
+            <a:r>
+              <a:rPr lang="en-US" sz="2400" dirty="0" smtClean="0"/>
+              <a:t>)</a:t>
+            </a:r>
+            <a:r>
+              <a:rPr lang="en-US" sz="3200" dirty="0" smtClean="0"/>
+              <a:t/>
+            </a:r>
+            <a:br>
+              <a:rPr lang="en-US" sz="3200" dirty="0" smtClean="0"/>
+            </a:br>
+            <a:r>
+              <a:rPr lang="en-US" sz="2400" dirty="0" smtClean="0"/>
+              <a:t>(synthesis &amp; module compilation – IXCOM)</a:t>
+            </a:r>
+            <a:endParaRPr lang="en-US" sz="3200" dirty="0" smtClean="0"/>
+          </a:p>
+        </p:txBody>
+      </p:sp>
+      <p:sp>
+        <p:nvSpPr>
+          <p:cNvPr id="19458" name="Content Placeholder 2"/>
+          <p:cNvSpPr>
+            <a:spLocks noGrp="1"/>
+          </p:cNvSpPr>
+          <p:nvPr>
+            <p:ph idx="1"/>
+          </p:nvPr>
+        </p:nvSpPr>
+        <p:spPr>
+          <a:xfrm>
+            <a:off x="457200" y="838200"/>
+            <a:ext cx="8229600" cy="5791200"/>
+          </a:xfrm>
+        </p:spPr>
+        <p:txBody>
+          <a:bodyPr/>
+          <a:lstStyle/>
+          <a:p>
+            <a:pPr marL="0" indent="0" eaLnBrk="1" hangingPunct="1">
+              <a:buFont typeface="Arial" charset="0"/>
+              <a:buNone/>
+            </a:pPr>
+            <a:endParaRPr lang="en-US" sz="1200" smtClean="0"/>
+          </a:p>
+          <a:p>
+            <a:pPr marL="0" indent="0" eaLnBrk="1" hangingPunct="1">
+              <a:buFont typeface="Arial" charset="0"/>
+              <a:buNone/>
+            </a:pPr>
+            <a:r>
+              <a:rPr lang="en-US" sz="1200" smtClean="0"/>
+              <a:t>date  </a:t>
+            </a:r>
+          </a:p>
+          <a:p>
+            <a:pPr marL="0" indent="0" eaLnBrk="1" hangingPunct="1">
+              <a:buFont typeface="Arial" charset="0"/>
+              <a:buNone/>
+            </a:pPr>
+            <a:r>
+              <a:rPr lang="en-US" sz="1200" smtClean="0"/>
+              <a:t>echo MELLANOX_STAGE III ixcom synthsis </a:t>
+            </a:r>
+          </a:p>
+          <a:p>
+            <a:pPr marL="0" indent="0" eaLnBrk="1" hangingPunct="1">
+              <a:buFont typeface="Arial" charset="0"/>
+              <a:buNone/>
+            </a:pPr>
+            <a:r>
+              <a:rPr lang="en-US" sz="1200" smtClean="0"/>
+              <a:t>ixcom -top external_bfms -top specman_hdl_ref -ua +dut+external_bfms+specman_hdl_ref +xcDesignTop+top.dut=external_bfms +ignoreNCVerCheck -timescale 100ps/100ps -target hdlice -log ixcom_synt.log +tran_relax +targetTop+external_bfms +1xua</a:t>
+            </a:r>
+          </a:p>
+          <a:p>
+            <a:pPr marL="0" indent="0" eaLnBrk="1" hangingPunct="1">
+              <a:buFont typeface="Arial" charset="0"/>
+              <a:buNone/>
+            </a:pPr>
+            <a:r>
+              <a:rPr lang="en-US" sz="1200" smtClean="0"/>
+              <a:t>if($?) then </a:t>
+            </a:r>
+          </a:p>
+          <a:p>
+            <a:pPr marL="0" indent="0" eaLnBrk="1" hangingPunct="1">
+              <a:buFont typeface="Arial" charset="0"/>
+              <a:buNone/>
+            </a:pPr>
+            <a:r>
+              <a:rPr lang="en-US" sz="1200" smtClean="0"/>
+              <a:t>       echo Error on Ixcom synthsis</a:t>
+            </a:r>
+          </a:p>
+          <a:p>
+            <a:pPr marL="0" indent="0" eaLnBrk="1" hangingPunct="1">
+              <a:buFont typeface="Arial" charset="0"/>
+              <a:buNone/>
+            </a:pPr>
+            <a:r>
+              <a:rPr lang="en-US" sz="1200" smtClean="0"/>
+              <a:t>       exit 1</a:t>
+            </a:r>
+          </a:p>
+          <a:p>
+            <a:pPr marL="0" indent="0" eaLnBrk="1" hangingPunct="1">
+              <a:buFont typeface="Arial" charset="0"/>
+              <a:buNone/>
+            </a:pPr>
+            <a:r>
+              <a:rPr lang="en-US" sz="1200" smtClean="0"/>
+              <a:t>endif</a:t>
+            </a:r>
+          </a:p>
+          <a:p>
+            <a:pPr marL="0" indent="0" eaLnBrk="1" hangingPunct="1">
+              <a:buFont typeface="Arial" charset="0"/>
+              <a:buNone/>
+            </a:pPr>
+            <a:r>
+              <a:rPr lang="en-US" sz="1200" smtClean="0"/>
+              <a:t>date  </a:t>
+            </a:r>
+          </a:p>
+          <a:p>
+            <a:pPr marL="0" indent="0" eaLnBrk="1" hangingPunct="1">
+              <a:buFont typeface="Arial" charset="0"/>
+              <a:buNone/>
+            </a:pPr>
+            <a:r>
+              <a:rPr lang="en-US" sz="1200" smtClean="0"/>
+              <a:t>echo MELLANOX_STAGE III ixcom compilation  </a:t>
+            </a:r>
+          </a:p>
+          <a:p>
+            <a:pPr marL="0" indent="0" eaLnBrk="1" hangingPunct="1">
+              <a:buFont typeface="Arial" charset="0"/>
+              <a:buNone/>
+            </a:pPr>
+            <a:r>
+              <a:rPr lang="en-US" sz="1200" smtClean="0"/>
+              <a:t>ixcom -xecompile compilerOptions=compilerOptions.qel +targetTop+external_bfms -log ixcom_comp.log +ignoreNCVerCheck -target xecompile</a:t>
+            </a:r>
+          </a:p>
+          <a:p>
+            <a:pPr marL="0" indent="0" eaLnBrk="1" hangingPunct="1">
+              <a:buFont typeface="Arial" charset="0"/>
+              <a:buNone/>
+            </a:pPr>
+            <a:r>
+              <a:rPr lang="en-US" sz="1200" smtClean="0"/>
+              <a:t>if($?) then </a:t>
+            </a:r>
+          </a:p>
+          <a:p>
+            <a:pPr marL="0" indent="0" eaLnBrk="1" hangingPunct="1">
+              <a:buFont typeface="Arial" charset="0"/>
+              <a:buNone/>
+            </a:pPr>
+            <a:r>
+              <a:rPr lang="en-US" sz="1200" smtClean="0"/>
+              <a:t>       echo Error on Ixcom compilation </a:t>
+            </a:r>
+          </a:p>
+          <a:p>
+            <a:pPr marL="0" indent="0" eaLnBrk="1" hangingPunct="1">
+              <a:buFont typeface="Arial" charset="0"/>
+              <a:buNone/>
+            </a:pPr>
+            <a:r>
+              <a:rPr lang="en-US" sz="1200" smtClean="0"/>
+              <a:t>       exit 1</a:t>
+            </a:r>
+          </a:p>
+          <a:p>
+            <a:pPr marL="0" indent="0" eaLnBrk="1" hangingPunct="1">
+              <a:buFont typeface="Arial" charset="0"/>
+              <a:buNone/>
+            </a:pPr>
+            <a:r>
+              <a:rPr lang="en-US" sz="1200" smtClean="0"/>
+              <a:t>endif</a:t>
+            </a:r>
+          </a:p>
+          <a:p>
+            <a:pPr marL="0" indent="0" eaLnBrk="1" hangingPunct="1">
+              <a:buFont typeface="Arial" charset="0"/>
+              <a:buNone/>
+            </a:pPr>
+            <a:endParaRPr lang="en-US" sz="1200" smtClean="0"/>
+          </a:p>
+          <a:p>
+            <a:pPr marL="0" indent="0" eaLnBrk="1" hangingPunct="1">
+              <a:buFont typeface="Arial" charset="0"/>
+              <a:buNone/>
+            </a:pPr>
+            <a:endParaRPr lang="en-US" sz="1200" smtClean="0"/>
+          </a:p>
+        </p:txBody>
+      </p:sp>
+    </p:spTree>
+  </p:cSld>
+  <p:clrMapOvr>
+    <a:masterClrMapping/>
+  </p:clrMapOvr>
+  <p:timing>
+    <p:tnLst>
+      <p:par>
+        <p:cTn id="1" dur="indefinite" restart="never" nodeType="tmRoot"/>
+      </p:par>
+    </p:tnLst>
+  </p:timing>
+</p:sld>
+</file>
+
+<file path=ppt/slides/slide17.xml><?xml version="1.0" encoding="utf-8"?>
+<p:sld xmlns:a="http://schemas.openxmlformats.org/drawingml/2006/main" xmlns:r="http://schemas.openxmlformats.org/officeDocument/2006/relationships" xmlns:p="http://schemas.openxmlformats.org/presentationml/2006/main">
+  <p:cSld>
+    <p:spTree>
+      <p:nvGrpSpPr>
+        <p:cNvPr id="1" name=""/>
+        <p:cNvGrpSpPr/>
+        <p:nvPr/>
+      </p:nvGrpSpPr>
+      <p:grpSpPr>
+        <a:xfrm>
+          <a:off x="0" y="0"/>
+          <a:ext cx="0" cy="0"/>
+          <a:chOff x="0" y="0"/>
+          <a:chExt cx="0" cy="0"/>
+        </a:xfrm>
+      </p:grpSpPr>
+      <p:sp>
+        <p:nvSpPr>
           <p:cNvPr id="20481" name="Title 1"/>
           <p:cNvSpPr>
             <a:spLocks noGrp="1"/>
@@ -13404,7 +16794,7 @@
 </p:sld>
 </file>
 
-<file path=ppt/slides/slide17.xml><?xml version="1.0" encoding="utf-8"?>
+<file path=ppt/slides/slide18.xml><?xml version="1.0" encoding="utf-8"?>
 <p:sld xmlns:a="http://schemas.openxmlformats.org/drawingml/2006/main" xmlns:r="http://schemas.openxmlformats.org/officeDocument/2006/relationships" xmlns:p="http://schemas.openxmlformats.org/presentationml/2006/main">
   <p:cSld>
     <p:spTree>
@@ -14773,15 +18163,7 @@
             </a:br>
             <a:r>
               <a:rPr lang="en-US" dirty="0" smtClean="0"/>
-              <a:t>Automate</a:t>
-            </a:r>
-            <a:r>
-              <a:rPr lang="en-US" dirty="0" smtClean="0"/>
-              <a:t> </a:t>
-            </a:r>
-            <a:r>
-              <a:rPr lang="en-US" dirty="0" smtClean="0"/>
-              <a:t>Compilation </a:t>
+              <a:t>Automate Compilation </a:t>
             </a:r>
             <a:endParaRPr lang="en-US" dirty="0"/>
           </a:p>
@@ -14866,11 +18248,7 @@
             </a:r>
             <a:r>
               <a:rPr lang="en-US" sz="2000" dirty="0" smtClean="0"/>
-              <a:t> files </a:t>
-            </a:r>
-            <a:r>
-              <a:rPr lang="en-US" sz="2000" dirty="0" smtClean="0"/>
-              <a:t>(</a:t>
+              <a:t> files (</a:t>
             </a:r>
             <a:r>
               <a:rPr lang="en-US" sz="2000" dirty="0" err="1" smtClean="0"/>
@@ -16190,11 +19568,11 @@
   <p:clrMapOvr>
     <a:masterClrMapping/>
   </p:clrMapOvr>
-  <mc:AlternateContent xmlns:mc="http://schemas.openxmlformats.org/markup-compatibility/2006">
-    <mc:Choice xmlns:p14="http://schemas.microsoft.com/office/powerpoint/2010/main" Requires="p14">
+  <mc:AlternateContent xmlns:mc="http://schemas.openxmlformats.org/markup-compatibility/2006" xmlns:p14="http://schemas.microsoft.com/office/powerpoint/2010/main">
+    <mc:Choice Requires="p14">
       <p:transition p14:dur="0"/>
     </mc:Choice>
-    <mc:Fallback>
+    <mc:Fallback xmlns="">
       <p:transition/>
     </mc:Fallback>
   </mc:AlternateContent>

--- a/Simulation Acceleration tutoria.pptx
+++ b/Simulation Acceleration tutoria.pptx
@@ -12642,11 +12642,7 @@
             </a:br>
             <a:r>
               <a:rPr lang="en-US" dirty="0" smtClean="0"/>
-              <a:t>working a </a:t>
-            </a:r>
-            <a:r>
-              <a:rPr lang="en-US" dirty="0" smtClean="0"/>
-              <a:t>module(outputs)</a:t>
+              <a:t>working a module(outputs)</a:t>
             </a:r>
             <a:endParaRPr lang="en-US" dirty="0"/>
           </a:p>
@@ -12679,7 +12675,6 @@
               <a:rPr lang="en-US" sz="2000" u="sng" dirty="0" smtClean="0"/>
               <a:t>Now for the outputs:</a:t>
             </a:r>
-            <a:endParaRPr lang="en-US" sz="2000" u="sng" dirty="0" smtClean="0"/>
           </a:p>
           <a:p>
             <a:pPr marL="0" indent="0">
@@ -12707,7 +12702,6 @@
               <a:rPr lang="en-US" sz="1800" dirty="0" smtClean="0"/>
               <a:t>(or its one of the modules we emptied in the compilation stage).</a:t>
             </a:r>
-            <a:endParaRPr lang="en-US" sz="1800" dirty="0" smtClean="0"/>
           </a:p>
         </p:txBody>
       </p:sp>
@@ -17690,7 +17684,19 @@
             </a:r>
             <a:r>
               <a:rPr lang="en-US" sz="1800" dirty="0" smtClean="0"/>
-              <a:t> environment we can use as much events as we like and as often as we like. So we some time us event even on the clock signal. In the Palladium the Palladium have to stop for each event transfer control to the UNIX for the </a:t>
+              <a:t> environment we can use as much events as we like and as often as we like</a:t>
+            </a:r>
+            <a:r>
+              <a:rPr lang="en-US" sz="1800" smtClean="0"/>
+              <a:t>. </a:t>
+            </a:r>
+            <a:r>
+              <a:rPr lang="en-US" sz="1800" smtClean="0"/>
+              <a:t>In </a:t>
+            </a:r>
+            <a:r>
+              <a:rPr lang="en-US" sz="1800" dirty="0" smtClean="0"/>
+              <a:t>the Palladium the Palladium have to stop for each event transfer control to the UNIX for the </a:t>
             </a:r>
             <a:r>
               <a:rPr lang="en-US" sz="1800" dirty="0" err="1" smtClean="0"/>
